--- a/Data Visualizationand Analysis/Lecture 1 - VISIT - How to plot IBAMR Data.pptx
+++ b/Data Visualizationand Analysis/Lecture 1 - VISIT - How to plot IBAMR Data.pptx
@@ -1,48 +1,49 @@
 
 <file path=ppt/presentation.xml><?xml version="1.0" encoding="utf-8"?>
-<p:presentation xmlns:a="http://schemas.openxmlformats.org/drawingml/2006/main" xmlns:r="http://schemas.openxmlformats.org/officeDocument/2006/relationships" xmlns:mc="http://schemas.openxmlformats.org/markup-compatibility/2006" xmlns:mv="urn:schemas-microsoft-com:mac:vml" xmlns:p="http://schemas.openxmlformats.org/presentationml/2006/main" xmlns:c="http://schemas.openxmlformats.org/drawingml/2006/chart" xmlns:dgm="http://schemas.openxmlformats.org/drawingml/2006/diagram" xmlns:o="urn:schemas-microsoft-com:office:office" xmlns:v="urn:schemas-microsoft-com:vml" xmlns:pvml="urn:schemas-microsoft-com:office:powerpoint" xmlns:com="http://schemas.openxmlformats.org/drawingml/2006/compatibility" xmlns:p14="http://schemas.microsoft.com/office/powerpoint/2010/main" xmlns:p15="http://schemas.microsoft.com/office/powerpoint/2012/main" autoCompressPictures="0" strictFirstAndLastChars="0" saveSubsetFonts="1">
+<p:presentation xmlns:a="http://schemas.openxmlformats.org/drawingml/2006/main" xmlns:r="http://schemas.openxmlformats.org/officeDocument/2006/relationships" xmlns:p="http://schemas.openxmlformats.org/presentationml/2006/main" strictFirstAndLastChars="0" saveSubsetFonts="1" autoCompressPictures="0">
   <p:sldMasterIdLst>
-    <p:sldMasterId id="2147483654" r:id="rId3"/>
+    <p:sldMasterId id="2147483654" r:id="rId1"/>
   </p:sldMasterIdLst>
   <p:notesMasterIdLst>
-    <p:notesMasterId r:id="rId4"/>
+    <p:notesMasterId r:id="rId33"/>
   </p:notesMasterIdLst>
   <p:sldIdLst>
-    <p:sldId id="256" r:id="rId5"/>
-    <p:sldId id="257" r:id="rId6"/>
-    <p:sldId id="258" r:id="rId7"/>
-    <p:sldId id="259" r:id="rId8"/>
-    <p:sldId id="260" r:id="rId9"/>
-    <p:sldId id="261" r:id="rId10"/>
-    <p:sldId id="262" r:id="rId11"/>
-    <p:sldId id="263" r:id="rId12"/>
-    <p:sldId id="264" r:id="rId13"/>
-    <p:sldId id="265" r:id="rId14"/>
-    <p:sldId id="266" r:id="rId15"/>
-    <p:sldId id="267" r:id="rId16"/>
-    <p:sldId id="268" r:id="rId17"/>
-    <p:sldId id="269" r:id="rId18"/>
-    <p:sldId id="270" r:id="rId19"/>
-    <p:sldId id="271" r:id="rId20"/>
-    <p:sldId id="272" r:id="rId21"/>
-    <p:sldId id="273" r:id="rId22"/>
-    <p:sldId id="274" r:id="rId23"/>
-    <p:sldId id="275" r:id="rId24"/>
-    <p:sldId id="276" r:id="rId25"/>
-    <p:sldId id="277" r:id="rId26"/>
-    <p:sldId id="278" r:id="rId27"/>
-    <p:sldId id="279" r:id="rId28"/>
-    <p:sldId id="280" r:id="rId29"/>
-    <p:sldId id="281" r:id="rId30"/>
-    <p:sldId id="282" r:id="rId31"/>
-    <p:sldId id="283" r:id="rId32"/>
-    <p:sldId id="284" r:id="rId33"/>
-    <p:sldId id="285" r:id="rId34"/>
+    <p:sldId id="256" r:id="rId2"/>
+    <p:sldId id="257" r:id="rId3"/>
+    <p:sldId id="286" r:id="rId4"/>
+    <p:sldId id="258" r:id="rId5"/>
+    <p:sldId id="259" r:id="rId6"/>
+    <p:sldId id="260" r:id="rId7"/>
+    <p:sldId id="261" r:id="rId8"/>
+    <p:sldId id="262" r:id="rId9"/>
+    <p:sldId id="263" r:id="rId10"/>
+    <p:sldId id="264" r:id="rId11"/>
+    <p:sldId id="265" r:id="rId12"/>
+    <p:sldId id="266" r:id="rId13"/>
+    <p:sldId id="267" r:id="rId14"/>
+    <p:sldId id="268" r:id="rId15"/>
+    <p:sldId id="269" r:id="rId16"/>
+    <p:sldId id="270" r:id="rId17"/>
+    <p:sldId id="271" r:id="rId18"/>
+    <p:sldId id="272" r:id="rId19"/>
+    <p:sldId id="273" r:id="rId20"/>
+    <p:sldId id="274" r:id="rId21"/>
+    <p:sldId id="275" r:id="rId22"/>
+    <p:sldId id="276" r:id="rId23"/>
+    <p:sldId id="277" r:id="rId24"/>
+    <p:sldId id="278" r:id="rId25"/>
+    <p:sldId id="279" r:id="rId26"/>
+    <p:sldId id="280" r:id="rId27"/>
+    <p:sldId id="281" r:id="rId28"/>
+    <p:sldId id="282" r:id="rId29"/>
+    <p:sldId id="283" r:id="rId30"/>
+    <p:sldId id="284" r:id="rId31"/>
+    <p:sldId id="285" r:id="rId32"/>
   </p:sldIdLst>
-  <p:sldSz cy="5143500" cx="9144000"/>
+  <p:sldSz cx="9144000" cy="5143500" type="screen16x9"/>
   <p:notesSz cx="6858000" cy="9144000"/>
   <p:defaultTextStyle>
-    <a:defPPr lvl="0" marR="0" rtl="0" algn="l">
+    <a:defPPr marR="0" lvl="0" algn="l" rtl="0">
       <a:lnSpc>
         <a:spcPct val="100000"/>
       </a:lnSpc>
@@ -53,7 +54,7 @@
         <a:spcPts val="0"/>
       </a:spcAft>
     </a:defPPr>
-    <a:lvl1pPr lvl="0" marR="0" rtl="0" algn="l">
+    <a:lvl1pPr marR="0" lvl="0" algn="l" rtl="0">
       <a:lnSpc>
         <a:spcPct val="100000"/>
       </a:lnSpc>
@@ -67,7 +68,7 @@
         <a:srgbClr val="000000"/>
       </a:buClr>
       <a:buFont typeface="Arial"/>
-      <a:defRPr b="0" i="0" sz="1400" u="none" cap="none" strike="noStrike">
+      <a:defRPr sz="1400" b="0" i="0" u="none" strike="noStrike" cap="none">
         <a:solidFill>
           <a:srgbClr val="000000"/>
         </a:solidFill>
@@ -77,7 +78,7 @@
         <a:sym typeface="Arial"/>
       </a:defRPr>
     </a:lvl1pPr>
-    <a:lvl2pPr lvl="1" marR="0" rtl="0" algn="l">
+    <a:lvl2pPr marR="0" lvl="1" algn="l" rtl="0">
       <a:lnSpc>
         <a:spcPct val="100000"/>
       </a:lnSpc>
@@ -91,7 +92,7 @@
         <a:srgbClr val="000000"/>
       </a:buClr>
       <a:buFont typeface="Arial"/>
-      <a:defRPr b="0" i="0" sz="1400" u="none" cap="none" strike="noStrike">
+      <a:defRPr sz="1400" b="0" i="0" u="none" strike="noStrike" cap="none">
         <a:solidFill>
           <a:srgbClr val="000000"/>
         </a:solidFill>
@@ -101,7 +102,7 @@
         <a:sym typeface="Arial"/>
       </a:defRPr>
     </a:lvl2pPr>
-    <a:lvl3pPr lvl="2" marR="0" rtl="0" algn="l">
+    <a:lvl3pPr marR="0" lvl="2" algn="l" rtl="0">
       <a:lnSpc>
         <a:spcPct val="100000"/>
       </a:lnSpc>
@@ -115,7 +116,7 @@
         <a:srgbClr val="000000"/>
       </a:buClr>
       <a:buFont typeface="Arial"/>
-      <a:defRPr b="0" i="0" sz="1400" u="none" cap="none" strike="noStrike">
+      <a:defRPr sz="1400" b="0" i="0" u="none" strike="noStrike" cap="none">
         <a:solidFill>
           <a:srgbClr val="000000"/>
         </a:solidFill>
@@ -125,7 +126,7 @@
         <a:sym typeface="Arial"/>
       </a:defRPr>
     </a:lvl3pPr>
-    <a:lvl4pPr lvl="3" marR="0" rtl="0" algn="l">
+    <a:lvl4pPr marR="0" lvl="3" algn="l" rtl="0">
       <a:lnSpc>
         <a:spcPct val="100000"/>
       </a:lnSpc>
@@ -139,7 +140,7 @@
         <a:srgbClr val="000000"/>
       </a:buClr>
       <a:buFont typeface="Arial"/>
-      <a:defRPr b="0" i="0" sz="1400" u="none" cap="none" strike="noStrike">
+      <a:defRPr sz="1400" b="0" i="0" u="none" strike="noStrike" cap="none">
         <a:solidFill>
           <a:srgbClr val="000000"/>
         </a:solidFill>
@@ -149,7 +150,7 @@
         <a:sym typeface="Arial"/>
       </a:defRPr>
     </a:lvl4pPr>
-    <a:lvl5pPr lvl="4" marR="0" rtl="0" algn="l">
+    <a:lvl5pPr marR="0" lvl="4" algn="l" rtl="0">
       <a:lnSpc>
         <a:spcPct val="100000"/>
       </a:lnSpc>
@@ -163,7 +164,7 @@
         <a:srgbClr val="000000"/>
       </a:buClr>
       <a:buFont typeface="Arial"/>
-      <a:defRPr b="0" i="0" sz="1400" u="none" cap="none" strike="noStrike">
+      <a:defRPr sz="1400" b="0" i="0" u="none" strike="noStrike" cap="none">
         <a:solidFill>
           <a:srgbClr val="000000"/>
         </a:solidFill>
@@ -173,7 +174,7 @@
         <a:sym typeface="Arial"/>
       </a:defRPr>
     </a:lvl5pPr>
-    <a:lvl6pPr lvl="5" marR="0" rtl="0" algn="l">
+    <a:lvl6pPr marR="0" lvl="5" algn="l" rtl="0">
       <a:lnSpc>
         <a:spcPct val="100000"/>
       </a:lnSpc>
@@ -187,7 +188,7 @@
         <a:srgbClr val="000000"/>
       </a:buClr>
       <a:buFont typeface="Arial"/>
-      <a:defRPr b="0" i="0" sz="1400" u="none" cap="none" strike="noStrike">
+      <a:defRPr sz="1400" b="0" i="0" u="none" strike="noStrike" cap="none">
         <a:solidFill>
           <a:srgbClr val="000000"/>
         </a:solidFill>
@@ -197,7 +198,7 @@
         <a:sym typeface="Arial"/>
       </a:defRPr>
     </a:lvl6pPr>
-    <a:lvl7pPr lvl="6" marR="0" rtl="0" algn="l">
+    <a:lvl7pPr marR="0" lvl="6" algn="l" rtl="0">
       <a:lnSpc>
         <a:spcPct val="100000"/>
       </a:lnSpc>
@@ -211,7 +212,7 @@
         <a:srgbClr val="000000"/>
       </a:buClr>
       <a:buFont typeface="Arial"/>
-      <a:defRPr b="0" i="0" sz="1400" u="none" cap="none" strike="noStrike">
+      <a:defRPr sz="1400" b="0" i="0" u="none" strike="noStrike" cap="none">
         <a:solidFill>
           <a:srgbClr val="000000"/>
         </a:solidFill>
@@ -221,7 +222,7 @@
         <a:sym typeface="Arial"/>
       </a:defRPr>
     </a:lvl7pPr>
-    <a:lvl8pPr lvl="7" marR="0" rtl="0" algn="l">
+    <a:lvl8pPr marR="0" lvl="7" algn="l" rtl="0">
       <a:lnSpc>
         <a:spcPct val="100000"/>
       </a:lnSpc>
@@ -235,7 +236,7 @@
         <a:srgbClr val="000000"/>
       </a:buClr>
       <a:buFont typeface="Arial"/>
-      <a:defRPr b="0" i="0" sz="1400" u="none" cap="none" strike="noStrike">
+      <a:defRPr sz="1400" b="0" i="0" u="none" strike="noStrike" cap="none">
         <a:solidFill>
           <a:srgbClr val="000000"/>
         </a:solidFill>
@@ -245,7 +246,7 @@
         <a:sym typeface="Arial"/>
       </a:defRPr>
     </a:lvl8pPr>
-    <a:lvl9pPr lvl="8" marR="0" rtl="0" algn="l">
+    <a:lvl9pPr marR="0" lvl="8" algn="l" rtl="0">
       <a:lnSpc>
         <a:spcPct val="100000"/>
       </a:lnSpc>
@@ -259,7 +260,7 @@
         <a:srgbClr val="000000"/>
       </a:buClr>
       <a:buFont typeface="Arial"/>
-      <a:defRPr b="0" i="0" sz="1400" u="none" cap="none" strike="noStrike">
+      <a:defRPr sz="1400" b="0" i="0" u="none" strike="noStrike" cap="none">
         <a:solidFill>
           <a:srgbClr val="000000"/>
         </a:solidFill>
@@ -274,11 +275,16 @@
 </file>
 
 <file path=ppt/notesMasters/notesMaster1.xml><?xml version="1.0" encoding="utf-8"?>
-<p:notesMaster xmlns:a="http://schemas.openxmlformats.org/drawingml/2006/main" xmlns:r="http://schemas.openxmlformats.org/officeDocument/2006/relationships" xmlns:mc="http://schemas.openxmlformats.org/markup-compatibility/2006" xmlns:mv="urn:schemas-microsoft-com:mac:vml" xmlns:p="http://schemas.openxmlformats.org/presentationml/2006/main" xmlns:c="http://schemas.openxmlformats.org/drawingml/2006/chart" xmlns:dgm="http://schemas.openxmlformats.org/drawingml/2006/diagram" xmlns:o="urn:schemas-microsoft-com:office:office" xmlns:v="urn:schemas-microsoft-com:vml" xmlns:pvml="urn:schemas-microsoft-com:office:powerpoint" xmlns:com="http://schemas.openxmlformats.org/drawingml/2006/compatibility" xmlns:p14="http://schemas.microsoft.com/office/powerpoint/2010/main" xmlns:p15="http://schemas.microsoft.com/office/powerpoint/2012/main">
+<p:notesMaster xmlns:a="http://schemas.openxmlformats.org/drawingml/2006/main" xmlns:r="http://schemas.openxmlformats.org/officeDocument/2006/relationships" xmlns:p="http://schemas.openxmlformats.org/presentationml/2006/main">
   <p:cSld>
+    <p:bg>
+      <p:bgRef idx="1001">
+        <a:schemeClr val="bg1"/>
+      </p:bgRef>
+    </p:bg>
     <p:spTree>
       <p:nvGrpSpPr>
-        <p:cNvPr id="2" name="Shape 2"/>
+        <p:cNvPr id="1" name="Shape 2"/>
         <p:cNvGrpSpPr/>
         <p:nvPr/>
       </p:nvGrpSpPr>
@@ -293,9 +299,11 @@
       <p:sp>
         <p:nvSpPr>
           <p:cNvPr id="3" name="Google Shape;3;n"/>
-          <p:cNvSpPr/>
+          <p:cNvSpPr>
+            <a:spLocks noGrp="1" noRot="1" noChangeAspect="1"/>
+          </p:cNvSpPr>
           <p:nvPr>
-            <p:ph idx="2" type="sldImg"/>
+            <p:ph type="sldImg" idx="2"/>
           </p:nvPr>
         </p:nvSpPr>
         <p:spPr>
@@ -304,9 +312,13 @@
             <a:ext cx="4572225" cy="3429000"/>
           </a:xfrm>
           <a:custGeom>
-            <a:rect b="b" l="l" r="r" t="t"/>
+            <a:avLst/>
+            <a:gdLst/>
+            <a:ahLst/>
+            <a:cxnLst/>
+            <a:rect l="l" t="t" r="r" b="b"/>
             <a:pathLst>
-              <a:path extrusionOk="0" h="120000" w="120000">
+              <a:path w="120000" h="120000" extrusionOk="0">
                 <a:moveTo>
                   <a:pt x="0" y="0"/>
                 </a:moveTo>
@@ -324,23 +336,25 @@
             </a:pathLst>
           </a:custGeom>
           <a:noFill/>
-          <a:ln cap="flat" cmpd="sng" w="9525">
+          <a:ln w="9525" cap="flat" cmpd="sng">
             <a:solidFill>
               <a:srgbClr val="000000"/>
             </a:solidFill>
             <a:prstDash val="solid"/>
             <a:round/>
-            <a:headEnd len="sm" w="sm" type="none"/>
-            <a:tailEnd len="sm" w="sm" type="none"/>
+            <a:headEnd type="none" w="sm" len="sm"/>
+            <a:tailEnd type="none" w="sm" len="sm"/>
           </a:ln>
         </p:spPr>
       </p:sp>
       <p:sp>
         <p:nvSpPr>
           <p:cNvPr id="4" name="Google Shape;4;n"/>
-          <p:cNvSpPr txBox="1"/>
+          <p:cNvSpPr txBox="1">
+            <a:spLocks noGrp="1"/>
+          </p:cNvSpPr>
           <p:nvPr>
-            <p:ph idx="1" type="body"/>
+            <p:ph type="body" idx="1"/>
           </p:nvPr>
         </p:nvSpPr>
         <p:spPr>
@@ -357,11 +371,11 @@
           </a:ln>
         </p:spPr>
         <p:txBody>
-          <a:bodyPr anchorCtr="0" anchor="t" bIns="91425" lIns="91425" spcFirstLastPara="1" rIns="91425" wrap="square" tIns="91425">
+          <a:bodyPr spcFirstLastPara="1" wrap="square" lIns="91425" tIns="91425" rIns="91425" bIns="91425" anchor="t" anchorCtr="0">
             <a:noAutofit/>
           </a:bodyPr>
           <a:lstStyle>
-            <a:lvl1pPr indent="-317500" lvl="0" marL="457200">
+            <a:lvl1pPr marL="457200" lvl="0" indent="-317500">
               <a:spcBef>
                 <a:spcPts val="0"/>
               </a:spcBef>
@@ -372,7 +386,7 @@
               <a:buChar char="●"/>
               <a:defRPr sz="1100"/>
             </a:lvl1pPr>
-            <a:lvl2pPr indent="-317500" lvl="1" marL="914400">
+            <a:lvl2pPr marL="914400" lvl="1" indent="-317500">
               <a:spcBef>
                 <a:spcPts val="0"/>
               </a:spcBef>
@@ -383,7 +397,7 @@
               <a:buChar char="○"/>
               <a:defRPr sz="1100"/>
             </a:lvl2pPr>
-            <a:lvl3pPr indent="-317500" lvl="2" marL="1371600">
+            <a:lvl3pPr marL="1371600" lvl="2" indent="-317500">
               <a:spcBef>
                 <a:spcPts val="0"/>
               </a:spcBef>
@@ -394,7 +408,7 @@
               <a:buChar char="■"/>
               <a:defRPr sz="1100"/>
             </a:lvl3pPr>
-            <a:lvl4pPr indent="-317500" lvl="3" marL="1828800">
+            <a:lvl4pPr marL="1828800" lvl="3" indent="-317500">
               <a:spcBef>
                 <a:spcPts val="0"/>
               </a:spcBef>
@@ -405,7 +419,7 @@
               <a:buChar char="●"/>
               <a:defRPr sz="1100"/>
             </a:lvl4pPr>
-            <a:lvl5pPr indent="-317500" lvl="4" marL="2286000">
+            <a:lvl5pPr marL="2286000" lvl="4" indent="-317500">
               <a:spcBef>
                 <a:spcPts val="0"/>
               </a:spcBef>
@@ -416,7 +430,7 @@
               <a:buChar char="○"/>
               <a:defRPr sz="1100"/>
             </a:lvl5pPr>
-            <a:lvl6pPr indent="-317500" lvl="5" marL="2743200">
+            <a:lvl6pPr marL="2743200" lvl="5" indent="-317500">
               <a:spcBef>
                 <a:spcPts val="0"/>
               </a:spcBef>
@@ -427,7 +441,7 @@
               <a:buChar char="■"/>
               <a:defRPr sz="1100"/>
             </a:lvl6pPr>
-            <a:lvl7pPr indent="-317500" lvl="6" marL="3200400">
+            <a:lvl7pPr marL="3200400" lvl="6" indent="-317500">
               <a:spcBef>
                 <a:spcPts val="0"/>
               </a:spcBef>
@@ -438,7 +452,7 @@
               <a:buChar char="●"/>
               <a:defRPr sz="1100"/>
             </a:lvl7pPr>
-            <a:lvl8pPr indent="-317500" lvl="7" marL="3657600">
+            <a:lvl8pPr marL="3657600" lvl="7" indent="-317500">
               <a:spcBef>
                 <a:spcPts val="0"/>
               </a:spcBef>
@@ -449,7 +463,7 @@
               <a:buChar char="○"/>
               <a:defRPr sz="1100"/>
             </a:lvl8pPr>
-            <a:lvl9pPr indent="-317500" lvl="8" marL="4114800">
+            <a:lvl9pPr marL="4114800" lvl="8" indent="-317500">
               <a:spcBef>
                 <a:spcPts val="0"/>
               </a:spcBef>
@@ -461,14 +475,16 @@
               <a:defRPr sz="1100"/>
             </a:lvl9pPr>
           </a:lstStyle>
-          <a:p/>
+          <a:p>
+            <a:endParaRPr/>
+          </a:p>
         </p:txBody>
       </p:sp>
     </p:spTree>
   </p:cSld>
-  <p:clrMap accent1="accent1" accent2="accent2" accent3="accent3" accent4="accent4" accent5="accent5" accent6="accent6" bg1="lt1" bg2="dk2" tx1="dk1" tx2="lt2" folHlink="folHlink" hlink="hlink"/>
+  <p:clrMap bg1="lt1" tx1="dk1" bg2="dk2" tx2="lt2" accent1="accent1" accent2="accent2" accent3="accent3" accent4="accent4" accent5="accent5" accent6="accent6" hlink="hlink" folHlink="folHlink"/>
   <p:notesStyle>
-    <a:defPPr lvl="0" marR="0" rtl="0" algn="l">
+    <a:defPPr marR="0" lvl="0" algn="l" rtl="0">
       <a:lnSpc>
         <a:spcPct val="100000"/>
       </a:lnSpc>
@@ -479,7 +495,7 @@
         <a:spcPts val="0"/>
       </a:spcAft>
     </a:defPPr>
-    <a:lvl1pPr lvl="0" marR="0" rtl="0" algn="l">
+    <a:lvl1pPr marR="0" lvl="0" algn="l" rtl="0">
       <a:lnSpc>
         <a:spcPct val="100000"/>
       </a:lnSpc>
@@ -493,7 +509,7 @@
         <a:srgbClr val="000000"/>
       </a:buClr>
       <a:buFont typeface="Arial"/>
-      <a:defRPr b="0" i="0" sz="1400" u="none" cap="none" strike="noStrike">
+      <a:defRPr sz="1400" b="0" i="0" u="none" strike="noStrike" cap="none">
         <a:solidFill>
           <a:srgbClr val="000000"/>
         </a:solidFill>
@@ -503,7 +519,7 @@
         <a:sym typeface="Arial"/>
       </a:defRPr>
     </a:lvl1pPr>
-    <a:lvl2pPr lvl="1" marR="0" rtl="0" algn="l">
+    <a:lvl2pPr marR="0" lvl="1" algn="l" rtl="0">
       <a:lnSpc>
         <a:spcPct val="100000"/>
       </a:lnSpc>
@@ -517,7 +533,7 @@
         <a:srgbClr val="000000"/>
       </a:buClr>
       <a:buFont typeface="Arial"/>
-      <a:defRPr b="0" i="0" sz="1400" u="none" cap="none" strike="noStrike">
+      <a:defRPr sz="1400" b="0" i="0" u="none" strike="noStrike" cap="none">
         <a:solidFill>
           <a:srgbClr val="000000"/>
         </a:solidFill>
@@ -527,7 +543,7 @@
         <a:sym typeface="Arial"/>
       </a:defRPr>
     </a:lvl2pPr>
-    <a:lvl3pPr lvl="2" marR="0" rtl="0" algn="l">
+    <a:lvl3pPr marR="0" lvl="2" algn="l" rtl="0">
       <a:lnSpc>
         <a:spcPct val="100000"/>
       </a:lnSpc>
@@ -541,7 +557,7 @@
         <a:srgbClr val="000000"/>
       </a:buClr>
       <a:buFont typeface="Arial"/>
-      <a:defRPr b="0" i="0" sz="1400" u="none" cap="none" strike="noStrike">
+      <a:defRPr sz="1400" b="0" i="0" u="none" strike="noStrike" cap="none">
         <a:solidFill>
           <a:srgbClr val="000000"/>
         </a:solidFill>
@@ -551,7 +567,7 @@
         <a:sym typeface="Arial"/>
       </a:defRPr>
     </a:lvl3pPr>
-    <a:lvl4pPr lvl="3" marR="0" rtl="0" algn="l">
+    <a:lvl4pPr marR="0" lvl="3" algn="l" rtl="0">
       <a:lnSpc>
         <a:spcPct val="100000"/>
       </a:lnSpc>
@@ -565,7 +581,7 @@
         <a:srgbClr val="000000"/>
       </a:buClr>
       <a:buFont typeface="Arial"/>
-      <a:defRPr b="0" i="0" sz="1400" u="none" cap="none" strike="noStrike">
+      <a:defRPr sz="1400" b="0" i="0" u="none" strike="noStrike" cap="none">
         <a:solidFill>
           <a:srgbClr val="000000"/>
         </a:solidFill>
@@ -575,7 +591,7 @@
         <a:sym typeface="Arial"/>
       </a:defRPr>
     </a:lvl4pPr>
-    <a:lvl5pPr lvl="4" marR="0" rtl="0" algn="l">
+    <a:lvl5pPr marR="0" lvl="4" algn="l" rtl="0">
       <a:lnSpc>
         <a:spcPct val="100000"/>
       </a:lnSpc>
@@ -589,7 +605,7 @@
         <a:srgbClr val="000000"/>
       </a:buClr>
       <a:buFont typeface="Arial"/>
-      <a:defRPr b="0" i="0" sz="1400" u="none" cap="none" strike="noStrike">
+      <a:defRPr sz="1400" b="0" i="0" u="none" strike="noStrike" cap="none">
         <a:solidFill>
           <a:srgbClr val="000000"/>
         </a:solidFill>
@@ -599,7 +615,7 @@
         <a:sym typeface="Arial"/>
       </a:defRPr>
     </a:lvl5pPr>
-    <a:lvl6pPr lvl="5" marR="0" rtl="0" algn="l">
+    <a:lvl6pPr marR="0" lvl="5" algn="l" rtl="0">
       <a:lnSpc>
         <a:spcPct val="100000"/>
       </a:lnSpc>
@@ -613,7 +629,7 @@
         <a:srgbClr val="000000"/>
       </a:buClr>
       <a:buFont typeface="Arial"/>
-      <a:defRPr b="0" i="0" sz="1400" u="none" cap="none" strike="noStrike">
+      <a:defRPr sz="1400" b="0" i="0" u="none" strike="noStrike" cap="none">
         <a:solidFill>
           <a:srgbClr val="000000"/>
         </a:solidFill>
@@ -623,7 +639,7 @@
         <a:sym typeface="Arial"/>
       </a:defRPr>
     </a:lvl6pPr>
-    <a:lvl7pPr lvl="6" marR="0" rtl="0" algn="l">
+    <a:lvl7pPr marR="0" lvl="6" algn="l" rtl="0">
       <a:lnSpc>
         <a:spcPct val="100000"/>
       </a:lnSpc>
@@ -637,7 +653,7 @@
         <a:srgbClr val="000000"/>
       </a:buClr>
       <a:buFont typeface="Arial"/>
-      <a:defRPr b="0" i="0" sz="1400" u="none" cap="none" strike="noStrike">
+      <a:defRPr sz="1400" b="0" i="0" u="none" strike="noStrike" cap="none">
         <a:solidFill>
           <a:srgbClr val="000000"/>
         </a:solidFill>
@@ -647,7 +663,7 @@
         <a:sym typeface="Arial"/>
       </a:defRPr>
     </a:lvl7pPr>
-    <a:lvl8pPr lvl="7" marR="0" rtl="0" algn="l">
+    <a:lvl8pPr marR="0" lvl="7" algn="l" rtl="0">
       <a:lnSpc>
         <a:spcPct val="100000"/>
       </a:lnSpc>
@@ -661,7 +677,7 @@
         <a:srgbClr val="000000"/>
       </a:buClr>
       <a:buFont typeface="Arial"/>
-      <a:defRPr b="0" i="0" sz="1400" u="none" cap="none" strike="noStrike">
+      <a:defRPr sz="1400" b="0" i="0" u="none" strike="noStrike" cap="none">
         <a:solidFill>
           <a:srgbClr val="000000"/>
         </a:solidFill>
@@ -671,7 +687,7 @@
         <a:sym typeface="Arial"/>
       </a:defRPr>
     </a:lvl8pPr>
-    <a:lvl9pPr lvl="8" marR="0" rtl="0" algn="l">
+    <a:lvl9pPr marR="0" lvl="8" algn="l" rtl="0">
       <a:lnSpc>
         <a:spcPct val="100000"/>
       </a:lnSpc>
@@ -685,7 +701,7 @@
         <a:srgbClr val="000000"/>
       </a:buClr>
       <a:buFont typeface="Arial"/>
-      <a:defRPr b="0" i="0" sz="1400" u="none" cap="none" strike="noStrike">
+      <a:defRPr sz="1400" b="0" i="0" u="none" strike="noStrike" cap="none">
         <a:solidFill>
           <a:srgbClr val="000000"/>
         </a:solidFill>
@@ -700,11 +716,11 @@
 </file>
 
 <file path=ppt/notesSlides/notesSlide1.xml><?xml version="1.0" encoding="utf-8"?>
-<p:notes xmlns:a="http://schemas.openxmlformats.org/drawingml/2006/main" xmlns:r="http://schemas.openxmlformats.org/officeDocument/2006/relationships" xmlns:mc="http://schemas.openxmlformats.org/markup-compatibility/2006" xmlns:mv="urn:schemas-microsoft-com:mac:vml" xmlns:p="http://schemas.openxmlformats.org/presentationml/2006/main" xmlns:c="http://schemas.openxmlformats.org/drawingml/2006/chart" xmlns:dgm="http://schemas.openxmlformats.org/drawingml/2006/diagram" xmlns:o="urn:schemas-microsoft-com:office:office" xmlns:v="urn:schemas-microsoft-com:vml" xmlns:pvml="urn:schemas-microsoft-com:office:powerpoint" xmlns:com="http://schemas.openxmlformats.org/drawingml/2006/compatibility" xmlns:p14="http://schemas.microsoft.com/office/powerpoint/2010/main" xmlns:p15="http://schemas.microsoft.com/office/powerpoint/2012/main" showMasterPhAnim="0" showMasterSp="0">
+<p:notes xmlns:a="http://schemas.openxmlformats.org/drawingml/2006/main" xmlns:r="http://schemas.openxmlformats.org/officeDocument/2006/relationships" xmlns:p="http://schemas.openxmlformats.org/presentationml/2006/main" showMasterSp="0" showMasterPhAnim="0">
   <p:cSld>
     <p:spTree>
       <p:nvGrpSpPr>
-        <p:cNvPr id="23" name="Shape 23"/>
+        <p:cNvPr id="1" name="Shape 23"/>
         <p:cNvGrpSpPr/>
         <p:nvPr/>
       </p:nvGrpSpPr>
@@ -719,20 +735,26 @@
       <p:sp>
         <p:nvSpPr>
           <p:cNvPr id="24" name="Google Shape;24;p:notes"/>
-          <p:cNvSpPr/>
+          <p:cNvSpPr>
+            <a:spLocks noGrp="1" noRot="1" noChangeAspect="1"/>
+          </p:cNvSpPr>
           <p:nvPr>
-            <p:ph idx="2" type="sldImg"/>
+            <p:ph type="sldImg" idx="2"/>
           </p:nvPr>
         </p:nvSpPr>
         <p:spPr>
           <a:xfrm>
-            <a:off x="1143225" y="685800"/>
-            <a:ext cx="4572225" cy="3429000"/>
+            <a:off x="381000" y="685800"/>
+            <a:ext cx="6096000" cy="3429000"/>
           </a:xfrm>
           <a:custGeom>
-            <a:rect b="b" l="l" r="r" t="t"/>
+            <a:avLst/>
+            <a:gdLst/>
+            <a:ahLst/>
+            <a:cxnLst/>
+            <a:rect l="l" t="t" r="r" b="b"/>
             <a:pathLst>
-              <a:path extrusionOk="0" h="120000" w="120000">
+              <a:path w="120000" h="120000" extrusionOk="0">
                 <a:moveTo>
                   <a:pt x="0" y="0"/>
                 </a:moveTo>
@@ -754,9 +776,11 @@
       <p:sp>
         <p:nvSpPr>
           <p:cNvPr id="25" name="Google Shape;25;p:notes"/>
-          <p:cNvSpPr txBox="1"/>
+          <p:cNvSpPr txBox="1">
+            <a:spLocks noGrp="1"/>
+          </p:cNvSpPr>
           <p:nvPr>
-            <p:ph idx="1" type="body"/>
+            <p:ph type="body" idx="1"/>
           </p:nvPr>
         </p:nvSpPr>
         <p:spPr>
@@ -769,23 +793,20 @@
           </a:prstGeom>
         </p:spPr>
         <p:txBody>
-          <a:bodyPr anchorCtr="0" anchor="t" bIns="91425" lIns="91425" spcFirstLastPara="1" rIns="91425" wrap="square" tIns="91425">
+          <a:bodyPr spcFirstLastPara="1" wrap="square" lIns="91425" tIns="91425" rIns="91425" bIns="91425" anchor="t" anchorCtr="0">
             <a:noAutofit/>
           </a:bodyPr>
           <a:lstStyle/>
           <a:p>
-            <a:pPr indent="0" lvl="0" marL="0" rtl="0" algn="l">
-              <a:spcBef>
-                <a:spcPts val="0"/>
-              </a:spcBef>
-              <a:spcAft>
-                <a:spcPts val="0"/>
-              </a:spcAft>
-              <a:buNone/>
-            </a:pPr>
-            <a:r>
-              <a:t/>
-            </a:r>
+            <a:pPr marL="0" lvl="0" indent="0" algn="l" rtl="0">
+              <a:spcBef>
+                <a:spcPts val="0"/>
+              </a:spcBef>
+              <a:spcAft>
+                <a:spcPts val="0"/>
+              </a:spcAft>
+              <a:buNone/>
+            </a:pPr>
             <a:endParaRPr/>
           </a:p>
         </p:txBody>
@@ -799,11 +820,11 @@
 </file>
 
 <file path=ppt/notesSlides/notesSlide10.xml><?xml version="1.0" encoding="utf-8"?>
-<p:notes xmlns:a="http://schemas.openxmlformats.org/drawingml/2006/main" xmlns:r="http://schemas.openxmlformats.org/officeDocument/2006/relationships" xmlns:mc="http://schemas.openxmlformats.org/markup-compatibility/2006" xmlns:mv="urn:schemas-microsoft-com:mac:vml" xmlns:p="http://schemas.openxmlformats.org/presentationml/2006/main" xmlns:c="http://schemas.openxmlformats.org/drawingml/2006/chart" xmlns:dgm="http://schemas.openxmlformats.org/drawingml/2006/diagram" xmlns:o="urn:schemas-microsoft-com:office:office" xmlns:v="urn:schemas-microsoft-com:vml" xmlns:pvml="urn:schemas-microsoft-com:office:powerpoint" xmlns:com="http://schemas.openxmlformats.org/drawingml/2006/compatibility" xmlns:p14="http://schemas.microsoft.com/office/powerpoint/2010/main" xmlns:p15="http://schemas.microsoft.com/office/powerpoint/2012/main" showMasterPhAnim="0" showMasterSp="0">
+<p:notes xmlns:a="http://schemas.openxmlformats.org/drawingml/2006/main" xmlns:r="http://schemas.openxmlformats.org/officeDocument/2006/relationships" xmlns:p="http://schemas.openxmlformats.org/presentationml/2006/main" showMasterSp="0" showMasterPhAnim="0">
   <p:cSld>
     <p:spTree>
       <p:nvGrpSpPr>
-        <p:cNvPr id="86" name="Shape 86"/>
+        <p:cNvPr id="1" name="Shape 86"/>
         <p:cNvGrpSpPr/>
         <p:nvPr/>
       </p:nvGrpSpPr>
@@ -818,20 +839,26 @@
       <p:sp>
         <p:nvSpPr>
           <p:cNvPr id="87" name="Google Shape;87;g5baabd7299_0_85:notes"/>
-          <p:cNvSpPr/>
+          <p:cNvSpPr>
+            <a:spLocks noGrp="1" noRot="1" noChangeAspect="1"/>
+          </p:cNvSpPr>
           <p:nvPr>
-            <p:ph idx="2" type="sldImg"/>
+            <p:ph type="sldImg" idx="2"/>
           </p:nvPr>
         </p:nvSpPr>
         <p:spPr>
           <a:xfrm>
-            <a:off x="1143225" y="685800"/>
-            <a:ext cx="4572300" cy="3429000"/>
+            <a:off x="381000" y="685800"/>
+            <a:ext cx="6096000" cy="3429000"/>
           </a:xfrm>
           <a:custGeom>
-            <a:rect b="b" l="l" r="r" t="t"/>
+            <a:avLst/>
+            <a:gdLst/>
+            <a:ahLst/>
+            <a:cxnLst/>
+            <a:rect l="l" t="t" r="r" b="b"/>
             <a:pathLst>
-              <a:path extrusionOk="0" h="120000" w="120000">
+              <a:path w="120000" h="120000" extrusionOk="0">
                 <a:moveTo>
                   <a:pt x="0" y="0"/>
                 </a:moveTo>
@@ -853,9 +880,11 @@
       <p:sp>
         <p:nvSpPr>
           <p:cNvPr id="88" name="Google Shape;88;g5baabd7299_0_85:notes"/>
-          <p:cNvSpPr txBox="1"/>
+          <p:cNvSpPr txBox="1">
+            <a:spLocks noGrp="1"/>
+          </p:cNvSpPr>
           <p:nvPr>
-            <p:ph idx="1" type="body"/>
+            <p:ph type="body" idx="1"/>
           </p:nvPr>
         </p:nvSpPr>
         <p:spPr>
@@ -868,23 +897,20 @@
           </a:prstGeom>
         </p:spPr>
         <p:txBody>
-          <a:bodyPr anchorCtr="0" anchor="t" bIns="91425" lIns="91425" spcFirstLastPara="1" rIns="91425" wrap="square" tIns="91425">
+          <a:bodyPr spcFirstLastPara="1" wrap="square" lIns="91425" tIns="91425" rIns="91425" bIns="91425" anchor="t" anchorCtr="0">
             <a:noAutofit/>
           </a:bodyPr>
           <a:lstStyle/>
           <a:p>
-            <a:pPr indent="0" lvl="0" marL="0" rtl="0" algn="l">
-              <a:spcBef>
-                <a:spcPts val="0"/>
-              </a:spcBef>
-              <a:spcAft>
-                <a:spcPts val="0"/>
-              </a:spcAft>
-              <a:buNone/>
-            </a:pPr>
-            <a:r>
-              <a:t/>
-            </a:r>
+            <a:pPr marL="0" lvl="0" indent="0" algn="l" rtl="0">
+              <a:spcBef>
+                <a:spcPts val="0"/>
+              </a:spcBef>
+              <a:spcAft>
+                <a:spcPts val="0"/>
+              </a:spcAft>
+              <a:buNone/>
+            </a:pPr>
             <a:endParaRPr/>
           </a:p>
         </p:txBody>
@@ -898,11 +924,11 @@
 </file>
 
 <file path=ppt/notesSlides/notesSlide11.xml><?xml version="1.0" encoding="utf-8"?>
-<p:notes xmlns:a="http://schemas.openxmlformats.org/drawingml/2006/main" xmlns:r="http://schemas.openxmlformats.org/officeDocument/2006/relationships" xmlns:mc="http://schemas.openxmlformats.org/markup-compatibility/2006" xmlns:mv="urn:schemas-microsoft-com:mac:vml" xmlns:p="http://schemas.openxmlformats.org/presentationml/2006/main" xmlns:c="http://schemas.openxmlformats.org/drawingml/2006/chart" xmlns:dgm="http://schemas.openxmlformats.org/drawingml/2006/diagram" xmlns:o="urn:schemas-microsoft-com:office:office" xmlns:v="urn:schemas-microsoft-com:vml" xmlns:pvml="urn:schemas-microsoft-com:office:powerpoint" xmlns:com="http://schemas.openxmlformats.org/drawingml/2006/compatibility" xmlns:p14="http://schemas.microsoft.com/office/powerpoint/2010/main" xmlns:p15="http://schemas.microsoft.com/office/powerpoint/2012/main" showMasterPhAnim="0" showMasterSp="0">
+<p:notes xmlns:a="http://schemas.openxmlformats.org/drawingml/2006/main" xmlns:r="http://schemas.openxmlformats.org/officeDocument/2006/relationships" xmlns:p="http://schemas.openxmlformats.org/presentationml/2006/main" showMasterSp="0" showMasterPhAnim="0">
   <p:cSld>
     <p:spTree>
       <p:nvGrpSpPr>
-        <p:cNvPr id="94" name="Shape 94"/>
+        <p:cNvPr id="1" name="Shape 94"/>
         <p:cNvGrpSpPr/>
         <p:nvPr/>
       </p:nvGrpSpPr>
@@ -917,20 +943,26 @@
       <p:sp>
         <p:nvSpPr>
           <p:cNvPr id="95" name="Google Shape;95;g5baabd7299_0_103:notes"/>
-          <p:cNvSpPr/>
+          <p:cNvSpPr>
+            <a:spLocks noGrp="1" noRot="1" noChangeAspect="1"/>
+          </p:cNvSpPr>
           <p:nvPr>
-            <p:ph idx="2" type="sldImg"/>
+            <p:ph type="sldImg" idx="2"/>
           </p:nvPr>
         </p:nvSpPr>
         <p:spPr>
           <a:xfrm>
-            <a:off x="1143225" y="685800"/>
-            <a:ext cx="4572300" cy="3429000"/>
+            <a:off x="381000" y="685800"/>
+            <a:ext cx="6096000" cy="3429000"/>
           </a:xfrm>
           <a:custGeom>
-            <a:rect b="b" l="l" r="r" t="t"/>
+            <a:avLst/>
+            <a:gdLst/>
+            <a:ahLst/>
+            <a:cxnLst/>
+            <a:rect l="l" t="t" r="r" b="b"/>
             <a:pathLst>
-              <a:path extrusionOk="0" h="120000" w="120000">
+              <a:path w="120000" h="120000" extrusionOk="0">
                 <a:moveTo>
                   <a:pt x="0" y="0"/>
                 </a:moveTo>
@@ -952,9 +984,11 @@
       <p:sp>
         <p:nvSpPr>
           <p:cNvPr id="96" name="Google Shape;96;g5baabd7299_0_103:notes"/>
-          <p:cNvSpPr txBox="1"/>
+          <p:cNvSpPr txBox="1">
+            <a:spLocks noGrp="1"/>
+          </p:cNvSpPr>
           <p:nvPr>
-            <p:ph idx="1" type="body"/>
+            <p:ph type="body" idx="1"/>
           </p:nvPr>
         </p:nvSpPr>
         <p:spPr>
@@ -967,23 +1001,20 @@
           </a:prstGeom>
         </p:spPr>
         <p:txBody>
-          <a:bodyPr anchorCtr="0" anchor="t" bIns="91425" lIns="91425" spcFirstLastPara="1" rIns="91425" wrap="square" tIns="91425">
+          <a:bodyPr spcFirstLastPara="1" wrap="square" lIns="91425" tIns="91425" rIns="91425" bIns="91425" anchor="t" anchorCtr="0">
             <a:noAutofit/>
           </a:bodyPr>
           <a:lstStyle/>
           <a:p>
-            <a:pPr indent="0" lvl="0" marL="0" rtl="0" algn="l">
-              <a:spcBef>
-                <a:spcPts val="0"/>
-              </a:spcBef>
-              <a:spcAft>
-                <a:spcPts val="0"/>
-              </a:spcAft>
-              <a:buNone/>
-            </a:pPr>
-            <a:r>
-              <a:t/>
-            </a:r>
+            <a:pPr marL="0" lvl="0" indent="0" algn="l" rtl="0">
+              <a:spcBef>
+                <a:spcPts val="0"/>
+              </a:spcBef>
+              <a:spcAft>
+                <a:spcPts val="0"/>
+              </a:spcAft>
+              <a:buNone/>
+            </a:pPr>
             <a:endParaRPr/>
           </a:p>
         </p:txBody>
@@ -997,11 +1028,11 @@
 </file>
 
 <file path=ppt/notesSlides/notesSlide12.xml><?xml version="1.0" encoding="utf-8"?>
-<p:notes xmlns:a="http://schemas.openxmlformats.org/drawingml/2006/main" xmlns:r="http://schemas.openxmlformats.org/officeDocument/2006/relationships" xmlns:mc="http://schemas.openxmlformats.org/markup-compatibility/2006" xmlns:mv="urn:schemas-microsoft-com:mac:vml" xmlns:p="http://schemas.openxmlformats.org/presentationml/2006/main" xmlns:c="http://schemas.openxmlformats.org/drawingml/2006/chart" xmlns:dgm="http://schemas.openxmlformats.org/drawingml/2006/diagram" xmlns:o="urn:schemas-microsoft-com:office:office" xmlns:v="urn:schemas-microsoft-com:vml" xmlns:pvml="urn:schemas-microsoft-com:office:powerpoint" xmlns:com="http://schemas.openxmlformats.org/drawingml/2006/compatibility" xmlns:p14="http://schemas.microsoft.com/office/powerpoint/2010/main" xmlns:p15="http://schemas.microsoft.com/office/powerpoint/2012/main" showMasterPhAnim="0" showMasterSp="0">
+<p:notes xmlns:a="http://schemas.openxmlformats.org/drawingml/2006/main" xmlns:r="http://schemas.openxmlformats.org/officeDocument/2006/relationships" xmlns:p="http://schemas.openxmlformats.org/presentationml/2006/main" showMasterSp="0" showMasterPhAnim="0">
   <p:cSld>
     <p:spTree>
       <p:nvGrpSpPr>
-        <p:cNvPr id="101" name="Shape 101"/>
+        <p:cNvPr id="1" name="Shape 101"/>
         <p:cNvGrpSpPr/>
         <p:nvPr/>
       </p:nvGrpSpPr>
@@ -1016,20 +1047,26 @@
       <p:sp>
         <p:nvSpPr>
           <p:cNvPr id="102" name="Google Shape;102;g5baabd7299_0_111:notes"/>
-          <p:cNvSpPr/>
+          <p:cNvSpPr>
+            <a:spLocks noGrp="1" noRot="1" noChangeAspect="1"/>
+          </p:cNvSpPr>
           <p:nvPr>
-            <p:ph idx="2" type="sldImg"/>
+            <p:ph type="sldImg" idx="2"/>
           </p:nvPr>
         </p:nvSpPr>
         <p:spPr>
           <a:xfrm>
-            <a:off x="1143225" y="685800"/>
-            <a:ext cx="4572300" cy="3429000"/>
+            <a:off x="381000" y="685800"/>
+            <a:ext cx="6096000" cy="3429000"/>
           </a:xfrm>
           <a:custGeom>
-            <a:rect b="b" l="l" r="r" t="t"/>
+            <a:avLst/>
+            <a:gdLst/>
+            <a:ahLst/>
+            <a:cxnLst/>
+            <a:rect l="l" t="t" r="r" b="b"/>
             <a:pathLst>
-              <a:path extrusionOk="0" h="120000" w="120000">
+              <a:path w="120000" h="120000" extrusionOk="0">
                 <a:moveTo>
                   <a:pt x="0" y="0"/>
                 </a:moveTo>
@@ -1051,9 +1088,11 @@
       <p:sp>
         <p:nvSpPr>
           <p:cNvPr id="103" name="Google Shape;103;g5baabd7299_0_111:notes"/>
-          <p:cNvSpPr txBox="1"/>
+          <p:cNvSpPr txBox="1">
+            <a:spLocks noGrp="1"/>
+          </p:cNvSpPr>
           <p:nvPr>
-            <p:ph idx="1" type="body"/>
+            <p:ph type="body" idx="1"/>
           </p:nvPr>
         </p:nvSpPr>
         <p:spPr>
@@ -1066,23 +1105,20 @@
           </a:prstGeom>
         </p:spPr>
         <p:txBody>
-          <a:bodyPr anchorCtr="0" anchor="t" bIns="91425" lIns="91425" spcFirstLastPara="1" rIns="91425" wrap="square" tIns="91425">
+          <a:bodyPr spcFirstLastPara="1" wrap="square" lIns="91425" tIns="91425" rIns="91425" bIns="91425" anchor="t" anchorCtr="0">
             <a:noAutofit/>
           </a:bodyPr>
           <a:lstStyle/>
           <a:p>
-            <a:pPr indent="0" lvl="0" marL="0" rtl="0" algn="l">
-              <a:spcBef>
-                <a:spcPts val="0"/>
-              </a:spcBef>
-              <a:spcAft>
-                <a:spcPts val="0"/>
-              </a:spcAft>
-              <a:buNone/>
-            </a:pPr>
-            <a:r>
-              <a:t/>
-            </a:r>
+            <a:pPr marL="0" lvl="0" indent="0" algn="l" rtl="0">
+              <a:spcBef>
+                <a:spcPts val="0"/>
+              </a:spcBef>
+              <a:spcAft>
+                <a:spcPts val="0"/>
+              </a:spcAft>
+              <a:buNone/>
+            </a:pPr>
             <a:endParaRPr/>
           </a:p>
         </p:txBody>
@@ -1096,11 +1132,11 @@
 </file>
 
 <file path=ppt/notesSlides/notesSlide13.xml><?xml version="1.0" encoding="utf-8"?>
-<p:notes xmlns:a="http://schemas.openxmlformats.org/drawingml/2006/main" xmlns:r="http://schemas.openxmlformats.org/officeDocument/2006/relationships" xmlns:mc="http://schemas.openxmlformats.org/markup-compatibility/2006" xmlns:mv="urn:schemas-microsoft-com:mac:vml" xmlns:p="http://schemas.openxmlformats.org/presentationml/2006/main" xmlns:c="http://schemas.openxmlformats.org/drawingml/2006/chart" xmlns:dgm="http://schemas.openxmlformats.org/drawingml/2006/diagram" xmlns:o="urn:schemas-microsoft-com:office:office" xmlns:v="urn:schemas-microsoft-com:vml" xmlns:pvml="urn:schemas-microsoft-com:office:powerpoint" xmlns:com="http://schemas.openxmlformats.org/drawingml/2006/compatibility" xmlns:p14="http://schemas.microsoft.com/office/powerpoint/2010/main" xmlns:p15="http://schemas.microsoft.com/office/powerpoint/2012/main" showMasterPhAnim="0" showMasterSp="0">
+<p:notes xmlns:a="http://schemas.openxmlformats.org/drawingml/2006/main" xmlns:r="http://schemas.openxmlformats.org/officeDocument/2006/relationships" xmlns:p="http://schemas.openxmlformats.org/presentationml/2006/main" showMasterSp="0" showMasterPhAnim="0">
   <p:cSld>
     <p:spTree>
       <p:nvGrpSpPr>
-        <p:cNvPr id="114" name="Shape 114"/>
+        <p:cNvPr id="1" name="Shape 114"/>
         <p:cNvGrpSpPr/>
         <p:nvPr/>
       </p:nvGrpSpPr>
@@ -1115,20 +1151,26 @@
       <p:sp>
         <p:nvSpPr>
           <p:cNvPr id="115" name="Google Shape;115;g5baabd7299_0_132:notes"/>
-          <p:cNvSpPr/>
+          <p:cNvSpPr>
+            <a:spLocks noGrp="1" noRot="1" noChangeAspect="1"/>
+          </p:cNvSpPr>
           <p:nvPr>
-            <p:ph idx="2" type="sldImg"/>
+            <p:ph type="sldImg" idx="2"/>
           </p:nvPr>
         </p:nvSpPr>
         <p:spPr>
           <a:xfrm>
-            <a:off x="1143225" y="685800"/>
-            <a:ext cx="4572300" cy="3429000"/>
+            <a:off x="381000" y="685800"/>
+            <a:ext cx="6096000" cy="3429000"/>
           </a:xfrm>
           <a:custGeom>
-            <a:rect b="b" l="l" r="r" t="t"/>
+            <a:avLst/>
+            <a:gdLst/>
+            <a:ahLst/>
+            <a:cxnLst/>
+            <a:rect l="l" t="t" r="r" b="b"/>
             <a:pathLst>
-              <a:path extrusionOk="0" h="120000" w="120000">
+              <a:path w="120000" h="120000" extrusionOk="0">
                 <a:moveTo>
                   <a:pt x="0" y="0"/>
                 </a:moveTo>
@@ -1150,9 +1192,11 @@
       <p:sp>
         <p:nvSpPr>
           <p:cNvPr id="116" name="Google Shape;116;g5baabd7299_0_132:notes"/>
-          <p:cNvSpPr txBox="1"/>
+          <p:cNvSpPr txBox="1">
+            <a:spLocks noGrp="1"/>
+          </p:cNvSpPr>
           <p:nvPr>
-            <p:ph idx="1" type="body"/>
+            <p:ph type="body" idx="1"/>
           </p:nvPr>
         </p:nvSpPr>
         <p:spPr>
@@ -1165,23 +1209,20 @@
           </a:prstGeom>
         </p:spPr>
         <p:txBody>
-          <a:bodyPr anchorCtr="0" anchor="t" bIns="91425" lIns="91425" spcFirstLastPara="1" rIns="91425" wrap="square" tIns="91425">
+          <a:bodyPr spcFirstLastPara="1" wrap="square" lIns="91425" tIns="91425" rIns="91425" bIns="91425" anchor="t" anchorCtr="0">
             <a:noAutofit/>
           </a:bodyPr>
           <a:lstStyle/>
           <a:p>
-            <a:pPr indent="0" lvl="0" marL="0" rtl="0" algn="l">
-              <a:spcBef>
-                <a:spcPts val="0"/>
-              </a:spcBef>
-              <a:spcAft>
-                <a:spcPts val="0"/>
-              </a:spcAft>
-              <a:buNone/>
-            </a:pPr>
-            <a:r>
-              <a:t/>
-            </a:r>
+            <a:pPr marL="0" lvl="0" indent="0" algn="l" rtl="0">
+              <a:spcBef>
+                <a:spcPts val="0"/>
+              </a:spcBef>
+              <a:spcAft>
+                <a:spcPts val="0"/>
+              </a:spcAft>
+              <a:buNone/>
+            </a:pPr>
             <a:endParaRPr/>
           </a:p>
         </p:txBody>
@@ -1195,11 +1236,11 @@
 </file>
 
 <file path=ppt/notesSlides/notesSlide14.xml><?xml version="1.0" encoding="utf-8"?>
-<p:notes xmlns:a="http://schemas.openxmlformats.org/drawingml/2006/main" xmlns:r="http://schemas.openxmlformats.org/officeDocument/2006/relationships" xmlns:mc="http://schemas.openxmlformats.org/markup-compatibility/2006" xmlns:mv="urn:schemas-microsoft-com:mac:vml" xmlns:p="http://schemas.openxmlformats.org/presentationml/2006/main" xmlns:c="http://schemas.openxmlformats.org/drawingml/2006/chart" xmlns:dgm="http://schemas.openxmlformats.org/drawingml/2006/diagram" xmlns:o="urn:schemas-microsoft-com:office:office" xmlns:v="urn:schemas-microsoft-com:vml" xmlns:pvml="urn:schemas-microsoft-com:office:powerpoint" xmlns:com="http://schemas.openxmlformats.org/drawingml/2006/compatibility" xmlns:p14="http://schemas.microsoft.com/office/powerpoint/2010/main" xmlns:p15="http://schemas.microsoft.com/office/powerpoint/2012/main" showMasterPhAnim="0" showMasterSp="0">
+<p:notes xmlns:a="http://schemas.openxmlformats.org/drawingml/2006/main" xmlns:r="http://schemas.openxmlformats.org/officeDocument/2006/relationships" xmlns:p="http://schemas.openxmlformats.org/presentationml/2006/main" showMasterSp="0" showMasterPhAnim="0">
   <p:cSld>
     <p:spTree>
       <p:nvGrpSpPr>
-        <p:cNvPr id="123" name="Shape 123"/>
+        <p:cNvPr id="1" name="Shape 123"/>
         <p:cNvGrpSpPr/>
         <p:nvPr/>
       </p:nvGrpSpPr>
@@ -1214,20 +1255,26 @@
       <p:sp>
         <p:nvSpPr>
           <p:cNvPr id="124" name="Google Shape;124;g5baabd7299_0_141:notes"/>
-          <p:cNvSpPr/>
+          <p:cNvSpPr>
+            <a:spLocks noGrp="1" noRot="1" noChangeAspect="1"/>
+          </p:cNvSpPr>
           <p:nvPr>
-            <p:ph idx="2" type="sldImg"/>
+            <p:ph type="sldImg" idx="2"/>
           </p:nvPr>
         </p:nvSpPr>
         <p:spPr>
           <a:xfrm>
-            <a:off x="1143225" y="685800"/>
-            <a:ext cx="4572300" cy="3429000"/>
+            <a:off x="381000" y="685800"/>
+            <a:ext cx="6096000" cy="3429000"/>
           </a:xfrm>
           <a:custGeom>
-            <a:rect b="b" l="l" r="r" t="t"/>
+            <a:avLst/>
+            <a:gdLst/>
+            <a:ahLst/>
+            <a:cxnLst/>
+            <a:rect l="l" t="t" r="r" b="b"/>
             <a:pathLst>
-              <a:path extrusionOk="0" h="120000" w="120000">
+              <a:path w="120000" h="120000" extrusionOk="0">
                 <a:moveTo>
                   <a:pt x="0" y="0"/>
                 </a:moveTo>
@@ -1249,9 +1296,11 @@
       <p:sp>
         <p:nvSpPr>
           <p:cNvPr id="125" name="Google Shape;125;g5baabd7299_0_141:notes"/>
-          <p:cNvSpPr txBox="1"/>
+          <p:cNvSpPr txBox="1">
+            <a:spLocks noGrp="1"/>
+          </p:cNvSpPr>
           <p:nvPr>
-            <p:ph idx="1" type="body"/>
+            <p:ph type="body" idx="1"/>
           </p:nvPr>
         </p:nvSpPr>
         <p:spPr>
@@ -1264,23 +1313,20 @@
           </a:prstGeom>
         </p:spPr>
         <p:txBody>
-          <a:bodyPr anchorCtr="0" anchor="t" bIns="91425" lIns="91425" spcFirstLastPara="1" rIns="91425" wrap="square" tIns="91425">
+          <a:bodyPr spcFirstLastPara="1" wrap="square" lIns="91425" tIns="91425" rIns="91425" bIns="91425" anchor="t" anchorCtr="0">
             <a:noAutofit/>
           </a:bodyPr>
           <a:lstStyle/>
           <a:p>
-            <a:pPr indent="0" lvl="0" marL="0" rtl="0" algn="l">
-              <a:spcBef>
-                <a:spcPts val="0"/>
-              </a:spcBef>
-              <a:spcAft>
-                <a:spcPts val="0"/>
-              </a:spcAft>
-              <a:buNone/>
-            </a:pPr>
-            <a:r>
-              <a:t/>
-            </a:r>
+            <a:pPr marL="0" lvl="0" indent="0" algn="l" rtl="0">
+              <a:spcBef>
+                <a:spcPts val="0"/>
+              </a:spcBef>
+              <a:spcAft>
+                <a:spcPts val="0"/>
+              </a:spcAft>
+              <a:buNone/>
+            </a:pPr>
             <a:endParaRPr/>
           </a:p>
         </p:txBody>
@@ -1294,11 +1340,11 @@
 </file>
 
 <file path=ppt/notesSlides/notesSlide15.xml><?xml version="1.0" encoding="utf-8"?>
-<p:notes xmlns:a="http://schemas.openxmlformats.org/drawingml/2006/main" xmlns:r="http://schemas.openxmlformats.org/officeDocument/2006/relationships" xmlns:mc="http://schemas.openxmlformats.org/markup-compatibility/2006" xmlns:mv="urn:schemas-microsoft-com:mac:vml" xmlns:p="http://schemas.openxmlformats.org/presentationml/2006/main" xmlns:c="http://schemas.openxmlformats.org/drawingml/2006/chart" xmlns:dgm="http://schemas.openxmlformats.org/drawingml/2006/diagram" xmlns:o="urn:schemas-microsoft-com:office:office" xmlns:v="urn:schemas-microsoft-com:vml" xmlns:pvml="urn:schemas-microsoft-com:office:powerpoint" xmlns:com="http://schemas.openxmlformats.org/drawingml/2006/compatibility" xmlns:p14="http://schemas.microsoft.com/office/powerpoint/2010/main" xmlns:p15="http://schemas.microsoft.com/office/powerpoint/2012/main" showMasterPhAnim="0" showMasterSp="0">
+<p:notes xmlns:a="http://schemas.openxmlformats.org/drawingml/2006/main" xmlns:r="http://schemas.openxmlformats.org/officeDocument/2006/relationships" xmlns:p="http://schemas.openxmlformats.org/presentationml/2006/main" showMasterSp="0" showMasterPhAnim="0">
   <p:cSld>
     <p:spTree>
       <p:nvGrpSpPr>
-        <p:cNvPr id="131" name="Shape 131"/>
+        <p:cNvPr id="1" name="Shape 131"/>
         <p:cNvGrpSpPr/>
         <p:nvPr/>
       </p:nvGrpSpPr>
@@ -1313,20 +1359,26 @@
       <p:sp>
         <p:nvSpPr>
           <p:cNvPr id="132" name="Google Shape;132;g5baabd7299_0_150:notes"/>
-          <p:cNvSpPr/>
+          <p:cNvSpPr>
+            <a:spLocks noGrp="1" noRot="1" noChangeAspect="1"/>
+          </p:cNvSpPr>
           <p:nvPr>
-            <p:ph idx="2" type="sldImg"/>
+            <p:ph type="sldImg" idx="2"/>
           </p:nvPr>
         </p:nvSpPr>
         <p:spPr>
           <a:xfrm>
-            <a:off x="1143225" y="685800"/>
-            <a:ext cx="4572300" cy="3429000"/>
+            <a:off x="381000" y="685800"/>
+            <a:ext cx="6096000" cy="3429000"/>
           </a:xfrm>
           <a:custGeom>
-            <a:rect b="b" l="l" r="r" t="t"/>
+            <a:avLst/>
+            <a:gdLst/>
+            <a:ahLst/>
+            <a:cxnLst/>
+            <a:rect l="l" t="t" r="r" b="b"/>
             <a:pathLst>
-              <a:path extrusionOk="0" h="120000" w="120000">
+              <a:path w="120000" h="120000" extrusionOk="0">
                 <a:moveTo>
                   <a:pt x="0" y="0"/>
                 </a:moveTo>
@@ -1348,9 +1400,11 @@
       <p:sp>
         <p:nvSpPr>
           <p:cNvPr id="133" name="Google Shape;133;g5baabd7299_0_150:notes"/>
-          <p:cNvSpPr txBox="1"/>
+          <p:cNvSpPr txBox="1">
+            <a:spLocks noGrp="1"/>
+          </p:cNvSpPr>
           <p:nvPr>
-            <p:ph idx="1" type="body"/>
+            <p:ph type="body" idx="1"/>
           </p:nvPr>
         </p:nvSpPr>
         <p:spPr>
@@ -1363,23 +1417,20 @@
           </a:prstGeom>
         </p:spPr>
         <p:txBody>
-          <a:bodyPr anchorCtr="0" anchor="t" bIns="91425" lIns="91425" spcFirstLastPara="1" rIns="91425" wrap="square" tIns="91425">
+          <a:bodyPr spcFirstLastPara="1" wrap="square" lIns="91425" tIns="91425" rIns="91425" bIns="91425" anchor="t" anchorCtr="0">
             <a:noAutofit/>
           </a:bodyPr>
           <a:lstStyle/>
           <a:p>
-            <a:pPr indent="0" lvl="0" marL="0" rtl="0" algn="l">
-              <a:spcBef>
-                <a:spcPts val="0"/>
-              </a:spcBef>
-              <a:spcAft>
-                <a:spcPts val="0"/>
-              </a:spcAft>
-              <a:buNone/>
-            </a:pPr>
-            <a:r>
-              <a:t/>
-            </a:r>
+            <a:pPr marL="0" lvl="0" indent="0" algn="l" rtl="0">
+              <a:spcBef>
+                <a:spcPts val="0"/>
+              </a:spcBef>
+              <a:spcAft>
+                <a:spcPts val="0"/>
+              </a:spcAft>
+              <a:buNone/>
+            </a:pPr>
             <a:endParaRPr/>
           </a:p>
         </p:txBody>
@@ -1393,11 +1444,11 @@
 </file>
 
 <file path=ppt/notesSlides/notesSlide16.xml><?xml version="1.0" encoding="utf-8"?>
-<p:notes xmlns:a="http://schemas.openxmlformats.org/drawingml/2006/main" xmlns:r="http://schemas.openxmlformats.org/officeDocument/2006/relationships" xmlns:mc="http://schemas.openxmlformats.org/markup-compatibility/2006" xmlns:mv="urn:schemas-microsoft-com:mac:vml" xmlns:p="http://schemas.openxmlformats.org/presentationml/2006/main" xmlns:c="http://schemas.openxmlformats.org/drawingml/2006/chart" xmlns:dgm="http://schemas.openxmlformats.org/drawingml/2006/diagram" xmlns:o="urn:schemas-microsoft-com:office:office" xmlns:v="urn:schemas-microsoft-com:vml" xmlns:pvml="urn:schemas-microsoft-com:office:powerpoint" xmlns:com="http://schemas.openxmlformats.org/drawingml/2006/compatibility" xmlns:p14="http://schemas.microsoft.com/office/powerpoint/2010/main" xmlns:p15="http://schemas.microsoft.com/office/powerpoint/2012/main" showMasterPhAnim="0" showMasterSp="0">
+<p:notes xmlns:a="http://schemas.openxmlformats.org/drawingml/2006/main" xmlns:r="http://schemas.openxmlformats.org/officeDocument/2006/relationships" xmlns:p="http://schemas.openxmlformats.org/presentationml/2006/main" showMasterSp="0" showMasterPhAnim="0">
   <p:cSld>
     <p:spTree>
       <p:nvGrpSpPr>
-        <p:cNvPr id="138" name="Shape 138"/>
+        <p:cNvPr id="1" name="Shape 138"/>
         <p:cNvGrpSpPr/>
         <p:nvPr/>
       </p:nvGrpSpPr>
@@ -1412,20 +1463,26 @@
       <p:sp>
         <p:nvSpPr>
           <p:cNvPr id="139" name="Google Shape;139;g5baabd7299_0_157:notes"/>
-          <p:cNvSpPr/>
+          <p:cNvSpPr>
+            <a:spLocks noGrp="1" noRot="1" noChangeAspect="1"/>
+          </p:cNvSpPr>
           <p:nvPr>
-            <p:ph idx="2" type="sldImg"/>
+            <p:ph type="sldImg" idx="2"/>
           </p:nvPr>
         </p:nvSpPr>
         <p:spPr>
           <a:xfrm>
-            <a:off x="1143225" y="685800"/>
-            <a:ext cx="4572300" cy="3429000"/>
+            <a:off x="381000" y="685800"/>
+            <a:ext cx="6096000" cy="3429000"/>
           </a:xfrm>
           <a:custGeom>
-            <a:rect b="b" l="l" r="r" t="t"/>
+            <a:avLst/>
+            <a:gdLst/>
+            <a:ahLst/>
+            <a:cxnLst/>
+            <a:rect l="l" t="t" r="r" b="b"/>
             <a:pathLst>
-              <a:path extrusionOk="0" h="120000" w="120000">
+              <a:path w="120000" h="120000" extrusionOk="0">
                 <a:moveTo>
                   <a:pt x="0" y="0"/>
                 </a:moveTo>
@@ -1447,9 +1504,11 @@
       <p:sp>
         <p:nvSpPr>
           <p:cNvPr id="140" name="Google Shape;140;g5baabd7299_0_157:notes"/>
-          <p:cNvSpPr txBox="1"/>
+          <p:cNvSpPr txBox="1">
+            <a:spLocks noGrp="1"/>
+          </p:cNvSpPr>
           <p:nvPr>
-            <p:ph idx="1" type="body"/>
+            <p:ph type="body" idx="1"/>
           </p:nvPr>
         </p:nvSpPr>
         <p:spPr>
@@ -1462,23 +1521,20 @@
           </a:prstGeom>
         </p:spPr>
         <p:txBody>
-          <a:bodyPr anchorCtr="0" anchor="t" bIns="91425" lIns="91425" spcFirstLastPara="1" rIns="91425" wrap="square" tIns="91425">
+          <a:bodyPr spcFirstLastPara="1" wrap="square" lIns="91425" tIns="91425" rIns="91425" bIns="91425" anchor="t" anchorCtr="0">
             <a:noAutofit/>
           </a:bodyPr>
           <a:lstStyle/>
           <a:p>
-            <a:pPr indent="0" lvl="0" marL="0" rtl="0" algn="l">
-              <a:spcBef>
-                <a:spcPts val="0"/>
-              </a:spcBef>
-              <a:spcAft>
-                <a:spcPts val="0"/>
-              </a:spcAft>
-              <a:buNone/>
-            </a:pPr>
-            <a:r>
-              <a:t/>
-            </a:r>
+            <a:pPr marL="0" lvl="0" indent="0" algn="l" rtl="0">
+              <a:spcBef>
+                <a:spcPts val="0"/>
+              </a:spcBef>
+              <a:spcAft>
+                <a:spcPts val="0"/>
+              </a:spcAft>
+              <a:buNone/>
+            </a:pPr>
             <a:endParaRPr/>
           </a:p>
         </p:txBody>
@@ -1492,11 +1548,11 @@
 </file>
 
 <file path=ppt/notesSlides/notesSlide17.xml><?xml version="1.0" encoding="utf-8"?>
-<p:notes xmlns:a="http://schemas.openxmlformats.org/drawingml/2006/main" xmlns:r="http://schemas.openxmlformats.org/officeDocument/2006/relationships" xmlns:mc="http://schemas.openxmlformats.org/markup-compatibility/2006" xmlns:mv="urn:schemas-microsoft-com:mac:vml" xmlns:p="http://schemas.openxmlformats.org/presentationml/2006/main" xmlns:c="http://schemas.openxmlformats.org/drawingml/2006/chart" xmlns:dgm="http://schemas.openxmlformats.org/drawingml/2006/diagram" xmlns:o="urn:schemas-microsoft-com:office:office" xmlns:v="urn:schemas-microsoft-com:vml" xmlns:pvml="urn:schemas-microsoft-com:office:powerpoint" xmlns:com="http://schemas.openxmlformats.org/drawingml/2006/compatibility" xmlns:p14="http://schemas.microsoft.com/office/powerpoint/2010/main" xmlns:p15="http://schemas.microsoft.com/office/powerpoint/2012/main" showMasterPhAnim="0" showMasterSp="0">
+<p:notes xmlns:a="http://schemas.openxmlformats.org/drawingml/2006/main" xmlns:r="http://schemas.openxmlformats.org/officeDocument/2006/relationships" xmlns:p="http://schemas.openxmlformats.org/presentationml/2006/main" showMasterSp="0" showMasterPhAnim="0">
   <p:cSld>
     <p:spTree>
       <p:nvGrpSpPr>
-        <p:cNvPr id="145" name="Shape 145"/>
+        <p:cNvPr id="1" name="Shape 145"/>
         <p:cNvGrpSpPr/>
         <p:nvPr/>
       </p:nvGrpSpPr>
@@ -1511,20 +1567,26 @@
       <p:sp>
         <p:nvSpPr>
           <p:cNvPr id="146" name="Google Shape;146;g5baabd7299_0_164:notes"/>
-          <p:cNvSpPr/>
+          <p:cNvSpPr>
+            <a:spLocks noGrp="1" noRot="1" noChangeAspect="1"/>
+          </p:cNvSpPr>
           <p:nvPr>
-            <p:ph idx="2" type="sldImg"/>
+            <p:ph type="sldImg" idx="2"/>
           </p:nvPr>
         </p:nvSpPr>
         <p:spPr>
           <a:xfrm>
-            <a:off x="1143225" y="685800"/>
-            <a:ext cx="4572300" cy="3429000"/>
+            <a:off x="381000" y="685800"/>
+            <a:ext cx="6096000" cy="3429000"/>
           </a:xfrm>
           <a:custGeom>
-            <a:rect b="b" l="l" r="r" t="t"/>
+            <a:avLst/>
+            <a:gdLst/>
+            <a:ahLst/>
+            <a:cxnLst/>
+            <a:rect l="l" t="t" r="r" b="b"/>
             <a:pathLst>
-              <a:path extrusionOk="0" h="120000" w="120000">
+              <a:path w="120000" h="120000" extrusionOk="0">
                 <a:moveTo>
                   <a:pt x="0" y="0"/>
                 </a:moveTo>
@@ -1546,9 +1608,11 @@
       <p:sp>
         <p:nvSpPr>
           <p:cNvPr id="147" name="Google Shape;147;g5baabd7299_0_164:notes"/>
-          <p:cNvSpPr txBox="1"/>
+          <p:cNvSpPr txBox="1">
+            <a:spLocks noGrp="1"/>
+          </p:cNvSpPr>
           <p:nvPr>
-            <p:ph idx="1" type="body"/>
+            <p:ph type="body" idx="1"/>
           </p:nvPr>
         </p:nvSpPr>
         <p:spPr>
@@ -1561,23 +1625,20 @@
           </a:prstGeom>
         </p:spPr>
         <p:txBody>
-          <a:bodyPr anchorCtr="0" anchor="t" bIns="91425" lIns="91425" spcFirstLastPara="1" rIns="91425" wrap="square" tIns="91425">
+          <a:bodyPr spcFirstLastPara="1" wrap="square" lIns="91425" tIns="91425" rIns="91425" bIns="91425" anchor="t" anchorCtr="0">
             <a:noAutofit/>
           </a:bodyPr>
           <a:lstStyle/>
           <a:p>
-            <a:pPr indent="0" lvl="0" marL="0" rtl="0" algn="l">
-              <a:spcBef>
-                <a:spcPts val="0"/>
-              </a:spcBef>
-              <a:spcAft>
-                <a:spcPts val="0"/>
-              </a:spcAft>
-              <a:buNone/>
-            </a:pPr>
-            <a:r>
-              <a:t/>
-            </a:r>
+            <a:pPr marL="0" lvl="0" indent="0" algn="l" rtl="0">
+              <a:spcBef>
+                <a:spcPts val="0"/>
+              </a:spcBef>
+              <a:spcAft>
+                <a:spcPts val="0"/>
+              </a:spcAft>
+              <a:buNone/>
+            </a:pPr>
             <a:endParaRPr/>
           </a:p>
         </p:txBody>
@@ -1591,11 +1652,11 @@
 </file>
 
 <file path=ppt/notesSlides/notesSlide18.xml><?xml version="1.0" encoding="utf-8"?>
-<p:notes xmlns:a="http://schemas.openxmlformats.org/drawingml/2006/main" xmlns:r="http://schemas.openxmlformats.org/officeDocument/2006/relationships" xmlns:mc="http://schemas.openxmlformats.org/markup-compatibility/2006" xmlns:mv="urn:schemas-microsoft-com:mac:vml" xmlns:p="http://schemas.openxmlformats.org/presentationml/2006/main" xmlns:c="http://schemas.openxmlformats.org/drawingml/2006/chart" xmlns:dgm="http://schemas.openxmlformats.org/drawingml/2006/diagram" xmlns:o="urn:schemas-microsoft-com:office:office" xmlns:v="urn:schemas-microsoft-com:vml" xmlns:pvml="urn:schemas-microsoft-com:office:powerpoint" xmlns:com="http://schemas.openxmlformats.org/drawingml/2006/compatibility" xmlns:p14="http://schemas.microsoft.com/office/powerpoint/2010/main" xmlns:p15="http://schemas.microsoft.com/office/powerpoint/2012/main" showMasterPhAnim="0" showMasterSp="0">
+<p:notes xmlns:a="http://schemas.openxmlformats.org/drawingml/2006/main" xmlns:r="http://schemas.openxmlformats.org/officeDocument/2006/relationships" xmlns:p="http://schemas.openxmlformats.org/presentationml/2006/main" showMasterSp="0" showMasterPhAnim="0">
   <p:cSld>
     <p:spTree>
       <p:nvGrpSpPr>
-        <p:cNvPr id="152" name="Shape 152"/>
+        <p:cNvPr id="1" name="Shape 152"/>
         <p:cNvGrpSpPr/>
         <p:nvPr/>
       </p:nvGrpSpPr>
@@ -1610,20 +1671,26 @@
       <p:sp>
         <p:nvSpPr>
           <p:cNvPr id="153" name="Google Shape;153;g5baabd7299_0_171:notes"/>
-          <p:cNvSpPr/>
+          <p:cNvSpPr>
+            <a:spLocks noGrp="1" noRot="1" noChangeAspect="1"/>
+          </p:cNvSpPr>
           <p:nvPr>
-            <p:ph idx="2" type="sldImg"/>
+            <p:ph type="sldImg" idx="2"/>
           </p:nvPr>
         </p:nvSpPr>
         <p:spPr>
           <a:xfrm>
-            <a:off x="1143225" y="685800"/>
-            <a:ext cx="4572300" cy="3429000"/>
+            <a:off x="381000" y="685800"/>
+            <a:ext cx="6096000" cy="3429000"/>
           </a:xfrm>
           <a:custGeom>
-            <a:rect b="b" l="l" r="r" t="t"/>
+            <a:avLst/>
+            <a:gdLst/>
+            <a:ahLst/>
+            <a:cxnLst/>
+            <a:rect l="l" t="t" r="r" b="b"/>
             <a:pathLst>
-              <a:path extrusionOk="0" h="120000" w="120000">
+              <a:path w="120000" h="120000" extrusionOk="0">
                 <a:moveTo>
                   <a:pt x="0" y="0"/>
                 </a:moveTo>
@@ -1645,9 +1712,11 @@
       <p:sp>
         <p:nvSpPr>
           <p:cNvPr id="154" name="Google Shape;154;g5baabd7299_0_171:notes"/>
-          <p:cNvSpPr txBox="1"/>
+          <p:cNvSpPr txBox="1">
+            <a:spLocks noGrp="1"/>
+          </p:cNvSpPr>
           <p:nvPr>
-            <p:ph idx="1" type="body"/>
+            <p:ph type="body" idx="1"/>
           </p:nvPr>
         </p:nvSpPr>
         <p:spPr>
@@ -1660,23 +1729,20 @@
           </a:prstGeom>
         </p:spPr>
         <p:txBody>
-          <a:bodyPr anchorCtr="0" anchor="t" bIns="91425" lIns="91425" spcFirstLastPara="1" rIns="91425" wrap="square" tIns="91425">
+          <a:bodyPr spcFirstLastPara="1" wrap="square" lIns="91425" tIns="91425" rIns="91425" bIns="91425" anchor="t" anchorCtr="0">
             <a:noAutofit/>
           </a:bodyPr>
           <a:lstStyle/>
           <a:p>
-            <a:pPr indent="0" lvl="0" marL="0" rtl="0" algn="l">
-              <a:spcBef>
-                <a:spcPts val="0"/>
-              </a:spcBef>
-              <a:spcAft>
-                <a:spcPts val="0"/>
-              </a:spcAft>
-              <a:buNone/>
-            </a:pPr>
-            <a:r>
-              <a:t/>
-            </a:r>
+            <a:pPr marL="0" lvl="0" indent="0" algn="l" rtl="0">
+              <a:spcBef>
+                <a:spcPts val="0"/>
+              </a:spcBef>
+              <a:spcAft>
+                <a:spcPts val="0"/>
+              </a:spcAft>
+              <a:buNone/>
+            </a:pPr>
             <a:endParaRPr/>
           </a:p>
         </p:txBody>
@@ -1690,11 +1756,11 @@
 </file>
 
 <file path=ppt/notesSlides/notesSlide19.xml><?xml version="1.0" encoding="utf-8"?>
-<p:notes xmlns:a="http://schemas.openxmlformats.org/drawingml/2006/main" xmlns:r="http://schemas.openxmlformats.org/officeDocument/2006/relationships" xmlns:mc="http://schemas.openxmlformats.org/markup-compatibility/2006" xmlns:mv="urn:schemas-microsoft-com:mac:vml" xmlns:p="http://schemas.openxmlformats.org/presentationml/2006/main" xmlns:c="http://schemas.openxmlformats.org/drawingml/2006/chart" xmlns:dgm="http://schemas.openxmlformats.org/drawingml/2006/diagram" xmlns:o="urn:schemas-microsoft-com:office:office" xmlns:v="urn:schemas-microsoft-com:vml" xmlns:pvml="urn:schemas-microsoft-com:office:powerpoint" xmlns:com="http://schemas.openxmlformats.org/drawingml/2006/compatibility" xmlns:p14="http://schemas.microsoft.com/office/powerpoint/2010/main" xmlns:p15="http://schemas.microsoft.com/office/powerpoint/2012/main" showMasterPhAnim="0" showMasterSp="0">
+<p:notes xmlns:a="http://schemas.openxmlformats.org/drawingml/2006/main" xmlns:r="http://schemas.openxmlformats.org/officeDocument/2006/relationships" xmlns:p="http://schemas.openxmlformats.org/presentationml/2006/main" showMasterSp="0" showMasterPhAnim="0">
   <p:cSld>
     <p:spTree>
       <p:nvGrpSpPr>
-        <p:cNvPr id="159" name="Shape 159"/>
+        <p:cNvPr id="1" name="Shape 159"/>
         <p:cNvGrpSpPr/>
         <p:nvPr/>
       </p:nvGrpSpPr>
@@ -1709,20 +1775,26 @@
       <p:sp>
         <p:nvSpPr>
           <p:cNvPr id="160" name="Google Shape;160;g5baabd7299_0_178:notes"/>
-          <p:cNvSpPr/>
+          <p:cNvSpPr>
+            <a:spLocks noGrp="1" noRot="1" noChangeAspect="1"/>
+          </p:cNvSpPr>
           <p:nvPr>
-            <p:ph idx="2" type="sldImg"/>
+            <p:ph type="sldImg" idx="2"/>
           </p:nvPr>
         </p:nvSpPr>
         <p:spPr>
           <a:xfrm>
-            <a:off x="1143225" y="685800"/>
-            <a:ext cx="4572300" cy="3429000"/>
+            <a:off x="381000" y="685800"/>
+            <a:ext cx="6096000" cy="3429000"/>
           </a:xfrm>
           <a:custGeom>
-            <a:rect b="b" l="l" r="r" t="t"/>
+            <a:avLst/>
+            <a:gdLst/>
+            <a:ahLst/>
+            <a:cxnLst/>
+            <a:rect l="l" t="t" r="r" b="b"/>
             <a:pathLst>
-              <a:path extrusionOk="0" h="120000" w="120000">
+              <a:path w="120000" h="120000" extrusionOk="0">
                 <a:moveTo>
                   <a:pt x="0" y="0"/>
                 </a:moveTo>
@@ -1744,9 +1816,11 @@
       <p:sp>
         <p:nvSpPr>
           <p:cNvPr id="161" name="Google Shape;161;g5baabd7299_0_178:notes"/>
-          <p:cNvSpPr txBox="1"/>
+          <p:cNvSpPr txBox="1">
+            <a:spLocks noGrp="1"/>
+          </p:cNvSpPr>
           <p:nvPr>
-            <p:ph idx="1" type="body"/>
+            <p:ph type="body" idx="1"/>
           </p:nvPr>
         </p:nvSpPr>
         <p:spPr>
@@ -1759,12 +1833,12 @@
           </a:prstGeom>
         </p:spPr>
         <p:txBody>
-          <a:bodyPr anchorCtr="0" anchor="t" bIns="91425" lIns="91425" spcFirstLastPara="1" rIns="91425" wrap="square" tIns="91425">
+          <a:bodyPr spcFirstLastPara="1" wrap="square" lIns="91425" tIns="91425" rIns="91425" bIns="91425" anchor="t" anchorCtr="0">
             <a:noAutofit/>
           </a:bodyPr>
           <a:lstStyle/>
           <a:p>
-            <a:pPr indent="0" lvl="0" marL="0" rtl="0" algn="l">
+            <a:pPr marL="0" lvl="0" indent="0" algn="l" rtl="0">
               <a:spcBef>
                 <a:spcPts val="0"/>
               </a:spcBef>
@@ -1785,18 +1859,15 @@
             <a:endParaRPr/>
           </a:p>
           <a:p>
-            <a:pPr indent="0" lvl="0" marL="0" rtl="0" algn="l">
-              <a:spcBef>
-                <a:spcPts val="0"/>
-              </a:spcBef>
-              <a:spcAft>
-                <a:spcPts val="0"/>
-              </a:spcAft>
-              <a:buNone/>
-            </a:pPr>
-            <a:r>
-              <a:t/>
-            </a:r>
+            <a:pPr marL="0" lvl="0" indent="0" algn="l" rtl="0">
+              <a:spcBef>
+                <a:spcPts val="0"/>
+              </a:spcBef>
+              <a:spcAft>
+                <a:spcPts val="0"/>
+              </a:spcAft>
+              <a:buNone/>
+            </a:pPr>
             <a:endParaRPr/>
           </a:p>
         </p:txBody>
@@ -1810,11 +1881,11 @@
 </file>
 
 <file path=ppt/notesSlides/notesSlide2.xml><?xml version="1.0" encoding="utf-8"?>
-<p:notes xmlns:a="http://schemas.openxmlformats.org/drawingml/2006/main" xmlns:r="http://schemas.openxmlformats.org/officeDocument/2006/relationships" xmlns:mc="http://schemas.openxmlformats.org/markup-compatibility/2006" xmlns:mv="urn:schemas-microsoft-com:mac:vml" xmlns:p="http://schemas.openxmlformats.org/presentationml/2006/main" xmlns:c="http://schemas.openxmlformats.org/drawingml/2006/chart" xmlns:dgm="http://schemas.openxmlformats.org/drawingml/2006/diagram" xmlns:o="urn:schemas-microsoft-com:office:office" xmlns:v="urn:schemas-microsoft-com:vml" xmlns:pvml="urn:schemas-microsoft-com:office:powerpoint" xmlns:com="http://schemas.openxmlformats.org/drawingml/2006/compatibility" xmlns:p14="http://schemas.microsoft.com/office/powerpoint/2010/main" xmlns:p15="http://schemas.microsoft.com/office/powerpoint/2012/main" showMasterPhAnim="0" showMasterSp="0">
+<p:notes xmlns:a="http://schemas.openxmlformats.org/drawingml/2006/main" xmlns:r="http://schemas.openxmlformats.org/officeDocument/2006/relationships" xmlns:p="http://schemas.openxmlformats.org/presentationml/2006/main" showMasterSp="0" showMasterPhAnim="0">
   <p:cSld>
     <p:spTree>
       <p:nvGrpSpPr>
-        <p:cNvPr id="28" name="Shape 28"/>
+        <p:cNvPr id="1" name="Shape 28"/>
         <p:cNvGrpSpPr/>
         <p:nvPr/>
       </p:nvGrpSpPr>
@@ -1829,20 +1900,26 @@
       <p:sp>
         <p:nvSpPr>
           <p:cNvPr id="29" name="Google Shape;29;g5baabd7299_0_0:notes"/>
-          <p:cNvSpPr/>
+          <p:cNvSpPr>
+            <a:spLocks noGrp="1" noRot="1" noChangeAspect="1"/>
+          </p:cNvSpPr>
           <p:nvPr>
-            <p:ph idx="2" type="sldImg"/>
+            <p:ph type="sldImg" idx="2"/>
           </p:nvPr>
         </p:nvSpPr>
         <p:spPr>
           <a:xfrm>
-            <a:off x="1143225" y="685800"/>
-            <a:ext cx="4572300" cy="3429000"/>
+            <a:off x="381000" y="685800"/>
+            <a:ext cx="6096000" cy="3429000"/>
           </a:xfrm>
           <a:custGeom>
-            <a:rect b="b" l="l" r="r" t="t"/>
+            <a:avLst/>
+            <a:gdLst/>
+            <a:ahLst/>
+            <a:cxnLst/>
+            <a:rect l="l" t="t" r="r" b="b"/>
             <a:pathLst>
-              <a:path extrusionOk="0" h="120000" w="120000">
+              <a:path w="120000" h="120000" extrusionOk="0">
                 <a:moveTo>
                   <a:pt x="0" y="0"/>
                 </a:moveTo>
@@ -1864,9 +1941,11 @@
       <p:sp>
         <p:nvSpPr>
           <p:cNvPr id="30" name="Google Shape;30;g5baabd7299_0_0:notes"/>
-          <p:cNvSpPr txBox="1"/>
+          <p:cNvSpPr txBox="1">
+            <a:spLocks noGrp="1"/>
+          </p:cNvSpPr>
           <p:nvPr>
-            <p:ph idx="1" type="body"/>
+            <p:ph type="body" idx="1"/>
           </p:nvPr>
         </p:nvSpPr>
         <p:spPr>
@@ -1879,23 +1958,20 @@
           </a:prstGeom>
         </p:spPr>
         <p:txBody>
-          <a:bodyPr anchorCtr="0" anchor="t" bIns="91425" lIns="91425" spcFirstLastPara="1" rIns="91425" wrap="square" tIns="91425">
+          <a:bodyPr spcFirstLastPara="1" wrap="square" lIns="91425" tIns="91425" rIns="91425" bIns="91425" anchor="t" anchorCtr="0">
             <a:noAutofit/>
           </a:bodyPr>
           <a:lstStyle/>
           <a:p>
-            <a:pPr indent="0" lvl="0" marL="0" rtl="0" algn="l">
-              <a:spcBef>
-                <a:spcPts val="0"/>
-              </a:spcBef>
-              <a:spcAft>
-                <a:spcPts val="0"/>
-              </a:spcAft>
-              <a:buNone/>
-            </a:pPr>
-            <a:r>
-              <a:t/>
-            </a:r>
+            <a:pPr marL="0" lvl="0" indent="0" algn="l" rtl="0">
+              <a:spcBef>
+                <a:spcPts val="0"/>
+              </a:spcBef>
+              <a:spcAft>
+                <a:spcPts val="0"/>
+              </a:spcAft>
+              <a:buNone/>
+            </a:pPr>
             <a:endParaRPr/>
           </a:p>
         </p:txBody>
@@ -1909,11 +1985,11 @@
 </file>
 
 <file path=ppt/notesSlides/notesSlide20.xml><?xml version="1.0" encoding="utf-8"?>
-<p:notes xmlns:a="http://schemas.openxmlformats.org/drawingml/2006/main" xmlns:r="http://schemas.openxmlformats.org/officeDocument/2006/relationships" xmlns:mc="http://schemas.openxmlformats.org/markup-compatibility/2006" xmlns:mv="urn:schemas-microsoft-com:mac:vml" xmlns:p="http://schemas.openxmlformats.org/presentationml/2006/main" xmlns:c="http://schemas.openxmlformats.org/drawingml/2006/chart" xmlns:dgm="http://schemas.openxmlformats.org/drawingml/2006/diagram" xmlns:o="urn:schemas-microsoft-com:office:office" xmlns:v="urn:schemas-microsoft-com:vml" xmlns:pvml="urn:schemas-microsoft-com:office:powerpoint" xmlns:com="http://schemas.openxmlformats.org/drawingml/2006/compatibility" xmlns:p14="http://schemas.microsoft.com/office/powerpoint/2010/main" xmlns:p15="http://schemas.microsoft.com/office/powerpoint/2012/main" showMasterPhAnim="0" showMasterSp="0">
+<p:notes xmlns:a="http://schemas.openxmlformats.org/drawingml/2006/main" xmlns:r="http://schemas.openxmlformats.org/officeDocument/2006/relationships" xmlns:p="http://schemas.openxmlformats.org/presentationml/2006/main" showMasterSp="0" showMasterPhAnim="0">
   <p:cSld>
     <p:spTree>
       <p:nvGrpSpPr>
-        <p:cNvPr id="170" name="Shape 170"/>
+        <p:cNvPr id="1" name="Shape 170"/>
         <p:cNvGrpSpPr/>
         <p:nvPr/>
       </p:nvGrpSpPr>
@@ -1928,20 +2004,26 @@
       <p:sp>
         <p:nvSpPr>
           <p:cNvPr id="171" name="Google Shape;171;g5baabd7299_0_194:notes"/>
-          <p:cNvSpPr/>
+          <p:cNvSpPr>
+            <a:spLocks noGrp="1" noRot="1" noChangeAspect="1"/>
+          </p:cNvSpPr>
           <p:nvPr>
-            <p:ph idx="2" type="sldImg"/>
+            <p:ph type="sldImg" idx="2"/>
           </p:nvPr>
         </p:nvSpPr>
         <p:spPr>
           <a:xfrm>
-            <a:off x="1143225" y="685800"/>
-            <a:ext cx="4572300" cy="3429000"/>
+            <a:off x="381000" y="685800"/>
+            <a:ext cx="6096000" cy="3429000"/>
           </a:xfrm>
           <a:custGeom>
-            <a:rect b="b" l="l" r="r" t="t"/>
+            <a:avLst/>
+            <a:gdLst/>
+            <a:ahLst/>
+            <a:cxnLst/>
+            <a:rect l="l" t="t" r="r" b="b"/>
             <a:pathLst>
-              <a:path extrusionOk="0" h="120000" w="120000">
+              <a:path w="120000" h="120000" extrusionOk="0">
                 <a:moveTo>
                   <a:pt x="0" y="0"/>
                 </a:moveTo>
@@ -1963,9 +2045,11 @@
       <p:sp>
         <p:nvSpPr>
           <p:cNvPr id="172" name="Google Shape;172;g5baabd7299_0_194:notes"/>
-          <p:cNvSpPr txBox="1"/>
+          <p:cNvSpPr txBox="1">
+            <a:spLocks noGrp="1"/>
+          </p:cNvSpPr>
           <p:nvPr>
-            <p:ph idx="1" type="body"/>
+            <p:ph type="body" idx="1"/>
           </p:nvPr>
         </p:nvSpPr>
         <p:spPr>
@@ -1978,23 +2062,20 @@
           </a:prstGeom>
         </p:spPr>
         <p:txBody>
-          <a:bodyPr anchorCtr="0" anchor="t" bIns="91425" lIns="91425" spcFirstLastPara="1" rIns="91425" wrap="square" tIns="91425">
+          <a:bodyPr spcFirstLastPara="1" wrap="square" lIns="91425" tIns="91425" rIns="91425" bIns="91425" anchor="t" anchorCtr="0">
             <a:noAutofit/>
           </a:bodyPr>
           <a:lstStyle/>
           <a:p>
-            <a:pPr indent="0" lvl="0" marL="0" rtl="0" algn="l">
-              <a:spcBef>
-                <a:spcPts val="0"/>
-              </a:spcBef>
-              <a:spcAft>
-                <a:spcPts val="0"/>
-              </a:spcAft>
-              <a:buNone/>
-            </a:pPr>
-            <a:r>
-              <a:t/>
-            </a:r>
+            <a:pPr marL="0" lvl="0" indent="0" algn="l" rtl="0">
+              <a:spcBef>
+                <a:spcPts val="0"/>
+              </a:spcBef>
+              <a:spcAft>
+                <a:spcPts val="0"/>
+              </a:spcAft>
+              <a:buNone/>
+            </a:pPr>
             <a:endParaRPr/>
           </a:p>
         </p:txBody>
@@ -2008,11 +2089,11 @@
 </file>
 
 <file path=ppt/notesSlides/notesSlide21.xml><?xml version="1.0" encoding="utf-8"?>
-<p:notes xmlns:a="http://schemas.openxmlformats.org/drawingml/2006/main" xmlns:r="http://schemas.openxmlformats.org/officeDocument/2006/relationships" xmlns:mc="http://schemas.openxmlformats.org/markup-compatibility/2006" xmlns:mv="urn:schemas-microsoft-com:mac:vml" xmlns:p="http://schemas.openxmlformats.org/presentationml/2006/main" xmlns:c="http://schemas.openxmlformats.org/drawingml/2006/chart" xmlns:dgm="http://schemas.openxmlformats.org/drawingml/2006/diagram" xmlns:o="urn:schemas-microsoft-com:office:office" xmlns:v="urn:schemas-microsoft-com:vml" xmlns:pvml="urn:schemas-microsoft-com:office:powerpoint" xmlns:com="http://schemas.openxmlformats.org/drawingml/2006/compatibility" xmlns:p14="http://schemas.microsoft.com/office/powerpoint/2010/main" xmlns:p15="http://schemas.microsoft.com/office/powerpoint/2012/main" showMasterPhAnim="0" showMasterSp="0">
+<p:notes xmlns:a="http://schemas.openxmlformats.org/drawingml/2006/main" xmlns:r="http://schemas.openxmlformats.org/officeDocument/2006/relationships" xmlns:p="http://schemas.openxmlformats.org/presentationml/2006/main" showMasterSp="0" showMasterPhAnim="0">
   <p:cSld>
     <p:spTree>
       <p:nvGrpSpPr>
-        <p:cNvPr id="177" name="Shape 177"/>
+        <p:cNvPr id="1" name="Shape 177"/>
         <p:cNvGrpSpPr/>
         <p:nvPr/>
       </p:nvGrpSpPr>
@@ -2027,20 +2108,26 @@
       <p:sp>
         <p:nvSpPr>
           <p:cNvPr id="178" name="Google Shape;178;g5baabd7299_0_202:notes"/>
-          <p:cNvSpPr/>
+          <p:cNvSpPr>
+            <a:spLocks noGrp="1" noRot="1" noChangeAspect="1"/>
+          </p:cNvSpPr>
           <p:nvPr>
-            <p:ph idx="2" type="sldImg"/>
+            <p:ph type="sldImg" idx="2"/>
           </p:nvPr>
         </p:nvSpPr>
         <p:spPr>
           <a:xfrm>
-            <a:off x="1143225" y="685800"/>
-            <a:ext cx="4572300" cy="3429000"/>
+            <a:off x="381000" y="685800"/>
+            <a:ext cx="6096000" cy="3429000"/>
           </a:xfrm>
           <a:custGeom>
-            <a:rect b="b" l="l" r="r" t="t"/>
+            <a:avLst/>
+            <a:gdLst/>
+            <a:ahLst/>
+            <a:cxnLst/>
+            <a:rect l="l" t="t" r="r" b="b"/>
             <a:pathLst>
-              <a:path extrusionOk="0" h="120000" w="120000">
+              <a:path w="120000" h="120000" extrusionOk="0">
                 <a:moveTo>
                   <a:pt x="0" y="0"/>
                 </a:moveTo>
@@ -2062,9 +2149,11 @@
       <p:sp>
         <p:nvSpPr>
           <p:cNvPr id="179" name="Google Shape;179;g5baabd7299_0_202:notes"/>
-          <p:cNvSpPr txBox="1"/>
+          <p:cNvSpPr txBox="1">
+            <a:spLocks noGrp="1"/>
+          </p:cNvSpPr>
           <p:nvPr>
-            <p:ph idx="1" type="body"/>
+            <p:ph type="body" idx="1"/>
           </p:nvPr>
         </p:nvSpPr>
         <p:spPr>
@@ -2077,23 +2166,20 @@
           </a:prstGeom>
         </p:spPr>
         <p:txBody>
-          <a:bodyPr anchorCtr="0" anchor="t" bIns="91425" lIns="91425" spcFirstLastPara="1" rIns="91425" wrap="square" tIns="91425">
+          <a:bodyPr spcFirstLastPara="1" wrap="square" lIns="91425" tIns="91425" rIns="91425" bIns="91425" anchor="t" anchorCtr="0">
             <a:noAutofit/>
           </a:bodyPr>
           <a:lstStyle/>
           <a:p>
-            <a:pPr indent="0" lvl="0" marL="0" rtl="0" algn="l">
-              <a:spcBef>
-                <a:spcPts val="0"/>
-              </a:spcBef>
-              <a:spcAft>
-                <a:spcPts val="0"/>
-              </a:spcAft>
-              <a:buNone/>
-            </a:pPr>
-            <a:r>
-              <a:t/>
-            </a:r>
+            <a:pPr marL="0" lvl="0" indent="0" algn="l" rtl="0">
+              <a:spcBef>
+                <a:spcPts val="0"/>
+              </a:spcBef>
+              <a:spcAft>
+                <a:spcPts val="0"/>
+              </a:spcAft>
+              <a:buNone/>
+            </a:pPr>
             <a:endParaRPr/>
           </a:p>
         </p:txBody>
@@ -2107,11 +2193,11 @@
 </file>
 
 <file path=ppt/notesSlides/notesSlide22.xml><?xml version="1.0" encoding="utf-8"?>
-<p:notes xmlns:a="http://schemas.openxmlformats.org/drawingml/2006/main" xmlns:r="http://schemas.openxmlformats.org/officeDocument/2006/relationships" xmlns:mc="http://schemas.openxmlformats.org/markup-compatibility/2006" xmlns:mv="urn:schemas-microsoft-com:mac:vml" xmlns:p="http://schemas.openxmlformats.org/presentationml/2006/main" xmlns:c="http://schemas.openxmlformats.org/drawingml/2006/chart" xmlns:dgm="http://schemas.openxmlformats.org/drawingml/2006/diagram" xmlns:o="urn:schemas-microsoft-com:office:office" xmlns:v="urn:schemas-microsoft-com:vml" xmlns:pvml="urn:schemas-microsoft-com:office:powerpoint" xmlns:com="http://schemas.openxmlformats.org/drawingml/2006/compatibility" xmlns:p14="http://schemas.microsoft.com/office/powerpoint/2010/main" xmlns:p15="http://schemas.microsoft.com/office/powerpoint/2012/main" showMasterPhAnim="0" showMasterSp="0">
+<p:notes xmlns:a="http://schemas.openxmlformats.org/drawingml/2006/main" xmlns:r="http://schemas.openxmlformats.org/officeDocument/2006/relationships" xmlns:p="http://schemas.openxmlformats.org/presentationml/2006/main" showMasterSp="0" showMasterPhAnim="0">
   <p:cSld>
     <p:spTree>
       <p:nvGrpSpPr>
-        <p:cNvPr id="184" name="Shape 184"/>
+        <p:cNvPr id="1" name="Shape 184"/>
         <p:cNvGrpSpPr/>
         <p:nvPr/>
       </p:nvGrpSpPr>
@@ -2126,20 +2212,26 @@
       <p:sp>
         <p:nvSpPr>
           <p:cNvPr id="185" name="Google Shape;185;g5baabd7299_0_209:notes"/>
-          <p:cNvSpPr/>
+          <p:cNvSpPr>
+            <a:spLocks noGrp="1" noRot="1" noChangeAspect="1"/>
+          </p:cNvSpPr>
           <p:nvPr>
-            <p:ph idx="2" type="sldImg"/>
+            <p:ph type="sldImg" idx="2"/>
           </p:nvPr>
         </p:nvSpPr>
         <p:spPr>
           <a:xfrm>
-            <a:off x="1143225" y="685800"/>
-            <a:ext cx="4572300" cy="3429000"/>
+            <a:off x="381000" y="685800"/>
+            <a:ext cx="6096000" cy="3429000"/>
           </a:xfrm>
           <a:custGeom>
-            <a:rect b="b" l="l" r="r" t="t"/>
+            <a:avLst/>
+            <a:gdLst/>
+            <a:ahLst/>
+            <a:cxnLst/>
+            <a:rect l="l" t="t" r="r" b="b"/>
             <a:pathLst>
-              <a:path extrusionOk="0" h="120000" w="120000">
+              <a:path w="120000" h="120000" extrusionOk="0">
                 <a:moveTo>
                   <a:pt x="0" y="0"/>
                 </a:moveTo>
@@ -2161,9 +2253,11 @@
       <p:sp>
         <p:nvSpPr>
           <p:cNvPr id="186" name="Google Shape;186;g5baabd7299_0_209:notes"/>
-          <p:cNvSpPr txBox="1"/>
+          <p:cNvSpPr txBox="1">
+            <a:spLocks noGrp="1"/>
+          </p:cNvSpPr>
           <p:nvPr>
-            <p:ph idx="1" type="body"/>
+            <p:ph type="body" idx="1"/>
           </p:nvPr>
         </p:nvSpPr>
         <p:spPr>
@@ -2176,23 +2270,20 @@
           </a:prstGeom>
         </p:spPr>
         <p:txBody>
-          <a:bodyPr anchorCtr="0" anchor="t" bIns="91425" lIns="91425" spcFirstLastPara="1" rIns="91425" wrap="square" tIns="91425">
+          <a:bodyPr spcFirstLastPara="1" wrap="square" lIns="91425" tIns="91425" rIns="91425" bIns="91425" anchor="t" anchorCtr="0">
             <a:noAutofit/>
           </a:bodyPr>
           <a:lstStyle/>
           <a:p>
-            <a:pPr indent="0" lvl="0" marL="0" rtl="0" algn="l">
-              <a:spcBef>
-                <a:spcPts val="0"/>
-              </a:spcBef>
-              <a:spcAft>
-                <a:spcPts val="0"/>
-              </a:spcAft>
-              <a:buNone/>
-            </a:pPr>
-            <a:r>
-              <a:t/>
-            </a:r>
+            <a:pPr marL="0" lvl="0" indent="0" algn="l" rtl="0">
+              <a:spcBef>
+                <a:spcPts val="0"/>
+              </a:spcBef>
+              <a:spcAft>
+                <a:spcPts val="0"/>
+              </a:spcAft>
+              <a:buNone/>
+            </a:pPr>
             <a:endParaRPr/>
           </a:p>
         </p:txBody>
@@ -2206,11 +2297,11 @@
 </file>
 
 <file path=ppt/notesSlides/notesSlide23.xml><?xml version="1.0" encoding="utf-8"?>
-<p:notes xmlns:a="http://schemas.openxmlformats.org/drawingml/2006/main" xmlns:r="http://schemas.openxmlformats.org/officeDocument/2006/relationships" xmlns:mc="http://schemas.openxmlformats.org/markup-compatibility/2006" xmlns:mv="urn:schemas-microsoft-com:mac:vml" xmlns:p="http://schemas.openxmlformats.org/presentationml/2006/main" xmlns:c="http://schemas.openxmlformats.org/drawingml/2006/chart" xmlns:dgm="http://schemas.openxmlformats.org/drawingml/2006/diagram" xmlns:o="urn:schemas-microsoft-com:office:office" xmlns:v="urn:schemas-microsoft-com:vml" xmlns:pvml="urn:schemas-microsoft-com:office:powerpoint" xmlns:com="http://schemas.openxmlformats.org/drawingml/2006/compatibility" xmlns:p14="http://schemas.microsoft.com/office/powerpoint/2010/main" xmlns:p15="http://schemas.microsoft.com/office/powerpoint/2012/main" showMasterPhAnim="0" showMasterSp="0">
+<p:notes xmlns:a="http://schemas.openxmlformats.org/drawingml/2006/main" xmlns:r="http://schemas.openxmlformats.org/officeDocument/2006/relationships" xmlns:p="http://schemas.openxmlformats.org/presentationml/2006/main" showMasterSp="0" showMasterPhAnim="0">
   <p:cSld>
     <p:spTree>
       <p:nvGrpSpPr>
-        <p:cNvPr id="190" name="Shape 190"/>
+        <p:cNvPr id="1" name="Shape 190"/>
         <p:cNvGrpSpPr/>
         <p:nvPr/>
       </p:nvGrpSpPr>
@@ -2225,20 +2316,26 @@
       <p:sp>
         <p:nvSpPr>
           <p:cNvPr id="191" name="Google Shape;191;g17503b435_110:notes"/>
-          <p:cNvSpPr/>
+          <p:cNvSpPr>
+            <a:spLocks noGrp="1" noRot="1" noChangeAspect="1"/>
+          </p:cNvSpPr>
           <p:nvPr>
-            <p:ph idx="2" type="sldImg"/>
+            <p:ph type="sldImg" idx="2"/>
           </p:nvPr>
         </p:nvSpPr>
         <p:spPr>
           <a:xfrm>
-            <a:off x="1143225" y="685800"/>
-            <a:ext cx="4572300" cy="3429000"/>
+            <a:off x="381000" y="685800"/>
+            <a:ext cx="6096000" cy="3429000"/>
           </a:xfrm>
           <a:custGeom>
-            <a:rect b="b" l="l" r="r" t="t"/>
+            <a:avLst/>
+            <a:gdLst/>
+            <a:ahLst/>
+            <a:cxnLst/>
+            <a:rect l="l" t="t" r="r" b="b"/>
             <a:pathLst>
-              <a:path extrusionOk="0" h="120000" w="120000">
+              <a:path w="120000" h="120000" extrusionOk="0">
                 <a:moveTo>
                   <a:pt x="0" y="0"/>
                 </a:moveTo>
@@ -2260,9 +2357,11 @@
       <p:sp>
         <p:nvSpPr>
           <p:cNvPr id="192" name="Google Shape;192;g17503b435_110:notes"/>
-          <p:cNvSpPr txBox="1"/>
+          <p:cNvSpPr txBox="1">
+            <a:spLocks noGrp="1"/>
+          </p:cNvSpPr>
           <p:nvPr>
-            <p:ph idx="1" type="body"/>
+            <p:ph type="body" idx="1"/>
           </p:nvPr>
         </p:nvSpPr>
         <p:spPr>
@@ -2275,23 +2374,20 @@
           </a:prstGeom>
         </p:spPr>
         <p:txBody>
-          <a:bodyPr anchorCtr="0" anchor="t" bIns="91425" lIns="91425" spcFirstLastPara="1" rIns="91425" wrap="square" tIns="91425">
+          <a:bodyPr spcFirstLastPara="1" wrap="square" lIns="91425" tIns="91425" rIns="91425" bIns="91425" anchor="t" anchorCtr="0">
             <a:noAutofit/>
           </a:bodyPr>
           <a:lstStyle/>
           <a:p>
-            <a:pPr indent="0" lvl="0" marL="0" rtl="0" algn="l">
-              <a:spcBef>
-                <a:spcPts val="0"/>
-              </a:spcBef>
-              <a:spcAft>
-                <a:spcPts val="0"/>
-              </a:spcAft>
-              <a:buNone/>
-            </a:pPr>
-            <a:r>
-              <a:t/>
-            </a:r>
+            <a:pPr marL="0" lvl="0" indent="0" algn="l" rtl="0">
+              <a:spcBef>
+                <a:spcPts val="0"/>
+              </a:spcBef>
+              <a:spcAft>
+                <a:spcPts val="0"/>
+              </a:spcAft>
+              <a:buNone/>
+            </a:pPr>
             <a:endParaRPr/>
           </a:p>
         </p:txBody>
@@ -2305,11 +2401,11 @@
 </file>
 
 <file path=ppt/notesSlides/notesSlide24.xml><?xml version="1.0" encoding="utf-8"?>
-<p:notes xmlns:a="http://schemas.openxmlformats.org/drawingml/2006/main" xmlns:r="http://schemas.openxmlformats.org/officeDocument/2006/relationships" xmlns:mc="http://schemas.openxmlformats.org/markup-compatibility/2006" xmlns:mv="urn:schemas-microsoft-com:mac:vml" xmlns:p="http://schemas.openxmlformats.org/presentationml/2006/main" xmlns:c="http://schemas.openxmlformats.org/drawingml/2006/chart" xmlns:dgm="http://schemas.openxmlformats.org/drawingml/2006/diagram" xmlns:o="urn:schemas-microsoft-com:office:office" xmlns:v="urn:schemas-microsoft-com:vml" xmlns:pvml="urn:schemas-microsoft-com:office:powerpoint" xmlns:com="http://schemas.openxmlformats.org/drawingml/2006/compatibility" xmlns:p14="http://schemas.microsoft.com/office/powerpoint/2010/main" xmlns:p15="http://schemas.microsoft.com/office/powerpoint/2012/main" showMasterPhAnim="0" showMasterSp="0">
+<p:notes xmlns:a="http://schemas.openxmlformats.org/drawingml/2006/main" xmlns:r="http://schemas.openxmlformats.org/officeDocument/2006/relationships" xmlns:p="http://schemas.openxmlformats.org/presentationml/2006/main" showMasterSp="0" showMasterPhAnim="0">
   <p:cSld>
     <p:spTree>
       <p:nvGrpSpPr>
-        <p:cNvPr id="196" name="Shape 196"/>
+        <p:cNvPr id="1" name="Shape 196"/>
         <p:cNvGrpSpPr/>
         <p:nvPr/>
       </p:nvGrpSpPr>
@@ -2324,20 +2420,26 @@
       <p:sp>
         <p:nvSpPr>
           <p:cNvPr id="197" name="Google Shape;197;g17503b435_115:notes"/>
-          <p:cNvSpPr/>
+          <p:cNvSpPr>
+            <a:spLocks noGrp="1" noRot="1" noChangeAspect="1"/>
+          </p:cNvSpPr>
           <p:nvPr>
-            <p:ph idx="2" type="sldImg"/>
+            <p:ph type="sldImg" idx="2"/>
           </p:nvPr>
         </p:nvSpPr>
         <p:spPr>
           <a:xfrm>
-            <a:off x="1143225" y="685800"/>
-            <a:ext cx="4572300" cy="3429000"/>
+            <a:off x="381000" y="685800"/>
+            <a:ext cx="6096000" cy="3429000"/>
           </a:xfrm>
           <a:custGeom>
-            <a:rect b="b" l="l" r="r" t="t"/>
+            <a:avLst/>
+            <a:gdLst/>
+            <a:ahLst/>
+            <a:cxnLst/>
+            <a:rect l="l" t="t" r="r" b="b"/>
             <a:pathLst>
-              <a:path extrusionOk="0" h="120000" w="120000">
+              <a:path w="120000" h="120000" extrusionOk="0">
                 <a:moveTo>
                   <a:pt x="0" y="0"/>
                 </a:moveTo>
@@ -2359,9 +2461,11 @@
       <p:sp>
         <p:nvSpPr>
           <p:cNvPr id="198" name="Google Shape;198;g17503b435_115:notes"/>
-          <p:cNvSpPr txBox="1"/>
+          <p:cNvSpPr txBox="1">
+            <a:spLocks noGrp="1"/>
+          </p:cNvSpPr>
           <p:nvPr>
-            <p:ph idx="1" type="body"/>
+            <p:ph type="body" idx="1"/>
           </p:nvPr>
         </p:nvSpPr>
         <p:spPr>
@@ -2374,23 +2478,20 @@
           </a:prstGeom>
         </p:spPr>
         <p:txBody>
-          <a:bodyPr anchorCtr="0" anchor="t" bIns="91425" lIns="91425" spcFirstLastPara="1" rIns="91425" wrap="square" tIns="91425">
+          <a:bodyPr spcFirstLastPara="1" wrap="square" lIns="91425" tIns="91425" rIns="91425" bIns="91425" anchor="t" anchorCtr="0">
             <a:noAutofit/>
           </a:bodyPr>
           <a:lstStyle/>
           <a:p>
-            <a:pPr indent="0" lvl="0" marL="0" rtl="0" algn="l">
-              <a:spcBef>
-                <a:spcPts val="0"/>
-              </a:spcBef>
-              <a:spcAft>
-                <a:spcPts val="0"/>
-              </a:spcAft>
-              <a:buNone/>
-            </a:pPr>
-            <a:r>
-              <a:t/>
-            </a:r>
+            <a:pPr marL="0" lvl="0" indent="0" algn="l" rtl="0">
+              <a:spcBef>
+                <a:spcPts val="0"/>
+              </a:spcBef>
+              <a:spcAft>
+                <a:spcPts val="0"/>
+              </a:spcAft>
+              <a:buNone/>
+            </a:pPr>
             <a:endParaRPr/>
           </a:p>
         </p:txBody>
@@ -2404,11 +2505,11 @@
 </file>
 
 <file path=ppt/notesSlides/notesSlide25.xml><?xml version="1.0" encoding="utf-8"?>
-<p:notes xmlns:a="http://schemas.openxmlformats.org/drawingml/2006/main" xmlns:r="http://schemas.openxmlformats.org/officeDocument/2006/relationships" xmlns:mc="http://schemas.openxmlformats.org/markup-compatibility/2006" xmlns:mv="urn:schemas-microsoft-com:mac:vml" xmlns:p="http://schemas.openxmlformats.org/presentationml/2006/main" xmlns:c="http://schemas.openxmlformats.org/drawingml/2006/chart" xmlns:dgm="http://schemas.openxmlformats.org/drawingml/2006/diagram" xmlns:o="urn:schemas-microsoft-com:office:office" xmlns:v="urn:schemas-microsoft-com:vml" xmlns:pvml="urn:schemas-microsoft-com:office:powerpoint" xmlns:com="http://schemas.openxmlformats.org/drawingml/2006/compatibility" xmlns:p14="http://schemas.microsoft.com/office/powerpoint/2010/main" xmlns:p15="http://schemas.microsoft.com/office/powerpoint/2012/main" showMasterPhAnim="0" showMasterSp="0">
+<p:notes xmlns:a="http://schemas.openxmlformats.org/drawingml/2006/main" xmlns:r="http://schemas.openxmlformats.org/officeDocument/2006/relationships" xmlns:p="http://schemas.openxmlformats.org/presentationml/2006/main" showMasterSp="0" showMasterPhAnim="0">
   <p:cSld>
     <p:spTree>
       <p:nvGrpSpPr>
-        <p:cNvPr id="202" name="Shape 202"/>
+        <p:cNvPr id="1" name="Shape 202"/>
         <p:cNvGrpSpPr/>
         <p:nvPr/>
       </p:nvGrpSpPr>
@@ -2423,20 +2524,26 @@
       <p:sp>
         <p:nvSpPr>
           <p:cNvPr id="203" name="Google Shape;203;g17503b435_120:notes"/>
-          <p:cNvSpPr/>
+          <p:cNvSpPr>
+            <a:spLocks noGrp="1" noRot="1" noChangeAspect="1"/>
+          </p:cNvSpPr>
           <p:nvPr>
-            <p:ph idx="2" type="sldImg"/>
+            <p:ph type="sldImg" idx="2"/>
           </p:nvPr>
         </p:nvSpPr>
         <p:spPr>
           <a:xfrm>
-            <a:off x="1143225" y="685800"/>
-            <a:ext cx="4572300" cy="3429000"/>
+            <a:off x="381000" y="685800"/>
+            <a:ext cx="6096000" cy="3429000"/>
           </a:xfrm>
           <a:custGeom>
-            <a:rect b="b" l="l" r="r" t="t"/>
+            <a:avLst/>
+            <a:gdLst/>
+            <a:ahLst/>
+            <a:cxnLst/>
+            <a:rect l="l" t="t" r="r" b="b"/>
             <a:pathLst>
-              <a:path extrusionOk="0" h="120000" w="120000">
+              <a:path w="120000" h="120000" extrusionOk="0">
                 <a:moveTo>
                   <a:pt x="0" y="0"/>
                 </a:moveTo>
@@ -2458,9 +2565,11 @@
       <p:sp>
         <p:nvSpPr>
           <p:cNvPr id="204" name="Google Shape;204;g17503b435_120:notes"/>
-          <p:cNvSpPr txBox="1"/>
+          <p:cNvSpPr txBox="1">
+            <a:spLocks noGrp="1"/>
+          </p:cNvSpPr>
           <p:nvPr>
-            <p:ph idx="1" type="body"/>
+            <p:ph type="body" idx="1"/>
           </p:nvPr>
         </p:nvSpPr>
         <p:spPr>
@@ -2473,23 +2582,20 @@
           </a:prstGeom>
         </p:spPr>
         <p:txBody>
-          <a:bodyPr anchorCtr="0" anchor="t" bIns="91425" lIns="91425" spcFirstLastPara="1" rIns="91425" wrap="square" tIns="91425">
+          <a:bodyPr spcFirstLastPara="1" wrap="square" lIns="91425" tIns="91425" rIns="91425" bIns="91425" anchor="t" anchorCtr="0">
             <a:noAutofit/>
           </a:bodyPr>
           <a:lstStyle/>
           <a:p>
-            <a:pPr indent="0" lvl="0" marL="0" rtl="0" algn="l">
-              <a:spcBef>
-                <a:spcPts val="0"/>
-              </a:spcBef>
-              <a:spcAft>
-                <a:spcPts val="0"/>
-              </a:spcAft>
-              <a:buNone/>
-            </a:pPr>
-            <a:r>
-              <a:t/>
-            </a:r>
+            <a:pPr marL="0" lvl="0" indent="0" algn="l" rtl="0">
+              <a:spcBef>
+                <a:spcPts val="0"/>
+              </a:spcBef>
+              <a:spcAft>
+                <a:spcPts val="0"/>
+              </a:spcAft>
+              <a:buNone/>
+            </a:pPr>
             <a:endParaRPr/>
           </a:p>
         </p:txBody>
@@ -2503,11 +2609,11 @@
 </file>
 
 <file path=ppt/notesSlides/notesSlide26.xml><?xml version="1.0" encoding="utf-8"?>
-<p:notes xmlns:a="http://schemas.openxmlformats.org/drawingml/2006/main" xmlns:r="http://schemas.openxmlformats.org/officeDocument/2006/relationships" xmlns:mc="http://schemas.openxmlformats.org/markup-compatibility/2006" xmlns:mv="urn:schemas-microsoft-com:mac:vml" xmlns:p="http://schemas.openxmlformats.org/presentationml/2006/main" xmlns:c="http://schemas.openxmlformats.org/drawingml/2006/chart" xmlns:dgm="http://schemas.openxmlformats.org/drawingml/2006/diagram" xmlns:o="urn:schemas-microsoft-com:office:office" xmlns:v="urn:schemas-microsoft-com:vml" xmlns:pvml="urn:schemas-microsoft-com:office:powerpoint" xmlns:com="http://schemas.openxmlformats.org/drawingml/2006/compatibility" xmlns:p14="http://schemas.microsoft.com/office/powerpoint/2010/main" xmlns:p15="http://schemas.microsoft.com/office/powerpoint/2012/main" showMasterPhAnim="0" showMasterSp="0">
+<p:notes xmlns:a="http://schemas.openxmlformats.org/drawingml/2006/main" xmlns:r="http://schemas.openxmlformats.org/officeDocument/2006/relationships" xmlns:p="http://schemas.openxmlformats.org/presentationml/2006/main" showMasterSp="0" showMasterPhAnim="0">
   <p:cSld>
     <p:spTree>
       <p:nvGrpSpPr>
-        <p:cNvPr id="208" name="Shape 208"/>
+        <p:cNvPr id="1" name="Shape 208"/>
         <p:cNvGrpSpPr/>
         <p:nvPr/>
       </p:nvGrpSpPr>
@@ -2522,20 +2628,26 @@
       <p:sp>
         <p:nvSpPr>
           <p:cNvPr id="209" name="Google Shape;209;g17503b435_125:notes"/>
-          <p:cNvSpPr/>
+          <p:cNvSpPr>
+            <a:spLocks noGrp="1" noRot="1" noChangeAspect="1"/>
+          </p:cNvSpPr>
           <p:nvPr>
-            <p:ph idx="2" type="sldImg"/>
+            <p:ph type="sldImg" idx="2"/>
           </p:nvPr>
         </p:nvSpPr>
         <p:spPr>
           <a:xfrm>
-            <a:off x="1143225" y="685800"/>
-            <a:ext cx="4572300" cy="3429000"/>
+            <a:off x="381000" y="685800"/>
+            <a:ext cx="6096000" cy="3429000"/>
           </a:xfrm>
           <a:custGeom>
-            <a:rect b="b" l="l" r="r" t="t"/>
+            <a:avLst/>
+            <a:gdLst/>
+            <a:ahLst/>
+            <a:cxnLst/>
+            <a:rect l="l" t="t" r="r" b="b"/>
             <a:pathLst>
-              <a:path extrusionOk="0" h="120000" w="120000">
+              <a:path w="120000" h="120000" extrusionOk="0">
                 <a:moveTo>
                   <a:pt x="0" y="0"/>
                 </a:moveTo>
@@ -2557,9 +2669,11 @@
       <p:sp>
         <p:nvSpPr>
           <p:cNvPr id="210" name="Google Shape;210;g17503b435_125:notes"/>
-          <p:cNvSpPr txBox="1"/>
+          <p:cNvSpPr txBox="1">
+            <a:spLocks noGrp="1"/>
+          </p:cNvSpPr>
           <p:nvPr>
-            <p:ph idx="1" type="body"/>
+            <p:ph type="body" idx="1"/>
           </p:nvPr>
         </p:nvSpPr>
         <p:spPr>
@@ -2572,23 +2686,20 @@
           </a:prstGeom>
         </p:spPr>
         <p:txBody>
-          <a:bodyPr anchorCtr="0" anchor="t" bIns="91425" lIns="91425" spcFirstLastPara="1" rIns="91425" wrap="square" tIns="91425">
+          <a:bodyPr spcFirstLastPara="1" wrap="square" lIns="91425" tIns="91425" rIns="91425" bIns="91425" anchor="t" anchorCtr="0">
             <a:noAutofit/>
           </a:bodyPr>
           <a:lstStyle/>
           <a:p>
-            <a:pPr indent="0" lvl="0" marL="0" rtl="0" algn="l">
-              <a:spcBef>
-                <a:spcPts val="0"/>
-              </a:spcBef>
-              <a:spcAft>
-                <a:spcPts val="0"/>
-              </a:spcAft>
-              <a:buNone/>
-            </a:pPr>
-            <a:r>
-              <a:t/>
-            </a:r>
+            <a:pPr marL="0" lvl="0" indent="0" algn="l" rtl="0">
+              <a:spcBef>
+                <a:spcPts val="0"/>
+              </a:spcBef>
+              <a:spcAft>
+                <a:spcPts val="0"/>
+              </a:spcAft>
+              <a:buNone/>
+            </a:pPr>
             <a:endParaRPr/>
           </a:p>
         </p:txBody>
@@ -2602,11 +2713,11 @@
 </file>
 
 <file path=ppt/notesSlides/notesSlide27.xml><?xml version="1.0" encoding="utf-8"?>
-<p:notes xmlns:a="http://schemas.openxmlformats.org/drawingml/2006/main" xmlns:r="http://schemas.openxmlformats.org/officeDocument/2006/relationships" xmlns:mc="http://schemas.openxmlformats.org/markup-compatibility/2006" xmlns:mv="urn:schemas-microsoft-com:mac:vml" xmlns:p="http://schemas.openxmlformats.org/presentationml/2006/main" xmlns:c="http://schemas.openxmlformats.org/drawingml/2006/chart" xmlns:dgm="http://schemas.openxmlformats.org/drawingml/2006/diagram" xmlns:o="urn:schemas-microsoft-com:office:office" xmlns:v="urn:schemas-microsoft-com:vml" xmlns:pvml="urn:schemas-microsoft-com:office:powerpoint" xmlns:com="http://schemas.openxmlformats.org/drawingml/2006/compatibility" xmlns:p14="http://schemas.microsoft.com/office/powerpoint/2010/main" xmlns:p15="http://schemas.microsoft.com/office/powerpoint/2012/main" showMasterPhAnim="0" showMasterSp="0">
+<p:notes xmlns:a="http://schemas.openxmlformats.org/drawingml/2006/main" xmlns:r="http://schemas.openxmlformats.org/officeDocument/2006/relationships" xmlns:p="http://schemas.openxmlformats.org/presentationml/2006/main" showMasterSp="0" showMasterPhAnim="0">
   <p:cSld>
     <p:spTree>
       <p:nvGrpSpPr>
-        <p:cNvPr id="214" name="Shape 214"/>
+        <p:cNvPr id="1" name="Shape 214"/>
         <p:cNvGrpSpPr/>
         <p:nvPr/>
       </p:nvGrpSpPr>
@@ -2621,20 +2732,26 @@
       <p:sp>
         <p:nvSpPr>
           <p:cNvPr id="215" name="Google Shape;215;g17503b435_130:notes"/>
-          <p:cNvSpPr/>
+          <p:cNvSpPr>
+            <a:spLocks noGrp="1" noRot="1" noChangeAspect="1"/>
+          </p:cNvSpPr>
           <p:nvPr>
-            <p:ph idx="2" type="sldImg"/>
+            <p:ph type="sldImg" idx="2"/>
           </p:nvPr>
         </p:nvSpPr>
         <p:spPr>
           <a:xfrm>
-            <a:off x="1143225" y="685800"/>
-            <a:ext cx="4572300" cy="3429000"/>
+            <a:off x="381000" y="685800"/>
+            <a:ext cx="6096000" cy="3429000"/>
           </a:xfrm>
           <a:custGeom>
-            <a:rect b="b" l="l" r="r" t="t"/>
+            <a:avLst/>
+            <a:gdLst/>
+            <a:ahLst/>
+            <a:cxnLst/>
+            <a:rect l="l" t="t" r="r" b="b"/>
             <a:pathLst>
-              <a:path extrusionOk="0" h="120000" w="120000">
+              <a:path w="120000" h="120000" extrusionOk="0">
                 <a:moveTo>
                   <a:pt x="0" y="0"/>
                 </a:moveTo>
@@ -2656,9 +2773,11 @@
       <p:sp>
         <p:nvSpPr>
           <p:cNvPr id="216" name="Google Shape;216;g17503b435_130:notes"/>
-          <p:cNvSpPr txBox="1"/>
+          <p:cNvSpPr txBox="1">
+            <a:spLocks noGrp="1"/>
+          </p:cNvSpPr>
           <p:nvPr>
-            <p:ph idx="1" type="body"/>
+            <p:ph type="body" idx="1"/>
           </p:nvPr>
         </p:nvSpPr>
         <p:spPr>
@@ -2671,23 +2790,20 @@
           </a:prstGeom>
         </p:spPr>
         <p:txBody>
-          <a:bodyPr anchorCtr="0" anchor="t" bIns="91425" lIns="91425" spcFirstLastPara="1" rIns="91425" wrap="square" tIns="91425">
+          <a:bodyPr spcFirstLastPara="1" wrap="square" lIns="91425" tIns="91425" rIns="91425" bIns="91425" anchor="t" anchorCtr="0">
             <a:noAutofit/>
           </a:bodyPr>
           <a:lstStyle/>
           <a:p>
-            <a:pPr indent="0" lvl="0" marL="0" rtl="0" algn="l">
-              <a:spcBef>
-                <a:spcPts val="0"/>
-              </a:spcBef>
-              <a:spcAft>
-                <a:spcPts val="0"/>
-              </a:spcAft>
-              <a:buNone/>
-            </a:pPr>
-            <a:r>
-              <a:t/>
-            </a:r>
+            <a:pPr marL="0" lvl="0" indent="0" algn="l" rtl="0">
+              <a:spcBef>
+                <a:spcPts val="0"/>
+              </a:spcBef>
+              <a:spcAft>
+                <a:spcPts val="0"/>
+              </a:spcAft>
+              <a:buNone/>
+            </a:pPr>
             <a:endParaRPr/>
           </a:p>
         </p:txBody>
@@ -2701,11 +2817,11 @@
 </file>
 
 <file path=ppt/notesSlides/notesSlide28.xml><?xml version="1.0" encoding="utf-8"?>
-<p:notes xmlns:a="http://schemas.openxmlformats.org/drawingml/2006/main" xmlns:r="http://schemas.openxmlformats.org/officeDocument/2006/relationships" xmlns:mc="http://schemas.openxmlformats.org/markup-compatibility/2006" xmlns:mv="urn:schemas-microsoft-com:mac:vml" xmlns:p="http://schemas.openxmlformats.org/presentationml/2006/main" xmlns:c="http://schemas.openxmlformats.org/drawingml/2006/chart" xmlns:dgm="http://schemas.openxmlformats.org/drawingml/2006/diagram" xmlns:o="urn:schemas-microsoft-com:office:office" xmlns:v="urn:schemas-microsoft-com:vml" xmlns:pvml="urn:schemas-microsoft-com:office:powerpoint" xmlns:com="http://schemas.openxmlformats.org/drawingml/2006/compatibility" xmlns:p14="http://schemas.microsoft.com/office/powerpoint/2010/main" xmlns:p15="http://schemas.microsoft.com/office/powerpoint/2012/main" showMasterPhAnim="0" showMasterSp="0">
+<p:notes xmlns:a="http://schemas.openxmlformats.org/drawingml/2006/main" xmlns:r="http://schemas.openxmlformats.org/officeDocument/2006/relationships" xmlns:p="http://schemas.openxmlformats.org/presentationml/2006/main" showMasterSp="0" showMasterPhAnim="0">
   <p:cSld>
     <p:spTree>
       <p:nvGrpSpPr>
-        <p:cNvPr id="220" name="Shape 220"/>
+        <p:cNvPr id="1" name="Shape 220"/>
         <p:cNvGrpSpPr/>
         <p:nvPr/>
       </p:nvGrpSpPr>
@@ -2720,20 +2836,26 @@
       <p:sp>
         <p:nvSpPr>
           <p:cNvPr id="221" name="Google Shape;221;g17503b435_135:notes"/>
-          <p:cNvSpPr/>
+          <p:cNvSpPr>
+            <a:spLocks noGrp="1" noRot="1" noChangeAspect="1"/>
+          </p:cNvSpPr>
           <p:nvPr>
-            <p:ph idx="2" type="sldImg"/>
+            <p:ph type="sldImg" idx="2"/>
           </p:nvPr>
         </p:nvSpPr>
         <p:spPr>
           <a:xfrm>
-            <a:off x="1143225" y="685800"/>
-            <a:ext cx="4572300" cy="3429000"/>
+            <a:off x="381000" y="685800"/>
+            <a:ext cx="6096000" cy="3429000"/>
           </a:xfrm>
           <a:custGeom>
-            <a:rect b="b" l="l" r="r" t="t"/>
+            <a:avLst/>
+            <a:gdLst/>
+            <a:ahLst/>
+            <a:cxnLst/>
+            <a:rect l="l" t="t" r="r" b="b"/>
             <a:pathLst>
-              <a:path extrusionOk="0" h="120000" w="120000">
+              <a:path w="120000" h="120000" extrusionOk="0">
                 <a:moveTo>
                   <a:pt x="0" y="0"/>
                 </a:moveTo>
@@ -2755,9 +2877,11 @@
       <p:sp>
         <p:nvSpPr>
           <p:cNvPr id="222" name="Google Shape;222;g17503b435_135:notes"/>
-          <p:cNvSpPr txBox="1"/>
+          <p:cNvSpPr txBox="1">
+            <a:spLocks noGrp="1"/>
+          </p:cNvSpPr>
           <p:nvPr>
-            <p:ph idx="1" type="body"/>
+            <p:ph type="body" idx="1"/>
           </p:nvPr>
         </p:nvSpPr>
         <p:spPr>
@@ -2770,23 +2894,20 @@
           </a:prstGeom>
         </p:spPr>
         <p:txBody>
-          <a:bodyPr anchorCtr="0" anchor="t" bIns="91425" lIns="91425" spcFirstLastPara="1" rIns="91425" wrap="square" tIns="91425">
+          <a:bodyPr spcFirstLastPara="1" wrap="square" lIns="91425" tIns="91425" rIns="91425" bIns="91425" anchor="t" anchorCtr="0">
             <a:noAutofit/>
           </a:bodyPr>
           <a:lstStyle/>
           <a:p>
-            <a:pPr indent="0" lvl="0" marL="0" rtl="0" algn="l">
-              <a:spcBef>
-                <a:spcPts val="0"/>
-              </a:spcBef>
-              <a:spcAft>
-                <a:spcPts val="0"/>
-              </a:spcAft>
-              <a:buNone/>
-            </a:pPr>
-            <a:r>
-              <a:t/>
-            </a:r>
+            <a:pPr marL="0" lvl="0" indent="0" algn="l" rtl="0">
+              <a:spcBef>
+                <a:spcPts val="0"/>
+              </a:spcBef>
+              <a:spcAft>
+                <a:spcPts val="0"/>
+              </a:spcAft>
+              <a:buNone/>
+            </a:pPr>
             <a:endParaRPr/>
           </a:p>
         </p:txBody>
@@ -2800,11 +2921,11 @@
 </file>
 
 <file path=ppt/notesSlides/notesSlide29.xml><?xml version="1.0" encoding="utf-8"?>
-<p:notes xmlns:a="http://schemas.openxmlformats.org/drawingml/2006/main" xmlns:r="http://schemas.openxmlformats.org/officeDocument/2006/relationships" xmlns:mc="http://schemas.openxmlformats.org/markup-compatibility/2006" xmlns:mv="urn:schemas-microsoft-com:mac:vml" xmlns:p="http://schemas.openxmlformats.org/presentationml/2006/main" xmlns:c="http://schemas.openxmlformats.org/drawingml/2006/chart" xmlns:dgm="http://schemas.openxmlformats.org/drawingml/2006/diagram" xmlns:o="urn:schemas-microsoft-com:office:office" xmlns:v="urn:schemas-microsoft-com:vml" xmlns:pvml="urn:schemas-microsoft-com:office:powerpoint" xmlns:com="http://schemas.openxmlformats.org/drawingml/2006/compatibility" xmlns:p14="http://schemas.microsoft.com/office/powerpoint/2010/main" xmlns:p15="http://schemas.microsoft.com/office/powerpoint/2012/main" showMasterPhAnim="0" showMasterSp="0">
+<p:notes xmlns:a="http://schemas.openxmlformats.org/drawingml/2006/main" xmlns:r="http://schemas.openxmlformats.org/officeDocument/2006/relationships" xmlns:p="http://schemas.openxmlformats.org/presentationml/2006/main" showMasterSp="0" showMasterPhAnim="0">
   <p:cSld>
     <p:spTree>
       <p:nvGrpSpPr>
-        <p:cNvPr id="226" name="Shape 226"/>
+        <p:cNvPr id="1" name="Shape 226"/>
         <p:cNvGrpSpPr/>
         <p:nvPr/>
       </p:nvGrpSpPr>
@@ -2819,20 +2940,26 @@
       <p:sp>
         <p:nvSpPr>
           <p:cNvPr id="227" name="Google Shape;227;g17503b435_140:notes"/>
-          <p:cNvSpPr/>
+          <p:cNvSpPr>
+            <a:spLocks noGrp="1" noRot="1" noChangeAspect="1"/>
+          </p:cNvSpPr>
           <p:nvPr>
-            <p:ph idx="2" type="sldImg"/>
+            <p:ph type="sldImg" idx="2"/>
           </p:nvPr>
         </p:nvSpPr>
         <p:spPr>
           <a:xfrm>
-            <a:off x="1143225" y="685800"/>
-            <a:ext cx="4572300" cy="3429000"/>
+            <a:off x="381000" y="685800"/>
+            <a:ext cx="6096000" cy="3429000"/>
           </a:xfrm>
           <a:custGeom>
-            <a:rect b="b" l="l" r="r" t="t"/>
+            <a:avLst/>
+            <a:gdLst/>
+            <a:ahLst/>
+            <a:cxnLst/>
+            <a:rect l="l" t="t" r="r" b="b"/>
             <a:pathLst>
-              <a:path extrusionOk="0" h="120000" w="120000">
+              <a:path w="120000" h="120000" extrusionOk="0">
                 <a:moveTo>
                   <a:pt x="0" y="0"/>
                 </a:moveTo>
@@ -2854,9 +2981,11 @@
       <p:sp>
         <p:nvSpPr>
           <p:cNvPr id="228" name="Google Shape;228;g17503b435_140:notes"/>
-          <p:cNvSpPr txBox="1"/>
+          <p:cNvSpPr txBox="1">
+            <a:spLocks noGrp="1"/>
+          </p:cNvSpPr>
           <p:nvPr>
-            <p:ph idx="1" type="body"/>
+            <p:ph type="body" idx="1"/>
           </p:nvPr>
         </p:nvSpPr>
         <p:spPr>
@@ -2869,23 +2998,20 @@
           </a:prstGeom>
         </p:spPr>
         <p:txBody>
-          <a:bodyPr anchorCtr="0" anchor="t" bIns="91425" lIns="91425" spcFirstLastPara="1" rIns="91425" wrap="square" tIns="91425">
+          <a:bodyPr spcFirstLastPara="1" wrap="square" lIns="91425" tIns="91425" rIns="91425" bIns="91425" anchor="t" anchorCtr="0">
             <a:noAutofit/>
           </a:bodyPr>
           <a:lstStyle/>
           <a:p>
-            <a:pPr indent="0" lvl="0" marL="0" rtl="0" algn="l">
-              <a:spcBef>
-                <a:spcPts val="0"/>
-              </a:spcBef>
-              <a:spcAft>
-                <a:spcPts val="0"/>
-              </a:spcAft>
-              <a:buNone/>
-            </a:pPr>
-            <a:r>
-              <a:t/>
-            </a:r>
+            <a:pPr marL="0" lvl="0" indent="0" algn="l" rtl="0">
+              <a:spcBef>
+                <a:spcPts val="0"/>
+              </a:spcBef>
+              <a:spcAft>
+                <a:spcPts val="0"/>
+              </a:spcAft>
+              <a:buNone/>
+            </a:pPr>
             <a:endParaRPr/>
           </a:p>
         </p:txBody>
@@ -2899,11 +3025,11 @@
 </file>
 
 <file path=ppt/notesSlides/notesSlide3.xml><?xml version="1.0" encoding="utf-8"?>
-<p:notes xmlns:a="http://schemas.openxmlformats.org/drawingml/2006/main" xmlns:r="http://schemas.openxmlformats.org/officeDocument/2006/relationships" xmlns:mc="http://schemas.openxmlformats.org/markup-compatibility/2006" xmlns:mv="urn:schemas-microsoft-com:mac:vml" xmlns:p="http://schemas.openxmlformats.org/presentationml/2006/main" xmlns:c="http://schemas.openxmlformats.org/drawingml/2006/chart" xmlns:dgm="http://schemas.openxmlformats.org/drawingml/2006/diagram" xmlns:o="urn:schemas-microsoft-com:office:office" xmlns:v="urn:schemas-microsoft-com:vml" xmlns:pvml="urn:schemas-microsoft-com:office:powerpoint" xmlns:com="http://schemas.openxmlformats.org/drawingml/2006/compatibility" xmlns:p14="http://schemas.microsoft.com/office/powerpoint/2010/main" xmlns:p15="http://schemas.microsoft.com/office/powerpoint/2012/main" showMasterPhAnim="0" showMasterSp="0">
+<p:notes xmlns:a="http://schemas.openxmlformats.org/drawingml/2006/main" xmlns:r="http://schemas.openxmlformats.org/officeDocument/2006/relationships" xmlns:p="http://schemas.openxmlformats.org/presentationml/2006/main" showMasterSp="0" showMasterPhAnim="0">
   <p:cSld>
     <p:spTree>
       <p:nvGrpSpPr>
-        <p:cNvPr id="35" name="Shape 35"/>
+        <p:cNvPr id="1" name="Shape 35"/>
         <p:cNvGrpSpPr/>
         <p:nvPr/>
       </p:nvGrpSpPr>
@@ -2918,20 +3044,26 @@
       <p:sp>
         <p:nvSpPr>
           <p:cNvPr id="36" name="Google Shape;36;g5baabd7299_0_10:notes"/>
-          <p:cNvSpPr/>
+          <p:cNvSpPr>
+            <a:spLocks noGrp="1" noRot="1" noChangeAspect="1"/>
+          </p:cNvSpPr>
           <p:nvPr>
-            <p:ph idx="2" type="sldImg"/>
+            <p:ph type="sldImg" idx="2"/>
           </p:nvPr>
         </p:nvSpPr>
         <p:spPr>
           <a:xfrm>
-            <a:off x="1143225" y="685800"/>
-            <a:ext cx="4572300" cy="3429000"/>
+            <a:off x="381000" y="685800"/>
+            <a:ext cx="6096000" cy="3429000"/>
           </a:xfrm>
           <a:custGeom>
-            <a:rect b="b" l="l" r="r" t="t"/>
+            <a:avLst/>
+            <a:gdLst/>
+            <a:ahLst/>
+            <a:cxnLst/>
+            <a:rect l="l" t="t" r="r" b="b"/>
             <a:pathLst>
-              <a:path extrusionOk="0" h="120000" w="120000">
+              <a:path w="120000" h="120000" extrusionOk="0">
                 <a:moveTo>
                   <a:pt x="0" y="0"/>
                 </a:moveTo>
@@ -2953,9 +3085,11 @@
       <p:sp>
         <p:nvSpPr>
           <p:cNvPr id="37" name="Google Shape;37;g5baabd7299_0_10:notes"/>
-          <p:cNvSpPr txBox="1"/>
+          <p:cNvSpPr txBox="1">
+            <a:spLocks noGrp="1"/>
+          </p:cNvSpPr>
           <p:nvPr>
-            <p:ph idx="1" type="body"/>
+            <p:ph type="body" idx="1"/>
           </p:nvPr>
         </p:nvSpPr>
         <p:spPr>
@@ -2968,23 +3102,20 @@
           </a:prstGeom>
         </p:spPr>
         <p:txBody>
-          <a:bodyPr anchorCtr="0" anchor="t" bIns="91425" lIns="91425" spcFirstLastPara="1" rIns="91425" wrap="square" tIns="91425">
+          <a:bodyPr spcFirstLastPara="1" wrap="square" lIns="91425" tIns="91425" rIns="91425" bIns="91425" anchor="t" anchorCtr="0">
             <a:noAutofit/>
           </a:bodyPr>
           <a:lstStyle/>
           <a:p>
-            <a:pPr indent="0" lvl="0" marL="0" rtl="0" algn="l">
-              <a:spcBef>
-                <a:spcPts val="0"/>
-              </a:spcBef>
-              <a:spcAft>
-                <a:spcPts val="0"/>
-              </a:spcAft>
-              <a:buNone/>
-            </a:pPr>
-            <a:r>
-              <a:t/>
-            </a:r>
+            <a:pPr marL="0" lvl="0" indent="0" algn="l" rtl="0">
+              <a:spcBef>
+                <a:spcPts val="0"/>
+              </a:spcBef>
+              <a:spcAft>
+                <a:spcPts val="0"/>
+              </a:spcAft>
+              <a:buNone/>
+            </a:pPr>
             <a:endParaRPr/>
           </a:p>
         </p:txBody>
@@ -2998,11 +3129,11 @@
 </file>
 
 <file path=ppt/notesSlides/notesSlide30.xml><?xml version="1.0" encoding="utf-8"?>
-<p:notes xmlns:a="http://schemas.openxmlformats.org/drawingml/2006/main" xmlns:r="http://schemas.openxmlformats.org/officeDocument/2006/relationships" xmlns:mc="http://schemas.openxmlformats.org/markup-compatibility/2006" xmlns:mv="urn:schemas-microsoft-com:mac:vml" xmlns:p="http://schemas.openxmlformats.org/presentationml/2006/main" xmlns:c="http://schemas.openxmlformats.org/drawingml/2006/chart" xmlns:dgm="http://schemas.openxmlformats.org/drawingml/2006/diagram" xmlns:o="urn:schemas-microsoft-com:office:office" xmlns:v="urn:schemas-microsoft-com:vml" xmlns:pvml="urn:schemas-microsoft-com:office:powerpoint" xmlns:com="http://schemas.openxmlformats.org/drawingml/2006/compatibility" xmlns:p14="http://schemas.microsoft.com/office/powerpoint/2010/main" xmlns:p15="http://schemas.microsoft.com/office/powerpoint/2012/main" showMasterPhAnim="0" showMasterSp="0">
+<p:notes xmlns:a="http://schemas.openxmlformats.org/drawingml/2006/main" xmlns:r="http://schemas.openxmlformats.org/officeDocument/2006/relationships" xmlns:p="http://schemas.openxmlformats.org/presentationml/2006/main" showMasterSp="0" showMasterPhAnim="0">
   <p:cSld>
     <p:spTree>
       <p:nvGrpSpPr>
-        <p:cNvPr id="232" name="Shape 232"/>
+        <p:cNvPr id="1" name="Shape 232"/>
         <p:cNvGrpSpPr/>
         <p:nvPr/>
       </p:nvGrpSpPr>
@@ -3017,20 +3148,26 @@
       <p:sp>
         <p:nvSpPr>
           <p:cNvPr id="233" name="Google Shape;233;g17503b435_145:notes"/>
-          <p:cNvSpPr/>
+          <p:cNvSpPr>
+            <a:spLocks noGrp="1" noRot="1" noChangeAspect="1"/>
+          </p:cNvSpPr>
           <p:nvPr>
-            <p:ph idx="2" type="sldImg"/>
+            <p:ph type="sldImg" idx="2"/>
           </p:nvPr>
         </p:nvSpPr>
         <p:spPr>
           <a:xfrm>
-            <a:off x="1143225" y="685800"/>
-            <a:ext cx="4572300" cy="3429000"/>
+            <a:off x="381000" y="685800"/>
+            <a:ext cx="6096000" cy="3429000"/>
           </a:xfrm>
           <a:custGeom>
-            <a:rect b="b" l="l" r="r" t="t"/>
+            <a:avLst/>
+            <a:gdLst/>
+            <a:ahLst/>
+            <a:cxnLst/>
+            <a:rect l="l" t="t" r="r" b="b"/>
             <a:pathLst>
-              <a:path extrusionOk="0" h="120000" w="120000">
+              <a:path w="120000" h="120000" extrusionOk="0">
                 <a:moveTo>
                   <a:pt x="0" y="0"/>
                 </a:moveTo>
@@ -3052,9 +3189,11 @@
       <p:sp>
         <p:nvSpPr>
           <p:cNvPr id="234" name="Google Shape;234;g17503b435_145:notes"/>
-          <p:cNvSpPr txBox="1"/>
+          <p:cNvSpPr txBox="1">
+            <a:spLocks noGrp="1"/>
+          </p:cNvSpPr>
           <p:nvPr>
-            <p:ph idx="1" type="body"/>
+            <p:ph type="body" idx="1"/>
           </p:nvPr>
         </p:nvSpPr>
         <p:spPr>
@@ -3067,23 +3206,20 @@
           </a:prstGeom>
         </p:spPr>
         <p:txBody>
-          <a:bodyPr anchorCtr="0" anchor="t" bIns="91425" lIns="91425" spcFirstLastPara="1" rIns="91425" wrap="square" tIns="91425">
+          <a:bodyPr spcFirstLastPara="1" wrap="square" lIns="91425" tIns="91425" rIns="91425" bIns="91425" anchor="t" anchorCtr="0">
             <a:noAutofit/>
           </a:bodyPr>
           <a:lstStyle/>
           <a:p>
-            <a:pPr indent="0" lvl="0" marL="0" rtl="0" algn="l">
-              <a:spcBef>
-                <a:spcPts val="0"/>
-              </a:spcBef>
-              <a:spcAft>
-                <a:spcPts val="0"/>
-              </a:spcAft>
-              <a:buNone/>
-            </a:pPr>
-            <a:r>
-              <a:t/>
-            </a:r>
+            <a:pPr marL="0" lvl="0" indent="0" algn="l" rtl="0">
+              <a:spcBef>
+                <a:spcPts val="0"/>
+              </a:spcBef>
+              <a:spcAft>
+                <a:spcPts val="0"/>
+              </a:spcAft>
+              <a:buNone/>
+            </a:pPr>
             <a:endParaRPr/>
           </a:p>
         </p:txBody>
@@ -3097,11 +3233,11 @@
 </file>
 
 <file path=ppt/notesSlides/notesSlide4.xml><?xml version="1.0" encoding="utf-8"?>
-<p:notes xmlns:a="http://schemas.openxmlformats.org/drawingml/2006/main" xmlns:r="http://schemas.openxmlformats.org/officeDocument/2006/relationships" xmlns:mc="http://schemas.openxmlformats.org/markup-compatibility/2006" xmlns:mv="urn:schemas-microsoft-com:mac:vml" xmlns:p="http://schemas.openxmlformats.org/presentationml/2006/main" xmlns:c="http://schemas.openxmlformats.org/drawingml/2006/chart" xmlns:dgm="http://schemas.openxmlformats.org/drawingml/2006/diagram" xmlns:o="urn:schemas-microsoft-com:office:office" xmlns:v="urn:schemas-microsoft-com:vml" xmlns:pvml="urn:schemas-microsoft-com:office:powerpoint" xmlns:com="http://schemas.openxmlformats.org/drawingml/2006/compatibility" xmlns:p14="http://schemas.microsoft.com/office/powerpoint/2010/main" xmlns:p15="http://schemas.microsoft.com/office/powerpoint/2012/main" showMasterPhAnim="0" showMasterSp="0">
+<p:notes xmlns:a="http://schemas.openxmlformats.org/drawingml/2006/main" xmlns:r="http://schemas.openxmlformats.org/officeDocument/2006/relationships" xmlns:p="http://schemas.openxmlformats.org/presentationml/2006/main" showMasterSp="0" showMasterPhAnim="0">
   <p:cSld>
     <p:spTree>
       <p:nvGrpSpPr>
-        <p:cNvPr id="42" name="Shape 42"/>
+        <p:cNvPr id="1" name="Shape 42"/>
         <p:cNvGrpSpPr/>
         <p:nvPr/>
       </p:nvGrpSpPr>
@@ -3116,20 +3252,26 @@
       <p:sp>
         <p:nvSpPr>
           <p:cNvPr id="43" name="Google Shape;43;g5baabd7299_0_20:notes"/>
-          <p:cNvSpPr/>
+          <p:cNvSpPr>
+            <a:spLocks noGrp="1" noRot="1" noChangeAspect="1"/>
+          </p:cNvSpPr>
           <p:nvPr>
-            <p:ph idx="2" type="sldImg"/>
+            <p:ph type="sldImg" idx="2"/>
           </p:nvPr>
         </p:nvSpPr>
         <p:spPr>
           <a:xfrm>
-            <a:off x="1143225" y="685800"/>
-            <a:ext cx="4572300" cy="3429000"/>
+            <a:off x="381000" y="685800"/>
+            <a:ext cx="6096000" cy="3429000"/>
           </a:xfrm>
           <a:custGeom>
-            <a:rect b="b" l="l" r="r" t="t"/>
+            <a:avLst/>
+            <a:gdLst/>
+            <a:ahLst/>
+            <a:cxnLst/>
+            <a:rect l="l" t="t" r="r" b="b"/>
             <a:pathLst>
-              <a:path extrusionOk="0" h="120000" w="120000">
+              <a:path w="120000" h="120000" extrusionOk="0">
                 <a:moveTo>
                   <a:pt x="0" y="0"/>
                 </a:moveTo>
@@ -3151,9 +3293,11 @@
       <p:sp>
         <p:nvSpPr>
           <p:cNvPr id="44" name="Google Shape;44;g5baabd7299_0_20:notes"/>
-          <p:cNvSpPr txBox="1"/>
+          <p:cNvSpPr txBox="1">
+            <a:spLocks noGrp="1"/>
+          </p:cNvSpPr>
           <p:nvPr>
-            <p:ph idx="1" type="body"/>
+            <p:ph type="body" idx="1"/>
           </p:nvPr>
         </p:nvSpPr>
         <p:spPr>
@@ -3166,23 +3310,20 @@
           </a:prstGeom>
         </p:spPr>
         <p:txBody>
-          <a:bodyPr anchorCtr="0" anchor="t" bIns="91425" lIns="91425" spcFirstLastPara="1" rIns="91425" wrap="square" tIns="91425">
+          <a:bodyPr spcFirstLastPara="1" wrap="square" lIns="91425" tIns="91425" rIns="91425" bIns="91425" anchor="t" anchorCtr="0">
             <a:noAutofit/>
           </a:bodyPr>
           <a:lstStyle/>
           <a:p>
-            <a:pPr indent="0" lvl="0" marL="0" rtl="0" algn="l">
-              <a:spcBef>
-                <a:spcPts val="0"/>
-              </a:spcBef>
-              <a:spcAft>
-                <a:spcPts val="0"/>
-              </a:spcAft>
-              <a:buNone/>
-            </a:pPr>
-            <a:r>
-              <a:t/>
-            </a:r>
+            <a:pPr marL="0" lvl="0" indent="0" algn="l" rtl="0">
+              <a:spcBef>
+                <a:spcPts val="0"/>
+              </a:spcBef>
+              <a:spcAft>
+                <a:spcPts val="0"/>
+              </a:spcAft>
+              <a:buNone/>
+            </a:pPr>
             <a:endParaRPr/>
           </a:p>
         </p:txBody>
@@ -3196,11 +3337,11 @@
 </file>
 
 <file path=ppt/notesSlides/notesSlide5.xml><?xml version="1.0" encoding="utf-8"?>
-<p:notes xmlns:a="http://schemas.openxmlformats.org/drawingml/2006/main" xmlns:r="http://schemas.openxmlformats.org/officeDocument/2006/relationships" xmlns:mc="http://schemas.openxmlformats.org/markup-compatibility/2006" xmlns:mv="urn:schemas-microsoft-com:mac:vml" xmlns:p="http://schemas.openxmlformats.org/presentationml/2006/main" xmlns:c="http://schemas.openxmlformats.org/drawingml/2006/chart" xmlns:dgm="http://schemas.openxmlformats.org/drawingml/2006/diagram" xmlns:o="urn:schemas-microsoft-com:office:office" xmlns:v="urn:schemas-microsoft-com:vml" xmlns:pvml="urn:schemas-microsoft-com:office:powerpoint" xmlns:com="http://schemas.openxmlformats.org/drawingml/2006/compatibility" xmlns:p14="http://schemas.microsoft.com/office/powerpoint/2010/main" xmlns:p15="http://schemas.microsoft.com/office/powerpoint/2012/main" showMasterPhAnim="0" showMasterSp="0">
+<p:notes xmlns:a="http://schemas.openxmlformats.org/drawingml/2006/main" xmlns:r="http://schemas.openxmlformats.org/officeDocument/2006/relationships" xmlns:p="http://schemas.openxmlformats.org/presentationml/2006/main" showMasterSp="0" showMasterPhAnim="0">
   <p:cSld>
     <p:spTree>
       <p:nvGrpSpPr>
-        <p:cNvPr id="51" name="Shape 51"/>
+        <p:cNvPr id="1" name="Shape 51"/>
         <p:cNvGrpSpPr/>
         <p:nvPr/>
       </p:nvGrpSpPr>
@@ -3215,20 +3356,26 @@
       <p:sp>
         <p:nvSpPr>
           <p:cNvPr id="52" name="Google Shape;52;g5baabd7299_0_41:notes"/>
-          <p:cNvSpPr/>
+          <p:cNvSpPr>
+            <a:spLocks noGrp="1" noRot="1" noChangeAspect="1"/>
+          </p:cNvSpPr>
           <p:nvPr>
-            <p:ph idx="2" type="sldImg"/>
+            <p:ph type="sldImg" idx="2"/>
           </p:nvPr>
         </p:nvSpPr>
         <p:spPr>
           <a:xfrm>
-            <a:off x="1143225" y="685800"/>
-            <a:ext cx="4572300" cy="3429000"/>
+            <a:off x="381000" y="685800"/>
+            <a:ext cx="6096000" cy="3429000"/>
           </a:xfrm>
           <a:custGeom>
-            <a:rect b="b" l="l" r="r" t="t"/>
+            <a:avLst/>
+            <a:gdLst/>
+            <a:ahLst/>
+            <a:cxnLst/>
+            <a:rect l="l" t="t" r="r" b="b"/>
             <a:pathLst>
-              <a:path extrusionOk="0" h="120000" w="120000">
+              <a:path w="120000" h="120000" extrusionOk="0">
                 <a:moveTo>
                   <a:pt x="0" y="0"/>
                 </a:moveTo>
@@ -3250,9 +3397,11 @@
       <p:sp>
         <p:nvSpPr>
           <p:cNvPr id="53" name="Google Shape;53;g5baabd7299_0_41:notes"/>
-          <p:cNvSpPr txBox="1"/>
+          <p:cNvSpPr txBox="1">
+            <a:spLocks noGrp="1"/>
+          </p:cNvSpPr>
           <p:nvPr>
-            <p:ph idx="1" type="body"/>
+            <p:ph type="body" idx="1"/>
           </p:nvPr>
         </p:nvSpPr>
         <p:spPr>
@@ -3265,23 +3414,20 @@
           </a:prstGeom>
         </p:spPr>
         <p:txBody>
-          <a:bodyPr anchorCtr="0" anchor="t" bIns="91425" lIns="91425" spcFirstLastPara="1" rIns="91425" wrap="square" tIns="91425">
+          <a:bodyPr spcFirstLastPara="1" wrap="square" lIns="91425" tIns="91425" rIns="91425" bIns="91425" anchor="t" anchorCtr="0">
             <a:noAutofit/>
           </a:bodyPr>
           <a:lstStyle/>
           <a:p>
-            <a:pPr indent="0" lvl="0" marL="0" rtl="0" algn="l">
-              <a:spcBef>
-                <a:spcPts val="0"/>
-              </a:spcBef>
-              <a:spcAft>
-                <a:spcPts val="0"/>
-              </a:spcAft>
-              <a:buNone/>
-            </a:pPr>
-            <a:r>
-              <a:t/>
-            </a:r>
+            <a:pPr marL="0" lvl="0" indent="0" algn="l" rtl="0">
+              <a:spcBef>
+                <a:spcPts val="0"/>
+              </a:spcBef>
+              <a:spcAft>
+                <a:spcPts val="0"/>
+              </a:spcAft>
+              <a:buNone/>
+            </a:pPr>
             <a:endParaRPr/>
           </a:p>
         </p:txBody>
@@ -3295,11 +3441,11 @@
 </file>
 
 <file path=ppt/notesSlides/notesSlide6.xml><?xml version="1.0" encoding="utf-8"?>
-<p:notes xmlns:a="http://schemas.openxmlformats.org/drawingml/2006/main" xmlns:r="http://schemas.openxmlformats.org/officeDocument/2006/relationships" xmlns:mc="http://schemas.openxmlformats.org/markup-compatibility/2006" xmlns:mv="urn:schemas-microsoft-com:mac:vml" xmlns:p="http://schemas.openxmlformats.org/presentationml/2006/main" xmlns:c="http://schemas.openxmlformats.org/drawingml/2006/chart" xmlns:dgm="http://schemas.openxmlformats.org/drawingml/2006/diagram" xmlns:o="urn:schemas-microsoft-com:office:office" xmlns:v="urn:schemas-microsoft-com:vml" xmlns:pvml="urn:schemas-microsoft-com:office:powerpoint" xmlns:com="http://schemas.openxmlformats.org/drawingml/2006/compatibility" xmlns:p14="http://schemas.microsoft.com/office/powerpoint/2010/main" xmlns:p15="http://schemas.microsoft.com/office/powerpoint/2012/main" showMasterPhAnim="0" showMasterSp="0">
+<p:notes xmlns:a="http://schemas.openxmlformats.org/drawingml/2006/main" xmlns:r="http://schemas.openxmlformats.org/officeDocument/2006/relationships" xmlns:p="http://schemas.openxmlformats.org/presentationml/2006/main" showMasterSp="0" showMasterPhAnim="0">
   <p:cSld>
     <p:spTree>
       <p:nvGrpSpPr>
-        <p:cNvPr id="59" name="Shape 59"/>
+        <p:cNvPr id="1" name="Shape 59"/>
         <p:cNvGrpSpPr/>
         <p:nvPr/>
       </p:nvGrpSpPr>
@@ -3314,20 +3460,26 @@
       <p:sp>
         <p:nvSpPr>
           <p:cNvPr id="60" name="Google Shape;60;g5baabd7299_0_52:notes"/>
-          <p:cNvSpPr/>
+          <p:cNvSpPr>
+            <a:spLocks noGrp="1" noRot="1" noChangeAspect="1"/>
+          </p:cNvSpPr>
           <p:nvPr>
-            <p:ph idx="2" type="sldImg"/>
+            <p:ph type="sldImg" idx="2"/>
           </p:nvPr>
         </p:nvSpPr>
         <p:spPr>
           <a:xfrm>
-            <a:off x="1143225" y="685800"/>
-            <a:ext cx="4572300" cy="3429000"/>
+            <a:off x="381000" y="685800"/>
+            <a:ext cx="6096000" cy="3429000"/>
           </a:xfrm>
           <a:custGeom>
-            <a:rect b="b" l="l" r="r" t="t"/>
+            <a:avLst/>
+            <a:gdLst/>
+            <a:ahLst/>
+            <a:cxnLst/>
+            <a:rect l="l" t="t" r="r" b="b"/>
             <a:pathLst>
-              <a:path extrusionOk="0" h="120000" w="120000">
+              <a:path w="120000" h="120000" extrusionOk="0">
                 <a:moveTo>
                   <a:pt x="0" y="0"/>
                 </a:moveTo>
@@ -3349,9 +3501,11 @@
       <p:sp>
         <p:nvSpPr>
           <p:cNvPr id="61" name="Google Shape;61;g5baabd7299_0_52:notes"/>
-          <p:cNvSpPr txBox="1"/>
+          <p:cNvSpPr txBox="1">
+            <a:spLocks noGrp="1"/>
+          </p:cNvSpPr>
           <p:nvPr>
-            <p:ph idx="1" type="body"/>
+            <p:ph type="body" idx="1"/>
           </p:nvPr>
         </p:nvSpPr>
         <p:spPr>
@@ -3364,23 +3518,20 @@
           </a:prstGeom>
         </p:spPr>
         <p:txBody>
-          <a:bodyPr anchorCtr="0" anchor="t" bIns="91425" lIns="91425" spcFirstLastPara="1" rIns="91425" wrap="square" tIns="91425">
+          <a:bodyPr spcFirstLastPara="1" wrap="square" lIns="91425" tIns="91425" rIns="91425" bIns="91425" anchor="t" anchorCtr="0">
             <a:noAutofit/>
           </a:bodyPr>
           <a:lstStyle/>
           <a:p>
-            <a:pPr indent="0" lvl="0" marL="0" rtl="0" algn="l">
-              <a:spcBef>
-                <a:spcPts val="0"/>
-              </a:spcBef>
-              <a:spcAft>
-                <a:spcPts val="0"/>
-              </a:spcAft>
-              <a:buNone/>
-            </a:pPr>
-            <a:r>
-              <a:t/>
-            </a:r>
+            <a:pPr marL="0" lvl="0" indent="0" algn="l" rtl="0">
+              <a:spcBef>
+                <a:spcPts val="0"/>
+              </a:spcBef>
+              <a:spcAft>
+                <a:spcPts val="0"/>
+              </a:spcAft>
+              <a:buNone/>
+            </a:pPr>
             <a:endParaRPr/>
           </a:p>
         </p:txBody>
@@ -3394,11 +3545,11 @@
 </file>
 
 <file path=ppt/notesSlides/notesSlide7.xml><?xml version="1.0" encoding="utf-8"?>
-<p:notes xmlns:a="http://schemas.openxmlformats.org/drawingml/2006/main" xmlns:r="http://schemas.openxmlformats.org/officeDocument/2006/relationships" xmlns:mc="http://schemas.openxmlformats.org/markup-compatibility/2006" xmlns:mv="urn:schemas-microsoft-com:mac:vml" xmlns:p="http://schemas.openxmlformats.org/presentationml/2006/main" xmlns:c="http://schemas.openxmlformats.org/drawingml/2006/chart" xmlns:dgm="http://schemas.openxmlformats.org/drawingml/2006/diagram" xmlns:o="urn:schemas-microsoft-com:office:office" xmlns:v="urn:schemas-microsoft-com:vml" xmlns:pvml="urn:schemas-microsoft-com:office:powerpoint" xmlns:com="http://schemas.openxmlformats.org/drawingml/2006/compatibility" xmlns:p14="http://schemas.microsoft.com/office/powerpoint/2010/main" xmlns:p15="http://schemas.microsoft.com/office/powerpoint/2012/main" showMasterPhAnim="0" showMasterSp="0">
+<p:notes xmlns:a="http://schemas.openxmlformats.org/drawingml/2006/main" xmlns:r="http://schemas.openxmlformats.org/officeDocument/2006/relationships" xmlns:p="http://schemas.openxmlformats.org/presentationml/2006/main" showMasterSp="0" showMasterPhAnim="0">
   <p:cSld>
     <p:spTree>
       <p:nvGrpSpPr>
-        <p:cNvPr id="66" name="Shape 66"/>
+        <p:cNvPr id="1" name="Shape 66"/>
         <p:cNvGrpSpPr/>
         <p:nvPr/>
       </p:nvGrpSpPr>
@@ -3413,20 +3564,26 @@
       <p:sp>
         <p:nvSpPr>
           <p:cNvPr id="67" name="Google Shape;67;g5baabd7299_0_61:notes"/>
-          <p:cNvSpPr/>
+          <p:cNvSpPr>
+            <a:spLocks noGrp="1" noRot="1" noChangeAspect="1"/>
+          </p:cNvSpPr>
           <p:nvPr>
-            <p:ph idx="2" type="sldImg"/>
+            <p:ph type="sldImg" idx="2"/>
           </p:nvPr>
         </p:nvSpPr>
         <p:spPr>
           <a:xfrm>
-            <a:off x="1143225" y="685800"/>
-            <a:ext cx="4572300" cy="3429000"/>
+            <a:off x="381000" y="685800"/>
+            <a:ext cx="6096000" cy="3429000"/>
           </a:xfrm>
           <a:custGeom>
-            <a:rect b="b" l="l" r="r" t="t"/>
+            <a:avLst/>
+            <a:gdLst/>
+            <a:ahLst/>
+            <a:cxnLst/>
+            <a:rect l="l" t="t" r="r" b="b"/>
             <a:pathLst>
-              <a:path extrusionOk="0" h="120000" w="120000">
+              <a:path w="120000" h="120000" extrusionOk="0">
                 <a:moveTo>
                   <a:pt x="0" y="0"/>
                 </a:moveTo>
@@ -3448,9 +3605,11 @@
       <p:sp>
         <p:nvSpPr>
           <p:cNvPr id="68" name="Google Shape;68;g5baabd7299_0_61:notes"/>
-          <p:cNvSpPr txBox="1"/>
+          <p:cNvSpPr txBox="1">
+            <a:spLocks noGrp="1"/>
+          </p:cNvSpPr>
           <p:nvPr>
-            <p:ph idx="1" type="body"/>
+            <p:ph type="body" idx="1"/>
           </p:nvPr>
         </p:nvSpPr>
         <p:spPr>
@@ -3463,23 +3622,20 @@
           </a:prstGeom>
         </p:spPr>
         <p:txBody>
-          <a:bodyPr anchorCtr="0" anchor="t" bIns="91425" lIns="91425" spcFirstLastPara="1" rIns="91425" wrap="square" tIns="91425">
+          <a:bodyPr spcFirstLastPara="1" wrap="square" lIns="91425" tIns="91425" rIns="91425" bIns="91425" anchor="t" anchorCtr="0">
             <a:noAutofit/>
           </a:bodyPr>
           <a:lstStyle/>
           <a:p>
-            <a:pPr indent="0" lvl="0" marL="0" rtl="0" algn="l">
-              <a:spcBef>
-                <a:spcPts val="0"/>
-              </a:spcBef>
-              <a:spcAft>
-                <a:spcPts val="0"/>
-              </a:spcAft>
-              <a:buNone/>
-            </a:pPr>
-            <a:r>
-              <a:t/>
-            </a:r>
+            <a:pPr marL="0" lvl="0" indent="0" algn="l" rtl="0">
+              <a:spcBef>
+                <a:spcPts val="0"/>
+              </a:spcBef>
+              <a:spcAft>
+                <a:spcPts val="0"/>
+              </a:spcAft>
+              <a:buNone/>
+            </a:pPr>
             <a:endParaRPr/>
           </a:p>
         </p:txBody>
@@ -3493,11 +3649,11 @@
 </file>
 
 <file path=ppt/notesSlides/notesSlide8.xml><?xml version="1.0" encoding="utf-8"?>
-<p:notes xmlns:a="http://schemas.openxmlformats.org/drawingml/2006/main" xmlns:r="http://schemas.openxmlformats.org/officeDocument/2006/relationships" xmlns:mc="http://schemas.openxmlformats.org/markup-compatibility/2006" xmlns:mv="urn:schemas-microsoft-com:mac:vml" xmlns:p="http://schemas.openxmlformats.org/presentationml/2006/main" xmlns:c="http://schemas.openxmlformats.org/drawingml/2006/chart" xmlns:dgm="http://schemas.openxmlformats.org/drawingml/2006/diagram" xmlns:o="urn:schemas-microsoft-com:office:office" xmlns:v="urn:schemas-microsoft-com:vml" xmlns:pvml="urn:schemas-microsoft-com:office:powerpoint" xmlns:com="http://schemas.openxmlformats.org/drawingml/2006/compatibility" xmlns:p14="http://schemas.microsoft.com/office/powerpoint/2010/main" xmlns:p15="http://schemas.microsoft.com/office/powerpoint/2012/main" showMasterPhAnim="0" showMasterSp="0">
+<p:notes xmlns:a="http://schemas.openxmlformats.org/drawingml/2006/main" xmlns:r="http://schemas.openxmlformats.org/officeDocument/2006/relationships" xmlns:p="http://schemas.openxmlformats.org/presentationml/2006/main" showMasterSp="0" showMasterPhAnim="0">
   <p:cSld>
     <p:spTree>
       <p:nvGrpSpPr>
-        <p:cNvPr id="72" name="Shape 72"/>
+        <p:cNvPr id="1" name="Shape 72"/>
         <p:cNvGrpSpPr/>
         <p:nvPr/>
       </p:nvGrpSpPr>
@@ -3512,20 +3668,26 @@
       <p:sp>
         <p:nvSpPr>
           <p:cNvPr id="73" name="Google Shape;73;g5baabd7299_0_67:notes"/>
-          <p:cNvSpPr/>
+          <p:cNvSpPr>
+            <a:spLocks noGrp="1" noRot="1" noChangeAspect="1"/>
+          </p:cNvSpPr>
           <p:nvPr>
-            <p:ph idx="2" type="sldImg"/>
+            <p:ph type="sldImg" idx="2"/>
           </p:nvPr>
         </p:nvSpPr>
         <p:spPr>
           <a:xfrm>
-            <a:off x="1143225" y="685800"/>
-            <a:ext cx="4572300" cy="3429000"/>
+            <a:off x="381000" y="685800"/>
+            <a:ext cx="6096000" cy="3429000"/>
           </a:xfrm>
           <a:custGeom>
-            <a:rect b="b" l="l" r="r" t="t"/>
+            <a:avLst/>
+            <a:gdLst/>
+            <a:ahLst/>
+            <a:cxnLst/>
+            <a:rect l="l" t="t" r="r" b="b"/>
             <a:pathLst>
-              <a:path extrusionOk="0" h="120000" w="120000">
+              <a:path w="120000" h="120000" extrusionOk="0">
                 <a:moveTo>
                   <a:pt x="0" y="0"/>
                 </a:moveTo>
@@ -3547,9 +3709,11 @@
       <p:sp>
         <p:nvSpPr>
           <p:cNvPr id="74" name="Google Shape;74;g5baabd7299_0_67:notes"/>
-          <p:cNvSpPr txBox="1"/>
+          <p:cNvSpPr txBox="1">
+            <a:spLocks noGrp="1"/>
+          </p:cNvSpPr>
           <p:nvPr>
-            <p:ph idx="1" type="body"/>
+            <p:ph type="body" idx="1"/>
           </p:nvPr>
         </p:nvSpPr>
         <p:spPr>
@@ -3562,23 +3726,20 @@
           </a:prstGeom>
         </p:spPr>
         <p:txBody>
-          <a:bodyPr anchorCtr="0" anchor="t" bIns="91425" lIns="91425" spcFirstLastPara="1" rIns="91425" wrap="square" tIns="91425">
+          <a:bodyPr spcFirstLastPara="1" wrap="square" lIns="91425" tIns="91425" rIns="91425" bIns="91425" anchor="t" anchorCtr="0">
             <a:noAutofit/>
           </a:bodyPr>
           <a:lstStyle/>
           <a:p>
-            <a:pPr indent="0" lvl="0" marL="0" rtl="0" algn="l">
-              <a:spcBef>
-                <a:spcPts val="0"/>
-              </a:spcBef>
-              <a:spcAft>
-                <a:spcPts val="0"/>
-              </a:spcAft>
-              <a:buNone/>
-            </a:pPr>
-            <a:r>
-              <a:t/>
-            </a:r>
+            <a:pPr marL="0" lvl="0" indent="0" algn="l" rtl="0">
+              <a:spcBef>
+                <a:spcPts val="0"/>
+              </a:spcBef>
+              <a:spcAft>
+                <a:spcPts val="0"/>
+              </a:spcAft>
+              <a:buNone/>
+            </a:pPr>
             <a:endParaRPr/>
           </a:p>
         </p:txBody>
@@ -3592,11 +3753,11 @@
 </file>
 
 <file path=ppt/notesSlides/notesSlide9.xml><?xml version="1.0" encoding="utf-8"?>
-<p:notes xmlns:a="http://schemas.openxmlformats.org/drawingml/2006/main" xmlns:r="http://schemas.openxmlformats.org/officeDocument/2006/relationships" xmlns:mc="http://schemas.openxmlformats.org/markup-compatibility/2006" xmlns:mv="urn:schemas-microsoft-com:mac:vml" xmlns:p="http://schemas.openxmlformats.org/presentationml/2006/main" xmlns:c="http://schemas.openxmlformats.org/drawingml/2006/chart" xmlns:dgm="http://schemas.openxmlformats.org/drawingml/2006/diagram" xmlns:o="urn:schemas-microsoft-com:office:office" xmlns:v="urn:schemas-microsoft-com:vml" xmlns:pvml="urn:schemas-microsoft-com:office:powerpoint" xmlns:com="http://schemas.openxmlformats.org/drawingml/2006/compatibility" xmlns:p14="http://schemas.microsoft.com/office/powerpoint/2010/main" xmlns:p15="http://schemas.microsoft.com/office/powerpoint/2012/main" showMasterPhAnim="0" showMasterSp="0">
+<p:notes xmlns:a="http://schemas.openxmlformats.org/drawingml/2006/main" xmlns:r="http://schemas.openxmlformats.org/officeDocument/2006/relationships" xmlns:p="http://schemas.openxmlformats.org/presentationml/2006/main" showMasterSp="0" showMasterPhAnim="0">
   <p:cSld>
     <p:spTree>
       <p:nvGrpSpPr>
-        <p:cNvPr id="79" name="Shape 79"/>
+        <p:cNvPr id="1" name="Shape 79"/>
         <p:cNvGrpSpPr/>
         <p:nvPr/>
       </p:nvGrpSpPr>
@@ -3611,20 +3772,26 @@
       <p:sp>
         <p:nvSpPr>
           <p:cNvPr id="80" name="Google Shape;80;g5baabd7299_0_76:notes"/>
-          <p:cNvSpPr/>
+          <p:cNvSpPr>
+            <a:spLocks noGrp="1" noRot="1" noChangeAspect="1"/>
+          </p:cNvSpPr>
           <p:nvPr>
-            <p:ph idx="2" type="sldImg"/>
+            <p:ph type="sldImg" idx="2"/>
           </p:nvPr>
         </p:nvSpPr>
         <p:spPr>
           <a:xfrm>
-            <a:off x="1143225" y="685800"/>
-            <a:ext cx="4572300" cy="3429000"/>
+            <a:off x="381000" y="685800"/>
+            <a:ext cx="6096000" cy="3429000"/>
           </a:xfrm>
           <a:custGeom>
-            <a:rect b="b" l="l" r="r" t="t"/>
+            <a:avLst/>
+            <a:gdLst/>
+            <a:ahLst/>
+            <a:cxnLst/>
+            <a:rect l="l" t="t" r="r" b="b"/>
             <a:pathLst>
-              <a:path extrusionOk="0" h="120000" w="120000">
+              <a:path w="120000" h="120000" extrusionOk="0">
                 <a:moveTo>
                   <a:pt x="0" y="0"/>
                 </a:moveTo>
@@ -3646,9 +3813,11 @@
       <p:sp>
         <p:nvSpPr>
           <p:cNvPr id="81" name="Google Shape;81;g5baabd7299_0_76:notes"/>
-          <p:cNvSpPr txBox="1"/>
+          <p:cNvSpPr txBox="1">
+            <a:spLocks noGrp="1"/>
+          </p:cNvSpPr>
           <p:nvPr>
-            <p:ph idx="1" type="body"/>
+            <p:ph type="body" idx="1"/>
           </p:nvPr>
         </p:nvSpPr>
         <p:spPr>
@@ -3661,23 +3830,20 @@
           </a:prstGeom>
         </p:spPr>
         <p:txBody>
-          <a:bodyPr anchorCtr="0" anchor="t" bIns="91425" lIns="91425" spcFirstLastPara="1" rIns="91425" wrap="square" tIns="91425">
+          <a:bodyPr spcFirstLastPara="1" wrap="square" lIns="91425" tIns="91425" rIns="91425" bIns="91425" anchor="t" anchorCtr="0">
             <a:noAutofit/>
           </a:bodyPr>
           <a:lstStyle/>
           <a:p>
-            <a:pPr indent="0" lvl="0" marL="0" rtl="0" algn="l">
-              <a:spcBef>
-                <a:spcPts val="0"/>
-              </a:spcBef>
-              <a:spcAft>
-                <a:spcPts val="0"/>
-              </a:spcAft>
-              <a:buNone/>
-            </a:pPr>
-            <a:r>
-              <a:t/>
-            </a:r>
+            <a:pPr marL="0" lvl="0" indent="0" algn="l" rtl="0">
+              <a:spcBef>
+                <a:spcPts val="0"/>
+              </a:spcBef>
+              <a:spcAft>
+                <a:spcPts val="0"/>
+              </a:spcAft>
+              <a:buNone/>
+            </a:pPr>
             <a:endParaRPr/>
           </a:p>
         </p:txBody>
@@ -3691,11 +3857,11 @@
 </file>
 
 <file path=ppt/slideLayouts/slideLayout1.xml><?xml version="1.0" encoding="utf-8"?>
-<p:sldLayout xmlns:a="http://schemas.openxmlformats.org/drawingml/2006/main" xmlns:r="http://schemas.openxmlformats.org/officeDocument/2006/relationships" xmlns:mc="http://schemas.openxmlformats.org/markup-compatibility/2006" xmlns:mv="urn:schemas-microsoft-com:mac:vml" xmlns:p="http://schemas.openxmlformats.org/presentationml/2006/main" xmlns:c="http://schemas.openxmlformats.org/drawingml/2006/chart" xmlns:dgm="http://schemas.openxmlformats.org/drawingml/2006/diagram" xmlns:o="urn:schemas-microsoft-com:office:office" xmlns:v="urn:schemas-microsoft-com:vml" xmlns:pvml="urn:schemas-microsoft-com:office:powerpoint" xmlns:com="http://schemas.openxmlformats.org/drawingml/2006/compatibility" xmlns:p14="http://schemas.microsoft.com/office/powerpoint/2010/main" xmlns:p15="http://schemas.microsoft.com/office/powerpoint/2012/main" matchingName="Title slide" type="title">
+<p:sldLayout xmlns:a="http://schemas.openxmlformats.org/drawingml/2006/main" xmlns:r="http://schemas.openxmlformats.org/officeDocument/2006/relationships" xmlns:p="http://schemas.openxmlformats.org/presentationml/2006/main" matchingName="Title slide" type="title">
   <p:cSld name="TITLE">
     <p:spTree>
       <p:nvGrpSpPr>
-        <p:cNvPr id="8" name="Shape 8"/>
+        <p:cNvPr id="1" name="Shape 8"/>
         <p:cNvGrpSpPr/>
         <p:nvPr/>
       </p:nvGrpSpPr>
@@ -3710,7 +3876,9 @@
       <p:sp>
         <p:nvSpPr>
           <p:cNvPr id="9" name="Google Shape;9;p2"/>
-          <p:cNvSpPr txBox="1"/>
+          <p:cNvSpPr txBox="1">
+            <a:spLocks noGrp="1"/>
+          </p:cNvSpPr>
           <p:nvPr>
             <p:ph type="ctrTitle"/>
           </p:nvPr>
@@ -3725,7 +3893,7 @@
           </a:prstGeom>
         </p:spPr>
         <p:txBody>
-          <a:bodyPr anchorCtr="0" anchor="b" bIns="91425" lIns="91425" spcFirstLastPara="1" rIns="91425" wrap="square" tIns="91425">
+          <a:bodyPr spcFirstLastPara="1" wrap="square" lIns="91425" tIns="91425" rIns="91425" bIns="91425" anchor="b" anchorCtr="0">
             <a:noAutofit/>
           </a:bodyPr>
           <a:lstStyle>
@@ -3829,15 +3997,19 @@
               <a:defRPr sz="4800"/>
             </a:lvl9pPr>
           </a:lstStyle>
-          <a:p/>
+          <a:p>
+            <a:endParaRPr/>
+          </a:p>
         </p:txBody>
       </p:sp>
       <p:sp>
         <p:nvSpPr>
           <p:cNvPr id="10" name="Google Shape;10;p2"/>
-          <p:cNvSpPr txBox="1"/>
+          <p:cNvSpPr txBox="1">
+            <a:spLocks noGrp="1"/>
+          </p:cNvSpPr>
           <p:nvPr>
-            <p:ph idx="1" type="subTitle"/>
+            <p:ph type="subTitle" idx="1"/>
           </p:nvPr>
         </p:nvSpPr>
         <p:spPr>
@@ -3850,7 +4022,7 @@
           </a:prstGeom>
         </p:spPr>
         <p:txBody>
-          <a:bodyPr anchorCtr="0" anchor="t" bIns="91425" lIns="91425" spcFirstLastPara="1" rIns="91425" wrap="square" tIns="91425">
+          <a:bodyPr spcFirstLastPara="1" wrap="square" lIns="91425" tIns="91425" rIns="91425" bIns="91425" anchor="t" anchorCtr="0">
             <a:noAutofit/>
           </a:bodyPr>
           <a:lstStyle>
@@ -4017,7 +4189,9 @@
               </a:defRPr>
             </a:lvl9pPr>
           </a:lstStyle>
-          <a:p/>
+          <a:p>
+            <a:endParaRPr/>
+          </a:p>
         </p:txBody>
       </p:sp>
     </p:spTree>
@@ -4029,11 +4203,11 @@
 </file>
 
 <file path=ppt/slideLayouts/slideLayout2.xml><?xml version="1.0" encoding="utf-8"?>
-<p:sldLayout xmlns:a="http://schemas.openxmlformats.org/drawingml/2006/main" xmlns:r="http://schemas.openxmlformats.org/officeDocument/2006/relationships" xmlns:mc="http://schemas.openxmlformats.org/markup-compatibility/2006" xmlns:mv="urn:schemas-microsoft-com:mac:vml" xmlns:p="http://schemas.openxmlformats.org/presentationml/2006/main" xmlns:c="http://schemas.openxmlformats.org/drawingml/2006/chart" xmlns:dgm="http://schemas.openxmlformats.org/drawingml/2006/diagram" xmlns:o="urn:schemas-microsoft-com:office:office" xmlns:v="urn:schemas-microsoft-com:vml" xmlns:pvml="urn:schemas-microsoft-com:office:powerpoint" xmlns:com="http://schemas.openxmlformats.org/drawingml/2006/compatibility" xmlns:p14="http://schemas.microsoft.com/office/powerpoint/2010/main" xmlns:p15="http://schemas.microsoft.com/office/powerpoint/2012/main" matchingName="Title and body" type="tx">
+<p:sldLayout xmlns:a="http://schemas.openxmlformats.org/drawingml/2006/main" xmlns:r="http://schemas.openxmlformats.org/officeDocument/2006/relationships" xmlns:p="http://schemas.openxmlformats.org/presentationml/2006/main" matchingName="Title and body" type="tx">
   <p:cSld name="TITLE_AND_BODY">
     <p:spTree>
       <p:nvGrpSpPr>
-        <p:cNvPr id="11" name="Shape 11"/>
+        <p:cNvPr id="1" name="Shape 11"/>
         <p:cNvGrpSpPr/>
         <p:nvPr/>
       </p:nvGrpSpPr>
@@ -4048,7 +4222,9 @@
       <p:sp>
         <p:nvSpPr>
           <p:cNvPr id="12" name="Google Shape;12;p3"/>
-          <p:cNvSpPr txBox="1"/>
+          <p:cNvSpPr txBox="1">
+            <a:spLocks noGrp="1"/>
+          </p:cNvSpPr>
           <p:nvPr>
             <p:ph type="title"/>
           </p:nvPr>
@@ -4063,7 +4239,7 @@
           </a:prstGeom>
         </p:spPr>
         <p:txBody>
-          <a:bodyPr anchorCtr="0" anchor="b" bIns="91425" lIns="91425" spcFirstLastPara="1" rIns="91425" wrap="square" tIns="91425">
+          <a:bodyPr spcFirstLastPara="1" wrap="square" lIns="91425" tIns="91425" rIns="91425" bIns="91425" anchor="b" anchorCtr="0">
             <a:noAutofit/>
           </a:bodyPr>
           <a:lstStyle>
@@ -4167,15 +4343,19 @@
               <a:defRPr/>
             </a:lvl9pPr>
           </a:lstStyle>
-          <a:p/>
+          <a:p>
+            <a:endParaRPr/>
+          </a:p>
         </p:txBody>
       </p:sp>
       <p:sp>
         <p:nvSpPr>
           <p:cNvPr id="13" name="Google Shape;13;p3"/>
-          <p:cNvSpPr txBox="1"/>
+          <p:cNvSpPr txBox="1">
+            <a:spLocks noGrp="1"/>
+          </p:cNvSpPr>
           <p:nvPr>
-            <p:ph idx="1" type="body"/>
+            <p:ph type="body" idx="1"/>
           </p:nvPr>
         </p:nvSpPr>
         <p:spPr>
@@ -4188,11 +4368,11 @@
           </a:prstGeom>
         </p:spPr>
         <p:txBody>
-          <a:bodyPr anchorCtr="0" anchor="t" bIns="91425" lIns="91425" spcFirstLastPara="1" rIns="91425" wrap="square" tIns="91425">
+          <a:bodyPr spcFirstLastPara="1" wrap="square" lIns="91425" tIns="91425" rIns="91425" bIns="91425" anchor="t" anchorCtr="0">
             <a:noAutofit/>
           </a:bodyPr>
           <a:lstStyle>
-            <a:lvl1pPr indent="-419100" lvl="0" marL="457200">
+            <a:lvl1pPr marL="457200" lvl="0" indent="-419100">
               <a:spcBef>
                 <a:spcPts val="600"/>
               </a:spcBef>
@@ -4203,7 +4383,7 @@
               <a:buChar char="●"/>
               <a:defRPr/>
             </a:lvl1pPr>
-            <a:lvl2pPr indent="-381000" lvl="1" marL="914400">
+            <a:lvl2pPr marL="914400" lvl="1" indent="-381000">
               <a:spcBef>
                 <a:spcPts val="0"/>
               </a:spcBef>
@@ -4214,7 +4394,7 @@
               <a:buChar char="○"/>
               <a:defRPr/>
             </a:lvl2pPr>
-            <a:lvl3pPr indent="-381000" lvl="2" marL="1371600">
+            <a:lvl3pPr marL="1371600" lvl="2" indent="-381000">
               <a:spcBef>
                 <a:spcPts val="0"/>
               </a:spcBef>
@@ -4225,7 +4405,7 @@
               <a:buChar char="■"/>
               <a:defRPr/>
             </a:lvl3pPr>
-            <a:lvl4pPr indent="-342900" lvl="3" marL="1828800">
+            <a:lvl4pPr marL="1828800" lvl="3" indent="-342900">
               <a:spcBef>
                 <a:spcPts val="0"/>
               </a:spcBef>
@@ -4236,7 +4416,7 @@
               <a:buChar char="●"/>
               <a:defRPr/>
             </a:lvl4pPr>
-            <a:lvl5pPr indent="-342900" lvl="4" marL="2286000">
+            <a:lvl5pPr marL="2286000" lvl="4" indent="-342900">
               <a:spcBef>
                 <a:spcPts val="0"/>
               </a:spcBef>
@@ -4247,7 +4427,7 @@
               <a:buChar char="○"/>
               <a:defRPr/>
             </a:lvl5pPr>
-            <a:lvl6pPr indent="-342900" lvl="5" marL="2743200">
+            <a:lvl6pPr marL="2743200" lvl="5" indent="-342900">
               <a:spcBef>
                 <a:spcPts val="0"/>
               </a:spcBef>
@@ -4258,7 +4438,7 @@
               <a:buChar char="■"/>
               <a:defRPr/>
             </a:lvl6pPr>
-            <a:lvl7pPr indent="-342900" lvl="6" marL="3200400">
+            <a:lvl7pPr marL="3200400" lvl="6" indent="-342900">
               <a:spcBef>
                 <a:spcPts val="0"/>
               </a:spcBef>
@@ -4269,7 +4449,7 @@
               <a:buChar char="●"/>
               <a:defRPr/>
             </a:lvl7pPr>
-            <a:lvl8pPr indent="-342900" lvl="7" marL="3657600">
+            <a:lvl8pPr marL="3657600" lvl="7" indent="-342900">
               <a:spcBef>
                 <a:spcPts val="0"/>
               </a:spcBef>
@@ -4280,7 +4460,7 @@
               <a:buChar char="○"/>
               <a:defRPr/>
             </a:lvl8pPr>
-            <a:lvl9pPr indent="-342900" lvl="8" marL="4114800">
+            <a:lvl9pPr marL="4114800" lvl="8" indent="-342900">
               <a:spcBef>
                 <a:spcPts val="0"/>
               </a:spcBef>
@@ -4292,7 +4472,9 @@
               <a:defRPr/>
             </a:lvl9pPr>
           </a:lstStyle>
-          <a:p/>
+          <a:p>
+            <a:endParaRPr/>
+          </a:p>
         </p:txBody>
       </p:sp>
     </p:spTree>
@@ -4304,11 +4486,11 @@
 </file>
 
 <file path=ppt/slideLayouts/slideLayout3.xml><?xml version="1.0" encoding="utf-8"?>
-<p:sldLayout xmlns:a="http://schemas.openxmlformats.org/drawingml/2006/main" xmlns:r="http://schemas.openxmlformats.org/officeDocument/2006/relationships" xmlns:mc="http://schemas.openxmlformats.org/markup-compatibility/2006" xmlns:mv="urn:schemas-microsoft-com:mac:vml" xmlns:p="http://schemas.openxmlformats.org/presentationml/2006/main" xmlns:c="http://schemas.openxmlformats.org/drawingml/2006/chart" xmlns:dgm="http://schemas.openxmlformats.org/drawingml/2006/diagram" xmlns:o="urn:schemas-microsoft-com:office:office" xmlns:v="urn:schemas-microsoft-com:vml" xmlns:pvml="urn:schemas-microsoft-com:office:powerpoint" xmlns:com="http://schemas.openxmlformats.org/drawingml/2006/compatibility" xmlns:p14="http://schemas.microsoft.com/office/powerpoint/2010/main" xmlns:p15="http://schemas.microsoft.com/office/powerpoint/2012/main" matchingName="Title and two columns" type="twoColTx">
+<p:sldLayout xmlns:a="http://schemas.openxmlformats.org/drawingml/2006/main" xmlns:r="http://schemas.openxmlformats.org/officeDocument/2006/relationships" xmlns:p="http://schemas.openxmlformats.org/presentationml/2006/main" matchingName="Title and two columns" type="twoColTx">
   <p:cSld name="TITLE_AND_TWO_COLUMNS">
     <p:spTree>
       <p:nvGrpSpPr>
-        <p:cNvPr id="14" name="Shape 14"/>
+        <p:cNvPr id="1" name="Shape 14"/>
         <p:cNvGrpSpPr/>
         <p:nvPr/>
       </p:nvGrpSpPr>
@@ -4323,7 +4505,9 @@
       <p:sp>
         <p:nvSpPr>
           <p:cNvPr id="15" name="Google Shape;15;p4"/>
-          <p:cNvSpPr txBox="1"/>
+          <p:cNvSpPr txBox="1">
+            <a:spLocks noGrp="1"/>
+          </p:cNvSpPr>
           <p:nvPr>
             <p:ph type="title"/>
           </p:nvPr>
@@ -4338,7 +4522,7 @@
           </a:prstGeom>
         </p:spPr>
         <p:txBody>
-          <a:bodyPr anchorCtr="0" anchor="b" bIns="91425" lIns="91425" spcFirstLastPara="1" rIns="91425" wrap="square" tIns="91425">
+          <a:bodyPr spcFirstLastPara="1" wrap="square" lIns="91425" tIns="91425" rIns="91425" bIns="91425" anchor="b" anchorCtr="0">
             <a:noAutofit/>
           </a:bodyPr>
           <a:lstStyle>
@@ -4442,15 +4626,19 @@
               <a:defRPr/>
             </a:lvl9pPr>
           </a:lstStyle>
-          <a:p/>
+          <a:p>
+            <a:endParaRPr/>
+          </a:p>
         </p:txBody>
       </p:sp>
       <p:sp>
         <p:nvSpPr>
           <p:cNvPr id="16" name="Google Shape;16;p4"/>
-          <p:cNvSpPr txBox="1"/>
+          <p:cNvSpPr txBox="1">
+            <a:spLocks noGrp="1"/>
+          </p:cNvSpPr>
           <p:nvPr>
-            <p:ph idx="1" type="body"/>
+            <p:ph type="body" idx="1"/>
           </p:nvPr>
         </p:nvSpPr>
         <p:spPr>
@@ -4463,11 +4651,11 @@
           </a:prstGeom>
         </p:spPr>
         <p:txBody>
-          <a:bodyPr anchorCtr="0" anchor="t" bIns="91425" lIns="91425" spcFirstLastPara="1" rIns="91425" wrap="square" tIns="91425">
+          <a:bodyPr spcFirstLastPara="1" wrap="square" lIns="91425" tIns="91425" rIns="91425" bIns="91425" anchor="t" anchorCtr="0">
             <a:noAutofit/>
           </a:bodyPr>
           <a:lstStyle>
-            <a:lvl1pPr indent="-419100" lvl="0" marL="457200">
+            <a:lvl1pPr marL="457200" lvl="0" indent="-419100">
               <a:spcBef>
                 <a:spcPts val="600"/>
               </a:spcBef>
@@ -4478,7 +4666,7 @@
               <a:buChar char="●"/>
               <a:defRPr/>
             </a:lvl1pPr>
-            <a:lvl2pPr indent="-381000" lvl="1" marL="914400">
+            <a:lvl2pPr marL="914400" lvl="1" indent="-381000">
               <a:spcBef>
                 <a:spcPts val="0"/>
               </a:spcBef>
@@ -4489,7 +4677,7 @@
               <a:buChar char="○"/>
               <a:defRPr/>
             </a:lvl2pPr>
-            <a:lvl3pPr indent="-381000" lvl="2" marL="1371600">
+            <a:lvl3pPr marL="1371600" lvl="2" indent="-381000">
               <a:spcBef>
                 <a:spcPts val="0"/>
               </a:spcBef>
@@ -4500,7 +4688,7 @@
               <a:buChar char="■"/>
               <a:defRPr/>
             </a:lvl3pPr>
-            <a:lvl4pPr indent="-342900" lvl="3" marL="1828800">
+            <a:lvl4pPr marL="1828800" lvl="3" indent="-342900">
               <a:spcBef>
                 <a:spcPts val="0"/>
               </a:spcBef>
@@ -4511,7 +4699,7 @@
               <a:buChar char="●"/>
               <a:defRPr/>
             </a:lvl4pPr>
-            <a:lvl5pPr indent="-342900" lvl="4" marL="2286000">
+            <a:lvl5pPr marL="2286000" lvl="4" indent="-342900">
               <a:spcBef>
                 <a:spcPts val="0"/>
               </a:spcBef>
@@ -4522,7 +4710,7 @@
               <a:buChar char="○"/>
               <a:defRPr/>
             </a:lvl5pPr>
-            <a:lvl6pPr indent="-342900" lvl="5" marL="2743200">
+            <a:lvl6pPr marL="2743200" lvl="5" indent="-342900">
               <a:spcBef>
                 <a:spcPts val="0"/>
               </a:spcBef>
@@ -4533,7 +4721,7 @@
               <a:buChar char="■"/>
               <a:defRPr/>
             </a:lvl6pPr>
-            <a:lvl7pPr indent="-342900" lvl="6" marL="3200400">
+            <a:lvl7pPr marL="3200400" lvl="6" indent="-342900">
               <a:spcBef>
                 <a:spcPts val="0"/>
               </a:spcBef>
@@ -4544,7 +4732,7 @@
               <a:buChar char="●"/>
               <a:defRPr/>
             </a:lvl7pPr>
-            <a:lvl8pPr indent="-342900" lvl="7" marL="3657600">
+            <a:lvl8pPr marL="3657600" lvl="7" indent="-342900">
               <a:spcBef>
                 <a:spcPts val="0"/>
               </a:spcBef>
@@ -4555,7 +4743,7 @@
               <a:buChar char="○"/>
               <a:defRPr/>
             </a:lvl8pPr>
-            <a:lvl9pPr indent="-342900" lvl="8" marL="4114800">
+            <a:lvl9pPr marL="4114800" lvl="8" indent="-342900">
               <a:spcBef>
                 <a:spcPts val="0"/>
               </a:spcBef>
@@ -4567,15 +4755,19 @@
               <a:defRPr/>
             </a:lvl9pPr>
           </a:lstStyle>
-          <a:p/>
+          <a:p>
+            <a:endParaRPr/>
+          </a:p>
         </p:txBody>
       </p:sp>
       <p:sp>
         <p:nvSpPr>
           <p:cNvPr id="17" name="Google Shape;17;p4"/>
-          <p:cNvSpPr txBox="1"/>
+          <p:cNvSpPr txBox="1">
+            <a:spLocks noGrp="1"/>
+          </p:cNvSpPr>
           <p:nvPr>
-            <p:ph idx="2" type="body"/>
+            <p:ph type="body" idx="2"/>
           </p:nvPr>
         </p:nvSpPr>
         <p:spPr>
@@ -4588,11 +4780,11 @@
           </a:prstGeom>
         </p:spPr>
         <p:txBody>
-          <a:bodyPr anchorCtr="0" anchor="t" bIns="91425" lIns="91425" spcFirstLastPara="1" rIns="91425" wrap="square" tIns="91425">
+          <a:bodyPr spcFirstLastPara="1" wrap="square" lIns="91425" tIns="91425" rIns="91425" bIns="91425" anchor="t" anchorCtr="0">
             <a:noAutofit/>
           </a:bodyPr>
           <a:lstStyle>
-            <a:lvl1pPr indent="-419100" lvl="0" marL="457200">
+            <a:lvl1pPr marL="457200" lvl="0" indent="-419100">
               <a:spcBef>
                 <a:spcPts val="600"/>
               </a:spcBef>
@@ -4603,7 +4795,7 @@
               <a:buChar char="●"/>
               <a:defRPr/>
             </a:lvl1pPr>
-            <a:lvl2pPr indent="-381000" lvl="1" marL="914400">
+            <a:lvl2pPr marL="914400" lvl="1" indent="-381000">
               <a:spcBef>
                 <a:spcPts val="0"/>
               </a:spcBef>
@@ -4614,7 +4806,7 @@
               <a:buChar char="○"/>
               <a:defRPr/>
             </a:lvl2pPr>
-            <a:lvl3pPr indent="-381000" lvl="2" marL="1371600">
+            <a:lvl3pPr marL="1371600" lvl="2" indent="-381000">
               <a:spcBef>
                 <a:spcPts val="0"/>
               </a:spcBef>
@@ -4625,7 +4817,7 @@
               <a:buChar char="■"/>
               <a:defRPr/>
             </a:lvl3pPr>
-            <a:lvl4pPr indent="-342900" lvl="3" marL="1828800">
+            <a:lvl4pPr marL="1828800" lvl="3" indent="-342900">
               <a:spcBef>
                 <a:spcPts val="0"/>
               </a:spcBef>
@@ -4636,7 +4828,7 @@
               <a:buChar char="●"/>
               <a:defRPr/>
             </a:lvl4pPr>
-            <a:lvl5pPr indent="-342900" lvl="4" marL="2286000">
+            <a:lvl5pPr marL="2286000" lvl="4" indent="-342900">
               <a:spcBef>
                 <a:spcPts val="0"/>
               </a:spcBef>
@@ -4647,7 +4839,7 @@
               <a:buChar char="○"/>
               <a:defRPr/>
             </a:lvl5pPr>
-            <a:lvl6pPr indent="-342900" lvl="5" marL="2743200">
+            <a:lvl6pPr marL="2743200" lvl="5" indent="-342900">
               <a:spcBef>
                 <a:spcPts val="0"/>
               </a:spcBef>
@@ -4658,7 +4850,7 @@
               <a:buChar char="■"/>
               <a:defRPr/>
             </a:lvl6pPr>
-            <a:lvl7pPr indent="-342900" lvl="6" marL="3200400">
+            <a:lvl7pPr marL="3200400" lvl="6" indent="-342900">
               <a:spcBef>
                 <a:spcPts val="0"/>
               </a:spcBef>
@@ -4669,7 +4861,7 @@
               <a:buChar char="●"/>
               <a:defRPr/>
             </a:lvl7pPr>
-            <a:lvl8pPr indent="-342900" lvl="7" marL="3657600">
+            <a:lvl8pPr marL="3657600" lvl="7" indent="-342900">
               <a:spcBef>
                 <a:spcPts val="0"/>
               </a:spcBef>
@@ -4680,7 +4872,7 @@
               <a:buChar char="○"/>
               <a:defRPr/>
             </a:lvl8pPr>
-            <a:lvl9pPr indent="-342900" lvl="8" marL="4114800">
+            <a:lvl9pPr marL="4114800" lvl="8" indent="-342900">
               <a:spcBef>
                 <a:spcPts val="0"/>
               </a:spcBef>
@@ -4692,7 +4884,9 @@
               <a:defRPr/>
             </a:lvl9pPr>
           </a:lstStyle>
-          <a:p/>
+          <a:p>
+            <a:endParaRPr/>
+          </a:p>
         </p:txBody>
       </p:sp>
     </p:spTree>
@@ -4704,11 +4898,11 @@
 </file>
 
 <file path=ppt/slideLayouts/slideLayout4.xml><?xml version="1.0" encoding="utf-8"?>
-<p:sldLayout xmlns:a="http://schemas.openxmlformats.org/drawingml/2006/main" xmlns:r="http://schemas.openxmlformats.org/officeDocument/2006/relationships" xmlns:mc="http://schemas.openxmlformats.org/markup-compatibility/2006" xmlns:mv="urn:schemas-microsoft-com:mac:vml" xmlns:p="http://schemas.openxmlformats.org/presentationml/2006/main" xmlns:c="http://schemas.openxmlformats.org/drawingml/2006/chart" xmlns:dgm="http://schemas.openxmlformats.org/drawingml/2006/diagram" xmlns:o="urn:schemas-microsoft-com:office:office" xmlns:v="urn:schemas-microsoft-com:vml" xmlns:pvml="urn:schemas-microsoft-com:office:powerpoint" xmlns:com="http://schemas.openxmlformats.org/drawingml/2006/compatibility" xmlns:p14="http://schemas.microsoft.com/office/powerpoint/2010/main" xmlns:p15="http://schemas.microsoft.com/office/powerpoint/2012/main" matchingName="Title only" type="titleOnly">
+<p:sldLayout xmlns:a="http://schemas.openxmlformats.org/drawingml/2006/main" xmlns:r="http://schemas.openxmlformats.org/officeDocument/2006/relationships" xmlns:p="http://schemas.openxmlformats.org/presentationml/2006/main" matchingName="Title only" type="titleOnly">
   <p:cSld name="TITLE_ONLY">
     <p:spTree>
       <p:nvGrpSpPr>
-        <p:cNvPr id="18" name="Shape 18"/>
+        <p:cNvPr id="1" name="Shape 18"/>
         <p:cNvGrpSpPr/>
         <p:nvPr/>
       </p:nvGrpSpPr>
@@ -4723,7 +4917,9 @@
       <p:sp>
         <p:nvSpPr>
           <p:cNvPr id="19" name="Google Shape;19;p5"/>
-          <p:cNvSpPr txBox="1"/>
+          <p:cNvSpPr txBox="1">
+            <a:spLocks noGrp="1"/>
+          </p:cNvSpPr>
           <p:nvPr>
             <p:ph type="title"/>
           </p:nvPr>
@@ -4738,7 +4934,7 @@
           </a:prstGeom>
         </p:spPr>
         <p:txBody>
-          <a:bodyPr anchorCtr="0" anchor="b" bIns="91425" lIns="91425" spcFirstLastPara="1" rIns="91425" wrap="square" tIns="91425">
+          <a:bodyPr spcFirstLastPara="1" wrap="square" lIns="91425" tIns="91425" rIns="91425" bIns="91425" anchor="b" anchorCtr="0">
             <a:noAutofit/>
           </a:bodyPr>
           <a:lstStyle>
@@ -4842,7 +5038,9 @@
               <a:defRPr/>
             </a:lvl9pPr>
           </a:lstStyle>
-          <a:p/>
+          <a:p>
+            <a:endParaRPr/>
+          </a:p>
         </p:txBody>
       </p:sp>
     </p:spTree>
@@ -4854,11 +5052,11 @@
 </file>
 
 <file path=ppt/slideLayouts/slideLayout5.xml><?xml version="1.0" encoding="utf-8"?>
-<p:sldLayout xmlns:a="http://schemas.openxmlformats.org/drawingml/2006/main" xmlns:r="http://schemas.openxmlformats.org/officeDocument/2006/relationships" xmlns:mc="http://schemas.openxmlformats.org/markup-compatibility/2006" xmlns:mv="urn:schemas-microsoft-com:mac:vml" xmlns:p="http://schemas.openxmlformats.org/presentationml/2006/main" xmlns:c="http://schemas.openxmlformats.org/drawingml/2006/chart" xmlns:dgm="http://schemas.openxmlformats.org/drawingml/2006/diagram" xmlns:o="urn:schemas-microsoft-com:office:office" xmlns:v="urn:schemas-microsoft-com:vml" xmlns:pvml="urn:schemas-microsoft-com:office:powerpoint" xmlns:com="http://schemas.openxmlformats.org/drawingml/2006/compatibility" xmlns:p14="http://schemas.microsoft.com/office/powerpoint/2010/main" xmlns:p15="http://schemas.microsoft.com/office/powerpoint/2012/main" matchingName="Caption">
+<p:sldLayout xmlns:a="http://schemas.openxmlformats.org/drawingml/2006/main" xmlns:r="http://schemas.openxmlformats.org/officeDocument/2006/relationships" xmlns:p="http://schemas.openxmlformats.org/presentationml/2006/main" matchingName="Caption">
   <p:cSld name="CAPTION_ONLY">
     <p:spTree>
       <p:nvGrpSpPr>
-        <p:cNvPr id="20" name="Shape 20"/>
+        <p:cNvPr id="1" name="Shape 20"/>
         <p:cNvGrpSpPr/>
         <p:nvPr/>
       </p:nvGrpSpPr>
@@ -4873,9 +5071,11 @@
       <p:sp>
         <p:nvSpPr>
           <p:cNvPr id="21" name="Google Shape;21;p6"/>
-          <p:cNvSpPr txBox="1"/>
+          <p:cNvSpPr txBox="1">
+            <a:spLocks noGrp="1"/>
+          </p:cNvSpPr>
           <p:nvPr>
-            <p:ph idx="1" type="body"/>
+            <p:ph type="body" idx="1"/>
           </p:nvPr>
         </p:nvSpPr>
         <p:spPr>
@@ -4888,11 +5088,11 @@
           </a:prstGeom>
         </p:spPr>
         <p:txBody>
-          <a:bodyPr anchorCtr="0" anchor="t" bIns="91425" lIns="91425" spcFirstLastPara="1" rIns="91425" wrap="square" tIns="91425">
+          <a:bodyPr spcFirstLastPara="1" wrap="square" lIns="91425" tIns="91425" rIns="91425" bIns="91425" anchor="t" anchorCtr="0">
             <a:noAutofit/>
           </a:bodyPr>
           <a:lstStyle>
-            <a:lvl1pPr indent="-228600" lvl="0" marL="457200" algn="ctr">
+            <a:lvl1pPr marL="457200" lvl="0" indent="-228600" algn="ctr">
               <a:spcBef>
                 <a:spcPts val="360"/>
               </a:spcBef>
@@ -4904,7 +5104,9 @@
               <a:defRPr sz="1800"/>
             </a:lvl1pPr>
           </a:lstStyle>
-          <a:p/>
+          <a:p>
+            <a:endParaRPr/>
+          </a:p>
         </p:txBody>
       </p:sp>
     </p:spTree>
@@ -4916,11 +5118,11 @@
 </file>
 
 <file path=ppt/slideLayouts/slideLayout6.xml><?xml version="1.0" encoding="utf-8"?>
-<p:sldLayout xmlns:a="http://schemas.openxmlformats.org/drawingml/2006/main" xmlns:r="http://schemas.openxmlformats.org/officeDocument/2006/relationships" xmlns:mc="http://schemas.openxmlformats.org/markup-compatibility/2006" xmlns:mv="urn:schemas-microsoft-com:mac:vml" xmlns:p="http://schemas.openxmlformats.org/presentationml/2006/main" xmlns:c="http://schemas.openxmlformats.org/drawingml/2006/chart" xmlns:dgm="http://schemas.openxmlformats.org/drawingml/2006/diagram" xmlns:o="urn:schemas-microsoft-com:office:office" xmlns:v="urn:schemas-microsoft-com:vml" xmlns:pvml="urn:schemas-microsoft-com:office:powerpoint" xmlns:com="http://schemas.openxmlformats.org/drawingml/2006/compatibility" xmlns:p14="http://schemas.microsoft.com/office/powerpoint/2010/main" xmlns:p15="http://schemas.microsoft.com/office/powerpoint/2012/main" matchingName="Blank" type="blank">
+<p:sldLayout xmlns:a="http://schemas.openxmlformats.org/drawingml/2006/main" xmlns:r="http://schemas.openxmlformats.org/officeDocument/2006/relationships" xmlns:p="http://schemas.openxmlformats.org/presentationml/2006/main" matchingName="Blank" type="blank">
   <p:cSld name="BLANK">
     <p:spTree>
       <p:nvGrpSpPr>
-        <p:cNvPr id="22" name="Shape 22"/>
+        <p:cNvPr id="1" name="Shape 22"/>
         <p:cNvGrpSpPr/>
         <p:nvPr/>
       </p:nvGrpSpPr>
@@ -4941,18 +5143,19 @@
 </file>
 
 <file path=ppt/slideMasters/slideMaster1.xml><?xml version="1.0" encoding="utf-8"?>
-<p:sldMaster xmlns:a="http://schemas.openxmlformats.org/drawingml/2006/main" xmlns:r="http://schemas.openxmlformats.org/officeDocument/2006/relationships" xmlns:mc="http://schemas.openxmlformats.org/markup-compatibility/2006" xmlns:mv="urn:schemas-microsoft-com:mac:vml" xmlns:p="http://schemas.openxmlformats.org/presentationml/2006/main" xmlns:c="http://schemas.openxmlformats.org/drawingml/2006/chart" xmlns:dgm="http://schemas.openxmlformats.org/drawingml/2006/diagram" xmlns:o="urn:schemas-microsoft-com:office:office" xmlns:v="urn:schemas-microsoft-com:vml" xmlns:pvml="urn:schemas-microsoft-com:office:powerpoint" xmlns:com="http://schemas.openxmlformats.org/drawingml/2006/compatibility" xmlns:p14="http://schemas.microsoft.com/office/powerpoint/2010/main" xmlns:p15="http://schemas.microsoft.com/office/powerpoint/2012/main">
+<p:sldMaster xmlns:a="http://schemas.openxmlformats.org/drawingml/2006/main" xmlns:r="http://schemas.openxmlformats.org/officeDocument/2006/relationships" xmlns:p="http://schemas.openxmlformats.org/presentationml/2006/main">
   <p:cSld name="simple-light">
     <p:bg>
       <p:bgPr>
         <a:solidFill>
           <a:schemeClr val="lt1"/>
         </a:solidFill>
+        <a:effectLst/>
       </p:bgPr>
     </p:bg>
     <p:spTree>
       <p:nvGrpSpPr>
-        <p:cNvPr id="5" name="Shape 5"/>
+        <p:cNvPr id="1" name="Shape 5"/>
         <p:cNvGrpSpPr/>
         <p:nvPr/>
       </p:nvGrpSpPr>
@@ -4967,7 +5170,9 @@
       <p:sp>
         <p:nvSpPr>
           <p:cNvPr id="6" name="Google Shape;6;p1"/>
-          <p:cNvSpPr txBox="1"/>
+          <p:cNvSpPr txBox="1">
+            <a:spLocks noGrp="1"/>
+          </p:cNvSpPr>
           <p:nvPr>
             <p:ph type="title"/>
           </p:nvPr>
@@ -4986,7 +5191,7 @@
           </a:ln>
         </p:spPr>
         <p:txBody>
-          <a:bodyPr anchorCtr="0" anchor="b" bIns="91425" lIns="91425" spcFirstLastPara="1" rIns="91425" wrap="square" tIns="91425">
+          <a:bodyPr spcFirstLastPara="1" wrap="square" lIns="91425" tIns="91425" rIns="91425" bIns="91425" anchor="b" anchorCtr="0">
             <a:noAutofit/>
           </a:bodyPr>
           <a:lstStyle>
@@ -5002,7 +5207,7 @@
               </a:buClr>
               <a:buSzPts val="3600"/>
               <a:buNone/>
-              <a:defRPr b="1" sz="3600">
+              <a:defRPr sz="3600" b="1">
                 <a:solidFill>
                   <a:schemeClr val="dk1"/>
                 </a:solidFill>
@@ -5020,7 +5225,7 @@
               </a:buClr>
               <a:buSzPts val="3600"/>
               <a:buNone/>
-              <a:defRPr b="1" sz="3600">
+              <a:defRPr sz="3600" b="1">
                 <a:solidFill>
                   <a:schemeClr val="dk1"/>
                 </a:solidFill>
@@ -5038,7 +5243,7 @@
               </a:buClr>
               <a:buSzPts val="3600"/>
               <a:buNone/>
-              <a:defRPr b="1" sz="3600">
+              <a:defRPr sz="3600" b="1">
                 <a:solidFill>
                   <a:schemeClr val="dk1"/>
                 </a:solidFill>
@@ -5056,7 +5261,7 @@
               </a:buClr>
               <a:buSzPts val="3600"/>
               <a:buNone/>
-              <a:defRPr b="1" sz="3600">
+              <a:defRPr sz="3600" b="1">
                 <a:solidFill>
                   <a:schemeClr val="dk1"/>
                 </a:solidFill>
@@ -5074,7 +5279,7 @@
               </a:buClr>
               <a:buSzPts val="3600"/>
               <a:buNone/>
-              <a:defRPr b="1" sz="3600">
+              <a:defRPr sz="3600" b="1">
                 <a:solidFill>
                   <a:schemeClr val="dk1"/>
                 </a:solidFill>
@@ -5092,7 +5297,7 @@
               </a:buClr>
               <a:buSzPts val="3600"/>
               <a:buNone/>
-              <a:defRPr b="1" sz="3600">
+              <a:defRPr sz="3600" b="1">
                 <a:solidFill>
                   <a:schemeClr val="dk1"/>
                 </a:solidFill>
@@ -5110,7 +5315,7 @@
               </a:buClr>
               <a:buSzPts val="3600"/>
               <a:buNone/>
-              <a:defRPr b="1" sz="3600">
+              <a:defRPr sz="3600" b="1">
                 <a:solidFill>
                   <a:schemeClr val="dk1"/>
                 </a:solidFill>
@@ -5128,7 +5333,7 @@
               </a:buClr>
               <a:buSzPts val="3600"/>
               <a:buNone/>
-              <a:defRPr b="1" sz="3600">
+              <a:defRPr sz="3600" b="1">
                 <a:solidFill>
                   <a:schemeClr val="dk1"/>
                 </a:solidFill>
@@ -5146,22 +5351,26 @@
               </a:buClr>
               <a:buSzPts val="3600"/>
               <a:buNone/>
-              <a:defRPr b="1" sz="3600">
+              <a:defRPr sz="3600" b="1">
                 <a:solidFill>
                   <a:schemeClr val="dk1"/>
                 </a:solidFill>
               </a:defRPr>
             </a:lvl9pPr>
           </a:lstStyle>
-          <a:p/>
+          <a:p>
+            <a:endParaRPr/>
+          </a:p>
         </p:txBody>
       </p:sp>
       <p:sp>
         <p:nvSpPr>
           <p:cNvPr id="7" name="Google Shape;7;p1"/>
-          <p:cNvSpPr txBox="1"/>
+          <p:cNvSpPr txBox="1">
+            <a:spLocks noGrp="1"/>
+          </p:cNvSpPr>
           <p:nvPr>
-            <p:ph idx="1" type="body"/>
+            <p:ph type="body" idx="1"/>
           </p:nvPr>
         </p:nvSpPr>
         <p:spPr>
@@ -5178,11 +5387,11 @@
           </a:ln>
         </p:spPr>
         <p:txBody>
-          <a:bodyPr anchorCtr="0" anchor="t" bIns="91425" lIns="91425" spcFirstLastPara="1" rIns="91425" wrap="square" tIns="91425">
+          <a:bodyPr spcFirstLastPara="1" wrap="square" lIns="91425" tIns="91425" rIns="91425" bIns="91425" anchor="t" anchorCtr="0">
             <a:noAutofit/>
           </a:bodyPr>
           <a:lstStyle>
-            <a:lvl1pPr indent="-419100" lvl="0" marL="457200">
+            <a:lvl1pPr marL="457200" lvl="0" indent="-419100">
               <a:spcBef>
                 <a:spcPts val="600"/>
               </a:spcBef>
@@ -5200,7 +5409,7 @@
                 </a:solidFill>
               </a:defRPr>
             </a:lvl1pPr>
-            <a:lvl2pPr indent="-381000" lvl="1" marL="914400">
+            <a:lvl2pPr marL="914400" lvl="1" indent="-381000">
               <a:spcBef>
                 <a:spcPts val="0"/>
               </a:spcBef>
@@ -5218,7 +5427,7 @@
                 </a:solidFill>
               </a:defRPr>
             </a:lvl2pPr>
-            <a:lvl3pPr indent="-381000" lvl="2" marL="1371600">
+            <a:lvl3pPr marL="1371600" lvl="2" indent="-381000">
               <a:spcBef>
                 <a:spcPts val="0"/>
               </a:spcBef>
@@ -5236,7 +5445,7 @@
                 </a:solidFill>
               </a:defRPr>
             </a:lvl3pPr>
-            <a:lvl4pPr indent="-342900" lvl="3" marL="1828800">
+            <a:lvl4pPr marL="1828800" lvl="3" indent="-342900">
               <a:spcBef>
                 <a:spcPts val="0"/>
               </a:spcBef>
@@ -5254,7 +5463,7 @@
                 </a:solidFill>
               </a:defRPr>
             </a:lvl4pPr>
-            <a:lvl5pPr indent="-342900" lvl="4" marL="2286000">
+            <a:lvl5pPr marL="2286000" lvl="4" indent="-342900">
               <a:spcBef>
                 <a:spcPts val="0"/>
               </a:spcBef>
@@ -5272,7 +5481,7 @@
                 </a:solidFill>
               </a:defRPr>
             </a:lvl5pPr>
-            <a:lvl6pPr indent="-342900" lvl="5" marL="2743200">
+            <a:lvl6pPr marL="2743200" lvl="5" indent="-342900">
               <a:spcBef>
                 <a:spcPts val="0"/>
               </a:spcBef>
@@ -5290,7 +5499,7 @@
                 </a:solidFill>
               </a:defRPr>
             </a:lvl6pPr>
-            <a:lvl7pPr indent="-342900" lvl="6" marL="3200400">
+            <a:lvl7pPr marL="3200400" lvl="6" indent="-342900">
               <a:spcBef>
                 <a:spcPts val="0"/>
               </a:spcBef>
@@ -5308,7 +5517,7 @@
                 </a:solidFill>
               </a:defRPr>
             </a:lvl7pPr>
-            <a:lvl8pPr indent="-342900" lvl="7" marL="3657600">
+            <a:lvl8pPr marL="3657600" lvl="7" indent="-342900">
               <a:spcBef>
                 <a:spcPts val="0"/>
               </a:spcBef>
@@ -5326,7 +5535,7 @@
                 </a:solidFill>
               </a:defRPr>
             </a:lvl8pPr>
-            <a:lvl9pPr indent="-342900" lvl="8" marL="4114800">
+            <a:lvl9pPr marL="4114800" lvl="8" indent="-342900">
               <a:spcBef>
                 <a:spcPts val="0"/>
               </a:spcBef>
@@ -5345,12 +5554,14 @@
               </a:defRPr>
             </a:lvl9pPr>
           </a:lstStyle>
-          <a:p/>
+          <a:p>
+            <a:endParaRPr/>
+          </a:p>
         </p:txBody>
       </p:sp>
     </p:spTree>
   </p:cSld>
-  <p:clrMap accent1="accent1" accent2="accent2" accent3="accent3" accent4="accent4" accent5="accent5" accent6="accent6" bg1="lt1" bg2="dk2" tx1="dk1" tx2="lt2" folHlink="folHlink" hlink="hlink"/>
+  <p:clrMap bg1="lt1" tx1="dk1" bg2="dk2" tx2="lt2" accent1="accent1" accent2="accent2" accent3="accent3" accent4="accent4" accent5="accent5" accent6="accent6" hlink="hlink" folHlink="folHlink"/>
   <p:sldLayoutIdLst>
     <p:sldLayoutId id="2147483648" r:id="rId1"/>
     <p:sldLayoutId id="2147483649" r:id="rId2"/>
@@ -5359,10 +5570,10 @@
     <p:sldLayoutId id="2147483652" r:id="rId5"/>
     <p:sldLayoutId id="2147483653" r:id="rId6"/>
   </p:sldLayoutIdLst>
-  <p:hf dt="0" ftr="0" hdr="0" sldNum="0"/>
+  <p:hf sldNum="0" hdr="0" ftr="0" dt="0"/>
   <p:txStyles>
     <p:titleStyle>
-      <a:defPPr lvl="0" marR="0" rtl="0" algn="l">
+      <a:defPPr marR="0" lvl="0" algn="l" rtl="0">
         <a:lnSpc>
           <a:spcPct val="100000"/>
         </a:lnSpc>
@@ -5373,7 +5584,7 @@
           <a:spcPts val="0"/>
         </a:spcAft>
       </a:defPPr>
-      <a:lvl1pPr lvl="0" marR="0" rtl="0" algn="l">
+      <a:lvl1pPr marR="0" lvl="0" algn="l" rtl="0">
         <a:lnSpc>
           <a:spcPct val="100000"/>
         </a:lnSpc>
@@ -5387,7 +5598,7 @@
           <a:srgbClr val="000000"/>
         </a:buClr>
         <a:buFont typeface="Arial"/>
-        <a:defRPr b="0" i="0" sz="1400" u="none" cap="none" strike="noStrike">
+        <a:defRPr sz="1400" b="0" i="0" u="none" strike="noStrike" cap="none">
           <a:solidFill>
             <a:srgbClr val="000000"/>
           </a:solidFill>
@@ -5397,7 +5608,7 @@
           <a:sym typeface="Arial"/>
         </a:defRPr>
       </a:lvl1pPr>
-      <a:lvl2pPr lvl="1" marR="0" rtl="0" algn="l">
+      <a:lvl2pPr marR="0" lvl="1" algn="l" rtl="0">
         <a:lnSpc>
           <a:spcPct val="100000"/>
         </a:lnSpc>
@@ -5411,7 +5622,7 @@
           <a:srgbClr val="000000"/>
         </a:buClr>
         <a:buFont typeface="Arial"/>
-        <a:defRPr b="0" i="0" sz="1400" u="none" cap="none" strike="noStrike">
+        <a:defRPr sz="1400" b="0" i="0" u="none" strike="noStrike" cap="none">
           <a:solidFill>
             <a:srgbClr val="000000"/>
           </a:solidFill>
@@ -5421,7 +5632,7 @@
           <a:sym typeface="Arial"/>
         </a:defRPr>
       </a:lvl2pPr>
-      <a:lvl3pPr lvl="2" marR="0" rtl="0" algn="l">
+      <a:lvl3pPr marR="0" lvl="2" algn="l" rtl="0">
         <a:lnSpc>
           <a:spcPct val="100000"/>
         </a:lnSpc>
@@ -5435,7 +5646,7 @@
           <a:srgbClr val="000000"/>
         </a:buClr>
         <a:buFont typeface="Arial"/>
-        <a:defRPr b="0" i="0" sz="1400" u="none" cap="none" strike="noStrike">
+        <a:defRPr sz="1400" b="0" i="0" u="none" strike="noStrike" cap="none">
           <a:solidFill>
             <a:srgbClr val="000000"/>
           </a:solidFill>
@@ -5445,7 +5656,7 @@
           <a:sym typeface="Arial"/>
         </a:defRPr>
       </a:lvl3pPr>
-      <a:lvl4pPr lvl="3" marR="0" rtl="0" algn="l">
+      <a:lvl4pPr marR="0" lvl="3" algn="l" rtl="0">
         <a:lnSpc>
           <a:spcPct val="100000"/>
         </a:lnSpc>
@@ -5459,7 +5670,7 @@
           <a:srgbClr val="000000"/>
         </a:buClr>
         <a:buFont typeface="Arial"/>
-        <a:defRPr b="0" i="0" sz="1400" u="none" cap="none" strike="noStrike">
+        <a:defRPr sz="1400" b="0" i="0" u="none" strike="noStrike" cap="none">
           <a:solidFill>
             <a:srgbClr val="000000"/>
           </a:solidFill>
@@ -5469,7 +5680,7 @@
           <a:sym typeface="Arial"/>
         </a:defRPr>
       </a:lvl4pPr>
-      <a:lvl5pPr lvl="4" marR="0" rtl="0" algn="l">
+      <a:lvl5pPr marR="0" lvl="4" algn="l" rtl="0">
         <a:lnSpc>
           <a:spcPct val="100000"/>
         </a:lnSpc>
@@ -5483,7 +5694,7 @@
           <a:srgbClr val="000000"/>
         </a:buClr>
         <a:buFont typeface="Arial"/>
-        <a:defRPr b="0" i="0" sz="1400" u="none" cap="none" strike="noStrike">
+        <a:defRPr sz="1400" b="0" i="0" u="none" strike="noStrike" cap="none">
           <a:solidFill>
             <a:srgbClr val="000000"/>
           </a:solidFill>
@@ -5493,7 +5704,7 @@
           <a:sym typeface="Arial"/>
         </a:defRPr>
       </a:lvl5pPr>
-      <a:lvl6pPr lvl="5" marR="0" rtl="0" algn="l">
+      <a:lvl6pPr marR="0" lvl="5" algn="l" rtl="0">
         <a:lnSpc>
           <a:spcPct val="100000"/>
         </a:lnSpc>
@@ -5507,7 +5718,7 @@
           <a:srgbClr val="000000"/>
         </a:buClr>
         <a:buFont typeface="Arial"/>
-        <a:defRPr b="0" i="0" sz="1400" u="none" cap="none" strike="noStrike">
+        <a:defRPr sz="1400" b="0" i="0" u="none" strike="noStrike" cap="none">
           <a:solidFill>
             <a:srgbClr val="000000"/>
           </a:solidFill>
@@ -5517,7 +5728,7 @@
           <a:sym typeface="Arial"/>
         </a:defRPr>
       </a:lvl6pPr>
-      <a:lvl7pPr lvl="6" marR="0" rtl="0" algn="l">
+      <a:lvl7pPr marR="0" lvl="6" algn="l" rtl="0">
         <a:lnSpc>
           <a:spcPct val="100000"/>
         </a:lnSpc>
@@ -5531,7 +5742,7 @@
           <a:srgbClr val="000000"/>
         </a:buClr>
         <a:buFont typeface="Arial"/>
-        <a:defRPr b="0" i="0" sz="1400" u="none" cap="none" strike="noStrike">
+        <a:defRPr sz="1400" b="0" i="0" u="none" strike="noStrike" cap="none">
           <a:solidFill>
             <a:srgbClr val="000000"/>
           </a:solidFill>
@@ -5541,7 +5752,7 @@
           <a:sym typeface="Arial"/>
         </a:defRPr>
       </a:lvl7pPr>
-      <a:lvl8pPr lvl="7" marR="0" rtl="0" algn="l">
+      <a:lvl8pPr marR="0" lvl="7" algn="l" rtl="0">
         <a:lnSpc>
           <a:spcPct val="100000"/>
         </a:lnSpc>
@@ -5555,7 +5766,7 @@
           <a:srgbClr val="000000"/>
         </a:buClr>
         <a:buFont typeface="Arial"/>
-        <a:defRPr b="0" i="0" sz="1400" u="none" cap="none" strike="noStrike">
+        <a:defRPr sz="1400" b="0" i="0" u="none" strike="noStrike" cap="none">
           <a:solidFill>
             <a:srgbClr val="000000"/>
           </a:solidFill>
@@ -5565,7 +5776,7 @@
           <a:sym typeface="Arial"/>
         </a:defRPr>
       </a:lvl8pPr>
-      <a:lvl9pPr lvl="8" marR="0" rtl="0" algn="l">
+      <a:lvl9pPr marR="0" lvl="8" algn="l" rtl="0">
         <a:lnSpc>
           <a:spcPct val="100000"/>
         </a:lnSpc>
@@ -5579,7 +5790,7 @@
           <a:srgbClr val="000000"/>
         </a:buClr>
         <a:buFont typeface="Arial"/>
-        <a:defRPr b="0" i="0" sz="1400" u="none" cap="none" strike="noStrike">
+        <a:defRPr sz="1400" b="0" i="0" u="none" strike="noStrike" cap="none">
           <a:solidFill>
             <a:srgbClr val="000000"/>
           </a:solidFill>
@@ -5591,7 +5802,7 @@
       </a:lvl9pPr>
     </p:titleStyle>
     <p:bodyStyle>
-      <a:defPPr lvl="0" marR="0" rtl="0" algn="l">
+      <a:defPPr marR="0" lvl="0" algn="l" rtl="0">
         <a:lnSpc>
           <a:spcPct val="100000"/>
         </a:lnSpc>
@@ -5602,7 +5813,7 @@
           <a:spcPts val="0"/>
         </a:spcAft>
       </a:defPPr>
-      <a:lvl1pPr lvl="0" marR="0" rtl="0" algn="l">
+      <a:lvl1pPr marR="0" lvl="0" algn="l" rtl="0">
         <a:lnSpc>
           <a:spcPct val="100000"/>
         </a:lnSpc>
@@ -5616,7 +5827,7 @@
           <a:srgbClr val="000000"/>
         </a:buClr>
         <a:buFont typeface="Arial"/>
-        <a:defRPr b="0" i="0" sz="1400" u="none" cap="none" strike="noStrike">
+        <a:defRPr sz="1400" b="0" i="0" u="none" strike="noStrike" cap="none">
           <a:solidFill>
             <a:srgbClr val="000000"/>
           </a:solidFill>
@@ -5626,7 +5837,7 @@
           <a:sym typeface="Arial"/>
         </a:defRPr>
       </a:lvl1pPr>
-      <a:lvl2pPr lvl="1" marR="0" rtl="0" algn="l">
+      <a:lvl2pPr marR="0" lvl="1" algn="l" rtl="0">
         <a:lnSpc>
           <a:spcPct val="100000"/>
         </a:lnSpc>
@@ -5640,7 +5851,7 @@
           <a:srgbClr val="000000"/>
         </a:buClr>
         <a:buFont typeface="Arial"/>
-        <a:defRPr b="0" i="0" sz="1400" u="none" cap="none" strike="noStrike">
+        <a:defRPr sz="1400" b="0" i="0" u="none" strike="noStrike" cap="none">
           <a:solidFill>
             <a:srgbClr val="000000"/>
           </a:solidFill>
@@ -5650,7 +5861,7 @@
           <a:sym typeface="Arial"/>
         </a:defRPr>
       </a:lvl2pPr>
-      <a:lvl3pPr lvl="2" marR="0" rtl="0" algn="l">
+      <a:lvl3pPr marR="0" lvl="2" algn="l" rtl="0">
         <a:lnSpc>
           <a:spcPct val="100000"/>
         </a:lnSpc>
@@ -5664,7 +5875,7 @@
           <a:srgbClr val="000000"/>
         </a:buClr>
         <a:buFont typeface="Arial"/>
-        <a:defRPr b="0" i="0" sz="1400" u="none" cap="none" strike="noStrike">
+        <a:defRPr sz="1400" b="0" i="0" u="none" strike="noStrike" cap="none">
           <a:solidFill>
             <a:srgbClr val="000000"/>
           </a:solidFill>
@@ -5674,7 +5885,7 @@
           <a:sym typeface="Arial"/>
         </a:defRPr>
       </a:lvl3pPr>
-      <a:lvl4pPr lvl="3" marR="0" rtl="0" algn="l">
+      <a:lvl4pPr marR="0" lvl="3" algn="l" rtl="0">
         <a:lnSpc>
           <a:spcPct val="100000"/>
         </a:lnSpc>
@@ -5688,7 +5899,7 @@
           <a:srgbClr val="000000"/>
         </a:buClr>
         <a:buFont typeface="Arial"/>
-        <a:defRPr b="0" i="0" sz="1400" u="none" cap="none" strike="noStrike">
+        <a:defRPr sz="1400" b="0" i="0" u="none" strike="noStrike" cap="none">
           <a:solidFill>
             <a:srgbClr val="000000"/>
           </a:solidFill>
@@ -5698,7 +5909,7 @@
           <a:sym typeface="Arial"/>
         </a:defRPr>
       </a:lvl4pPr>
-      <a:lvl5pPr lvl="4" marR="0" rtl="0" algn="l">
+      <a:lvl5pPr marR="0" lvl="4" algn="l" rtl="0">
         <a:lnSpc>
           <a:spcPct val="100000"/>
         </a:lnSpc>
@@ -5712,7 +5923,7 @@
           <a:srgbClr val="000000"/>
         </a:buClr>
         <a:buFont typeface="Arial"/>
-        <a:defRPr b="0" i="0" sz="1400" u="none" cap="none" strike="noStrike">
+        <a:defRPr sz="1400" b="0" i="0" u="none" strike="noStrike" cap="none">
           <a:solidFill>
             <a:srgbClr val="000000"/>
           </a:solidFill>
@@ -5722,7 +5933,7 @@
           <a:sym typeface="Arial"/>
         </a:defRPr>
       </a:lvl5pPr>
-      <a:lvl6pPr lvl="5" marR="0" rtl="0" algn="l">
+      <a:lvl6pPr marR="0" lvl="5" algn="l" rtl="0">
         <a:lnSpc>
           <a:spcPct val="100000"/>
         </a:lnSpc>
@@ -5736,7 +5947,7 @@
           <a:srgbClr val="000000"/>
         </a:buClr>
         <a:buFont typeface="Arial"/>
-        <a:defRPr b="0" i="0" sz="1400" u="none" cap="none" strike="noStrike">
+        <a:defRPr sz="1400" b="0" i="0" u="none" strike="noStrike" cap="none">
           <a:solidFill>
             <a:srgbClr val="000000"/>
           </a:solidFill>
@@ -5746,7 +5957,7 @@
           <a:sym typeface="Arial"/>
         </a:defRPr>
       </a:lvl6pPr>
-      <a:lvl7pPr lvl="6" marR="0" rtl="0" algn="l">
+      <a:lvl7pPr marR="0" lvl="6" algn="l" rtl="0">
         <a:lnSpc>
           <a:spcPct val="100000"/>
         </a:lnSpc>
@@ -5760,7 +5971,7 @@
           <a:srgbClr val="000000"/>
         </a:buClr>
         <a:buFont typeface="Arial"/>
-        <a:defRPr b="0" i="0" sz="1400" u="none" cap="none" strike="noStrike">
+        <a:defRPr sz="1400" b="0" i="0" u="none" strike="noStrike" cap="none">
           <a:solidFill>
             <a:srgbClr val="000000"/>
           </a:solidFill>
@@ -5770,7 +5981,7 @@
           <a:sym typeface="Arial"/>
         </a:defRPr>
       </a:lvl7pPr>
-      <a:lvl8pPr lvl="7" marR="0" rtl="0" algn="l">
+      <a:lvl8pPr marR="0" lvl="7" algn="l" rtl="0">
         <a:lnSpc>
           <a:spcPct val="100000"/>
         </a:lnSpc>
@@ -5784,7 +5995,7 @@
           <a:srgbClr val="000000"/>
         </a:buClr>
         <a:buFont typeface="Arial"/>
-        <a:defRPr b="0" i="0" sz="1400" u="none" cap="none" strike="noStrike">
+        <a:defRPr sz="1400" b="0" i="0" u="none" strike="noStrike" cap="none">
           <a:solidFill>
             <a:srgbClr val="000000"/>
           </a:solidFill>
@@ -5794,7 +6005,7 @@
           <a:sym typeface="Arial"/>
         </a:defRPr>
       </a:lvl8pPr>
-      <a:lvl9pPr lvl="8" marR="0" rtl="0" algn="l">
+      <a:lvl9pPr marR="0" lvl="8" algn="l" rtl="0">
         <a:lnSpc>
           <a:spcPct val="100000"/>
         </a:lnSpc>
@@ -5808,7 +6019,7 @@
           <a:srgbClr val="000000"/>
         </a:buClr>
         <a:buFont typeface="Arial"/>
-        <a:defRPr b="0" i="0" sz="1400" u="none" cap="none" strike="noStrike">
+        <a:defRPr sz="1400" b="0" i="0" u="none" strike="noStrike" cap="none">
           <a:solidFill>
             <a:srgbClr val="000000"/>
           </a:solidFill>
@@ -5820,7 +6031,7 @@
       </a:lvl9pPr>
     </p:bodyStyle>
     <p:otherStyle>
-      <a:defPPr lvl="0" marR="0" rtl="0" algn="l">
+      <a:defPPr marR="0" lvl="0" algn="l" rtl="0">
         <a:lnSpc>
           <a:spcPct val="100000"/>
         </a:lnSpc>
@@ -5831,7 +6042,7 @@
           <a:spcPts val="0"/>
         </a:spcAft>
       </a:defPPr>
-      <a:lvl1pPr lvl="0" marR="0" rtl="0" algn="l">
+      <a:lvl1pPr marR="0" lvl="0" algn="l" rtl="0">
         <a:lnSpc>
           <a:spcPct val="100000"/>
         </a:lnSpc>
@@ -5845,7 +6056,7 @@
           <a:srgbClr val="000000"/>
         </a:buClr>
         <a:buFont typeface="Arial"/>
-        <a:defRPr b="0" i="0" sz="1400" u="none" cap="none" strike="noStrike">
+        <a:defRPr sz="1400" b="0" i="0" u="none" strike="noStrike" cap="none">
           <a:solidFill>
             <a:srgbClr val="000000"/>
           </a:solidFill>
@@ -5855,7 +6066,7 @@
           <a:sym typeface="Arial"/>
         </a:defRPr>
       </a:lvl1pPr>
-      <a:lvl2pPr lvl="1" marR="0" rtl="0" algn="l">
+      <a:lvl2pPr marR="0" lvl="1" algn="l" rtl="0">
         <a:lnSpc>
           <a:spcPct val="100000"/>
         </a:lnSpc>
@@ -5869,7 +6080,7 @@
           <a:srgbClr val="000000"/>
         </a:buClr>
         <a:buFont typeface="Arial"/>
-        <a:defRPr b="0" i="0" sz="1400" u="none" cap="none" strike="noStrike">
+        <a:defRPr sz="1400" b="0" i="0" u="none" strike="noStrike" cap="none">
           <a:solidFill>
             <a:srgbClr val="000000"/>
           </a:solidFill>
@@ -5879,7 +6090,7 @@
           <a:sym typeface="Arial"/>
         </a:defRPr>
       </a:lvl2pPr>
-      <a:lvl3pPr lvl="2" marR="0" rtl="0" algn="l">
+      <a:lvl3pPr marR="0" lvl="2" algn="l" rtl="0">
         <a:lnSpc>
           <a:spcPct val="100000"/>
         </a:lnSpc>
@@ -5893,7 +6104,7 @@
           <a:srgbClr val="000000"/>
         </a:buClr>
         <a:buFont typeface="Arial"/>
-        <a:defRPr b="0" i="0" sz="1400" u="none" cap="none" strike="noStrike">
+        <a:defRPr sz="1400" b="0" i="0" u="none" strike="noStrike" cap="none">
           <a:solidFill>
             <a:srgbClr val="000000"/>
           </a:solidFill>
@@ -5903,7 +6114,7 @@
           <a:sym typeface="Arial"/>
         </a:defRPr>
       </a:lvl3pPr>
-      <a:lvl4pPr lvl="3" marR="0" rtl="0" algn="l">
+      <a:lvl4pPr marR="0" lvl="3" algn="l" rtl="0">
         <a:lnSpc>
           <a:spcPct val="100000"/>
         </a:lnSpc>
@@ -5917,7 +6128,7 @@
           <a:srgbClr val="000000"/>
         </a:buClr>
         <a:buFont typeface="Arial"/>
-        <a:defRPr b="0" i="0" sz="1400" u="none" cap="none" strike="noStrike">
+        <a:defRPr sz="1400" b="0" i="0" u="none" strike="noStrike" cap="none">
           <a:solidFill>
             <a:srgbClr val="000000"/>
           </a:solidFill>
@@ -5927,7 +6138,7 @@
           <a:sym typeface="Arial"/>
         </a:defRPr>
       </a:lvl4pPr>
-      <a:lvl5pPr lvl="4" marR="0" rtl="0" algn="l">
+      <a:lvl5pPr marR="0" lvl="4" algn="l" rtl="0">
         <a:lnSpc>
           <a:spcPct val="100000"/>
         </a:lnSpc>
@@ -5941,7 +6152,7 @@
           <a:srgbClr val="000000"/>
         </a:buClr>
         <a:buFont typeface="Arial"/>
-        <a:defRPr b="0" i="0" sz="1400" u="none" cap="none" strike="noStrike">
+        <a:defRPr sz="1400" b="0" i="0" u="none" strike="noStrike" cap="none">
           <a:solidFill>
             <a:srgbClr val="000000"/>
           </a:solidFill>
@@ -5951,7 +6162,7 @@
           <a:sym typeface="Arial"/>
         </a:defRPr>
       </a:lvl5pPr>
-      <a:lvl6pPr lvl="5" marR="0" rtl="0" algn="l">
+      <a:lvl6pPr marR="0" lvl="5" algn="l" rtl="0">
         <a:lnSpc>
           <a:spcPct val="100000"/>
         </a:lnSpc>
@@ -5965,7 +6176,7 @@
           <a:srgbClr val="000000"/>
         </a:buClr>
         <a:buFont typeface="Arial"/>
-        <a:defRPr b="0" i="0" sz="1400" u="none" cap="none" strike="noStrike">
+        <a:defRPr sz="1400" b="0" i="0" u="none" strike="noStrike" cap="none">
           <a:solidFill>
             <a:srgbClr val="000000"/>
           </a:solidFill>
@@ -5975,7 +6186,7 @@
           <a:sym typeface="Arial"/>
         </a:defRPr>
       </a:lvl6pPr>
-      <a:lvl7pPr lvl="6" marR="0" rtl="0" algn="l">
+      <a:lvl7pPr marR="0" lvl="6" algn="l" rtl="0">
         <a:lnSpc>
           <a:spcPct val="100000"/>
         </a:lnSpc>
@@ -5989,7 +6200,7 @@
           <a:srgbClr val="000000"/>
         </a:buClr>
         <a:buFont typeface="Arial"/>
-        <a:defRPr b="0" i="0" sz="1400" u="none" cap="none" strike="noStrike">
+        <a:defRPr sz="1400" b="0" i="0" u="none" strike="noStrike" cap="none">
           <a:solidFill>
             <a:srgbClr val="000000"/>
           </a:solidFill>
@@ -5999,7 +6210,7 @@
           <a:sym typeface="Arial"/>
         </a:defRPr>
       </a:lvl7pPr>
-      <a:lvl8pPr lvl="7" marR="0" rtl="0" algn="l">
+      <a:lvl8pPr marR="0" lvl="7" algn="l" rtl="0">
         <a:lnSpc>
           <a:spcPct val="100000"/>
         </a:lnSpc>
@@ -6013,7 +6224,7 @@
           <a:srgbClr val="000000"/>
         </a:buClr>
         <a:buFont typeface="Arial"/>
-        <a:defRPr b="0" i="0" sz="1400" u="none" cap="none" strike="noStrike">
+        <a:defRPr sz="1400" b="0" i="0" u="none" strike="noStrike" cap="none">
           <a:solidFill>
             <a:srgbClr val="000000"/>
           </a:solidFill>
@@ -6023,7 +6234,7 @@
           <a:sym typeface="Arial"/>
         </a:defRPr>
       </a:lvl8pPr>
-      <a:lvl9pPr lvl="8" marR="0" rtl="0" algn="l">
+      <a:lvl9pPr marR="0" lvl="8" algn="l" rtl="0">
         <a:lnSpc>
           <a:spcPct val="100000"/>
         </a:lnSpc>
@@ -6037,7 +6248,7 @@
           <a:srgbClr val="000000"/>
         </a:buClr>
         <a:buFont typeface="Arial"/>
-        <a:defRPr b="0" i="0" sz="1400" u="none" cap="none" strike="noStrike">
+        <a:defRPr sz="1400" b="0" i="0" u="none" strike="noStrike" cap="none">
           <a:solidFill>
             <a:srgbClr val="000000"/>
           </a:solidFill>
@@ -6053,11 +6264,11 @@
 </file>
 
 <file path=ppt/slides/slide1.xml><?xml version="1.0" encoding="utf-8"?>
-<p:sld xmlns:a="http://schemas.openxmlformats.org/drawingml/2006/main" xmlns:r="http://schemas.openxmlformats.org/officeDocument/2006/relationships" xmlns:mc="http://schemas.openxmlformats.org/markup-compatibility/2006" xmlns:mv="urn:schemas-microsoft-com:mac:vml" xmlns:p="http://schemas.openxmlformats.org/presentationml/2006/main" xmlns:c="http://schemas.openxmlformats.org/drawingml/2006/chart" xmlns:dgm="http://schemas.openxmlformats.org/drawingml/2006/diagram" xmlns:o="urn:schemas-microsoft-com:office:office" xmlns:v="urn:schemas-microsoft-com:vml" xmlns:pvml="urn:schemas-microsoft-com:office:powerpoint" xmlns:com="http://schemas.openxmlformats.org/drawingml/2006/compatibility" xmlns:p14="http://schemas.microsoft.com/office/powerpoint/2010/main" xmlns:p15="http://schemas.microsoft.com/office/powerpoint/2012/main">
+<p:sld xmlns:a="http://schemas.openxmlformats.org/drawingml/2006/main" xmlns:r="http://schemas.openxmlformats.org/officeDocument/2006/relationships" xmlns:p="http://schemas.openxmlformats.org/presentationml/2006/main">
   <p:cSld>
     <p:spTree>
       <p:nvGrpSpPr>
-        <p:cNvPr id="26" name="Shape 26"/>
+        <p:cNvPr id="1" name="Shape 26"/>
         <p:cNvGrpSpPr/>
         <p:nvPr/>
       </p:nvGrpSpPr>
@@ -6072,7 +6283,9 @@
       <p:sp>
         <p:nvSpPr>
           <p:cNvPr id="27" name="Google Shape;27;p8"/>
-          <p:cNvSpPr txBox="1"/>
+          <p:cNvSpPr txBox="1">
+            <a:spLocks noGrp="1"/>
+          </p:cNvSpPr>
           <p:nvPr>
             <p:ph type="ctrTitle"/>
           </p:nvPr>
@@ -6087,12 +6300,12 @@
           </a:prstGeom>
         </p:spPr>
         <p:txBody>
-          <a:bodyPr anchorCtr="0" anchor="b" bIns="91425" lIns="91425" spcFirstLastPara="1" rIns="91425" wrap="square" tIns="91425">
+          <a:bodyPr spcFirstLastPara="1" wrap="square" lIns="91425" tIns="91425" rIns="91425" bIns="91425" anchor="b" anchorCtr="0">
             <a:noAutofit/>
           </a:bodyPr>
           <a:lstStyle/>
           <a:p>
-            <a:pPr indent="0" lvl="0" marL="0" rtl="0" algn="ctr">
+            <a:pPr marL="0" lvl="0" indent="0" algn="ctr" rtl="0">
               <a:spcBef>
                 <a:spcPts val="0"/>
               </a:spcBef>
@@ -6118,11 +6331,11 @@
 </file>
 
 <file path=ppt/slides/slide10.xml><?xml version="1.0" encoding="utf-8"?>
-<p:sld xmlns:a="http://schemas.openxmlformats.org/drawingml/2006/main" xmlns:r="http://schemas.openxmlformats.org/officeDocument/2006/relationships" xmlns:mc="http://schemas.openxmlformats.org/markup-compatibility/2006" xmlns:mv="urn:schemas-microsoft-com:mac:vml" xmlns:p="http://schemas.openxmlformats.org/presentationml/2006/main" xmlns:c="http://schemas.openxmlformats.org/drawingml/2006/chart" xmlns:dgm="http://schemas.openxmlformats.org/drawingml/2006/diagram" xmlns:o="urn:schemas-microsoft-com:office:office" xmlns:v="urn:schemas-microsoft-com:vml" xmlns:pvml="urn:schemas-microsoft-com:office:powerpoint" xmlns:com="http://schemas.openxmlformats.org/drawingml/2006/compatibility" xmlns:p14="http://schemas.microsoft.com/office/powerpoint/2010/main" xmlns:p15="http://schemas.microsoft.com/office/powerpoint/2012/main">
+<p:sld xmlns:a="http://schemas.openxmlformats.org/drawingml/2006/main" xmlns:r="http://schemas.openxmlformats.org/officeDocument/2006/relationships" xmlns:p="http://schemas.openxmlformats.org/presentationml/2006/main">
   <p:cSld>
     <p:spTree>
       <p:nvGrpSpPr>
-        <p:cNvPr id="89" name="Shape 89"/>
+        <p:cNvPr id="1" name="Shape 82"/>
         <p:cNvGrpSpPr/>
         <p:nvPr/>
       </p:nvGrpSpPr>
@@ -6136,15 +6349,17 @@
       </p:grpSpPr>
       <p:sp>
         <p:nvSpPr>
-          <p:cNvPr id="90" name="Google Shape;90;p17"/>
-          <p:cNvSpPr txBox="1"/>
+          <p:cNvPr id="83" name="Google Shape;83;p16"/>
+          <p:cNvSpPr txBox="1">
+            <a:spLocks noGrp="1"/>
+          </p:cNvSpPr>
           <p:nvPr>
             <p:ph type="title"/>
           </p:nvPr>
         </p:nvSpPr>
         <p:spPr>
           <a:xfrm>
-            <a:off x="457200" y="205978"/>
+            <a:off x="457200" y="3"/>
             <a:ext cx="8229600" cy="857400"/>
           </a:xfrm>
           <a:prstGeom prst="rect">
@@ -6152,12 +6367,12 @@
           </a:prstGeom>
         </p:spPr>
         <p:txBody>
-          <a:bodyPr anchorCtr="0" anchor="b" bIns="91425" lIns="91425" spcFirstLastPara="1" rIns="91425" wrap="square" tIns="91425">
+          <a:bodyPr spcFirstLastPara="1" wrap="square" lIns="91425" tIns="91425" rIns="91425" bIns="91425" anchor="b" anchorCtr="0">
             <a:noAutofit/>
           </a:bodyPr>
           <a:lstStyle/>
           <a:p>
-            <a:pPr indent="0" lvl="0" marL="0" rtl="0" algn="l">
+            <a:pPr marL="0" lvl="0" indent="0" algn="l" rtl="0">
               <a:spcBef>
                 <a:spcPts val="0"/>
               </a:spcBef>
@@ -6168,22 +6383,30 @@
             </a:pPr>
             <a:r>
               <a:rPr lang="en"/>
-              <a:t>Plot the vorticity</a:t>
+              <a:t>You should see the following</a:t>
             </a:r>
             <a:endParaRPr/>
           </a:p>
         </p:txBody>
       </p:sp>
-      <p:sp>
-        <p:nvSpPr>
-          <p:cNvPr id="91" name="Google Shape;91;p17"/>
-          <p:cNvSpPr txBox="1"/>
+      <p:pic>
+        <p:nvPicPr>
+          <p:cNvPr id="84" name="Google Shape;84;p16"/>
+          <p:cNvPicPr preferRelativeResize="0"/>
           <p:nvPr/>
-        </p:nvSpPr>
-        <p:spPr>
-          <a:xfrm>
-            <a:off x="457200" y="1071750"/>
-            <a:ext cx="8229600" cy="3000000"/>
+        </p:nvPicPr>
+        <p:blipFill>
+          <a:blip r:embed="rId3">
+            <a:alphaModFix/>
+          </a:blip>
+          <a:stretch>
+            <a:fillRect/>
+          </a:stretch>
+        </p:blipFill>
+        <p:spPr>
+          <a:xfrm>
+            <a:off x="2283800" y="2139725"/>
+            <a:ext cx="4453275" cy="2870325"/>
           </a:xfrm>
           <a:prstGeom prst="rect">
             <a:avLst/>
@@ -6193,13 +6416,182 @@
             <a:noFill/>
           </a:ln>
         </p:spPr>
+      </p:pic>
+      <p:sp>
+        <p:nvSpPr>
+          <p:cNvPr id="85" name="Google Shape;85;p16"/>
+          <p:cNvSpPr txBox="1"/>
+          <p:nvPr/>
+        </p:nvSpPr>
+        <p:spPr>
+          <a:xfrm>
+            <a:off x="509025" y="752425"/>
+            <a:ext cx="8229600" cy="3000000"/>
+          </a:xfrm>
+          <a:prstGeom prst="rect">
+            <a:avLst/>
+          </a:prstGeom>
+          <a:noFill/>
+          <a:ln>
+            <a:noFill/>
+          </a:ln>
+        </p:spPr>
         <p:txBody>
-          <a:bodyPr anchorCtr="0" anchor="t" bIns="91425" lIns="91425" spcFirstLastPara="1" rIns="91425" wrap="square" tIns="91425">
+          <a:bodyPr spcFirstLastPara="1" wrap="square" lIns="91425" tIns="91425" rIns="91425" bIns="91425" anchor="t" anchorCtr="0">
             <a:noAutofit/>
           </a:bodyPr>
           <a:lstStyle/>
           <a:p>
-            <a:pPr indent="0" lvl="0" marL="0" rtl="0" algn="l">
+            <a:pPr marL="0" lvl="0" indent="0" algn="l" rtl="0">
+              <a:spcBef>
+                <a:spcPts val="0"/>
+              </a:spcBef>
+              <a:spcAft>
+                <a:spcPts val="0"/>
+              </a:spcAft>
+              <a:buNone/>
+            </a:pPr>
+            <a:r>
+              <a:rPr lang="en">
+                <a:solidFill>
+                  <a:schemeClr val="dk1"/>
+                </a:solidFill>
+              </a:rPr>
+              <a:t>You will now see colored boxes that show up are large regions that involve different levels of the adaptive mesh. If you </a:t>
+            </a:r>
+            <a:r>
+              <a:rPr lang="en" i="1">
+                <a:solidFill>
+                  <a:schemeClr val="dk1"/>
+                </a:solidFill>
+              </a:rPr>
+              <a:t>play</a:t>
+            </a:r>
+            <a:r>
+              <a:rPr lang="en">
+                <a:solidFill>
+                  <a:schemeClr val="dk1"/>
+                </a:solidFill>
+              </a:rPr>
+              <a:t> the simulation now, you still won’t see any interesting dynamics, but you can see how different levels of the adaptive mesh refinement change to capture better resolution during the course of the simulation in certain areas. However, these boxes will get in the way of seeing a lot of the dynamics, so click of the </a:t>
+            </a:r>
+            <a:r>
+              <a:rPr lang="en" i="1">
+                <a:solidFill>
+                  <a:schemeClr val="dk1"/>
+                </a:solidFill>
+              </a:rPr>
+              <a:t>Hide/Show</a:t>
+            </a:r>
+            <a:r>
+              <a:rPr lang="en">
+                <a:solidFill>
+                  <a:schemeClr val="dk1"/>
+                </a:solidFill>
+              </a:rPr>
+              <a:t> button to hide them.</a:t>
+            </a:r>
+            <a:endParaRPr>
+              <a:solidFill>
+                <a:schemeClr val="dk1"/>
+              </a:solidFill>
+            </a:endParaRPr>
+          </a:p>
+        </p:txBody>
+      </p:sp>
+    </p:spTree>
+  </p:cSld>
+  <p:clrMapOvr>
+    <a:masterClrMapping/>
+  </p:clrMapOvr>
+</p:sld>
+</file>
+
+<file path=ppt/slides/slide11.xml><?xml version="1.0" encoding="utf-8"?>
+<p:sld xmlns:a="http://schemas.openxmlformats.org/drawingml/2006/main" xmlns:r="http://schemas.openxmlformats.org/officeDocument/2006/relationships" xmlns:p="http://schemas.openxmlformats.org/presentationml/2006/main">
+  <p:cSld>
+    <p:spTree>
+      <p:nvGrpSpPr>
+        <p:cNvPr id="1" name="Shape 89"/>
+        <p:cNvGrpSpPr/>
+        <p:nvPr/>
+      </p:nvGrpSpPr>
+      <p:grpSpPr>
+        <a:xfrm>
+          <a:off x="0" y="0"/>
+          <a:ext cx="0" cy="0"/>
+          <a:chOff x="0" y="0"/>
+          <a:chExt cx="0" cy="0"/>
+        </a:xfrm>
+      </p:grpSpPr>
+      <p:sp>
+        <p:nvSpPr>
+          <p:cNvPr id="90" name="Google Shape;90;p17"/>
+          <p:cNvSpPr txBox="1">
+            <a:spLocks noGrp="1"/>
+          </p:cNvSpPr>
+          <p:nvPr>
+            <p:ph type="title"/>
+          </p:nvPr>
+        </p:nvSpPr>
+        <p:spPr>
+          <a:xfrm>
+            <a:off x="457200" y="205978"/>
+            <a:ext cx="8229600" cy="857400"/>
+          </a:xfrm>
+          <a:prstGeom prst="rect">
+            <a:avLst/>
+          </a:prstGeom>
+        </p:spPr>
+        <p:txBody>
+          <a:bodyPr spcFirstLastPara="1" wrap="square" lIns="91425" tIns="91425" rIns="91425" bIns="91425" anchor="b" anchorCtr="0">
+            <a:noAutofit/>
+          </a:bodyPr>
+          <a:lstStyle/>
+          <a:p>
+            <a:pPr marL="0" lvl="0" indent="0" algn="l" rtl="0">
+              <a:spcBef>
+                <a:spcPts val="0"/>
+              </a:spcBef>
+              <a:spcAft>
+                <a:spcPts val="0"/>
+              </a:spcAft>
+              <a:buNone/>
+            </a:pPr>
+            <a:r>
+              <a:rPr lang="en"/>
+              <a:t>Plot the vorticity</a:t>
+            </a:r>
+            <a:endParaRPr/>
+          </a:p>
+        </p:txBody>
+      </p:sp>
+      <p:sp>
+        <p:nvSpPr>
+          <p:cNvPr id="91" name="Google Shape;91;p17"/>
+          <p:cNvSpPr txBox="1"/>
+          <p:nvPr/>
+        </p:nvSpPr>
+        <p:spPr>
+          <a:xfrm>
+            <a:off x="457200" y="1071750"/>
+            <a:ext cx="8229600" cy="3000000"/>
+          </a:xfrm>
+          <a:prstGeom prst="rect">
+            <a:avLst/>
+          </a:prstGeom>
+          <a:noFill/>
+          <a:ln>
+            <a:noFill/>
+          </a:ln>
+        </p:spPr>
+        <p:txBody>
+          <a:bodyPr spcFirstLastPara="1" wrap="square" lIns="91425" tIns="91425" rIns="91425" bIns="91425" anchor="t" anchorCtr="0">
+            <a:noAutofit/>
+          </a:bodyPr>
+          <a:lstStyle/>
+          <a:p>
+            <a:pPr marL="0" lvl="0" indent="0" algn="l" rtl="0">
               <a:spcBef>
                 <a:spcPts val="0"/>
               </a:spcBef>
@@ -6217,7 +6609,7 @@
               <a:t>First we will open the </a:t>
             </a:r>
             <a:r>
-              <a:rPr i="1" lang="en">
+              <a:rPr lang="en" i="1">
                 <a:solidFill>
                   <a:schemeClr val="dk1"/>
                 </a:solidFill>
@@ -6233,7 +6625,7 @@
               <a:t> data and plot a color-map for each time-step. To do this make sure the </a:t>
             </a:r>
             <a:r>
-              <a:rPr i="1" lang="en">
+              <a:rPr lang="en" i="1">
                 <a:solidFill>
                   <a:schemeClr val="dk1"/>
                 </a:solidFill>
@@ -6249,7 +6641,7 @@
               <a:t> is </a:t>
             </a:r>
             <a:r>
-              <a:rPr i="1" lang="en">
+              <a:rPr lang="en" i="1">
                 <a:solidFill>
                   <a:schemeClr val="dk1"/>
                 </a:solidFill>
@@ -6265,7 +6657,7 @@
               <a:t> is and then click on </a:t>
             </a:r>
             <a:r>
-              <a:rPr i="1" lang="en">
+              <a:rPr lang="en" i="1">
                 <a:solidFill>
                   <a:schemeClr val="dk1"/>
                 </a:solidFill>
@@ -6281,7 +6673,7 @@
               <a:t>and hover over </a:t>
             </a:r>
             <a:r>
-              <a:rPr i="1" lang="en">
+              <a:rPr lang="en" i="1">
                 <a:solidFill>
                   <a:schemeClr val="dk1"/>
                 </a:solidFill>
@@ -6297,7 +6689,7 @@
               <a:t>and click on </a:t>
             </a:r>
             <a:r>
-              <a:rPr i="1" lang="en">
+              <a:rPr lang="en" i="1">
                 <a:solidFill>
                   <a:schemeClr val="dk1"/>
                 </a:solidFill>
@@ -6313,7 +6705,7 @@
               <a:t>for the vorticity colormap. Note: The other items in the list under </a:t>
             </a:r>
             <a:r>
-              <a:rPr i="1" lang="en">
+              <a:rPr lang="en" i="1">
                 <a:solidFill>
                   <a:schemeClr val="dk1"/>
                 </a:solidFill>
@@ -6384,12 +6776,12 @@
           </a:ln>
         </p:spPr>
         <p:txBody>
-          <a:bodyPr anchorCtr="0" anchor="t" bIns="91425" lIns="91425" spcFirstLastPara="1" rIns="91425" wrap="square" tIns="91425">
+          <a:bodyPr spcFirstLastPara="1" wrap="square" lIns="91425" tIns="91425" rIns="91425" bIns="91425" anchor="t" anchorCtr="0">
             <a:noAutofit/>
           </a:bodyPr>
           <a:lstStyle/>
           <a:p>
-            <a:pPr indent="0" lvl="0" marL="0" rtl="0" algn="l">
+            <a:pPr marL="0" lvl="0" indent="0" algn="l" rtl="0">
               <a:spcBef>
                 <a:spcPts val="0"/>
               </a:spcBef>
@@ -6410,7 +6802,7 @@
             <a:endParaRPr/>
           </a:p>
           <a:p>
-            <a:pPr indent="0" lvl="0" marL="0" rtl="0" algn="l">
+            <a:pPr marL="0" lvl="0" indent="0" algn="l" rtl="0">
               <a:spcBef>
                 <a:spcPts val="0"/>
               </a:spcBef>
@@ -6431,7 +6823,7 @@
             <a:endParaRPr/>
           </a:p>
           <a:p>
-            <a:pPr indent="0" lvl="0" marL="0" rtl="0" algn="l">
+            <a:pPr marL="0" lvl="0" indent="0" algn="l" rtl="0">
               <a:spcBef>
                 <a:spcPts val="0"/>
               </a:spcBef>
@@ -6452,7 +6844,7 @@
             <a:endParaRPr/>
           </a:p>
           <a:p>
-            <a:pPr indent="0" lvl="0" marL="0" rtl="0" algn="l">
+            <a:pPr marL="0" lvl="0" indent="0" algn="l" rtl="0">
               <a:spcBef>
                 <a:spcPts val="0"/>
               </a:spcBef>
@@ -6473,7 +6865,7 @@
             <a:endParaRPr/>
           </a:p>
           <a:p>
-            <a:pPr indent="0" lvl="0" marL="0" rtl="0" algn="l">
+            <a:pPr marL="0" lvl="0" indent="0" algn="l" rtl="0">
               <a:spcBef>
                 <a:spcPts val="0"/>
               </a:spcBef>
@@ -6494,7 +6886,7 @@
             <a:endParaRPr/>
           </a:p>
           <a:p>
-            <a:pPr indent="0" lvl="0" marL="0" rtl="0" algn="l">
+            <a:pPr marL="0" lvl="0" indent="0" algn="l" rtl="0">
               <a:spcBef>
                 <a:spcPts val="0"/>
               </a:spcBef>
@@ -6515,18 +6907,15 @@
             <a:endParaRPr/>
           </a:p>
           <a:p>
-            <a:pPr indent="0" lvl="0" marL="0" rtl="0" algn="l">
-              <a:spcBef>
-                <a:spcPts val="0"/>
-              </a:spcBef>
-              <a:spcAft>
-                <a:spcPts val="0"/>
-              </a:spcAft>
-              <a:buNone/>
-            </a:pPr>
-            <a:r>
-              <a:t/>
-            </a:r>
+            <a:pPr marL="0" lvl="0" indent="0" algn="l" rtl="0">
+              <a:spcBef>
+                <a:spcPts val="0"/>
+              </a:spcBef>
+              <a:spcAft>
+                <a:spcPts val="0"/>
+              </a:spcAft>
+              <a:buNone/>
+            </a:pPr>
             <a:endParaRPr/>
           </a:p>
         </p:txBody>
@@ -6539,12 +6928,12 @@
 </p:sld>
 </file>
 
-<file path=ppt/slides/slide11.xml><?xml version="1.0" encoding="utf-8"?>
-<p:sld xmlns:a="http://schemas.openxmlformats.org/drawingml/2006/main" xmlns:r="http://schemas.openxmlformats.org/officeDocument/2006/relationships" xmlns:mc="http://schemas.openxmlformats.org/markup-compatibility/2006" xmlns:mv="urn:schemas-microsoft-com:mac:vml" xmlns:p="http://schemas.openxmlformats.org/presentationml/2006/main" xmlns:c="http://schemas.openxmlformats.org/drawingml/2006/chart" xmlns:dgm="http://schemas.openxmlformats.org/drawingml/2006/diagram" xmlns:o="urn:schemas-microsoft-com:office:office" xmlns:v="urn:schemas-microsoft-com:vml" xmlns:pvml="urn:schemas-microsoft-com:office:powerpoint" xmlns:com="http://schemas.openxmlformats.org/drawingml/2006/compatibility" xmlns:p14="http://schemas.microsoft.com/office/powerpoint/2010/main" xmlns:p15="http://schemas.microsoft.com/office/powerpoint/2012/main">
+<file path=ppt/slides/slide12.xml><?xml version="1.0" encoding="utf-8"?>
+<p:sld xmlns:a="http://schemas.openxmlformats.org/drawingml/2006/main" xmlns:r="http://schemas.openxmlformats.org/officeDocument/2006/relationships" xmlns:p="http://schemas.openxmlformats.org/presentationml/2006/main">
   <p:cSld>
     <p:spTree>
       <p:nvGrpSpPr>
-        <p:cNvPr id="97" name="Shape 97"/>
+        <p:cNvPr id="1" name="Shape 97"/>
         <p:cNvGrpSpPr/>
         <p:nvPr/>
       </p:nvGrpSpPr>
@@ -6559,7 +6948,9 @@
       <p:sp>
         <p:nvSpPr>
           <p:cNvPr id="98" name="Google Shape;98;p18"/>
-          <p:cNvSpPr txBox="1"/>
+          <p:cNvSpPr txBox="1">
+            <a:spLocks noGrp="1"/>
+          </p:cNvSpPr>
           <p:nvPr>
             <p:ph type="title"/>
           </p:nvPr>
@@ -6574,12 +6965,12 @@
           </a:prstGeom>
         </p:spPr>
         <p:txBody>
-          <a:bodyPr anchorCtr="0" anchor="b" bIns="91425" lIns="91425" spcFirstLastPara="1" rIns="91425" wrap="square" tIns="91425">
+          <a:bodyPr spcFirstLastPara="1" wrap="square" lIns="91425" tIns="91425" rIns="91425" bIns="91425" anchor="b" anchorCtr="0">
             <a:noAutofit/>
           </a:bodyPr>
           <a:lstStyle/>
           <a:p>
-            <a:pPr indent="0" lvl="0" marL="0" rtl="0" algn="l">
+            <a:pPr marL="0" lvl="0" indent="0" algn="l" rtl="0">
               <a:spcBef>
                 <a:spcPts val="0"/>
               </a:spcBef>
@@ -6599,9 +6990,11 @@
       <p:sp>
         <p:nvSpPr>
           <p:cNvPr id="99" name="Google Shape;99;p18"/>
-          <p:cNvSpPr txBox="1"/>
+          <p:cNvSpPr txBox="1">
+            <a:spLocks noGrp="1"/>
+          </p:cNvSpPr>
           <p:nvPr>
-            <p:ph idx="1" type="body"/>
+            <p:ph type="body" idx="1"/>
           </p:nvPr>
         </p:nvSpPr>
         <p:spPr>
@@ -6614,12 +7007,12 @@
           </a:prstGeom>
         </p:spPr>
         <p:txBody>
-          <a:bodyPr anchorCtr="0" anchor="t" bIns="91425" lIns="91425" spcFirstLastPara="1" rIns="91425" wrap="square" tIns="91425">
+          <a:bodyPr spcFirstLastPara="1" wrap="square" lIns="91425" tIns="91425" rIns="91425" bIns="91425" anchor="t" anchorCtr="0">
             <a:noAutofit/>
           </a:bodyPr>
           <a:lstStyle/>
           <a:p>
-            <a:pPr indent="0" lvl="0" marL="0" rtl="0" algn="l">
+            <a:pPr marL="0" lvl="0" indent="0" algn="l" rtl="0">
               <a:spcBef>
                 <a:spcPts val="0"/>
               </a:spcBef>
@@ -6637,7 +7030,7 @@
               <a:t>Now click on </a:t>
             </a:r>
             <a:r>
-              <a:rPr i="1" lang="en" sz="1600">
+              <a:rPr lang="en" sz="1600" i="1">
                 <a:solidFill>
                   <a:srgbClr val="000000"/>
                 </a:solidFill>
@@ -6653,7 +7046,7 @@
               <a:t> and click </a:t>
             </a:r>
             <a:r>
-              <a:rPr i="1" lang="en" sz="1600">
+              <a:rPr lang="en" sz="1600" i="1">
                 <a:solidFill>
                   <a:srgbClr val="000000"/>
                 </a:solidFill>
@@ -6675,7 +7068,7 @@
             </a:endParaRPr>
           </a:p>
           <a:p>
-            <a:pPr indent="0" lvl="0" marL="0" rtl="0" algn="l">
+            <a:pPr marL="0" lvl="0" indent="0" algn="l" rtl="0">
               <a:spcBef>
                 <a:spcPts val="600"/>
               </a:spcBef>
@@ -6684,9 +7077,6 @@
               </a:spcAft>
               <a:buNone/>
             </a:pPr>
-            <a:r>
-              <a:t/>
-            </a:r>
             <a:endParaRPr/>
           </a:p>
         </p:txBody>
@@ -6727,12 +7117,12 @@
 </p:sld>
 </file>
 
-<file path=ppt/slides/slide12.xml><?xml version="1.0" encoding="utf-8"?>
-<p:sld xmlns:a="http://schemas.openxmlformats.org/drawingml/2006/main" xmlns:r="http://schemas.openxmlformats.org/officeDocument/2006/relationships" xmlns:mc="http://schemas.openxmlformats.org/markup-compatibility/2006" xmlns:mv="urn:schemas-microsoft-com:mac:vml" xmlns:p="http://schemas.openxmlformats.org/presentationml/2006/main" xmlns:c="http://schemas.openxmlformats.org/drawingml/2006/chart" xmlns:dgm="http://schemas.openxmlformats.org/drawingml/2006/diagram" xmlns:o="urn:schemas-microsoft-com:office:office" xmlns:v="urn:schemas-microsoft-com:vml" xmlns:pvml="urn:schemas-microsoft-com:office:powerpoint" xmlns:com="http://schemas.openxmlformats.org/drawingml/2006/compatibility" xmlns:p14="http://schemas.microsoft.com/office/powerpoint/2010/main" xmlns:p15="http://schemas.microsoft.com/office/powerpoint/2012/main">
+<file path=ppt/slides/slide13.xml><?xml version="1.0" encoding="utf-8"?>
+<p:sld xmlns:a="http://schemas.openxmlformats.org/drawingml/2006/main" xmlns:r="http://schemas.openxmlformats.org/officeDocument/2006/relationships" xmlns:p="http://schemas.openxmlformats.org/presentationml/2006/main">
   <p:cSld>
     <p:spTree>
       <p:nvGrpSpPr>
-        <p:cNvPr id="104" name="Shape 104"/>
+        <p:cNvPr id="1" name="Shape 104"/>
         <p:cNvGrpSpPr/>
         <p:nvPr/>
       </p:nvGrpSpPr>
@@ -6747,7 +7137,9 @@
       <p:sp>
         <p:nvSpPr>
           <p:cNvPr id="105" name="Google Shape;105;p19"/>
-          <p:cNvSpPr txBox="1"/>
+          <p:cNvSpPr txBox="1">
+            <a:spLocks noGrp="1"/>
+          </p:cNvSpPr>
           <p:nvPr>
             <p:ph type="title"/>
           </p:nvPr>
@@ -6762,12 +7154,12 @@
           </a:prstGeom>
         </p:spPr>
         <p:txBody>
-          <a:bodyPr anchorCtr="0" anchor="b" bIns="91425" lIns="91425" spcFirstLastPara="1" rIns="91425" wrap="square" tIns="91425">
+          <a:bodyPr spcFirstLastPara="1" wrap="square" lIns="91425" tIns="91425" rIns="91425" bIns="91425" anchor="b" anchorCtr="0">
             <a:noAutofit/>
           </a:bodyPr>
           <a:lstStyle/>
           <a:p>
-            <a:pPr indent="0" lvl="0" marL="0" rtl="0" algn="l">
+            <a:pPr marL="0" lvl="0" indent="0" algn="l" rtl="0">
               <a:spcBef>
                 <a:spcPts val="0"/>
               </a:spcBef>
@@ -6804,12 +7196,12 @@
           </a:ln>
         </p:spPr>
         <p:txBody>
-          <a:bodyPr anchorCtr="0" anchor="t" bIns="91425" lIns="91425" spcFirstLastPara="1" rIns="91425" wrap="square" tIns="91425">
+          <a:bodyPr spcFirstLastPara="1" wrap="square" lIns="91425" tIns="91425" rIns="91425" bIns="91425" anchor="t" anchorCtr="0">
             <a:noAutofit/>
           </a:bodyPr>
           <a:lstStyle/>
           <a:p>
-            <a:pPr indent="0" lvl="0" marL="0" rtl="0" algn="l">
+            <a:pPr marL="0" lvl="0" indent="0" algn="l" rtl="0">
               <a:spcBef>
                 <a:spcPts val="0"/>
               </a:spcBef>
@@ -6827,7 +7219,7 @@
               <a:t>To customize the vorticity color-map, double-click on </a:t>
             </a:r>
             <a:r>
-              <a:rPr i="1" lang="en" sz="1600">
+              <a:rPr lang="en" sz="1600" i="1">
                 <a:solidFill>
                   <a:schemeClr val="dk1"/>
                 </a:solidFill>
@@ -6898,12 +7290,12 @@
           </a:ln>
         </p:spPr>
         <p:txBody>
-          <a:bodyPr anchorCtr="0" anchor="t" bIns="91425" lIns="91425" spcFirstLastPara="1" rIns="91425" wrap="square" tIns="91425">
+          <a:bodyPr spcFirstLastPara="1" wrap="square" lIns="91425" tIns="91425" rIns="91425" bIns="91425" anchor="t" anchorCtr="0">
             <a:noAutofit/>
           </a:bodyPr>
           <a:lstStyle/>
           <a:p>
-            <a:pPr indent="0" lvl="0" marL="0" rtl="0" algn="l">
+            <a:pPr marL="0" lvl="0" indent="0" algn="l" rtl="0">
               <a:spcBef>
                 <a:spcPts val="0"/>
               </a:spcBef>
@@ -6924,18 +7316,15 @@
             <a:endParaRPr sz="1200"/>
           </a:p>
           <a:p>
-            <a:pPr indent="0" lvl="0" marL="0" rtl="0" algn="l">
-              <a:spcBef>
-                <a:spcPts val="0"/>
-              </a:spcBef>
-              <a:spcAft>
-                <a:spcPts val="0"/>
-              </a:spcAft>
-              <a:buNone/>
-            </a:pPr>
-            <a:r>
-              <a:t/>
-            </a:r>
+            <a:pPr marL="0" lvl="0" indent="0" algn="l" rtl="0">
+              <a:spcBef>
+                <a:spcPts val="0"/>
+              </a:spcBef>
+              <a:spcAft>
+                <a:spcPts val="0"/>
+              </a:spcAft>
+              <a:buNone/>
+            </a:pPr>
             <a:endParaRPr sz="1200"/>
           </a:p>
         </p:txBody>
@@ -6957,14 +7346,14 @@
             <a:avLst/>
           </a:prstGeom>
           <a:noFill/>
-          <a:ln cap="flat" cmpd="sng" w="28575">
+          <a:ln w="28575" cap="flat" cmpd="sng">
             <a:solidFill>
               <a:srgbClr val="FF0000"/>
             </a:solidFill>
             <a:prstDash val="solid"/>
             <a:round/>
-            <a:headEnd len="med" w="med" type="none"/>
-            <a:tailEnd len="med" w="med" type="triangle"/>
+            <a:headEnd type="none" w="med" len="med"/>
+            <a:tailEnd type="triangle" w="med" len="med"/>
           </a:ln>
         </p:spPr>
       </p:cxnSp>
@@ -6988,12 +7377,12 @@
           </a:ln>
         </p:spPr>
         <p:txBody>
-          <a:bodyPr anchorCtr="0" anchor="t" bIns="91425" lIns="91425" spcFirstLastPara="1" rIns="91425" wrap="square" tIns="91425">
+          <a:bodyPr spcFirstLastPara="1" wrap="square" lIns="91425" tIns="91425" rIns="91425" bIns="91425" anchor="t" anchorCtr="0">
             <a:noAutofit/>
           </a:bodyPr>
           <a:lstStyle/>
           <a:p>
-            <a:pPr indent="0" lvl="0" marL="0" rtl="0" algn="l">
+            <a:pPr marL="0" lvl="0" indent="0" algn="l" rtl="0">
               <a:spcBef>
                 <a:spcPts val="0"/>
               </a:spcBef>
@@ -7011,7 +7400,7 @@
               <a:t>Click the </a:t>
             </a:r>
             <a:r>
-              <a:rPr i="1" lang="en" sz="1100">
+              <a:rPr lang="en" sz="1100" i="1">
                 <a:solidFill>
                   <a:schemeClr val="dk1"/>
                 </a:solidFill>
@@ -7054,12 +7443,12 @@
           </a:ln>
         </p:spPr>
         <p:txBody>
-          <a:bodyPr anchorCtr="0" anchor="t" bIns="91425" lIns="91425" spcFirstLastPara="1" rIns="91425" wrap="square" tIns="91425">
+          <a:bodyPr spcFirstLastPara="1" wrap="square" lIns="91425" tIns="91425" rIns="91425" bIns="91425" anchor="t" anchorCtr="0">
             <a:noAutofit/>
           </a:bodyPr>
           <a:lstStyle/>
           <a:p>
-            <a:pPr indent="0" lvl="0" marL="0" rtl="0" algn="l">
+            <a:pPr marL="0" lvl="0" indent="0" algn="l" rtl="0">
               <a:spcBef>
                 <a:spcPts val="0"/>
               </a:spcBef>
@@ -7077,7 +7466,7 @@
               <a:t>Change the </a:t>
             </a:r>
             <a:r>
-              <a:rPr i="1" lang="en" sz="1100">
+              <a:rPr lang="en" sz="1100" i="1">
                 <a:solidFill>
                   <a:schemeClr val="dk1"/>
                 </a:solidFill>
@@ -7093,7 +7482,7 @@
               <a:t> to 70% (or don’t change it). Reducing the </a:t>
             </a:r>
             <a:r>
-              <a:rPr i="1" lang="en" sz="1100">
+              <a:rPr lang="en" sz="1100" i="1">
                 <a:solidFill>
                   <a:schemeClr val="dk1"/>
                 </a:solidFill>
@@ -7131,14 +7520,14 @@
             <a:avLst/>
           </a:prstGeom>
           <a:noFill/>
-          <a:ln cap="flat" cmpd="sng" w="28575">
+          <a:ln w="28575" cap="flat" cmpd="sng">
             <a:solidFill>
               <a:srgbClr val="FF0000"/>
             </a:solidFill>
             <a:prstDash val="solid"/>
             <a:round/>
-            <a:headEnd len="med" w="med" type="none"/>
-            <a:tailEnd len="med" w="med" type="triangle"/>
+            <a:headEnd type="none" w="med" len="med"/>
+            <a:tailEnd type="triangle" w="med" len="med"/>
           </a:ln>
         </p:spPr>
       </p:cxnSp>
@@ -7157,14 +7546,14 @@
             <a:avLst/>
           </a:prstGeom>
           <a:noFill/>
-          <a:ln cap="flat" cmpd="sng" w="28575">
+          <a:ln w="28575" cap="flat" cmpd="sng">
             <a:solidFill>
               <a:srgbClr val="FF0000"/>
             </a:solidFill>
             <a:prstDash val="solid"/>
             <a:round/>
-            <a:headEnd len="med" w="med" type="none"/>
-            <a:tailEnd len="med" w="med" type="triangle"/>
+            <a:headEnd type="none" w="med" len="med"/>
+            <a:tailEnd type="triangle" w="med" len="med"/>
           </a:ln>
         </p:spPr>
       </p:cxnSp>
@@ -7176,12 +7565,12 @@
 </p:sld>
 </file>
 
-<file path=ppt/slides/slide13.xml><?xml version="1.0" encoding="utf-8"?>
-<p:sld xmlns:a="http://schemas.openxmlformats.org/drawingml/2006/main" xmlns:r="http://schemas.openxmlformats.org/officeDocument/2006/relationships" xmlns:mc="http://schemas.openxmlformats.org/markup-compatibility/2006" xmlns:mv="urn:schemas-microsoft-com:mac:vml" xmlns:p="http://schemas.openxmlformats.org/presentationml/2006/main" xmlns:c="http://schemas.openxmlformats.org/drawingml/2006/chart" xmlns:dgm="http://schemas.openxmlformats.org/drawingml/2006/diagram" xmlns:o="urn:schemas-microsoft-com:office:office" xmlns:v="urn:schemas-microsoft-com:vml" xmlns:pvml="urn:schemas-microsoft-com:office:powerpoint" xmlns:com="http://schemas.openxmlformats.org/drawingml/2006/compatibility" xmlns:p14="http://schemas.microsoft.com/office/powerpoint/2010/main" xmlns:p15="http://schemas.microsoft.com/office/powerpoint/2012/main">
+<file path=ppt/slides/slide14.xml><?xml version="1.0" encoding="utf-8"?>
+<p:sld xmlns:a="http://schemas.openxmlformats.org/drawingml/2006/main" xmlns:r="http://schemas.openxmlformats.org/officeDocument/2006/relationships" xmlns:p="http://schemas.openxmlformats.org/presentationml/2006/main">
   <p:cSld>
     <p:spTree>
       <p:nvGrpSpPr>
-        <p:cNvPr id="117" name="Shape 117"/>
+        <p:cNvPr id="1" name="Shape 117"/>
         <p:cNvGrpSpPr/>
         <p:nvPr/>
       </p:nvGrpSpPr>
@@ -7196,7 +7585,9 @@
       <p:sp>
         <p:nvSpPr>
           <p:cNvPr id="118" name="Google Shape;118;p20"/>
-          <p:cNvSpPr txBox="1"/>
+          <p:cNvSpPr txBox="1">
+            <a:spLocks noGrp="1"/>
+          </p:cNvSpPr>
           <p:nvPr>
             <p:ph type="title"/>
           </p:nvPr>
@@ -7211,12 +7602,12 @@
           </a:prstGeom>
         </p:spPr>
         <p:txBody>
-          <a:bodyPr anchorCtr="0" anchor="b" bIns="91425" lIns="91425" spcFirstLastPara="1" rIns="91425" wrap="square" tIns="91425">
+          <a:bodyPr spcFirstLastPara="1" wrap="square" lIns="91425" tIns="91425" rIns="91425" bIns="91425" anchor="b" anchorCtr="0">
             <a:noAutofit/>
           </a:bodyPr>
           <a:lstStyle/>
           <a:p>
-            <a:pPr indent="0" lvl="0" marL="0" rtl="0" algn="l">
+            <a:pPr marL="0" lvl="0" indent="0" algn="l" rtl="0">
               <a:spcBef>
                 <a:spcPts val="0"/>
               </a:spcBef>
@@ -7236,9 +7627,11 @@
       <p:sp>
         <p:nvSpPr>
           <p:cNvPr id="119" name="Google Shape;119;p20"/>
-          <p:cNvSpPr txBox="1"/>
+          <p:cNvSpPr txBox="1">
+            <a:spLocks noGrp="1"/>
+          </p:cNvSpPr>
           <p:nvPr>
-            <p:ph idx="1" type="body"/>
+            <p:ph type="body" idx="1"/>
           </p:nvPr>
         </p:nvSpPr>
         <p:spPr>
@@ -7251,12 +7644,12 @@
           </a:prstGeom>
         </p:spPr>
         <p:txBody>
-          <a:bodyPr anchorCtr="0" anchor="t" bIns="91425" lIns="91425" spcFirstLastPara="1" rIns="91425" wrap="square" tIns="91425">
+          <a:bodyPr spcFirstLastPara="1" wrap="square" lIns="91425" tIns="91425" rIns="91425" bIns="91425" anchor="t" anchorCtr="0">
             <a:noAutofit/>
           </a:bodyPr>
           <a:lstStyle/>
           <a:p>
-            <a:pPr indent="0" lvl="0" marL="0" rtl="0" algn="l">
+            <a:pPr marL="0" lvl="0" indent="0" algn="l" rtl="0">
               <a:spcBef>
                 <a:spcPts val="600"/>
               </a:spcBef>
@@ -7275,7 +7668,7 @@
               <a:t>Now click </a:t>
             </a:r>
             <a:r>
-              <a:rPr i="1" lang="en" sz="1600"/>
+              <a:rPr lang="en" sz="1600" i="1"/>
               <a:t>Apply</a:t>
             </a:r>
             <a:r>
@@ -7283,7 +7676,7 @@
               <a:t> and press the </a:t>
             </a:r>
             <a:r>
-              <a:rPr i="1" lang="en" sz="1600"/>
+              <a:rPr lang="en" sz="1600" i="1"/>
               <a:t>Play</a:t>
             </a:r>
             <a:r>
@@ -7293,7 +7686,7 @@
             <a:endParaRPr sz="1600"/>
           </a:p>
           <a:p>
-            <a:pPr indent="0" lvl="0" marL="0" rtl="0" algn="l">
+            <a:pPr marL="0" lvl="0" indent="0" algn="l" rtl="0">
               <a:spcBef>
                 <a:spcPts val="600"/>
               </a:spcBef>
@@ -7314,7 +7707,7 @@
             <a:endParaRPr sz="1600"/>
           </a:p>
           <a:p>
-            <a:pPr indent="0" lvl="0" marL="0" rtl="0" algn="l">
+            <a:pPr marL="0" lvl="0" indent="0" algn="l" rtl="0">
               <a:spcBef>
                 <a:spcPts val="600"/>
               </a:spcBef>
@@ -7323,9 +7716,6 @@
               </a:spcAft>
               <a:buNone/>
             </a:pPr>
-            <a:r>
-              <a:t/>
-            </a:r>
             <a:endParaRPr sz="1600"/>
           </a:p>
         </p:txBody>
@@ -7373,14 +7763,14 @@
             <a:avLst/>
           </a:prstGeom>
           <a:noFill/>
-          <a:ln cap="flat" cmpd="sng" w="28575">
+          <a:ln w="28575" cap="flat" cmpd="sng">
             <a:solidFill>
               <a:srgbClr val="FF0000"/>
             </a:solidFill>
             <a:prstDash val="solid"/>
             <a:round/>
-            <a:headEnd len="med" w="med" type="none"/>
-            <a:tailEnd len="med" w="med" type="triangle"/>
+            <a:headEnd type="none" w="med" len="med"/>
+            <a:tailEnd type="triangle" w="med" len="med"/>
           </a:ln>
         </p:spPr>
       </p:cxnSp>
@@ -7404,12 +7794,12 @@
           </a:ln>
         </p:spPr>
         <p:txBody>
-          <a:bodyPr anchorCtr="0" anchor="t" bIns="91425" lIns="91425" spcFirstLastPara="1" rIns="91425" wrap="square" tIns="91425">
+          <a:bodyPr spcFirstLastPara="1" wrap="square" lIns="91425" tIns="91425" rIns="91425" bIns="91425" anchor="t" anchorCtr="0">
             <a:noAutofit/>
           </a:bodyPr>
           <a:lstStyle/>
           <a:p>
-            <a:pPr indent="0" lvl="0" marL="0" rtl="0" algn="l">
+            <a:pPr marL="0" lvl="0" indent="0" algn="l" rtl="0">
               <a:spcBef>
                 <a:spcPts val="0"/>
               </a:spcBef>
@@ -7434,12 +7824,12 @@
 </p:sld>
 </file>
 
-<file path=ppt/slides/slide14.xml><?xml version="1.0" encoding="utf-8"?>
-<p:sld xmlns:a="http://schemas.openxmlformats.org/drawingml/2006/main" xmlns:r="http://schemas.openxmlformats.org/officeDocument/2006/relationships" xmlns:mc="http://schemas.openxmlformats.org/markup-compatibility/2006" xmlns:mv="urn:schemas-microsoft-com:mac:vml" xmlns:p="http://schemas.openxmlformats.org/presentationml/2006/main" xmlns:c="http://schemas.openxmlformats.org/drawingml/2006/chart" xmlns:dgm="http://schemas.openxmlformats.org/drawingml/2006/diagram" xmlns:o="urn:schemas-microsoft-com:office:office" xmlns:v="urn:schemas-microsoft-com:vml" xmlns:pvml="urn:schemas-microsoft-com:office:powerpoint" xmlns:com="http://schemas.openxmlformats.org/drawingml/2006/compatibility" xmlns:p14="http://schemas.microsoft.com/office/powerpoint/2010/main" xmlns:p15="http://schemas.microsoft.com/office/powerpoint/2012/main">
+<file path=ppt/slides/slide15.xml><?xml version="1.0" encoding="utf-8"?>
+<p:sld xmlns:a="http://schemas.openxmlformats.org/drawingml/2006/main" xmlns:r="http://schemas.openxmlformats.org/officeDocument/2006/relationships" xmlns:p="http://schemas.openxmlformats.org/presentationml/2006/main">
   <p:cSld>
     <p:spTree>
       <p:nvGrpSpPr>
-        <p:cNvPr id="126" name="Shape 126"/>
+        <p:cNvPr id="1" name="Shape 126"/>
         <p:cNvGrpSpPr/>
         <p:nvPr/>
       </p:nvGrpSpPr>
@@ -7454,7 +7844,9 @@
       <p:sp>
         <p:nvSpPr>
           <p:cNvPr id="127" name="Google Shape;127;p21"/>
-          <p:cNvSpPr txBox="1"/>
+          <p:cNvSpPr txBox="1">
+            <a:spLocks noGrp="1"/>
+          </p:cNvSpPr>
           <p:nvPr>
             <p:ph type="title"/>
           </p:nvPr>
@@ -7469,12 +7861,12 @@
           </a:prstGeom>
         </p:spPr>
         <p:txBody>
-          <a:bodyPr anchorCtr="0" anchor="b" bIns="91425" lIns="91425" spcFirstLastPara="1" rIns="91425" wrap="square" tIns="91425">
+          <a:bodyPr spcFirstLastPara="1" wrap="square" lIns="91425" tIns="91425" rIns="91425" bIns="91425" anchor="b" anchorCtr="0">
             <a:noAutofit/>
           </a:bodyPr>
           <a:lstStyle/>
           <a:p>
-            <a:pPr indent="0" lvl="0" marL="0" rtl="0" algn="l">
+            <a:pPr marL="0" lvl="0" indent="0" algn="l" rtl="0">
               <a:spcBef>
                 <a:spcPts val="0"/>
               </a:spcBef>
@@ -7494,9 +7886,11 @@
       <p:sp>
         <p:nvSpPr>
           <p:cNvPr id="128" name="Google Shape;128;p21"/>
-          <p:cNvSpPr txBox="1"/>
+          <p:cNvSpPr txBox="1">
+            <a:spLocks noGrp="1"/>
+          </p:cNvSpPr>
           <p:nvPr>
-            <p:ph idx="1" type="body"/>
+            <p:ph type="body" idx="1"/>
           </p:nvPr>
         </p:nvSpPr>
         <p:spPr>
@@ -7509,12 +7903,12 @@
           </a:prstGeom>
         </p:spPr>
         <p:txBody>
-          <a:bodyPr anchorCtr="0" anchor="t" bIns="91425" lIns="91425" spcFirstLastPara="1" rIns="91425" wrap="square" tIns="91425">
+          <a:bodyPr spcFirstLastPara="1" wrap="square" lIns="91425" tIns="91425" rIns="91425" bIns="91425" anchor="t" anchorCtr="0">
             <a:noAutofit/>
           </a:bodyPr>
           <a:lstStyle/>
           <a:p>
-            <a:pPr indent="0" lvl="0" marL="0" rtl="0" algn="l">
+            <a:pPr marL="0" lvl="0" indent="0" algn="l" rtl="0">
               <a:spcBef>
                 <a:spcPts val="600"/>
               </a:spcBef>
@@ -7533,7 +7927,7 @@
               <a:t>Next we will add the velocity vectors. To do this make sure the </a:t>
             </a:r>
             <a:r>
-              <a:rPr i="1" lang="en" sz="1600"/>
+              <a:rPr lang="en" sz="1600" i="1"/>
               <a:t>Active Source</a:t>
             </a:r>
             <a:r>
@@ -7541,7 +7935,7 @@
               <a:t> is </a:t>
             </a:r>
             <a:r>
-              <a:rPr i="1" lang="en" sz="1600"/>
+              <a:rPr lang="en" sz="1600" i="1"/>
               <a:t>dumps.visit </a:t>
             </a:r>
             <a:r>
@@ -7549,7 +7943,7 @@
               <a:t>and then click the </a:t>
             </a:r>
             <a:r>
-              <a:rPr i="1" lang="en" sz="1600"/>
+              <a:rPr lang="en" sz="1600" i="1"/>
               <a:t>Add</a:t>
             </a:r>
             <a:r>
@@ -7557,7 +7951,7 @@
               <a:t> button and then highlight the choice for </a:t>
             </a:r>
             <a:r>
-              <a:rPr i="1" lang="en" sz="1600"/>
+              <a:rPr lang="en" sz="1600" i="1"/>
               <a:t>Vector</a:t>
             </a:r>
             <a:r>
@@ -7565,7 +7959,7 @@
               <a:t> and click on </a:t>
             </a:r>
             <a:r>
-              <a:rPr i="1" lang="en" sz="1600"/>
+              <a:rPr lang="en" sz="1600" i="1"/>
               <a:t>U</a:t>
             </a:r>
             <a:r>
@@ -7575,7 +7969,7 @@
             <a:endParaRPr sz="1600"/>
           </a:p>
           <a:p>
-            <a:pPr indent="0" lvl="0" marL="0" rtl="0" algn="l">
+            <a:pPr marL="0" lvl="0" indent="0" algn="l" rtl="0">
               <a:spcBef>
                 <a:spcPts val="600"/>
               </a:spcBef>
@@ -7594,7 +7988,7 @@
               <a:t>Next we will click </a:t>
             </a:r>
             <a:r>
-              <a:rPr i="1" lang="en" sz="1600"/>
+              <a:rPr lang="en" sz="1600" i="1"/>
               <a:t>Draw</a:t>
             </a:r>
             <a:r>
@@ -7602,7 +7996,7 @@
               <a:t>, like we did for </a:t>
             </a:r>
             <a:r>
-              <a:rPr i="1" lang="en" sz="1600"/>
+              <a:rPr lang="en" sz="1600" i="1"/>
               <a:t>vorticity</a:t>
             </a:r>
             <a:r>
@@ -7612,7 +8006,7 @@
             <a:endParaRPr sz="1600"/>
           </a:p>
           <a:p>
-            <a:pPr indent="0" lvl="0" marL="0" rtl="0" algn="l">
+            <a:pPr marL="0" lvl="0" indent="0" algn="l" rtl="0">
               <a:spcBef>
                 <a:spcPts val="600"/>
               </a:spcBef>
@@ -7621,9 +8015,6 @@
               </a:spcAft>
               <a:buNone/>
             </a:pPr>
-            <a:r>
-              <a:t/>
-            </a:r>
             <a:endParaRPr/>
           </a:p>
         </p:txBody>
@@ -7692,12 +8083,12 @@
 </p:sld>
 </file>
 
-<file path=ppt/slides/slide15.xml><?xml version="1.0" encoding="utf-8"?>
-<p:sld xmlns:a="http://schemas.openxmlformats.org/drawingml/2006/main" xmlns:r="http://schemas.openxmlformats.org/officeDocument/2006/relationships" xmlns:mc="http://schemas.openxmlformats.org/markup-compatibility/2006" xmlns:mv="urn:schemas-microsoft-com:mac:vml" xmlns:p="http://schemas.openxmlformats.org/presentationml/2006/main" xmlns:c="http://schemas.openxmlformats.org/drawingml/2006/chart" xmlns:dgm="http://schemas.openxmlformats.org/drawingml/2006/diagram" xmlns:o="urn:schemas-microsoft-com:office:office" xmlns:v="urn:schemas-microsoft-com:vml" xmlns:pvml="urn:schemas-microsoft-com:office:powerpoint" xmlns:com="http://schemas.openxmlformats.org/drawingml/2006/compatibility" xmlns:p14="http://schemas.microsoft.com/office/powerpoint/2010/main" xmlns:p15="http://schemas.microsoft.com/office/powerpoint/2012/main">
+<file path=ppt/slides/slide16.xml><?xml version="1.0" encoding="utf-8"?>
+<p:sld xmlns:a="http://schemas.openxmlformats.org/drawingml/2006/main" xmlns:r="http://schemas.openxmlformats.org/officeDocument/2006/relationships" xmlns:p="http://schemas.openxmlformats.org/presentationml/2006/main">
   <p:cSld>
     <p:spTree>
       <p:nvGrpSpPr>
-        <p:cNvPr id="134" name="Shape 134"/>
+        <p:cNvPr id="1" name="Shape 134"/>
         <p:cNvGrpSpPr/>
         <p:nvPr/>
       </p:nvGrpSpPr>
@@ -7712,7 +8103,9 @@
       <p:sp>
         <p:nvSpPr>
           <p:cNvPr id="135" name="Google Shape;135;p22"/>
-          <p:cNvSpPr txBox="1"/>
+          <p:cNvSpPr txBox="1">
+            <a:spLocks noGrp="1"/>
+          </p:cNvSpPr>
           <p:nvPr>
             <p:ph type="title"/>
           </p:nvPr>
@@ -7727,12 +8120,12 @@
           </a:prstGeom>
         </p:spPr>
         <p:txBody>
-          <a:bodyPr anchorCtr="0" anchor="b" bIns="91425" lIns="91425" spcFirstLastPara="1" rIns="91425" wrap="square" tIns="91425">
+          <a:bodyPr spcFirstLastPara="1" wrap="square" lIns="91425" tIns="91425" rIns="91425" bIns="91425" anchor="b" anchorCtr="0">
             <a:noAutofit/>
           </a:bodyPr>
           <a:lstStyle/>
           <a:p>
-            <a:pPr indent="0" lvl="0" marL="0" rtl="0" algn="l">
+            <a:pPr marL="0" lvl="0" indent="0" algn="l" rtl="0">
               <a:spcBef>
                 <a:spcPts val="0"/>
               </a:spcBef>
@@ -7752,9 +8145,11 @@
       <p:sp>
         <p:nvSpPr>
           <p:cNvPr id="136" name="Google Shape;136;p22"/>
-          <p:cNvSpPr txBox="1"/>
+          <p:cNvSpPr txBox="1">
+            <a:spLocks noGrp="1"/>
+          </p:cNvSpPr>
           <p:nvPr>
-            <p:ph idx="1" type="body"/>
+            <p:ph type="body" idx="1"/>
           </p:nvPr>
         </p:nvSpPr>
         <p:spPr>
@@ -7767,12 +8162,12 @@
           </a:prstGeom>
         </p:spPr>
         <p:txBody>
-          <a:bodyPr anchorCtr="0" anchor="t" bIns="91425" lIns="91425" spcFirstLastPara="1" rIns="91425" wrap="square" tIns="91425">
+          <a:bodyPr spcFirstLastPara="1" wrap="square" lIns="91425" tIns="91425" rIns="91425" bIns="91425" anchor="t" anchorCtr="0">
             <a:noAutofit/>
           </a:bodyPr>
           <a:lstStyle/>
           <a:p>
-            <a:pPr indent="0" lvl="0" marL="0" rtl="0" algn="l">
+            <a:pPr marL="0" lvl="0" indent="0" algn="l" rtl="0">
               <a:spcBef>
                 <a:spcPts val="600"/>
               </a:spcBef>
@@ -7791,7 +8186,7 @@
               <a:t>Next we will have to customize the velocity vectors to see them. Double-click on </a:t>
             </a:r>
             <a:r>
-              <a:rPr i="1" lang="en" sz="1600"/>
+              <a:rPr lang="en" sz="1600" i="1"/>
               <a:t>dumps.visit:Vector-U</a:t>
             </a:r>
             <a:r>
@@ -7799,7 +8194,7 @@
               <a:t> and a dialog box will open. First we want to click </a:t>
             </a:r>
             <a:r>
-              <a:rPr i="1" lang="en" sz="1600"/>
+              <a:rPr lang="en" sz="1600" i="1"/>
               <a:t>uniformly located throughout mesh </a:t>
             </a:r>
             <a:r>
@@ -7807,7 +8202,7 @@
               <a:t>add more vectors onto our mesh by clicking </a:t>
             </a:r>
             <a:r>
-              <a:rPr i="1" lang="en" sz="1600"/>
+              <a:rPr lang="en" sz="1600" i="1"/>
               <a:t>fixed number</a:t>
             </a:r>
             <a:r>
@@ -7817,7 +8212,7 @@
             <a:endParaRPr sz="1600"/>
           </a:p>
           <a:p>
-            <a:pPr indent="0" lvl="0" marL="0" rtl="0" algn="l">
+            <a:pPr marL="0" lvl="0" indent="0" algn="l" rtl="0">
               <a:spcBef>
                 <a:spcPts val="600"/>
               </a:spcBef>
@@ -7826,9 +8221,6 @@
               </a:spcAft>
               <a:buNone/>
             </a:pPr>
-            <a:r>
-              <a:t/>
-            </a:r>
             <a:endParaRPr sz="1600"/>
           </a:p>
         </p:txBody>
@@ -7869,12 +8261,12 @@
 </p:sld>
 </file>
 
-<file path=ppt/slides/slide16.xml><?xml version="1.0" encoding="utf-8"?>
-<p:sld xmlns:a="http://schemas.openxmlformats.org/drawingml/2006/main" xmlns:r="http://schemas.openxmlformats.org/officeDocument/2006/relationships" xmlns:mc="http://schemas.openxmlformats.org/markup-compatibility/2006" xmlns:mv="urn:schemas-microsoft-com:mac:vml" xmlns:p="http://schemas.openxmlformats.org/presentationml/2006/main" xmlns:c="http://schemas.openxmlformats.org/drawingml/2006/chart" xmlns:dgm="http://schemas.openxmlformats.org/drawingml/2006/diagram" xmlns:o="urn:schemas-microsoft-com:office:office" xmlns:v="urn:schemas-microsoft-com:vml" xmlns:pvml="urn:schemas-microsoft-com:office:powerpoint" xmlns:com="http://schemas.openxmlformats.org/drawingml/2006/compatibility" xmlns:p14="http://schemas.microsoft.com/office/powerpoint/2010/main" xmlns:p15="http://schemas.microsoft.com/office/powerpoint/2012/main">
+<file path=ppt/slides/slide17.xml><?xml version="1.0" encoding="utf-8"?>
+<p:sld xmlns:a="http://schemas.openxmlformats.org/drawingml/2006/main" xmlns:r="http://schemas.openxmlformats.org/officeDocument/2006/relationships" xmlns:p="http://schemas.openxmlformats.org/presentationml/2006/main">
   <p:cSld>
     <p:spTree>
       <p:nvGrpSpPr>
-        <p:cNvPr id="141" name="Shape 141"/>
+        <p:cNvPr id="1" name="Shape 141"/>
         <p:cNvGrpSpPr/>
         <p:nvPr/>
       </p:nvGrpSpPr>
@@ -7889,7 +8281,9 @@
       <p:sp>
         <p:nvSpPr>
           <p:cNvPr id="142" name="Google Shape;142;p23"/>
-          <p:cNvSpPr txBox="1"/>
+          <p:cNvSpPr txBox="1">
+            <a:spLocks noGrp="1"/>
+          </p:cNvSpPr>
           <p:nvPr>
             <p:ph type="title"/>
           </p:nvPr>
@@ -7904,12 +8298,12 @@
           </a:prstGeom>
         </p:spPr>
         <p:txBody>
-          <a:bodyPr anchorCtr="0" anchor="b" bIns="91425" lIns="91425" spcFirstLastPara="1" rIns="91425" wrap="square" tIns="91425">
+          <a:bodyPr spcFirstLastPara="1" wrap="square" lIns="91425" tIns="91425" rIns="91425" bIns="91425" anchor="b" anchorCtr="0">
             <a:noAutofit/>
           </a:bodyPr>
           <a:lstStyle/>
           <a:p>
-            <a:pPr indent="0" lvl="0" marL="0" rtl="0" algn="l">
+            <a:pPr marL="0" lvl="0" indent="0" algn="l" rtl="0">
               <a:spcBef>
                 <a:spcPts val="0"/>
               </a:spcBef>
@@ -7929,9 +8323,11 @@
       <p:sp>
         <p:nvSpPr>
           <p:cNvPr id="143" name="Google Shape;143;p23"/>
-          <p:cNvSpPr txBox="1"/>
+          <p:cNvSpPr txBox="1">
+            <a:spLocks noGrp="1"/>
+          </p:cNvSpPr>
           <p:nvPr>
-            <p:ph idx="1" type="body"/>
+            <p:ph type="body" idx="1"/>
           </p:nvPr>
         </p:nvSpPr>
         <p:spPr>
@@ -7944,12 +8340,12 @@
           </a:prstGeom>
         </p:spPr>
         <p:txBody>
-          <a:bodyPr anchorCtr="0" anchor="t" bIns="91425" lIns="91425" spcFirstLastPara="1" rIns="91425" wrap="square" tIns="91425">
+          <a:bodyPr spcFirstLastPara="1" wrap="square" lIns="91425" tIns="91425" rIns="91425" bIns="91425" anchor="t" anchorCtr="0">
             <a:noAutofit/>
           </a:bodyPr>
           <a:lstStyle/>
           <a:p>
-            <a:pPr indent="0" lvl="0" marL="0" rtl="0" algn="l">
+            <a:pPr marL="0" lvl="0" indent="0" algn="l" rtl="0">
               <a:spcBef>
                 <a:spcPts val="600"/>
               </a:spcBef>
@@ -7968,7 +8364,7 @@
               <a:t>Next click the tab that reads </a:t>
             </a:r>
             <a:r>
-              <a:rPr i="1" lang="en" sz="1600"/>
+              <a:rPr lang="en" sz="1600" i="1"/>
               <a:t>Form</a:t>
             </a:r>
             <a:r>
@@ -7988,7 +8384,7 @@
               <a:t> (do not use 0.04) and to </a:t>
             </a:r>
             <a:r>
-              <a:rPr i="1" lang="en" sz="1600"/>
+              <a:rPr lang="en" sz="1600" i="1"/>
               <a:t>Scale by Magnitude</a:t>
             </a:r>
             <a:r>
@@ -7996,7 +8392,7 @@
               <a:t>. The other thing I changed was the </a:t>
             </a:r>
             <a:r>
-              <a:rPr i="1" lang="en" sz="1600"/>
+              <a:rPr lang="en" sz="1600" i="1"/>
               <a:t>Draw head Size</a:t>
             </a:r>
             <a:r>
@@ -8006,7 +8402,7 @@
             <a:endParaRPr sz="1600"/>
           </a:p>
           <a:p>
-            <a:pPr indent="0" lvl="0" marL="0" rtl="0" algn="l">
+            <a:pPr marL="0" lvl="0" indent="0" algn="l" rtl="0">
               <a:spcBef>
                 <a:spcPts val="600"/>
               </a:spcBef>
@@ -8015,9 +8411,6 @@
               </a:spcAft>
               <a:buNone/>
             </a:pPr>
-            <a:r>
-              <a:t/>
-            </a:r>
             <a:endParaRPr sz="1600"/>
           </a:p>
         </p:txBody>
@@ -8058,12 +8451,12 @@
 </p:sld>
 </file>
 
-<file path=ppt/slides/slide17.xml><?xml version="1.0" encoding="utf-8"?>
-<p:sld xmlns:a="http://schemas.openxmlformats.org/drawingml/2006/main" xmlns:r="http://schemas.openxmlformats.org/officeDocument/2006/relationships" xmlns:mc="http://schemas.openxmlformats.org/markup-compatibility/2006" xmlns:mv="urn:schemas-microsoft-com:mac:vml" xmlns:p="http://schemas.openxmlformats.org/presentationml/2006/main" xmlns:c="http://schemas.openxmlformats.org/drawingml/2006/chart" xmlns:dgm="http://schemas.openxmlformats.org/drawingml/2006/diagram" xmlns:o="urn:schemas-microsoft-com:office:office" xmlns:v="urn:schemas-microsoft-com:vml" xmlns:pvml="urn:schemas-microsoft-com:office:powerpoint" xmlns:com="http://schemas.openxmlformats.org/drawingml/2006/compatibility" xmlns:p14="http://schemas.microsoft.com/office/powerpoint/2010/main" xmlns:p15="http://schemas.microsoft.com/office/powerpoint/2012/main">
+<file path=ppt/slides/slide18.xml><?xml version="1.0" encoding="utf-8"?>
+<p:sld xmlns:a="http://schemas.openxmlformats.org/drawingml/2006/main" xmlns:r="http://schemas.openxmlformats.org/officeDocument/2006/relationships" xmlns:p="http://schemas.openxmlformats.org/presentationml/2006/main">
   <p:cSld>
     <p:spTree>
       <p:nvGrpSpPr>
-        <p:cNvPr id="148" name="Shape 148"/>
+        <p:cNvPr id="1" name="Shape 148"/>
         <p:cNvGrpSpPr/>
         <p:nvPr/>
       </p:nvGrpSpPr>
@@ -8078,7 +8471,9 @@
       <p:sp>
         <p:nvSpPr>
           <p:cNvPr id="149" name="Google Shape;149;p24"/>
-          <p:cNvSpPr txBox="1"/>
+          <p:cNvSpPr txBox="1">
+            <a:spLocks noGrp="1"/>
+          </p:cNvSpPr>
           <p:nvPr>
             <p:ph type="title"/>
           </p:nvPr>
@@ -8093,12 +8488,12 @@
           </a:prstGeom>
         </p:spPr>
         <p:txBody>
-          <a:bodyPr anchorCtr="0" anchor="b" bIns="91425" lIns="91425" spcFirstLastPara="1" rIns="91425" wrap="square" tIns="91425">
+          <a:bodyPr spcFirstLastPara="1" wrap="square" lIns="91425" tIns="91425" rIns="91425" bIns="91425" anchor="b" anchorCtr="0">
             <a:noAutofit/>
           </a:bodyPr>
           <a:lstStyle/>
           <a:p>
-            <a:pPr indent="0" lvl="0" marL="0" rtl="0" algn="l">
+            <a:pPr marL="0" lvl="0" indent="0" algn="l" rtl="0">
               <a:spcBef>
                 <a:spcPts val="0"/>
               </a:spcBef>
@@ -8118,9 +8513,11 @@
       <p:sp>
         <p:nvSpPr>
           <p:cNvPr id="150" name="Google Shape;150;p24"/>
-          <p:cNvSpPr txBox="1"/>
+          <p:cNvSpPr txBox="1">
+            <a:spLocks noGrp="1"/>
+          </p:cNvSpPr>
           <p:nvPr>
-            <p:ph idx="1" type="body"/>
+            <p:ph type="body" idx="1"/>
           </p:nvPr>
         </p:nvSpPr>
         <p:spPr>
@@ -8133,12 +8530,12 @@
           </a:prstGeom>
         </p:spPr>
         <p:txBody>
-          <a:bodyPr anchorCtr="0" anchor="t" bIns="91425" lIns="91425" spcFirstLastPara="1" rIns="91425" wrap="square" tIns="91425">
+          <a:bodyPr spcFirstLastPara="1" wrap="square" lIns="91425" tIns="91425" rIns="91425" bIns="91425" anchor="t" anchorCtr="0">
             <a:noAutofit/>
           </a:bodyPr>
           <a:lstStyle/>
           <a:p>
-            <a:pPr indent="0" lvl="0" marL="0" rtl="0" algn="l">
+            <a:pPr marL="0" lvl="0" indent="0" algn="l" rtl="0">
               <a:spcBef>
                 <a:spcPts val="600"/>
               </a:spcBef>
@@ -8157,7 +8554,7 @@
               <a:t>Next tab over to </a:t>
             </a:r>
             <a:r>
-              <a:rPr i="1" lang="en" sz="1600"/>
+              <a:rPr lang="en" sz="1600" i="1"/>
               <a:t>Rendering</a:t>
             </a:r>
             <a:r>
@@ -8165,7 +8562,7 @@
               <a:t> and click </a:t>
             </a:r>
             <a:r>
-              <a:rPr i="1" lang="en" sz="1600"/>
+              <a:rPr lang="en" sz="1600" i="1"/>
               <a:t>Constant </a:t>
             </a:r>
             <a:r>
@@ -8173,7 +8570,7 @@
               <a:t>under the </a:t>
             </a:r>
             <a:r>
-              <a:rPr i="1" lang="en" sz="1600"/>
+              <a:rPr lang="en" sz="1600" i="1"/>
               <a:t>Color </a:t>
             </a:r>
             <a:r>
@@ -8183,7 +8580,7 @@
             <a:endParaRPr sz="1600"/>
           </a:p>
           <a:p>
-            <a:pPr indent="0" lvl="0" marL="0" rtl="0" algn="l">
+            <a:pPr marL="0" lvl="0" indent="0" algn="l" rtl="0">
               <a:spcBef>
                 <a:spcPts val="600"/>
               </a:spcBef>
@@ -8192,9 +8589,6 @@
               </a:spcAft>
               <a:buNone/>
             </a:pPr>
-            <a:r>
-              <a:t/>
-            </a:r>
             <a:endParaRPr sz="1600"/>
           </a:p>
         </p:txBody>
@@ -8235,12 +8629,12 @@
 </p:sld>
 </file>
 
-<file path=ppt/slides/slide18.xml><?xml version="1.0" encoding="utf-8"?>
-<p:sld xmlns:a="http://schemas.openxmlformats.org/drawingml/2006/main" xmlns:r="http://schemas.openxmlformats.org/officeDocument/2006/relationships" xmlns:mc="http://schemas.openxmlformats.org/markup-compatibility/2006" xmlns:mv="urn:schemas-microsoft-com:mac:vml" xmlns:p="http://schemas.openxmlformats.org/presentationml/2006/main" xmlns:c="http://schemas.openxmlformats.org/drawingml/2006/chart" xmlns:dgm="http://schemas.openxmlformats.org/drawingml/2006/diagram" xmlns:o="urn:schemas-microsoft-com:office:office" xmlns:v="urn:schemas-microsoft-com:vml" xmlns:pvml="urn:schemas-microsoft-com:office:powerpoint" xmlns:com="http://schemas.openxmlformats.org/drawingml/2006/compatibility" xmlns:p14="http://schemas.microsoft.com/office/powerpoint/2010/main" xmlns:p15="http://schemas.microsoft.com/office/powerpoint/2012/main">
+<file path=ppt/slides/slide19.xml><?xml version="1.0" encoding="utf-8"?>
+<p:sld xmlns:a="http://schemas.openxmlformats.org/drawingml/2006/main" xmlns:r="http://schemas.openxmlformats.org/officeDocument/2006/relationships" xmlns:p="http://schemas.openxmlformats.org/presentationml/2006/main">
   <p:cSld>
     <p:spTree>
       <p:nvGrpSpPr>
-        <p:cNvPr id="155" name="Shape 155"/>
+        <p:cNvPr id="1" name="Shape 155"/>
         <p:cNvGrpSpPr/>
         <p:nvPr/>
       </p:nvGrpSpPr>
@@ -8255,7 +8649,9 @@
       <p:sp>
         <p:nvSpPr>
           <p:cNvPr id="156" name="Google Shape;156;p25"/>
-          <p:cNvSpPr txBox="1"/>
+          <p:cNvSpPr txBox="1">
+            <a:spLocks noGrp="1"/>
+          </p:cNvSpPr>
           <p:nvPr>
             <p:ph type="title"/>
           </p:nvPr>
@@ -8270,12 +8666,12 @@
           </a:prstGeom>
         </p:spPr>
         <p:txBody>
-          <a:bodyPr anchorCtr="0" anchor="b" bIns="91425" lIns="91425" spcFirstLastPara="1" rIns="91425" wrap="square" tIns="91425">
+          <a:bodyPr spcFirstLastPara="1" wrap="square" lIns="91425" tIns="91425" rIns="91425" bIns="91425" anchor="b" anchorCtr="0">
             <a:noAutofit/>
           </a:bodyPr>
           <a:lstStyle/>
           <a:p>
-            <a:pPr indent="0" lvl="0" marL="0" rtl="0" algn="l">
+            <a:pPr marL="0" lvl="0" indent="0" algn="l" rtl="0">
               <a:spcBef>
                 <a:spcPts val="0"/>
               </a:spcBef>
@@ -8295,9 +8691,11 @@
       <p:sp>
         <p:nvSpPr>
           <p:cNvPr id="157" name="Google Shape;157;p25"/>
-          <p:cNvSpPr txBox="1"/>
+          <p:cNvSpPr txBox="1">
+            <a:spLocks noGrp="1"/>
+          </p:cNvSpPr>
           <p:nvPr>
-            <p:ph idx="1" type="body"/>
+            <p:ph type="body" idx="1"/>
           </p:nvPr>
         </p:nvSpPr>
         <p:spPr>
@@ -8310,12 +8708,12 @@
           </a:prstGeom>
         </p:spPr>
         <p:txBody>
-          <a:bodyPr anchorCtr="0" anchor="t" bIns="91425" lIns="91425" spcFirstLastPara="1" rIns="91425" wrap="square" tIns="91425">
+          <a:bodyPr spcFirstLastPara="1" wrap="square" lIns="91425" tIns="91425" rIns="91425" bIns="91425" anchor="t" anchorCtr="0">
             <a:noAutofit/>
           </a:bodyPr>
           <a:lstStyle/>
           <a:p>
-            <a:pPr indent="0" lvl="0" marL="0" rtl="0" algn="l">
+            <a:pPr marL="0" lvl="0" indent="0" algn="l" rtl="0">
               <a:spcBef>
                 <a:spcPts val="600"/>
               </a:spcBef>
@@ -8334,7 +8732,7 @@
               <a:t>After you click </a:t>
             </a:r>
             <a:r>
-              <a:rPr i="1" lang="en" sz="1600"/>
+              <a:rPr lang="en" sz="1600" i="1"/>
               <a:t>Apply</a:t>
             </a:r>
             <a:r>
@@ -8344,7 +8742,7 @@
             <a:endParaRPr sz="1600"/>
           </a:p>
           <a:p>
-            <a:pPr indent="0" lvl="0" marL="0" rtl="0" algn="l">
+            <a:pPr marL="0" lvl="0" indent="0" algn="l" rtl="0">
               <a:spcBef>
                 <a:spcPts val="600"/>
               </a:spcBef>
@@ -8353,9 +8751,6 @@
               </a:spcAft>
               <a:buNone/>
             </a:pPr>
-            <a:r>
-              <a:t/>
-            </a:r>
             <a:endParaRPr sz="1600"/>
           </a:p>
         </p:txBody>
@@ -8396,317 +8791,12 @@
 </p:sld>
 </file>
 
-<file path=ppt/slides/slide19.xml><?xml version="1.0" encoding="utf-8"?>
-<p:sld xmlns:a="http://schemas.openxmlformats.org/drawingml/2006/main" xmlns:r="http://schemas.openxmlformats.org/officeDocument/2006/relationships" xmlns:mc="http://schemas.openxmlformats.org/markup-compatibility/2006" xmlns:mv="urn:schemas-microsoft-com:mac:vml" xmlns:p="http://schemas.openxmlformats.org/presentationml/2006/main" xmlns:c="http://schemas.openxmlformats.org/drawingml/2006/chart" xmlns:dgm="http://schemas.openxmlformats.org/drawingml/2006/diagram" xmlns:o="urn:schemas-microsoft-com:office:office" xmlns:v="urn:schemas-microsoft-com:vml" xmlns:pvml="urn:schemas-microsoft-com:office:powerpoint" xmlns:com="http://schemas.openxmlformats.org/drawingml/2006/compatibility" xmlns:p14="http://schemas.microsoft.com/office/powerpoint/2010/main" xmlns:p15="http://schemas.microsoft.com/office/powerpoint/2012/main">
+<file path=ppt/slides/slide2.xml><?xml version="1.0" encoding="utf-8"?>
+<p:sld xmlns:a="http://schemas.openxmlformats.org/drawingml/2006/main" xmlns:r="http://schemas.openxmlformats.org/officeDocument/2006/relationships" xmlns:p="http://schemas.openxmlformats.org/presentationml/2006/main">
   <p:cSld>
     <p:spTree>
       <p:nvGrpSpPr>
-        <p:cNvPr id="162" name="Shape 162"/>
-        <p:cNvGrpSpPr/>
-        <p:nvPr/>
-      </p:nvGrpSpPr>
-      <p:grpSpPr>
-        <a:xfrm>
-          <a:off x="0" y="0"/>
-          <a:ext cx="0" cy="0"/>
-          <a:chOff x="0" y="0"/>
-          <a:chExt cx="0" cy="0"/>
-        </a:xfrm>
-      </p:grpSpPr>
-      <p:sp>
-        <p:nvSpPr>
-          <p:cNvPr id="163" name="Google Shape;163;p26"/>
-          <p:cNvSpPr txBox="1"/>
-          <p:nvPr>
-            <p:ph type="title"/>
-          </p:nvPr>
-        </p:nvSpPr>
-        <p:spPr>
-          <a:xfrm>
-            <a:off x="457200" y="205978"/>
-            <a:ext cx="8229600" cy="857400"/>
-          </a:xfrm>
-          <a:prstGeom prst="rect">
-            <a:avLst/>
-          </a:prstGeom>
-        </p:spPr>
-        <p:txBody>
-          <a:bodyPr anchorCtr="0" anchor="b" bIns="91425" lIns="91425" spcFirstLastPara="1" rIns="91425" wrap="square" tIns="91425">
-            <a:noAutofit/>
-          </a:bodyPr>
-          <a:lstStyle/>
-          <a:p>
-            <a:pPr indent="0" lvl="0" marL="0" rtl="0" algn="l">
-              <a:spcBef>
-                <a:spcPts val="0"/>
-              </a:spcBef>
-              <a:spcAft>
-                <a:spcPts val="0"/>
-              </a:spcAft>
-              <a:buNone/>
-            </a:pPr>
-            <a:r>
-              <a:rPr lang="en"/>
-              <a:t>Zoom</a:t>
-            </a:r>
-            <a:endParaRPr/>
-          </a:p>
-        </p:txBody>
-      </p:sp>
-      <p:sp>
-        <p:nvSpPr>
-          <p:cNvPr id="164" name="Google Shape;164;p26"/>
-          <p:cNvSpPr txBox="1"/>
-          <p:nvPr>
-            <p:ph idx="1" type="body"/>
-          </p:nvPr>
-        </p:nvSpPr>
-        <p:spPr>
-          <a:xfrm>
-            <a:off x="457200" y="1200150"/>
-            <a:ext cx="8229600" cy="3725700"/>
-          </a:xfrm>
-          <a:prstGeom prst="rect">
-            <a:avLst/>
-          </a:prstGeom>
-        </p:spPr>
-        <p:txBody>
-          <a:bodyPr anchorCtr="0" anchor="t" bIns="91425" lIns="91425" spcFirstLastPara="1" rIns="91425" wrap="square" tIns="91425">
-            <a:noAutofit/>
-          </a:bodyPr>
-          <a:lstStyle/>
-          <a:p>
-            <a:pPr indent="0" lvl="0" marL="0" rtl="0" algn="l">
-              <a:spcBef>
-                <a:spcPts val="600"/>
-              </a:spcBef>
-              <a:spcAft>
-                <a:spcPts val="0"/>
-              </a:spcAft>
-              <a:buClr>
-                <a:schemeClr val="dk1"/>
-              </a:buClr>
-              <a:buSzPts val="1100"/>
-              <a:buFont typeface="Arial"/>
-              <a:buNone/>
-            </a:pPr>
-            <a:r>
-              <a:rPr lang="en" sz="1600"/>
-              <a:t>You can now watch the simulation by clicking </a:t>
-            </a:r>
-            <a:r>
-              <a:rPr i="1" lang="en" sz="1600"/>
-              <a:t>Play</a:t>
-            </a:r>
-            <a:r>
-              <a:rPr lang="en" sz="1600"/>
-              <a:t>. There are many other customizations you can do – this is just the beginning! One thing you might want to do is zoom into the region of interest – namely that around the channel and cavities. To do this just click on the </a:t>
-            </a:r>
-            <a:r>
-              <a:rPr i="1" lang="en" sz="1600"/>
-              <a:t>magnifying glass</a:t>
-            </a:r>
-            <a:r>
-              <a:rPr lang="en" sz="1600"/>
-              <a:t> above the geometry window and drag a box over the region of interest and it will zoom in!</a:t>
-            </a:r>
-            <a:endParaRPr sz="1600"/>
-          </a:p>
-          <a:p>
-            <a:pPr indent="0" lvl="0" marL="0" rtl="0" algn="l">
-              <a:spcBef>
-                <a:spcPts val="600"/>
-              </a:spcBef>
-              <a:spcAft>
-                <a:spcPts val="0"/>
-              </a:spcAft>
-              <a:buNone/>
-            </a:pPr>
-            <a:r>
-              <a:t/>
-            </a:r>
-            <a:endParaRPr sz="1600"/>
-          </a:p>
-        </p:txBody>
-      </p:sp>
-      <p:pic>
-        <p:nvPicPr>
-          <p:cNvPr id="165" name="Google Shape;165;p26"/>
-          <p:cNvPicPr preferRelativeResize="0"/>
-          <p:nvPr/>
-        </p:nvPicPr>
-        <p:blipFill>
-          <a:blip r:embed="rId3">
-            <a:alphaModFix/>
-          </a:blip>
-          <a:stretch>
-            <a:fillRect/>
-          </a:stretch>
-        </p:blipFill>
-        <p:spPr>
-          <a:xfrm>
-            <a:off x="2171700" y="3278513"/>
-            <a:ext cx="4800600" cy="1514475"/>
-          </a:xfrm>
-          <a:prstGeom prst="rect">
-            <a:avLst/>
-          </a:prstGeom>
-          <a:noFill/>
-          <a:ln>
-            <a:noFill/>
-          </a:ln>
-        </p:spPr>
-      </p:pic>
-      <p:sp>
-        <p:nvSpPr>
-          <p:cNvPr id="166" name="Google Shape;166;p26"/>
-          <p:cNvSpPr txBox="1"/>
-          <p:nvPr/>
-        </p:nvSpPr>
-        <p:spPr>
-          <a:xfrm>
-            <a:off x="272075" y="2811425"/>
-            <a:ext cx="3000000" cy="3000000"/>
-          </a:xfrm>
-          <a:prstGeom prst="rect">
-            <a:avLst/>
-          </a:prstGeom>
-          <a:noFill/>
-          <a:ln>
-            <a:noFill/>
-          </a:ln>
-        </p:spPr>
-        <p:txBody>
-          <a:bodyPr anchorCtr="0" anchor="t" bIns="91425" lIns="91425" spcFirstLastPara="1" rIns="91425" wrap="square" tIns="91425">
-            <a:noAutofit/>
-          </a:bodyPr>
-          <a:lstStyle/>
-          <a:p>
-            <a:pPr indent="0" lvl="0" marL="0" rtl="0" algn="l">
-              <a:spcBef>
-                <a:spcPts val="0"/>
-              </a:spcBef>
-              <a:spcAft>
-                <a:spcPts val="0"/>
-              </a:spcAft>
-              <a:buNone/>
-            </a:pPr>
-            <a:r>
-              <a:rPr lang="en"/>
-              <a:t>To zoom into a region you drag your cursor around</a:t>
-            </a:r>
-            <a:endParaRPr/>
-          </a:p>
-        </p:txBody>
-      </p:sp>
-      <p:sp>
-        <p:nvSpPr>
-          <p:cNvPr id="167" name="Google Shape;167;p26"/>
-          <p:cNvSpPr txBox="1"/>
-          <p:nvPr/>
-        </p:nvSpPr>
-        <p:spPr>
-          <a:xfrm>
-            <a:off x="5686800" y="2613513"/>
-            <a:ext cx="3000000" cy="3000000"/>
-          </a:xfrm>
-          <a:prstGeom prst="rect">
-            <a:avLst/>
-          </a:prstGeom>
-          <a:noFill/>
-          <a:ln>
-            <a:noFill/>
-          </a:ln>
-        </p:spPr>
-        <p:txBody>
-          <a:bodyPr anchorCtr="0" anchor="t" bIns="91425" lIns="91425" spcFirstLastPara="1" rIns="91425" wrap="square" tIns="91425">
-            <a:noAutofit/>
-          </a:bodyPr>
-          <a:lstStyle/>
-          <a:p>
-            <a:pPr indent="0" lvl="0" marL="0" rtl="0" algn="l">
-              <a:spcBef>
-                <a:spcPts val="0"/>
-              </a:spcBef>
-              <a:spcAft>
-                <a:spcPts val="0"/>
-              </a:spcAft>
-              <a:buNone/>
-            </a:pPr>
-            <a:r>
-              <a:rPr lang="en"/>
-              <a:t>Reset the window back to the default window</a:t>
-            </a:r>
-            <a:endParaRPr/>
-          </a:p>
-        </p:txBody>
-      </p:sp>
-      <p:cxnSp>
-        <p:nvCxnSpPr>
-          <p:cNvPr id="168" name="Google Shape;168;p26"/>
-          <p:cNvCxnSpPr/>
-          <p:nvPr/>
-        </p:nvCxnSpPr>
-        <p:spPr>
-          <a:xfrm>
-            <a:off x="2034075" y="3213075"/>
-            <a:ext cx="557100" cy="505200"/>
-          </a:xfrm>
-          <a:prstGeom prst="straightConnector1">
-            <a:avLst/>
-          </a:prstGeom>
-          <a:noFill/>
-          <a:ln cap="flat" cmpd="sng" w="28575">
-            <a:solidFill>
-              <a:srgbClr val="FF0000"/>
-            </a:solidFill>
-            <a:prstDash val="solid"/>
-            <a:round/>
-            <a:headEnd len="med" w="med" type="none"/>
-            <a:tailEnd len="med" w="med" type="triangle"/>
-          </a:ln>
-        </p:spPr>
-      </p:cxnSp>
-      <p:cxnSp>
-        <p:nvCxnSpPr>
-          <p:cNvPr id="169" name="Google Shape;169;p26"/>
-          <p:cNvCxnSpPr/>
-          <p:nvPr/>
-        </p:nvCxnSpPr>
-        <p:spPr>
-          <a:xfrm flipH="1">
-            <a:off x="5545025" y="2889175"/>
-            <a:ext cx="181500" cy="621900"/>
-          </a:xfrm>
-          <a:prstGeom prst="straightConnector1">
-            <a:avLst/>
-          </a:prstGeom>
-          <a:noFill/>
-          <a:ln cap="flat" cmpd="sng" w="28575">
-            <a:solidFill>
-              <a:srgbClr val="FF0000"/>
-            </a:solidFill>
-            <a:prstDash val="solid"/>
-            <a:round/>
-            <a:headEnd len="med" w="med" type="none"/>
-            <a:tailEnd len="med" w="med" type="triangle"/>
-          </a:ln>
-        </p:spPr>
-      </p:cxnSp>
-    </p:spTree>
-  </p:cSld>
-  <p:clrMapOvr>
-    <a:masterClrMapping/>
-  </p:clrMapOvr>
-</p:sld>
-</file>
-
-<file path=ppt/slides/slide2.xml><?xml version="1.0" encoding="utf-8"?>
-<p:sld xmlns:a="http://schemas.openxmlformats.org/drawingml/2006/main" xmlns:r="http://schemas.openxmlformats.org/officeDocument/2006/relationships" xmlns:mc="http://schemas.openxmlformats.org/markup-compatibility/2006" xmlns:mv="urn:schemas-microsoft-com:mac:vml" xmlns:p="http://schemas.openxmlformats.org/presentationml/2006/main" xmlns:c="http://schemas.openxmlformats.org/drawingml/2006/chart" xmlns:dgm="http://schemas.openxmlformats.org/drawingml/2006/diagram" xmlns:o="urn:schemas-microsoft-com:office:office" xmlns:v="urn:schemas-microsoft-com:vml" xmlns:pvml="urn:schemas-microsoft-com:office:powerpoint" xmlns:com="http://schemas.openxmlformats.org/drawingml/2006/compatibility" xmlns:p14="http://schemas.microsoft.com/office/powerpoint/2010/main" xmlns:p15="http://schemas.microsoft.com/office/powerpoint/2012/main">
-  <p:cSld>
-    <p:spTree>
-      <p:nvGrpSpPr>
-        <p:cNvPr id="31" name="Shape 31"/>
+        <p:cNvPr id="1" name="Shape 31"/>
         <p:cNvGrpSpPr/>
         <p:nvPr/>
       </p:nvGrpSpPr>
@@ -8749,9 +8839,11 @@
       <p:sp>
         <p:nvSpPr>
           <p:cNvPr id="33" name="Google Shape;33;p9"/>
-          <p:cNvSpPr txBox="1"/>
+          <p:cNvSpPr txBox="1">
+            <a:spLocks noGrp="1"/>
+          </p:cNvSpPr>
           <p:nvPr>
-            <p:ph idx="4294967295" type="title"/>
+            <p:ph type="title" idx="4294967295"/>
           </p:nvPr>
         </p:nvSpPr>
         <p:spPr>
@@ -8764,12 +8856,12 @@
           </a:prstGeom>
         </p:spPr>
         <p:txBody>
-          <a:bodyPr anchorCtr="0" anchor="b" bIns="91425" lIns="91425" spcFirstLastPara="1" rIns="91425" wrap="square" tIns="91425">
+          <a:bodyPr spcFirstLastPara="1" wrap="square" lIns="91425" tIns="91425" rIns="91425" bIns="91425" anchor="b" anchorCtr="0">
             <a:noAutofit/>
           </a:bodyPr>
           <a:lstStyle/>
           <a:p>
-            <a:pPr indent="0" lvl="0" marL="0" rtl="0" algn="l">
+            <a:pPr marL="0" lvl="0" indent="0" algn="l" rtl="0">
               <a:spcBef>
                 <a:spcPts val="0"/>
               </a:spcBef>
@@ -8806,12 +8898,12 @@
           </a:ln>
         </p:spPr>
         <p:txBody>
-          <a:bodyPr anchorCtr="0" anchor="t" bIns="91425" lIns="91425" spcFirstLastPara="1" rIns="91425" wrap="square" tIns="91425">
+          <a:bodyPr spcFirstLastPara="1" wrap="square" lIns="91425" tIns="91425" rIns="91425" bIns="91425" anchor="t" anchorCtr="0">
             <a:noAutofit/>
           </a:bodyPr>
           <a:lstStyle/>
           <a:p>
-            <a:pPr indent="0" lvl="0" marL="0" rtl="0" algn="l">
+            <a:pPr marL="0" lvl="0" indent="0" algn="l" rtl="0">
               <a:spcBef>
                 <a:spcPts val="0"/>
               </a:spcBef>
@@ -8837,11 +8929,11 @@
 </file>
 
 <file path=ppt/slides/slide20.xml><?xml version="1.0" encoding="utf-8"?>
-<p:sld xmlns:a="http://schemas.openxmlformats.org/drawingml/2006/main" xmlns:r="http://schemas.openxmlformats.org/officeDocument/2006/relationships" xmlns:mc="http://schemas.openxmlformats.org/markup-compatibility/2006" xmlns:mv="urn:schemas-microsoft-com:mac:vml" xmlns:p="http://schemas.openxmlformats.org/presentationml/2006/main" xmlns:c="http://schemas.openxmlformats.org/drawingml/2006/chart" xmlns:dgm="http://schemas.openxmlformats.org/drawingml/2006/diagram" xmlns:o="urn:schemas-microsoft-com:office:office" xmlns:v="urn:schemas-microsoft-com:vml" xmlns:pvml="urn:schemas-microsoft-com:office:powerpoint" xmlns:com="http://schemas.openxmlformats.org/drawingml/2006/compatibility" xmlns:p14="http://schemas.microsoft.com/office/powerpoint/2010/main" xmlns:p15="http://schemas.microsoft.com/office/powerpoint/2012/main">
+<p:sld xmlns:a="http://schemas.openxmlformats.org/drawingml/2006/main" xmlns:r="http://schemas.openxmlformats.org/officeDocument/2006/relationships" xmlns:p="http://schemas.openxmlformats.org/presentationml/2006/main">
   <p:cSld>
     <p:spTree>
       <p:nvGrpSpPr>
-        <p:cNvPr id="173" name="Shape 173"/>
+        <p:cNvPr id="1" name="Shape 162"/>
         <p:cNvGrpSpPr/>
         <p:nvPr/>
       </p:nvGrpSpPr>
@@ -8855,8 +8947,10 @@
       </p:grpSpPr>
       <p:sp>
         <p:nvSpPr>
-          <p:cNvPr id="174" name="Google Shape;174;p27"/>
-          <p:cNvSpPr txBox="1"/>
+          <p:cNvPr id="163" name="Google Shape;163;p26"/>
+          <p:cNvSpPr txBox="1">
+            <a:spLocks noGrp="1"/>
+          </p:cNvSpPr>
           <p:nvPr>
             <p:ph type="title"/>
           </p:nvPr>
@@ -8871,12 +8965,12 @@
           </a:prstGeom>
         </p:spPr>
         <p:txBody>
-          <a:bodyPr anchorCtr="0" anchor="b" bIns="91425" lIns="91425" spcFirstLastPara="1" rIns="91425" wrap="square" tIns="91425">
+          <a:bodyPr spcFirstLastPara="1" wrap="square" lIns="91425" tIns="91425" rIns="91425" bIns="91425" anchor="b" anchorCtr="0">
             <a:noAutofit/>
           </a:bodyPr>
           <a:lstStyle/>
           <a:p>
-            <a:pPr indent="0" lvl="0" marL="0" rtl="0" algn="l">
+            <a:pPr marL="0" lvl="0" indent="0" algn="l" rtl="0">
               <a:spcBef>
                 <a:spcPts val="0"/>
               </a:spcBef>
@@ -8887,7 +8981,7 @@
             </a:pPr>
             <a:r>
               <a:rPr lang="en"/>
-              <a:t>Make a movie</a:t>
+              <a:t>Zoom</a:t>
             </a:r>
             <a:endParaRPr/>
           </a:p>
@@ -8895,10 +8989,12 @@
       </p:sp>
       <p:sp>
         <p:nvSpPr>
-          <p:cNvPr id="175" name="Google Shape;175;p27"/>
-          <p:cNvSpPr txBox="1"/>
+          <p:cNvPr id="164" name="Google Shape;164;p26"/>
+          <p:cNvSpPr txBox="1">
+            <a:spLocks noGrp="1"/>
+          </p:cNvSpPr>
           <p:nvPr>
-            <p:ph idx="1" type="body"/>
+            <p:ph type="body" idx="1"/>
           </p:nvPr>
         </p:nvSpPr>
         <p:spPr>
@@ -8911,56 +9007,12 @@
           </a:prstGeom>
         </p:spPr>
         <p:txBody>
-          <a:bodyPr anchorCtr="0" anchor="t" bIns="91425" lIns="91425" spcFirstLastPara="1" rIns="91425" wrap="square" tIns="91425">
+          <a:bodyPr spcFirstLastPara="1" wrap="square" lIns="91425" tIns="91425" rIns="91425" bIns="91425" anchor="t" anchorCtr="0">
             <a:noAutofit/>
           </a:bodyPr>
           <a:lstStyle/>
           <a:p>
-            <a:pPr indent="0" lvl="0" marL="0" rtl="0" algn="l">
-              <a:spcBef>
-                <a:spcPts val="600"/>
-              </a:spcBef>
-              <a:spcAft>
-                <a:spcPts val="0"/>
-              </a:spcAft>
-              <a:buNone/>
-            </a:pPr>
-            <a:r>
-              <a:rPr lang="en" sz="1600"/>
-              <a:t>Let’s now talk about saving a movie. To do this go to the </a:t>
-            </a:r>
-            <a:r>
-              <a:rPr i="1" lang="en" sz="1600"/>
-              <a:t>File </a:t>
-            </a:r>
-            <a:r>
-              <a:rPr lang="en" sz="1600"/>
-              <a:t>and click on </a:t>
-            </a:r>
-            <a:r>
-              <a:rPr i="1" lang="en" sz="1600"/>
-              <a:t>Save Movie. </a:t>
-            </a:r>
-            <a:r>
-              <a:rPr lang="en" sz="1600"/>
-              <a:t>This will bring up another dialog box. At the first screen you will click  </a:t>
-            </a:r>
-            <a:r>
-              <a:rPr i="1" lang="en" sz="1600"/>
-              <a:t>New simple movie </a:t>
-            </a:r>
-            <a:r>
-              <a:rPr lang="en" sz="1600"/>
-              <a:t>and then click </a:t>
-            </a:r>
-            <a:r>
-              <a:rPr i="1" lang="en" sz="1600"/>
-              <a:t>Continue.</a:t>
-            </a:r>
-            <a:endParaRPr i="1" sz="1600"/>
-          </a:p>
-          <a:p>
-            <a:pPr indent="0" lvl="0" marL="0" rtl="0" algn="l">
+            <a:pPr marL="0" lvl="0" indent="0" algn="l" rtl="0">
               <a:spcBef>
                 <a:spcPts val="600"/>
               </a:spcBef>
@@ -8975,12 +9027,29 @@
               <a:buNone/>
             </a:pPr>
             <a:r>
-              <a:t/>
-            </a:r>
-            <a:endParaRPr i="1" sz="1600"/>
-          </a:p>
-          <a:p>
-            <a:pPr indent="0" lvl="0" marL="0" rtl="0" algn="l">
+              <a:rPr lang="en" sz="1600"/>
+              <a:t>You can now watch the simulation by clicking </a:t>
+            </a:r>
+            <a:r>
+              <a:rPr lang="en" sz="1600" i="1"/>
+              <a:t>Play</a:t>
+            </a:r>
+            <a:r>
+              <a:rPr lang="en" sz="1600"/>
+              <a:t>. There are many other customizations you can do – this is just the beginning! One thing you might want to do is zoom into the region of interest – namely that around the channel and cavities. To do this just click on the </a:t>
+            </a:r>
+            <a:r>
+              <a:rPr lang="en" sz="1600" i="1"/>
+              <a:t>magnifying glass</a:t>
+            </a:r>
+            <a:r>
+              <a:rPr lang="en" sz="1600"/>
+              <a:t> above the geometry window and drag a box over the region of interest and it will zoom in!</a:t>
+            </a:r>
+            <a:endParaRPr sz="1600"/>
+          </a:p>
+          <a:p>
+            <a:pPr marL="0" lvl="0" indent="0" algn="l" rtl="0">
               <a:spcBef>
                 <a:spcPts val="600"/>
               </a:spcBef>
@@ -8989,9 +9058,336 @@
               </a:spcAft>
               <a:buNone/>
             </a:pPr>
-            <a:r>
-              <a:t/>
-            </a:r>
+            <a:endParaRPr sz="1600"/>
+          </a:p>
+        </p:txBody>
+      </p:sp>
+      <p:pic>
+        <p:nvPicPr>
+          <p:cNvPr id="165" name="Google Shape;165;p26"/>
+          <p:cNvPicPr preferRelativeResize="0"/>
+          <p:nvPr/>
+        </p:nvPicPr>
+        <p:blipFill>
+          <a:blip r:embed="rId3">
+            <a:alphaModFix/>
+          </a:blip>
+          <a:stretch>
+            <a:fillRect/>
+          </a:stretch>
+        </p:blipFill>
+        <p:spPr>
+          <a:xfrm>
+            <a:off x="2171700" y="3278513"/>
+            <a:ext cx="4800600" cy="1514475"/>
+          </a:xfrm>
+          <a:prstGeom prst="rect">
+            <a:avLst/>
+          </a:prstGeom>
+          <a:noFill/>
+          <a:ln>
+            <a:noFill/>
+          </a:ln>
+        </p:spPr>
+      </p:pic>
+      <p:sp>
+        <p:nvSpPr>
+          <p:cNvPr id="166" name="Google Shape;166;p26"/>
+          <p:cNvSpPr txBox="1"/>
+          <p:nvPr/>
+        </p:nvSpPr>
+        <p:spPr>
+          <a:xfrm>
+            <a:off x="272075" y="2811425"/>
+            <a:ext cx="3000000" cy="3000000"/>
+          </a:xfrm>
+          <a:prstGeom prst="rect">
+            <a:avLst/>
+          </a:prstGeom>
+          <a:noFill/>
+          <a:ln>
+            <a:noFill/>
+          </a:ln>
+        </p:spPr>
+        <p:txBody>
+          <a:bodyPr spcFirstLastPara="1" wrap="square" lIns="91425" tIns="91425" rIns="91425" bIns="91425" anchor="t" anchorCtr="0">
+            <a:noAutofit/>
+          </a:bodyPr>
+          <a:lstStyle/>
+          <a:p>
+            <a:pPr marL="0" lvl="0" indent="0" algn="l" rtl="0">
+              <a:spcBef>
+                <a:spcPts val="0"/>
+              </a:spcBef>
+              <a:spcAft>
+                <a:spcPts val="0"/>
+              </a:spcAft>
+              <a:buNone/>
+            </a:pPr>
+            <a:r>
+              <a:rPr lang="en"/>
+              <a:t>To zoom into a region you drag your cursor around</a:t>
+            </a:r>
+            <a:endParaRPr/>
+          </a:p>
+        </p:txBody>
+      </p:sp>
+      <p:sp>
+        <p:nvSpPr>
+          <p:cNvPr id="167" name="Google Shape;167;p26"/>
+          <p:cNvSpPr txBox="1"/>
+          <p:nvPr/>
+        </p:nvSpPr>
+        <p:spPr>
+          <a:xfrm>
+            <a:off x="5686800" y="2613513"/>
+            <a:ext cx="3000000" cy="3000000"/>
+          </a:xfrm>
+          <a:prstGeom prst="rect">
+            <a:avLst/>
+          </a:prstGeom>
+          <a:noFill/>
+          <a:ln>
+            <a:noFill/>
+          </a:ln>
+        </p:spPr>
+        <p:txBody>
+          <a:bodyPr spcFirstLastPara="1" wrap="square" lIns="91425" tIns="91425" rIns="91425" bIns="91425" anchor="t" anchorCtr="0">
+            <a:noAutofit/>
+          </a:bodyPr>
+          <a:lstStyle/>
+          <a:p>
+            <a:pPr marL="0" lvl="0" indent="0" algn="l" rtl="0">
+              <a:spcBef>
+                <a:spcPts val="0"/>
+              </a:spcBef>
+              <a:spcAft>
+                <a:spcPts val="0"/>
+              </a:spcAft>
+              <a:buNone/>
+            </a:pPr>
+            <a:r>
+              <a:rPr lang="en"/>
+              <a:t>Reset the window back to the default window</a:t>
+            </a:r>
+            <a:endParaRPr/>
+          </a:p>
+        </p:txBody>
+      </p:sp>
+      <p:cxnSp>
+        <p:nvCxnSpPr>
+          <p:cNvPr id="168" name="Google Shape;168;p26"/>
+          <p:cNvCxnSpPr/>
+          <p:nvPr/>
+        </p:nvCxnSpPr>
+        <p:spPr>
+          <a:xfrm>
+            <a:off x="2034075" y="3213075"/>
+            <a:ext cx="557100" cy="505200"/>
+          </a:xfrm>
+          <a:prstGeom prst="straightConnector1">
+            <a:avLst/>
+          </a:prstGeom>
+          <a:noFill/>
+          <a:ln w="28575" cap="flat" cmpd="sng">
+            <a:solidFill>
+              <a:srgbClr val="FF0000"/>
+            </a:solidFill>
+            <a:prstDash val="solid"/>
+            <a:round/>
+            <a:headEnd type="none" w="med" len="med"/>
+            <a:tailEnd type="triangle" w="med" len="med"/>
+          </a:ln>
+        </p:spPr>
+      </p:cxnSp>
+      <p:cxnSp>
+        <p:nvCxnSpPr>
+          <p:cNvPr id="169" name="Google Shape;169;p26"/>
+          <p:cNvCxnSpPr/>
+          <p:nvPr/>
+        </p:nvCxnSpPr>
+        <p:spPr>
+          <a:xfrm flipH="1">
+            <a:off x="5545025" y="2889175"/>
+            <a:ext cx="181500" cy="621900"/>
+          </a:xfrm>
+          <a:prstGeom prst="straightConnector1">
+            <a:avLst/>
+          </a:prstGeom>
+          <a:noFill/>
+          <a:ln w="28575" cap="flat" cmpd="sng">
+            <a:solidFill>
+              <a:srgbClr val="FF0000"/>
+            </a:solidFill>
+            <a:prstDash val="solid"/>
+            <a:round/>
+            <a:headEnd type="none" w="med" len="med"/>
+            <a:tailEnd type="triangle" w="med" len="med"/>
+          </a:ln>
+        </p:spPr>
+      </p:cxnSp>
+    </p:spTree>
+  </p:cSld>
+  <p:clrMapOvr>
+    <a:masterClrMapping/>
+  </p:clrMapOvr>
+</p:sld>
+</file>
+
+<file path=ppt/slides/slide21.xml><?xml version="1.0" encoding="utf-8"?>
+<p:sld xmlns:a="http://schemas.openxmlformats.org/drawingml/2006/main" xmlns:r="http://schemas.openxmlformats.org/officeDocument/2006/relationships" xmlns:p="http://schemas.openxmlformats.org/presentationml/2006/main">
+  <p:cSld>
+    <p:spTree>
+      <p:nvGrpSpPr>
+        <p:cNvPr id="1" name="Shape 173"/>
+        <p:cNvGrpSpPr/>
+        <p:nvPr/>
+      </p:nvGrpSpPr>
+      <p:grpSpPr>
+        <a:xfrm>
+          <a:off x="0" y="0"/>
+          <a:ext cx="0" cy="0"/>
+          <a:chOff x="0" y="0"/>
+          <a:chExt cx="0" cy="0"/>
+        </a:xfrm>
+      </p:grpSpPr>
+      <p:sp>
+        <p:nvSpPr>
+          <p:cNvPr id="174" name="Google Shape;174;p27"/>
+          <p:cNvSpPr txBox="1">
+            <a:spLocks noGrp="1"/>
+          </p:cNvSpPr>
+          <p:nvPr>
+            <p:ph type="title"/>
+          </p:nvPr>
+        </p:nvSpPr>
+        <p:spPr>
+          <a:xfrm>
+            <a:off x="457200" y="205978"/>
+            <a:ext cx="8229600" cy="857400"/>
+          </a:xfrm>
+          <a:prstGeom prst="rect">
+            <a:avLst/>
+          </a:prstGeom>
+        </p:spPr>
+        <p:txBody>
+          <a:bodyPr spcFirstLastPara="1" wrap="square" lIns="91425" tIns="91425" rIns="91425" bIns="91425" anchor="b" anchorCtr="0">
+            <a:noAutofit/>
+          </a:bodyPr>
+          <a:lstStyle/>
+          <a:p>
+            <a:pPr marL="0" lvl="0" indent="0" algn="l" rtl="0">
+              <a:spcBef>
+                <a:spcPts val="0"/>
+              </a:spcBef>
+              <a:spcAft>
+                <a:spcPts val="0"/>
+              </a:spcAft>
+              <a:buNone/>
+            </a:pPr>
+            <a:r>
+              <a:rPr lang="en"/>
+              <a:t>Make a movie</a:t>
+            </a:r>
+            <a:endParaRPr/>
+          </a:p>
+        </p:txBody>
+      </p:sp>
+      <p:sp>
+        <p:nvSpPr>
+          <p:cNvPr id="175" name="Google Shape;175;p27"/>
+          <p:cNvSpPr txBox="1">
+            <a:spLocks noGrp="1"/>
+          </p:cNvSpPr>
+          <p:nvPr>
+            <p:ph type="body" idx="1"/>
+          </p:nvPr>
+        </p:nvSpPr>
+        <p:spPr>
+          <a:xfrm>
+            <a:off x="457200" y="1200150"/>
+            <a:ext cx="8229600" cy="3725700"/>
+          </a:xfrm>
+          <a:prstGeom prst="rect">
+            <a:avLst/>
+          </a:prstGeom>
+        </p:spPr>
+        <p:txBody>
+          <a:bodyPr spcFirstLastPara="1" wrap="square" lIns="91425" tIns="91425" rIns="91425" bIns="91425" anchor="t" anchorCtr="0">
+            <a:noAutofit/>
+          </a:bodyPr>
+          <a:lstStyle/>
+          <a:p>
+            <a:pPr marL="0" lvl="0" indent="0" algn="l" rtl="0">
+              <a:spcBef>
+                <a:spcPts val="600"/>
+              </a:spcBef>
+              <a:spcAft>
+                <a:spcPts val="0"/>
+              </a:spcAft>
+              <a:buNone/>
+            </a:pPr>
+            <a:r>
+              <a:rPr lang="en" sz="1600"/>
+              <a:t>Let’s now talk about saving a movie. To do this go to the </a:t>
+            </a:r>
+            <a:r>
+              <a:rPr lang="en" sz="1600" i="1"/>
+              <a:t>File </a:t>
+            </a:r>
+            <a:r>
+              <a:rPr lang="en" sz="1600"/>
+              <a:t>and click on </a:t>
+            </a:r>
+            <a:r>
+              <a:rPr lang="en" sz="1600" i="1"/>
+              <a:t>Save Movie. </a:t>
+            </a:r>
+            <a:r>
+              <a:rPr lang="en" sz="1600"/>
+              <a:t>This will bring up another dialog box. At the first screen you will click  </a:t>
+            </a:r>
+            <a:r>
+              <a:rPr lang="en" sz="1600" i="1"/>
+              <a:t>New simple movie </a:t>
+            </a:r>
+            <a:r>
+              <a:rPr lang="en" sz="1600"/>
+              <a:t>and then click </a:t>
+            </a:r>
+            <a:r>
+              <a:rPr lang="en" sz="1600" i="1"/>
+              <a:t>Continue.</a:t>
+            </a:r>
+            <a:endParaRPr sz="1600" i="1"/>
+          </a:p>
+          <a:p>
+            <a:pPr marL="0" lvl="0" indent="0" algn="l" rtl="0">
+              <a:spcBef>
+                <a:spcPts val="600"/>
+              </a:spcBef>
+              <a:spcAft>
+                <a:spcPts val="0"/>
+              </a:spcAft>
+              <a:buClr>
+                <a:schemeClr val="dk1"/>
+              </a:buClr>
+              <a:buSzPts val="1100"/>
+              <a:buFont typeface="Arial"/>
+              <a:buNone/>
+            </a:pPr>
+            <a:endParaRPr sz="1600" i="1"/>
+          </a:p>
+          <a:p>
+            <a:pPr marL="0" lvl="0" indent="0" algn="l" rtl="0">
+              <a:spcBef>
+                <a:spcPts val="600"/>
+              </a:spcBef>
+              <a:spcAft>
+                <a:spcPts val="0"/>
+              </a:spcAft>
+              <a:buNone/>
+            </a:pPr>
             <a:endParaRPr sz="1600"/>
           </a:p>
         </p:txBody>
@@ -9032,12 +9428,12 @@
 </p:sld>
 </file>
 
-<file path=ppt/slides/slide21.xml><?xml version="1.0" encoding="utf-8"?>
-<p:sld xmlns:a="http://schemas.openxmlformats.org/drawingml/2006/main" xmlns:r="http://schemas.openxmlformats.org/officeDocument/2006/relationships" xmlns:mc="http://schemas.openxmlformats.org/markup-compatibility/2006" xmlns:mv="urn:schemas-microsoft-com:mac:vml" xmlns:p="http://schemas.openxmlformats.org/presentationml/2006/main" xmlns:c="http://schemas.openxmlformats.org/drawingml/2006/chart" xmlns:dgm="http://schemas.openxmlformats.org/drawingml/2006/diagram" xmlns:o="urn:schemas-microsoft-com:office:office" xmlns:v="urn:schemas-microsoft-com:vml" xmlns:pvml="urn:schemas-microsoft-com:office:powerpoint" xmlns:com="http://schemas.openxmlformats.org/drawingml/2006/compatibility" xmlns:p14="http://schemas.microsoft.com/office/powerpoint/2010/main" xmlns:p15="http://schemas.microsoft.com/office/powerpoint/2012/main">
+<file path=ppt/slides/slide22.xml><?xml version="1.0" encoding="utf-8"?>
+<p:sld xmlns:a="http://schemas.openxmlformats.org/drawingml/2006/main" xmlns:r="http://schemas.openxmlformats.org/officeDocument/2006/relationships" xmlns:p="http://schemas.openxmlformats.org/presentationml/2006/main">
   <p:cSld>
     <p:spTree>
       <p:nvGrpSpPr>
-        <p:cNvPr id="180" name="Shape 180"/>
+        <p:cNvPr id="1" name="Shape 180"/>
         <p:cNvGrpSpPr/>
         <p:nvPr/>
       </p:nvGrpSpPr>
@@ -9052,7 +9448,9 @@
       <p:sp>
         <p:nvSpPr>
           <p:cNvPr id="181" name="Google Shape;181;p28"/>
-          <p:cNvSpPr txBox="1"/>
+          <p:cNvSpPr txBox="1">
+            <a:spLocks noGrp="1"/>
+          </p:cNvSpPr>
           <p:nvPr>
             <p:ph type="title"/>
           </p:nvPr>
@@ -9067,12 +9465,12 @@
           </a:prstGeom>
         </p:spPr>
         <p:txBody>
-          <a:bodyPr anchorCtr="0" anchor="b" bIns="91425" lIns="91425" spcFirstLastPara="1" rIns="91425" wrap="square" tIns="91425">
+          <a:bodyPr spcFirstLastPara="1" wrap="square" lIns="91425" tIns="91425" rIns="91425" bIns="91425" anchor="b" anchorCtr="0">
             <a:noAutofit/>
           </a:bodyPr>
           <a:lstStyle/>
           <a:p>
-            <a:pPr indent="0" lvl="0" marL="0" rtl="0" algn="l">
+            <a:pPr marL="0" lvl="0" indent="0" algn="l" rtl="0">
               <a:spcBef>
                 <a:spcPts val="0"/>
               </a:spcBef>
@@ -9092,9 +9490,11 @@
       <p:sp>
         <p:nvSpPr>
           <p:cNvPr id="182" name="Google Shape;182;p28"/>
-          <p:cNvSpPr txBox="1"/>
+          <p:cNvSpPr txBox="1">
+            <a:spLocks noGrp="1"/>
+          </p:cNvSpPr>
           <p:nvPr>
-            <p:ph idx="1" type="body"/>
+            <p:ph type="body" idx="1"/>
           </p:nvPr>
         </p:nvSpPr>
         <p:spPr>
@@ -9107,12 +9507,12 @@
           </a:prstGeom>
         </p:spPr>
         <p:txBody>
-          <a:bodyPr anchorCtr="0" anchor="t" bIns="91425" lIns="91425" spcFirstLastPara="1" rIns="91425" wrap="square" tIns="91425">
+          <a:bodyPr spcFirstLastPara="1" wrap="square" lIns="91425" tIns="91425" rIns="91425" bIns="91425" anchor="t" anchorCtr="0">
             <a:noAutofit/>
           </a:bodyPr>
           <a:lstStyle/>
           <a:p>
-            <a:pPr indent="0" lvl="0" marL="0" rtl="0" algn="l">
+            <a:pPr marL="0" lvl="0" indent="0" algn="l" rtl="0">
               <a:spcBef>
                 <a:spcPts val="600"/>
               </a:spcBef>
@@ -9131,7 +9531,7 @@
               <a:t>At the next screen we will choose the format to be </a:t>
             </a:r>
             <a:r>
-              <a:rPr i="1" lang="en" sz="1400"/>
+              <a:rPr lang="en" sz="1400" i="1"/>
               <a:t>MPEG Movie</a:t>
             </a:r>
             <a:r>
@@ -9139,7 +9539,7 @@
               <a:t> and then click the </a:t>
             </a:r>
             <a:r>
-              <a:rPr i="1" lang="en" sz="1400"/>
+              <a:rPr lang="en" sz="1400" i="1"/>
               <a:t>Right </a:t>
             </a:r>
             <a:r>
@@ -9147,13 +9547,13 @@
               <a:t>arrow, -&gt; , and then click </a:t>
             </a:r>
             <a:r>
-              <a:rPr i="1" lang="en" sz="1400"/>
+              <a:rPr lang="en" sz="1400" i="1"/>
               <a:t>Continue.</a:t>
             </a:r>
-            <a:endParaRPr i="1" sz="1400"/>
-          </a:p>
-          <a:p>
-            <a:pPr indent="0" lvl="0" marL="0" rtl="0" algn="l">
+            <a:endParaRPr sz="1400" i="1"/>
+          </a:p>
+          <a:p>
+            <a:pPr marL="0" lvl="0" indent="0" algn="l" rtl="0">
               <a:spcBef>
                 <a:spcPts val="600"/>
               </a:spcBef>
@@ -9162,9 +9562,6 @@
               </a:spcAft>
               <a:buNone/>
             </a:pPr>
-            <a:r>
-              <a:t/>
-            </a:r>
             <a:endParaRPr sz="1400"/>
           </a:p>
         </p:txBody>
@@ -9205,12 +9602,12 @@
 </p:sld>
 </file>
 
-<file path=ppt/slides/slide22.xml><?xml version="1.0" encoding="utf-8"?>
-<p:sld xmlns:a="http://schemas.openxmlformats.org/drawingml/2006/main" xmlns:r="http://schemas.openxmlformats.org/officeDocument/2006/relationships" xmlns:mc="http://schemas.openxmlformats.org/markup-compatibility/2006" xmlns:mv="urn:schemas-microsoft-com:mac:vml" xmlns:p="http://schemas.openxmlformats.org/presentationml/2006/main" xmlns:c="http://schemas.openxmlformats.org/drawingml/2006/chart" xmlns:dgm="http://schemas.openxmlformats.org/drawingml/2006/diagram" xmlns:o="urn:schemas-microsoft-com:office:office" xmlns:v="urn:schemas-microsoft-com:vml" xmlns:pvml="urn:schemas-microsoft-com:office:powerpoint" xmlns:com="http://schemas.openxmlformats.org/drawingml/2006/compatibility" xmlns:p14="http://schemas.microsoft.com/office/powerpoint/2010/main" xmlns:p15="http://schemas.microsoft.com/office/powerpoint/2012/main">
+<file path=ppt/slides/slide23.xml><?xml version="1.0" encoding="utf-8"?>
+<p:sld xmlns:a="http://schemas.openxmlformats.org/drawingml/2006/main" xmlns:r="http://schemas.openxmlformats.org/officeDocument/2006/relationships" xmlns:p="http://schemas.openxmlformats.org/presentationml/2006/main">
   <p:cSld>
     <p:spTree>
       <p:nvGrpSpPr>
-        <p:cNvPr id="187" name="Shape 187"/>
+        <p:cNvPr id="1" name="Shape 187"/>
         <p:cNvGrpSpPr/>
         <p:nvPr/>
       </p:nvGrpSpPr>
@@ -9225,7 +9622,9 @@
       <p:sp>
         <p:nvSpPr>
           <p:cNvPr id="188" name="Google Shape;188;p29"/>
-          <p:cNvSpPr txBox="1"/>
+          <p:cNvSpPr txBox="1">
+            <a:spLocks noGrp="1"/>
+          </p:cNvSpPr>
           <p:nvPr>
             <p:ph type="title"/>
           </p:nvPr>
@@ -9240,12 +9639,12 @@
           </a:prstGeom>
         </p:spPr>
         <p:txBody>
-          <a:bodyPr anchorCtr="0" anchor="b" bIns="91425" lIns="91425" spcFirstLastPara="1" rIns="91425" wrap="square" tIns="91425">
+          <a:bodyPr spcFirstLastPara="1" wrap="square" lIns="91425" tIns="91425" rIns="91425" bIns="91425" anchor="b" anchorCtr="0">
             <a:noAutofit/>
           </a:bodyPr>
           <a:lstStyle/>
           <a:p>
-            <a:pPr indent="0" lvl="0" marL="0" rtl="0" algn="l">
+            <a:pPr marL="0" lvl="0" indent="0" algn="l" rtl="0">
               <a:spcBef>
                 <a:spcPts val="0"/>
               </a:spcBef>
@@ -9265,9 +9664,11 @@
       <p:sp>
         <p:nvSpPr>
           <p:cNvPr id="189" name="Google Shape;189;p29"/>
-          <p:cNvSpPr txBox="1"/>
+          <p:cNvSpPr txBox="1">
+            <a:spLocks noGrp="1"/>
+          </p:cNvSpPr>
           <p:nvPr>
-            <p:ph idx="1" type="body"/>
+            <p:ph type="body" idx="1"/>
           </p:nvPr>
         </p:nvSpPr>
         <p:spPr>
@@ -9280,12 +9681,12 @@
           </a:prstGeom>
         </p:spPr>
         <p:txBody>
-          <a:bodyPr anchorCtr="0" anchor="t" bIns="91425" lIns="91425" spcFirstLastPara="1" rIns="91425" wrap="square" tIns="91425">
+          <a:bodyPr spcFirstLastPara="1" wrap="square" lIns="91425" tIns="91425" rIns="91425" bIns="91425" anchor="t" anchorCtr="0">
             <a:noAutofit/>
           </a:bodyPr>
           <a:lstStyle/>
           <a:p>
-            <a:pPr indent="0" lvl="0" marL="0" rtl="0" algn="l">
+            <a:pPr marL="0" lvl="0" indent="0" algn="l" rtl="0">
               <a:spcBef>
                 <a:spcPts val="600"/>
               </a:spcBef>
@@ -9311,7 +9712,7 @@
             </a:endParaRPr>
           </a:p>
           <a:p>
-            <a:pPr indent="0" lvl="0" marL="0" rtl="0" algn="l">
+            <a:pPr marL="0" lvl="0" indent="0" algn="l" rtl="0">
               <a:spcBef>
                 <a:spcPts val="600"/>
               </a:spcBef>
@@ -9330,7 +9731,7 @@
               <a:t>Next we can choose what folder the movie gets saved to, as well as you can title the movie.  As an example, the movie was saved in the </a:t>
             </a:r>
             <a:r>
-              <a:rPr i="1" lang="en" sz="1600"/>
+              <a:rPr lang="en" sz="1600" i="1"/>
               <a:t>IBAMR_ON_DOGWOOD</a:t>
             </a:r>
             <a:r>
@@ -9338,13 +9739,13 @@
               <a:t> folder on the Desktop, and was cleverly titled </a:t>
             </a:r>
             <a:r>
-              <a:rPr i="1" lang="en" sz="1600"/>
+              <a:rPr lang="en" sz="1600" i="1"/>
               <a:t>FIRST_SIMULATION_MOVIE.</a:t>
             </a:r>
-            <a:endParaRPr i="1" sz="1600"/>
-          </a:p>
-          <a:p>
-            <a:pPr indent="0" lvl="0" marL="0" rtl="0" algn="l">
+            <a:endParaRPr sz="1600" i="1"/>
+          </a:p>
+          <a:p>
+            <a:pPr marL="0" lvl="0" indent="0" algn="l" rtl="0">
               <a:spcBef>
                 <a:spcPts val="600"/>
               </a:spcBef>
@@ -9353,9 +9754,6 @@
               </a:spcAft>
               <a:buNone/>
             </a:pPr>
-            <a:r>
-              <a:t/>
-            </a:r>
             <a:endParaRPr sz="1600">
               <a:latin typeface="Cambria"/>
               <a:ea typeface="Cambria"/>
@@ -9373,12 +9771,12 @@
 </p:sld>
 </file>
 
-<file path=ppt/slides/slide23.xml><?xml version="1.0" encoding="utf-8"?>
-<p:sld xmlns:a="http://schemas.openxmlformats.org/drawingml/2006/main" xmlns:r="http://schemas.openxmlformats.org/officeDocument/2006/relationships" xmlns:mc="http://schemas.openxmlformats.org/markup-compatibility/2006" xmlns:mv="urn:schemas-microsoft-com:mac:vml" xmlns:p="http://schemas.openxmlformats.org/presentationml/2006/main" xmlns:c="http://schemas.openxmlformats.org/drawingml/2006/chart" xmlns:dgm="http://schemas.openxmlformats.org/drawingml/2006/diagram" xmlns:o="urn:schemas-microsoft-com:office:office" xmlns:v="urn:schemas-microsoft-com:vml" xmlns:pvml="urn:schemas-microsoft-com:office:powerpoint" xmlns:com="http://schemas.openxmlformats.org/drawingml/2006/compatibility" xmlns:p14="http://schemas.microsoft.com/office/powerpoint/2010/main" xmlns:p15="http://schemas.microsoft.com/office/powerpoint/2012/main">
+<file path=ppt/slides/slide24.xml><?xml version="1.0" encoding="utf-8"?>
+<p:sld xmlns:a="http://schemas.openxmlformats.org/drawingml/2006/main" xmlns:r="http://schemas.openxmlformats.org/officeDocument/2006/relationships" xmlns:p="http://schemas.openxmlformats.org/presentationml/2006/main">
   <p:cSld>
     <p:spTree>
       <p:nvGrpSpPr>
-        <p:cNvPr id="193" name="Shape 193"/>
+        <p:cNvPr id="1" name="Shape 193"/>
         <p:cNvGrpSpPr/>
         <p:nvPr/>
       </p:nvGrpSpPr>
@@ -9393,7 +9791,9 @@
       <p:sp>
         <p:nvSpPr>
           <p:cNvPr id="194" name="Google Shape;194;p30"/>
-          <p:cNvSpPr txBox="1"/>
+          <p:cNvSpPr txBox="1">
+            <a:spLocks noGrp="1"/>
+          </p:cNvSpPr>
           <p:nvPr>
             <p:ph type="title"/>
           </p:nvPr>
@@ -9408,12 +9808,12 @@
           </a:prstGeom>
         </p:spPr>
         <p:txBody>
-          <a:bodyPr anchorCtr="0" anchor="b" bIns="91425" lIns="91425" spcFirstLastPara="1" rIns="91425" wrap="square" tIns="91425">
+          <a:bodyPr spcFirstLastPara="1" wrap="square" lIns="91425" tIns="91425" rIns="91425" bIns="91425" anchor="b" anchorCtr="0">
             <a:noAutofit/>
           </a:bodyPr>
           <a:lstStyle/>
           <a:p>
-            <a:pPr indent="0" lvl="0" marL="0" rtl="0" algn="l">
+            <a:pPr marL="0" lvl="0" indent="0" algn="l" rtl="0">
               <a:spcBef>
                 <a:spcPts val="0"/>
               </a:spcBef>
@@ -9433,9 +9833,11 @@
       <p:sp>
         <p:nvSpPr>
           <p:cNvPr id="195" name="Google Shape;195;p30"/>
-          <p:cNvSpPr txBox="1"/>
+          <p:cNvSpPr txBox="1">
+            <a:spLocks noGrp="1"/>
+          </p:cNvSpPr>
           <p:nvPr>
-            <p:ph idx="1" type="body"/>
+            <p:ph type="body" idx="1"/>
           </p:nvPr>
         </p:nvSpPr>
         <p:spPr>
@@ -9448,12 +9850,12 @@
           </a:prstGeom>
         </p:spPr>
         <p:txBody>
-          <a:bodyPr anchorCtr="0" anchor="t" bIns="91425" lIns="91425" spcFirstLastPara="1" rIns="91425" wrap="square" tIns="91425">
+          <a:bodyPr spcFirstLastPara="1" wrap="square" lIns="91425" tIns="91425" rIns="91425" bIns="91425" anchor="t" anchorCtr="0">
             <a:noAutofit/>
           </a:bodyPr>
           <a:lstStyle/>
           <a:p>
-            <a:pPr indent="0" lvl="0" marL="0" rtl="0" algn="l">
+            <a:pPr marL="0" lvl="0" indent="0" algn="l" rtl="0">
               <a:spcBef>
                 <a:spcPts val="600"/>
               </a:spcBef>
@@ -9469,7 +9871,7 @@
             <a:endParaRPr sz="2400"/>
           </a:p>
           <a:p>
-            <a:pPr indent="0" lvl="0" marL="0" rtl="0" algn="l">
+            <a:pPr marL="0" lvl="0" indent="0" algn="l" rtl="0">
               <a:spcBef>
                 <a:spcPts val="600"/>
               </a:spcBef>
@@ -9485,7 +9887,7 @@
             <a:endParaRPr sz="2400"/>
           </a:p>
           <a:p>
-            <a:pPr indent="0" lvl="0" marL="0" rtl="0" algn="l">
+            <a:pPr marL="0" lvl="0" indent="0" algn="l" rtl="0">
               <a:spcBef>
                 <a:spcPts val="600"/>
               </a:spcBef>
@@ -9501,7 +9903,7 @@
             <a:endParaRPr sz="2400"/>
           </a:p>
           <a:p>
-            <a:pPr indent="0" lvl="0" marL="0" rtl="0" algn="l">
+            <a:pPr marL="0" lvl="0" indent="0" algn="l" rtl="0">
               <a:spcBef>
                 <a:spcPts val="600"/>
               </a:spcBef>
@@ -9517,7 +9919,7 @@
             <a:endParaRPr sz="2400"/>
           </a:p>
           <a:p>
-            <a:pPr indent="0" lvl="0" marL="0" rtl="0" algn="l">
+            <a:pPr marL="0" lvl="0" indent="0" algn="l" rtl="0">
               <a:spcBef>
                 <a:spcPts val="600"/>
               </a:spcBef>
@@ -9533,7 +9935,7 @@
             <a:endParaRPr sz="2400"/>
           </a:p>
           <a:p>
-            <a:pPr indent="0" lvl="0" marL="0" rtl="0" algn="l">
+            <a:pPr marL="0" lvl="0" indent="0" algn="l" rtl="0">
               <a:spcBef>
                 <a:spcPts val="600"/>
               </a:spcBef>
@@ -9549,7 +9951,7 @@
             <a:endParaRPr sz="2400"/>
           </a:p>
           <a:p>
-            <a:pPr indent="0" lvl="0" marL="0" rtl="0" algn="l">
+            <a:pPr marL="0" lvl="0" indent="0" algn="l" rtl="0">
               <a:spcBef>
                 <a:spcPts val="600"/>
               </a:spcBef>
@@ -9558,9 +9960,6 @@
               </a:spcAft>
               <a:buNone/>
             </a:pPr>
-            <a:r>
-              <a:t/>
-            </a:r>
             <a:endParaRPr sz="2400"/>
           </a:p>
         </p:txBody>
@@ -9573,12 +9972,12 @@
 </p:sld>
 </file>
 
-<file path=ppt/slides/slide24.xml><?xml version="1.0" encoding="utf-8"?>
-<p:sld xmlns:a="http://schemas.openxmlformats.org/drawingml/2006/main" xmlns:r="http://schemas.openxmlformats.org/officeDocument/2006/relationships" xmlns:mc="http://schemas.openxmlformats.org/markup-compatibility/2006" xmlns:mv="urn:schemas-microsoft-com:mac:vml" xmlns:p="http://schemas.openxmlformats.org/presentationml/2006/main" xmlns:c="http://schemas.openxmlformats.org/drawingml/2006/chart" xmlns:dgm="http://schemas.openxmlformats.org/drawingml/2006/diagram" xmlns:o="urn:schemas-microsoft-com:office:office" xmlns:v="urn:schemas-microsoft-com:vml" xmlns:pvml="urn:schemas-microsoft-com:office:powerpoint" xmlns:com="http://schemas.openxmlformats.org/drawingml/2006/compatibility" xmlns:p14="http://schemas.microsoft.com/office/powerpoint/2010/main" xmlns:p15="http://schemas.microsoft.com/office/powerpoint/2012/main">
+<file path=ppt/slides/slide25.xml><?xml version="1.0" encoding="utf-8"?>
+<p:sld xmlns:a="http://schemas.openxmlformats.org/drawingml/2006/main" xmlns:r="http://schemas.openxmlformats.org/officeDocument/2006/relationships" xmlns:p="http://schemas.openxmlformats.org/presentationml/2006/main">
   <p:cSld>
     <p:spTree>
       <p:nvGrpSpPr>
-        <p:cNvPr id="199" name="Shape 199"/>
+        <p:cNvPr id="1" name="Shape 199"/>
         <p:cNvGrpSpPr/>
         <p:nvPr/>
       </p:nvGrpSpPr>
@@ -9593,7 +9992,9 @@
       <p:sp>
         <p:nvSpPr>
           <p:cNvPr id="200" name="Google Shape;200;p31"/>
-          <p:cNvSpPr txBox="1"/>
+          <p:cNvSpPr txBox="1">
+            <a:spLocks noGrp="1"/>
+          </p:cNvSpPr>
           <p:nvPr>
             <p:ph type="title"/>
           </p:nvPr>
@@ -9608,12 +10009,12 @@
           </a:prstGeom>
         </p:spPr>
         <p:txBody>
-          <a:bodyPr anchorCtr="0" anchor="b" bIns="91425" lIns="91425" spcFirstLastPara="1" rIns="91425" wrap="square" tIns="91425">
+          <a:bodyPr spcFirstLastPara="1" wrap="square" lIns="91425" tIns="91425" rIns="91425" bIns="91425" anchor="b" anchorCtr="0">
             <a:noAutofit/>
           </a:bodyPr>
           <a:lstStyle/>
           <a:p>
-            <a:pPr indent="0" lvl="0" marL="0" rtl="0" algn="l">
+            <a:pPr marL="0" lvl="0" indent="0" algn="l" rtl="0">
               <a:spcBef>
                 <a:spcPts val="0"/>
               </a:spcBef>
@@ -9633,9 +10034,11 @@
       <p:sp>
         <p:nvSpPr>
           <p:cNvPr id="201" name="Google Shape;201;p31"/>
-          <p:cNvSpPr txBox="1"/>
+          <p:cNvSpPr txBox="1">
+            <a:spLocks noGrp="1"/>
+          </p:cNvSpPr>
           <p:nvPr>
-            <p:ph idx="1" type="body"/>
+            <p:ph type="body" idx="1"/>
           </p:nvPr>
         </p:nvSpPr>
         <p:spPr>
@@ -9648,12 +10051,12 @@
           </a:prstGeom>
         </p:spPr>
         <p:txBody>
-          <a:bodyPr anchorCtr="0" anchor="t" bIns="91425" lIns="91425" spcFirstLastPara="1" rIns="91425" wrap="square" tIns="91425">
+          <a:bodyPr spcFirstLastPara="1" wrap="square" lIns="91425" tIns="91425" rIns="91425" bIns="91425" anchor="t" anchorCtr="0">
             <a:noAutofit/>
           </a:bodyPr>
           <a:lstStyle/>
           <a:p>
-            <a:pPr indent="0" lvl="0" marL="0" rtl="0" algn="l">
+            <a:pPr marL="0" lvl="0" indent="0" algn="l" rtl="0">
               <a:spcBef>
                 <a:spcPts val="600"/>
               </a:spcBef>
@@ -9669,7 +10072,7 @@
             <a:endParaRPr sz="2400"/>
           </a:p>
           <a:p>
-            <a:pPr indent="0" lvl="0" marL="0" rtl="0" algn="l">
+            <a:pPr marL="0" lvl="0" indent="0" algn="l" rtl="0">
               <a:spcBef>
                 <a:spcPts val="600"/>
               </a:spcBef>
@@ -9685,7 +10088,7 @@
             <a:endParaRPr sz="2400"/>
           </a:p>
           <a:p>
-            <a:pPr indent="0" lvl="0" marL="0" rtl="0" algn="l">
+            <a:pPr marL="0" lvl="0" indent="0" algn="l" rtl="0">
               <a:spcBef>
                 <a:spcPts val="600"/>
               </a:spcBef>
@@ -9701,7 +10104,7 @@
             <a:endParaRPr sz="2400"/>
           </a:p>
           <a:p>
-            <a:pPr indent="0" lvl="0" marL="0" rtl="0" algn="l">
+            <a:pPr marL="0" lvl="0" indent="0" algn="l" rtl="0">
               <a:spcBef>
                 <a:spcPts val="600"/>
               </a:spcBef>
@@ -9717,7 +10120,7 @@
             <a:endParaRPr sz="2400"/>
           </a:p>
           <a:p>
-            <a:pPr indent="0" lvl="0" marL="0" rtl="0" algn="l">
+            <a:pPr marL="0" lvl="0" indent="0" algn="l" rtl="0">
               <a:spcBef>
                 <a:spcPts val="600"/>
               </a:spcBef>
@@ -9733,7 +10136,7 @@
             <a:endParaRPr sz="2400"/>
           </a:p>
           <a:p>
-            <a:pPr indent="0" lvl="0" marL="0" rtl="0" algn="l">
+            <a:pPr marL="0" lvl="0" indent="0" algn="l" rtl="0">
               <a:spcBef>
                 <a:spcPts val="600"/>
               </a:spcBef>
@@ -9758,12 +10161,12 @@
 </p:sld>
 </file>
 
-<file path=ppt/slides/slide25.xml><?xml version="1.0" encoding="utf-8"?>
-<p:sld xmlns:a="http://schemas.openxmlformats.org/drawingml/2006/main" xmlns:r="http://schemas.openxmlformats.org/officeDocument/2006/relationships" xmlns:mc="http://schemas.openxmlformats.org/markup-compatibility/2006" xmlns:mv="urn:schemas-microsoft-com:mac:vml" xmlns:p="http://schemas.openxmlformats.org/presentationml/2006/main" xmlns:c="http://schemas.openxmlformats.org/drawingml/2006/chart" xmlns:dgm="http://schemas.openxmlformats.org/drawingml/2006/diagram" xmlns:o="urn:schemas-microsoft-com:office:office" xmlns:v="urn:schemas-microsoft-com:vml" xmlns:pvml="urn:schemas-microsoft-com:office:powerpoint" xmlns:com="http://schemas.openxmlformats.org/drawingml/2006/compatibility" xmlns:p14="http://schemas.microsoft.com/office/powerpoint/2010/main" xmlns:p15="http://schemas.microsoft.com/office/powerpoint/2012/main">
+<file path=ppt/slides/slide26.xml><?xml version="1.0" encoding="utf-8"?>
+<p:sld xmlns:a="http://schemas.openxmlformats.org/drawingml/2006/main" xmlns:r="http://schemas.openxmlformats.org/officeDocument/2006/relationships" xmlns:p="http://schemas.openxmlformats.org/presentationml/2006/main">
   <p:cSld>
     <p:spTree>
       <p:nvGrpSpPr>
-        <p:cNvPr id="205" name="Shape 205"/>
+        <p:cNvPr id="1" name="Shape 205"/>
         <p:cNvGrpSpPr/>
         <p:nvPr/>
       </p:nvGrpSpPr>
@@ -9778,7 +10181,9 @@
       <p:sp>
         <p:nvSpPr>
           <p:cNvPr id="206" name="Google Shape;206;p32"/>
-          <p:cNvSpPr txBox="1"/>
+          <p:cNvSpPr txBox="1">
+            <a:spLocks noGrp="1"/>
+          </p:cNvSpPr>
           <p:nvPr>
             <p:ph type="title"/>
           </p:nvPr>
@@ -9793,12 +10198,12 @@
           </a:prstGeom>
         </p:spPr>
         <p:txBody>
-          <a:bodyPr anchorCtr="0" anchor="b" bIns="91425" lIns="91425" spcFirstLastPara="1" rIns="91425" wrap="square" tIns="91425">
+          <a:bodyPr spcFirstLastPara="1" wrap="square" lIns="91425" tIns="91425" rIns="91425" bIns="91425" anchor="b" anchorCtr="0">
             <a:noAutofit/>
           </a:bodyPr>
           <a:lstStyle/>
           <a:p>
-            <a:pPr indent="0" lvl="0" marL="0" rtl="0" algn="l">
+            <a:pPr marL="0" lvl="0" indent="0" algn="l" rtl="0">
               <a:spcBef>
                 <a:spcPts val="0"/>
               </a:spcBef>
@@ -9818,9 +10223,11 @@
       <p:sp>
         <p:nvSpPr>
           <p:cNvPr id="207" name="Google Shape;207;p32"/>
-          <p:cNvSpPr txBox="1"/>
+          <p:cNvSpPr txBox="1">
+            <a:spLocks noGrp="1"/>
+          </p:cNvSpPr>
           <p:nvPr>
-            <p:ph idx="1" type="body"/>
+            <p:ph type="body" idx="1"/>
           </p:nvPr>
         </p:nvSpPr>
         <p:spPr>
@@ -9833,12 +10240,12 @@
           </a:prstGeom>
         </p:spPr>
         <p:txBody>
-          <a:bodyPr anchorCtr="0" anchor="t" bIns="91425" lIns="91425" spcFirstLastPara="1" rIns="91425" wrap="square" tIns="91425">
+          <a:bodyPr spcFirstLastPara="1" wrap="square" lIns="91425" tIns="91425" rIns="91425" bIns="91425" anchor="t" anchorCtr="0">
             <a:noAutofit/>
           </a:bodyPr>
           <a:lstStyle/>
           <a:p>
-            <a:pPr indent="0" lvl="0" marL="0" rtl="0" algn="l">
+            <a:pPr marL="0" lvl="0" indent="0" algn="l" rtl="0">
               <a:spcBef>
                 <a:spcPts val="600"/>
               </a:spcBef>
@@ -9854,7 +10261,7 @@
             <a:endParaRPr/>
           </a:p>
           <a:p>
-            <a:pPr indent="0" lvl="0" marL="0" rtl="0" algn="l">
+            <a:pPr marL="0" lvl="0" indent="0" algn="l" rtl="0">
               <a:spcBef>
                 <a:spcPts val="600"/>
               </a:spcBef>
@@ -9879,12 +10286,12 @@
 </p:sld>
 </file>
 
-<file path=ppt/slides/slide26.xml><?xml version="1.0" encoding="utf-8"?>
-<p:sld xmlns:a="http://schemas.openxmlformats.org/drawingml/2006/main" xmlns:r="http://schemas.openxmlformats.org/officeDocument/2006/relationships" xmlns:mc="http://schemas.openxmlformats.org/markup-compatibility/2006" xmlns:mv="urn:schemas-microsoft-com:mac:vml" xmlns:p="http://schemas.openxmlformats.org/presentationml/2006/main" xmlns:c="http://schemas.openxmlformats.org/drawingml/2006/chart" xmlns:dgm="http://schemas.openxmlformats.org/drawingml/2006/diagram" xmlns:o="urn:schemas-microsoft-com:office:office" xmlns:v="urn:schemas-microsoft-com:vml" xmlns:pvml="urn:schemas-microsoft-com:office:powerpoint" xmlns:com="http://schemas.openxmlformats.org/drawingml/2006/compatibility" xmlns:p14="http://schemas.microsoft.com/office/powerpoint/2010/main" xmlns:p15="http://schemas.microsoft.com/office/powerpoint/2012/main">
+<file path=ppt/slides/slide27.xml><?xml version="1.0" encoding="utf-8"?>
+<p:sld xmlns:a="http://schemas.openxmlformats.org/drawingml/2006/main" xmlns:r="http://schemas.openxmlformats.org/officeDocument/2006/relationships" xmlns:p="http://schemas.openxmlformats.org/presentationml/2006/main">
   <p:cSld>
     <p:spTree>
       <p:nvGrpSpPr>
-        <p:cNvPr id="211" name="Shape 211"/>
+        <p:cNvPr id="1" name="Shape 211"/>
         <p:cNvGrpSpPr/>
         <p:nvPr/>
       </p:nvGrpSpPr>
@@ -9899,7 +10306,9 @@
       <p:sp>
         <p:nvSpPr>
           <p:cNvPr id="212" name="Google Shape;212;p33"/>
-          <p:cNvSpPr txBox="1"/>
+          <p:cNvSpPr txBox="1">
+            <a:spLocks noGrp="1"/>
+          </p:cNvSpPr>
           <p:nvPr>
             <p:ph type="title"/>
           </p:nvPr>
@@ -9914,12 +10323,12 @@
           </a:prstGeom>
         </p:spPr>
         <p:txBody>
-          <a:bodyPr anchorCtr="0" anchor="b" bIns="91425" lIns="91425" spcFirstLastPara="1" rIns="91425" wrap="square" tIns="91425">
+          <a:bodyPr spcFirstLastPara="1" wrap="square" lIns="91425" tIns="91425" rIns="91425" bIns="91425" anchor="b" anchorCtr="0">
             <a:noAutofit/>
           </a:bodyPr>
           <a:lstStyle/>
           <a:p>
-            <a:pPr indent="0" lvl="0" marL="0" rtl="0" algn="l">
+            <a:pPr marL="0" lvl="0" indent="0" algn="l" rtl="0">
               <a:spcBef>
                 <a:spcPts val="0"/>
               </a:spcBef>
@@ -9939,9 +10348,11 @@
       <p:sp>
         <p:nvSpPr>
           <p:cNvPr id="213" name="Google Shape;213;p33"/>
-          <p:cNvSpPr txBox="1"/>
+          <p:cNvSpPr txBox="1">
+            <a:spLocks noGrp="1"/>
+          </p:cNvSpPr>
           <p:nvPr>
-            <p:ph idx="1" type="body"/>
+            <p:ph type="body" idx="1"/>
           </p:nvPr>
         </p:nvSpPr>
         <p:spPr>
@@ -9954,12 +10365,12 @@
           </a:prstGeom>
         </p:spPr>
         <p:txBody>
-          <a:bodyPr anchorCtr="0" anchor="t" bIns="91425" lIns="91425" spcFirstLastPara="1" rIns="91425" wrap="square" tIns="91425">
+          <a:bodyPr spcFirstLastPara="1" wrap="square" lIns="91425" tIns="91425" rIns="91425" bIns="91425" anchor="t" anchorCtr="0">
             <a:noAutofit/>
           </a:bodyPr>
           <a:lstStyle/>
           <a:p>
-            <a:pPr indent="0" lvl="0" marL="0" rtl="0" algn="l">
+            <a:pPr marL="0" lvl="0" indent="0" algn="l" rtl="0">
               <a:spcBef>
                 <a:spcPts val="600"/>
               </a:spcBef>
@@ -9975,7 +10386,7 @@
             <a:endParaRPr/>
           </a:p>
           <a:p>
-            <a:pPr indent="0" lvl="0" marL="0" rtl="0" algn="l">
+            <a:pPr marL="0" lvl="0" indent="0" algn="l" rtl="0">
               <a:spcBef>
                 <a:spcPts val="600"/>
               </a:spcBef>
@@ -9991,7 +10402,7 @@
             <a:endParaRPr/>
           </a:p>
           <a:p>
-            <a:pPr indent="0" lvl="0" marL="0" rtl="0" algn="l">
+            <a:pPr marL="0" lvl="0" indent="0" algn="l" rtl="0">
               <a:spcBef>
                 <a:spcPts val="600"/>
               </a:spcBef>
@@ -10007,7 +10418,7 @@
             <a:endParaRPr/>
           </a:p>
           <a:p>
-            <a:pPr indent="0" lvl="0" marL="0" rtl="0" algn="l">
+            <a:pPr marL="0" lvl="0" indent="0" algn="l" rtl="0">
               <a:spcBef>
                 <a:spcPts val="600"/>
               </a:spcBef>
@@ -10023,7 +10434,7 @@
             <a:endParaRPr/>
           </a:p>
           <a:p>
-            <a:pPr indent="0" lvl="0" marL="0" rtl="0" algn="l">
+            <a:pPr marL="0" lvl="0" indent="0" algn="l" rtl="0">
               <a:spcBef>
                 <a:spcPts val="600"/>
               </a:spcBef>
@@ -10039,7 +10450,7 @@
             <a:endParaRPr/>
           </a:p>
           <a:p>
-            <a:pPr indent="0" lvl="0" marL="0" rtl="0" algn="l">
+            <a:pPr marL="0" lvl="0" indent="0" algn="l" rtl="0">
               <a:spcBef>
                 <a:spcPts val="600"/>
               </a:spcBef>
@@ -10048,9 +10459,6 @@
               </a:spcAft>
               <a:buNone/>
             </a:pPr>
-            <a:r>
-              <a:t/>
-            </a:r>
             <a:endParaRPr/>
           </a:p>
         </p:txBody>
@@ -10063,12 +10471,12 @@
 </p:sld>
 </file>
 
-<file path=ppt/slides/slide27.xml><?xml version="1.0" encoding="utf-8"?>
-<p:sld xmlns:a="http://schemas.openxmlformats.org/drawingml/2006/main" xmlns:r="http://schemas.openxmlformats.org/officeDocument/2006/relationships" xmlns:mc="http://schemas.openxmlformats.org/markup-compatibility/2006" xmlns:mv="urn:schemas-microsoft-com:mac:vml" xmlns:p="http://schemas.openxmlformats.org/presentationml/2006/main" xmlns:c="http://schemas.openxmlformats.org/drawingml/2006/chart" xmlns:dgm="http://schemas.openxmlformats.org/drawingml/2006/diagram" xmlns:o="urn:schemas-microsoft-com:office:office" xmlns:v="urn:schemas-microsoft-com:vml" xmlns:pvml="urn:schemas-microsoft-com:office:powerpoint" xmlns:com="http://schemas.openxmlformats.org/drawingml/2006/compatibility" xmlns:p14="http://schemas.microsoft.com/office/powerpoint/2010/main" xmlns:p15="http://schemas.microsoft.com/office/powerpoint/2012/main">
+<file path=ppt/slides/slide28.xml><?xml version="1.0" encoding="utf-8"?>
+<p:sld xmlns:a="http://schemas.openxmlformats.org/drawingml/2006/main" xmlns:r="http://schemas.openxmlformats.org/officeDocument/2006/relationships" xmlns:p="http://schemas.openxmlformats.org/presentationml/2006/main">
   <p:cSld>
     <p:spTree>
       <p:nvGrpSpPr>
-        <p:cNvPr id="217" name="Shape 217"/>
+        <p:cNvPr id="1" name="Shape 217"/>
         <p:cNvGrpSpPr/>
         <p:nvPr/>
       </p:nvGrpSpPr>
@@ -10083,7 +10491,9 @@
       <p:sp>
         <p:nvSpPr>
           <p:cNvPr id="218" name="Google Shape;218;p34"/>
-          <p:cNvSpPr txBox="1"/>
+          <p:cNvSpPr txBox="1">
+            <a:spLocks noGrp="1"/>
+          </p:cNvSpPr>
           <p:nvPr>
             <p:ph type="title"/>
           </p:nvPr>
@@ -10098,12 +10508,12 @@
           </a:prstGeom>
         </p:spPr>
         <p:txBody>
-          <a:bodyPr anchorCtr="0" anchor="b" bIns="91425" lIns="91425" spcFirstLastPara="1" rIns="91425" wrap="square" tIns="91425">
+          <a:bodyPr spcFirstLastPara="1" wrap="square" lIns="91425" tIns="91425" rIns="91425" bIns="91425" anchor="b" anchorCtr="0">
             <a:noAutofit/>
           </a:bodyPr>
           <a:lstStyle/>
           <a:p>
-            <a:pPr indent="0" lvl="0" marL="0" rtl="0" algn="l">
+            <a:pPr marL="0" lvl="0" indent="0" algn="l" rtl="0">
               <a:spcBef>
                 <a:spcPts val="0"/>
               </a:spcBef>
@@ -10123,9 +10533,11 @@
       <p:sp>
         <p:nvSpPr>
           <p:cNvPr id="219" name="Google Shape;219;p34"/>
-          <p:cNvSpPr txBox="1"/>
+          <p:cNvSpPr txBox="1">
+            <a:spLocks noGrp="1"/>
+          </p:cNvSpPr>
           <p:nvPr>
-            <p:ph idx="1" type="body"/>
+            <p:ph type="body" idx="1"/>
           </p:nvPr>
         </p:nvSpPr>
         <p:spPr>
@@ -10138,12 +10550,12 @@
           </a:prstGeom>
         </p:spPr>
         <p:txBody>
-          <a:bodyPr anchorCtr="0" anchor="t" bIns="91425" lIns="91425" spcFirstLastPara="1" rIns="91425" wrap="square" tIns="91425">
+          <a:bodyPr spcFirstLastPara="1" wrap="square" lIns="91425" tIns="91425" rIns="91425" bIns="91425" anchor="t" anchorCtr="0">
             <a:noAutofit/>
           </a:bodyPr>
           <a:lstStyle/>
           <a:p>
-            <a:pPr indent="0" lvl="0" marL="0" rtl="0" algn="l">
+            <a:pPr marL="0" lvl="0" indent="0" algn="l" rtl="0">
               <a:spcBef>
                 <a:spcPts val="600"/>
               </a:spcBef>
@@ -10159,7 +10571,7 @@
             <a:endParaRPr/>
           </a:p>
           <a:p>
-            <a:pPr indent="0" lvl="0" marL="0" rtl="0" algn="l">
+            <a:pPr marL="0" lvl="0" indent="0" algn="l" rtl="0">
               <a:spcBef>
                 <a:spcPts val="600"/>
               </a:spcBef>
@@ -10175,7 +10587,7 @@
             <a:endParaRPr/>
           </a:p>
           <a:p>
-            <a:pPr indent="0" lvl="0" marL="0" rtl="0" algn="l">
+            <a:pPr marL="0" lvl="0" indent="0" algn="l" rtl="0">
               <a:spcBef>
                 <a:spcPts val="600"/>
               </a:spcBef>
@@ -10200,12 +10612,12 @@
 </p:sld>
 </file>
 
-<file path=ppt/slides/slide28.xml><?xml version="1.0" encoding="utf-8"?>
-<p:sld xmlns:a="http://schemas.openxmlformats.org/drawingml/2006/main" xmlns:r="http://schemas.openxmlformats.org/officeDocument/2006/relationships" xmlns:mc="http://schemas.openxmlformats.org/markup-compatibility/2006" xmlns:mv="urn:schemas-microsoft-com:mac:vml" xmlns:p="http://schemas.openxmlformats.org/presentationml/2006/main" xmlns:c="http://schemas.openxmlformats.org/drawingml/2006/chart" xmlns:dgm="http://schemas.openxmlformats.org/drawingml/2006/diagram" xmlns:o="urn:schemas-microsoft-com:office:office" xmlns:v="urn:schemas-microsoft-com:vml" xmlns:pvml="urn:schemas-microsoft-com:office:powerpoint" xmlns:com="http://schemas.openxmlformats.org/drawingml/2006/compatibility" xmlns:p14="http://schemas.microsoft.com/office/powerpoint/2010/main" xmlns:p15="http://schemas.microsoft.com/office/powerpoint/2012/main">
+<file path=ppt/slides/slide29.xml><?xml version="1.0" encoding="utf-8"?>
+<p:sld xmlns:a="http://schemas.openxmlformats.org/drawingml/2006/main" xmlns:r="http://schemas.openxmlformats.org/officeDocument/2006/relationships" xmlns:p="http://schemas.openxmlformats.org/presentationml/2006/main">
   <p:cSld>
     <p:spTree>
       <p:nvGrpSpPr>
-        <p:cNvPr id="223" name="Shape 223"/>
+        <p:cNvPr id="1" name="Shape 223"/>
         <p:cNvGrpSpPr/>
         <p:nvPr/>
       </p:nvGrpSpPr>
@@ -10220,7 +10632,9 @@
       <p:sp>
         <p:nvSpPr>
           <p:cNvPr id="224" name="Google Shape;224;p35"/>
-          <p:cNvSpPr txBox="1"/>
+          <p:cNvSpPr txBox="1">
+            <a:spLocks noGrp="1"/>
+          </p:cNvSpPr>
           <p:nvPr>
             <p:ph type="title"/>
           </p:nvPr>
@@ -10235,12 +10649,12 @@
           </a:prstGeom>
         </p:spPr>
         <p:txBody>
-          <a:bodyPr anchorCtr="0" anchor="b" bIns="91425" lIns="91425" spcFirstLastPara="1" rIns="91425" wrap="square" tIns="91425">
+          <a:bodyPr spcFirstLastPara="1" wrap="square" lIns="91425" tIns="91425" rIns="91425" bIns="91425" anchor="b" anchorCtr="0">
             <a:noAutofit/>
           </a:bodyPr>
           <a:lstStyle/>
           <a:p>
-            <a:pPr indent="0" lvl="0" marL="0" rtl="0" algn="l">
+            <a:pPr marL="0" lvl="0" indent="0" algn="l" rtl="0">
               <a:spcBef>
                 <a:spcPts val="0"/>
               </a:spcBef>
@@ -10260,9 +10674,11 @@
       <p:sp>
         <p:nvSpPr>
           <p:cNvPr id="225" name="Google Shape;225;p35"/>
-          <p:cNvSpPr txBox="1"/>
+          <p:cNvSpPr txBox="1">
+            <a:spLocks noGrp="1"/>
+          </p:cNvSpPr>
           <p:nvPr>
-            <p:ph idx="1" type="body"/>
+            <p:ph type="body" idx="1"/>
           </p:nvPr>
         </p:nvSpPr>
         <p:spPr>
@@ -10275,12 +10691,12 @@
           </a:prstGeom>
         </p:spPr>
         <p:txBody>
-          <a:bodyPr anchorCtr="0" anchor="t" bIns="91425" lIns="91425" spcFirstLastPara="1" rIns="91425" wrap="square" tIns="91425">
+          <a:bodyPr spcFirstLastPara="1" wrap="square" lIns="91425" tIns="91425" rIns="91425" bIns="91425" anchor="t" anchorCtr="0">
             <a:noAutofit/>
           </a:bodyPr>
           <a:lstStyle/>
           <a:p>
-            <a:pPr indent="0" lvl="0" marL="0" rtl="0" algn="l">
+            <a:pPr marL="0" lvl="0" indent="0" algn="l" rtl="0">
               <a:spcBef>
                 <a:spcPts val="600"/>
               </a:spcBef>
@@ -10290,13 +10706,13 @@
               <a:buNone/>
             </a:pPr>
             <a:r>
-              <a:rPr lang="en"/>
+              <a:rPr lang="en" sz="2400"/>
               <a:t>Go to the objects tab.</a:t>
             </a:r>
-            <a:endParaRPr/>
-          </a:p>
-          <a:p>
-            <a:pPr indent="0" lvl="0" marL="0" rtl="0" algn="l">
+            <a:endParaRPr sz="2400"/>
+          </a:p>
+          <a:p>
+            <a:pPr marL="0" lvl="0" indent="0" algn="l" rtl="0">
               <a:spcBef>
                 <a:spcPts val="600"/>
               </a:spcBef>
@@ -10306,13 +10722,13 @@
               <a:buNone/>
             </a:pPr>
             <a:r>
-              <a:rPr lang="en"/>
+              <a:rPr lang="en" sz="2400"/>
               <a:t>Click the legend you want to modify</a:t>
             </a:r>
-            <a:endParaRPr/>
-          </a:p>
-          <a:p>
-            <a:pPr indent="0" lvl="0" marL="0" rtl="0" algn="l">
+            <a:endParaRPr sz="2400"/>
+          </a:p>
+          <a:p>
+            <a:pPr marL="0" lvl="0" indent="0" algn="l" rtl="0">
               <a:spcBef>
                 <a:spcPts val="600"/>
               </a:spcBef>
@@ -10322,13 +10738,13 @@
               <a:buNone/>
             </a:pPr>
             <a:r>
-              <a:rPr lang="en"/>
+              <a:rPr lang="en" sz="2400"/>
               <a:t>Go to appearance, and unclick draw title and draw min/max.</a:t>
             </a:r>
-            <a:endParaRPr/>
-          </a:p>
-          <a:p>
-            <a:pPr indent="0" lvl="0" marL="0" rtl="0" algn="l">
+            <a:endParaRPr sz="2400"/>
+          </a:p>
+          <a:p>
+            <a:pPr marL="0" lvl="0" indent="0" algn="l" rtl="0">
               <a:spcBef>
                 <a:spcPts val="600"/>
               </a:spcBef>
@@ -10338,13 +10754,13 @@
               <a:buNone/>
             </a:pPr>
             <a:r>
-              <a:rPr lang="en"/>
+              <a:rPr lang="en" sz="2400"/>
               <a:t>Click position to move the legend around.</a:t>
             </a:r>
-            <a:endParaRPr/>
-          </a:p>
-          <a:p>
-            <a:pPr indent="0" lvl="0" marL="0" rtl="0" algn="l">
+            <a:endParaRPr sz="2400"/>
+          </a:p>
+          <a:p>
+            <a:pPr marL="0" lvl="0" indent="0" algn="l" rtl="0">
               <a:spcBef>
                 <a:spcPts val="600"/>
               </a:spcBef>
@@ -10354,10 +10770,10 @@
               <a:buNone/>
             </a:pPr>
             <a:r>
-              <a:rPr lang="en"/>
+              <a:rPr lang="en" sz="2400"/>
               <a:t>Under “Create New”, you can add text box or other things and move them around.</a:t>
             </a:r>
-            <a:endParaRPr/>
+            <a:endParaRPr sz="2400"/>
           </a:p>
         </p:txBody>
       </p:sp>
@@ -10369,12 +10785,12 @@
 </p:sld>
 </file>
 
-<file path=ppt/slides/slide29.xml><?xml version="1.0" encoding="utf-8"?>
-<p:sld xmlns:a="http://schemas.openxmlformats.org/drawingml/2006/main" xmlns:r="http://schemas.openxmlformats.org/officeDocument/2006/relationships" xmlns:mc="http://schemas.openxmlformats.org/markup-compatibility/2006" xmlns:mv="urn:schemas-microsoft-com:mac:vml" xmlns:p="http://schemas.openxmlformats.org/presentationml/2006/main" xmlns:c="http://schemas.openxmlformats.org/drawingml/2006/chart" xmlns:dgm="http://schemas.openxmlformats.org/drawingml/2006/diagram" xmlns:o="urn:schemas-microsoft-com:office:office" xmlns:v="urn:schemas-microsoft-com:vml" xmlns:pvml="urn:schemas-microsoft-com:office:powerpoint" xmlns:com="http://schemas.openxmlformats.org/drawingml/2006/compatibility" xmlns:p14="http://schemas.microsoft.com/office/powerpoint/2010/main" xmlns:p15="http://schemas.microsoft.com/office/powerpoint/2012/main">
+<file path=ppt/slides/slide3.xml><?xml version="1.0" encoding="utf-8"?>
+<p:sld xmlns:a="http://schemas.openxmlformats.org/drawingml/2006/main" xmlns:r="http://schemas.openxmlformats.org/officeDocument/2006/relationships" xmlns:p="http://schemas.openxmlformats.org/presentationml/2006/main">
   <p:cSld>
     <p:spTree>
       <p:nvGrpSpPr>
-        <p:cNvPr id="229" name="Shape 229"/>
+        <p:cNvPr id="1" name=""/>
         <p:cNvGrpSpPr/>
         <p:nvPr/>
       </p:nvGrpSpPr>
@@ -10388,117 +10804,71 @@
       </p:grpSpPr>
       <p:sp>
         <p:nvSpPr>
-          <p:cNvPr id="230" name="Google Shape;230;p36"/>
-          <p:cNvSpPr txBox="1"/>
+          <p:cNvPr id="2" name="Title 1"/>
+          <p:cNvSpPr>
+            <a:spLocks noGrp="1"/>
+          </p:cNvSpPr>
           <p:nvPr>
             <p:ph type="title"/>
           </p:nvPr>
         </p:nvSpPr>
-        <p:spPr>
-          <a:xfrm>
-            <a:off x="457200" y="205978"/>
-            <a:ext cx="8229600" cy="857400"/>
-          </a:xfrm>
-          <a:prstGeom prst="rect">
-            <a:avLst/>
-          </a:prstGeom>
-        </p:spPr>
+        <p:spPr/>
         <p:txBody>
-          <a:bodyPr anchorCtr="0" anchor="b" bIns="91425" lIns="91425" spcFirstLastPara="1" rIns="91425" wrap="square" tIns="91425">
-            <a:noAutofit/>
-          </a:bodyPr>
+          <a:bodyPr/>
           <a:lstStyle/>
           <a:p>
-            <a:pPr indent="0" lvl="0" marL="0" rtl="0" algn="l">
-              <a:spcBef>
-                <a:spcPts val="0"/>
-              </a:spcBef>
-              <a:spcAft>
-                <a:spcPts val="0"/>
-              </a:spcAft>
-              <a:buNone/>
-            </a:pPr>
-            <a:r>
-              <a:rPr lang="en"/>
-              <a:t>Save session as</a:t>
-            </a:r>
-            <a:endParaRPr/>
+            <a:r>
+              <a:rPr lang="en-US" dirty="0" smtClean="0"/>
+              <a:t>Get some sample data</a:t>
+            </a:r>
+            <a:endParaRPr lang="en-US" dirty="0"/>
           </a:p>
         </p:txBody>
       </p:sp>
       <p:sp>
         <p:nvSpPr>
-          <p:cNvPr id="231" name="Google Shape;231;p36"/>
-          <p:cNvSpPr txBox="1"/>
+          <p:cNvPr id="3" name="Text Placeholder 2"/>
+          <p:cNvSpPr>
+            <a:spLocks noGrp="1"/>
+          </p:cNvSpPr>
           <p:nvPr>
-            <p:ph idx="1" type="body"/>
+            <p:ph type="body" idx="1"/>
           </p:nvPr>
         </p:nvSpPr>
-        <p:spPr>
-          <a:xfrm>
-            <a:off x="457200" y="1200150"/>
-            <a:ext cx="8229600" cy="3725700"/>
-          </a:xfrm>
-          <a:prstGeom prst="rect">
-            <a:avLst/>
-          </a:prstGeom>
-        </p:spPr>
+        <p:spPr/>
         <p:txBody>
-          <a:bodyPr anchorCtr="0" anchor="t" bIns="91425" lIns="91425" spcFirstLastPara="1" rIns="91425" wrap="square" tIns="91425">
-            <a:noAutofit/>
-          </a:bodyPr>
+          <a:bodyPr/>
           <a:lstStyle/>
           <a:p>
-            <a:pPr indent="0" lvl="0" marL="0" rtl="0" algn="l">
-              <a:spcBef>
-                <a:spcPts val="600"/>
-              </a:spcBef>
-              <a:spcAft>
-                <a:spcPts val="0"/>
-              </a:spcAft>
-              <a:buNone/>
-            </a:pPr>
-            <a:r>
-              <a:rPr lang="en"/>
-              <a:t>Save your work as a visit session.</a:t>
-            </a:r>
-            <a:endParaRPr/>
-          </a:p>
-          <a:p>
-            <a:pPr indent="0" lvl="0" marL="0" rtl="0" algn="l">
-              <a:spcBef>
-                <a:spcPts val="600"/>
-              </a:spcBef>
-              <a:spcAft>
-                <a:spcPts val="0"/>
-              </a:spcAft>
-              <a:buNone/>
-            </a:pPr>
-            <a:r>
-              <a:rPr lang="en"/>
-              <a:t>Restore session will reopen it.</a:t>
-            </a:r>
-            <a:endParaRPr/>
-          </a:p>
-          <a:p>
-            <a:pPr indent="0" lvl="0" marL="0" rtl="0" algn="l">
-              <a:spcBef>
-                <a:spcPts val="600"/>
-              </a:spcBef>
-              <a:spcAft>
-                <a:spcPts val="0"/>
-              </a:spcAft>
-              <a:buNone/>
-            </a:pPr>
-            <a:r>
-              <a:rPr lang="en"/>
-              <a:t>Restore session with sources allows you to select different data.</a:t>
-            </a:r>
-            <a:endParaRPr/>
+            <a:r>
+              <a:rPr lang="en-US" sz="2400" dirty="0">
+                <a:hlinkClick r:id="rId2"/>
+              </a:rPr>
+              <a:t>https://</a:t>
+            </a:r>
+            <a:r>
+              <a:rPr lang="en-US" sz="2400" dirty="0" smtClean="0">
+                <a:hlinkClick r:id="rId2"/>
+              </a:rPr>
+              <a:t>drive.google.com/open?id=1thvMjhnjRB5gNtvCPoCX8T85-UShohyl</a:t>
+            </a:r>
+            <a:endParaRPr lang="en-US" sz="2400" dirty="0" smtClean="0"/>
+          </a:p>
+          <a:p>
+            <a:r>
+              <a:rPr lang="en-US" sz="2400" dirty="0" smtClean="0"/>
+              <a:t>This data is for a 2D simulation of flow past a triangle.</a:t>
+            </a:r>
+            <a:endParaRPr lang="en-US" sz="2400" dirty="0"/>
           </a:p>
         </p:txBody>
       </p:sp>
     </p:spTree>
+    <p:extLst>
+      <p:ext uri="{BB962C8B-B14F-4D97-AF65-F5344CB8AC3E}">
+        <p14:creationId xmlns:p14="http://schemas.microsoft.com/office/powerpoint/2010/main" val="2358655674"/>
+      </p:ext>
+    </p:extLst>
   </p:cSld>
   <p:clrMapOvr>
     <a:masterClrMapping/>
@@ -10506,12 +10876,12 @@
 </p:sld>
 </file>
 
-<file path=ppt/slides/slide3.xml><?xml version="1.0" encoding="utf-8"?>
-<p:sld xmlns:a="http://schemas.openxmlformats.org/drawingml/2006/main" xmlns:r="http://schemas.openxmlformats.org/officeDocument/2006/relationships" xmlns:mc="http://schemas.openxmlformats.org/markup-compatibility/2006" xmlns:mv="urn:schemas-microsoft-com:mac:vml" xmlns:p="http://schemas.openxmlformats.org/presentationml/2006/main" xmlns:c="http://schemas.openxmlformats.org/drawingml/2006/chart" xmlns:dgm="http://schemas.openxmlformats.org/drawingml/2006/diagram" xmlns:o="urn:schemas-microsoft-com:office:office" xmlns:v="urn:schemas-microsoft-com:vml" xmlns:pvml="urn:schemas-microsoft-com:office:powerpoint" xmlns:com="http://schemas.openxmlformats.org/drawingml/2006/compatibility" xmlns:p14="http://schemas.microsoft.com/office/powerpoint/2010/main" xmlns:p15="http://schemas.microsoft.com/office/powerpoint/2012/main">
+<file path=ppt/slides/slide30.xml><?xml version="1.0" encoding="utf-8"?>
+<p:sld xmlns:a="http://schemas.openxmlformats.org/drawingml/2006/main" xmlns:r="http://schemas.openxmlformats.org/officeDocument/2006/relationships" xmlns:p="http://schemas.openxmlformats.org/presentationml/2006/main">
   <p:cSld>
     <p:spTree>
       <p:nvGrpSpPr>
-        <p:cNvPr id="38" name="Shape 38"/>
+        <p:cNvPr id="1" name="Shape 229"/>
         <p:cNvGrpSpPr/>
         <p:nvPr/>
       </p:nvGrpSpPr>
@@ -10525,10 +10895,12 @@
       </p:grpSpPr>
       <p:sp>
         <p:nvSpPr>
-          <p:cNvPr id="39" name="Google Shape;39;p10"/>
-          <p:cNvSpPr txBox="1"/>
+          <p:cNvPr id="230" name="Google Shape;230;p36"/>
+          <p:cNvSpPr txBox="1">
+            <a:spLocks noGrp="1"/>
+          </p:cNvSpPr>
           <p:nvPr>
-            <p:ph idx="4294967295" type="title"/>
+            <p:ph type="title"/>
           </p:nvPr>
         </p:nvSpPr>
         <p:spPr>
@@ -10541,12 +10913,294 @@
           </a:prstGeom>
         </p:spPr>
         <p:txBody>
-          <a:bodyPr anchorCtr="0" anchor="b" bIns="91425" lIns="91425" spcFirstLastPara="1" rIns="91425" wrap="square" tIns="91425">
+          <a:bodyPr spcFirstLastPara="1" wrap="square" lIns="91425" tIns="91425" rIns="91425" bIns="91425" anchor="b" anchorCtr="0">
             <a:noAutofit/>
           </a:bodyPr>
           <a:lstStyle/>
           <a:p>
-            <a:pPr indent="0" lvl="0" marL="0" rtl="0" algn="l">
+            <a:pPr marL="0" lvl="0" indent="0" algn="l" rtl="0">
+              <a:spcBef>
+                <a:spcPts val="0"/>
+              </a:spcBef>
+              <a:spcAft>
+                <a:spcPts val="0"/>
+              </a:spcAft>
+              <a:buNone/>
+            </a:pPr>
+            <a:r>
+              <a:rPr lang="en"/>
+              <a:t>Save session as</a:t>
+            </a:r>
+            <a:endParaRPr/>
+          </a:p>
+        </p:txBody>
+      </p:sp>
+      <p:sp>
+        <p:nvSpPr>
+          <p:cNvPr id="231" name="Google Shape;231;p36"/>
+          <p:cNvSpPr txBox="1">
+            <a:spLocks noGrp="1"/>
+          </p:cNvSpPr>
+          <p:nvPr>
+            <p:ph type="body" idx="1"/>
+          </p:nvPr>
+        </p:nvSpPr>
+        <p:spPr>
+          <a:xfrm>
+            <a:off x="457200" y="1200150"/>
+            <a:ext cx="8229600" cy="3725700"/>
+          </a:xfrm>
+          <a:prstGeom prst="rect">
+            <a:avLst/>
+          </a:prstGeom>
+        </p:spPr>
+        <p:txBody>
+          <a:bodyPr spcFirstLastPara="1" wrap="square" lIns="91425" tIns="91425" rIns="91425" bIns="91425" anchor="t" anchorCtr="0">
+            <a:noAutofit/>
+          </a:bodyPr>
+          <a:lstStyle/>
+          <a:p>
+            <a:pPr marL="0" lvl="0" indent="0" algn="l" rtl="0">
+              <a:spcBef>
+                <a:spcPts val="600"/>
+              </a:spcBef>
+              <a:spcAft>
+                <a:spcPts val="0"/>
+              </a:spcAft>
+              <a:buNone/>
+            </a:pPr>
+            <a:r>
+              <a:rPr lang="en"/>
+              <a:t>Save your work as a visit session.</a:t>
+            </a:r>
+            <a:endParaRPr/>
+          </a:p>
+          <a:p>
+            <a:pPr marL="0" lvl="0" indent="0" algn="l" rtl="0">
+              <a:spcBef>
+                <a:spcPts val="600"/>
+              </a:spcBef>
+              <a:spcAft>
+                <a:spcPts val="0"/>
+              </a:spcAft>
+              <a:buNone/>
+            </a:pPr>
+            <a:r>
+              <a:rPr lang="en"/>
+              <a:t>Restore session will reopen it.</a:t>
+            </a:r>
+            <a:endParaRPr/>
+          </a:p>
+          <a:p>
+            <a:pPr marL="0" lvl="0" indent="0" algn="l" rtl="0">
+              <a:spcBef>
+                <a:spcPts val="600"/>
+              </a:spcBef>
+              <a:spcAft>
+                <a:spcPts val="0"/>
+              </a:spcAft>
+              <a:buNone/>
+            </a:pPr>
+            <a:r>
+              <a:rPr lang="en"/>
+              <a:t>Restore session with sources allows you to select different data.</a:t>
+            </a:r>
+            <a:endParaRPr/>
+          </a:p>
+        </p:txBody>
+      </p:sp>
+    </p:spTree>
+  </p:cSld>
+  <p:clrMapOvr>
+    <a:masterClrMapping/>
+  </p:clrMapOvr>
+</p:sld>
+</file>
+
+<file path=ppt/slides/slide31.xml><?xml version="1.0" encoding="utf-8"?>
+<p:sld xmlns:a="http://schemas.openxmlformats.org/drawingml/2006/main" xmlns:r="http://schemas.openxmlformats.org/officeDocument/2006/relationships" xmlns:p="http://schemas.openxmlformats.org/presentationml/2006/main">
+  <p:cSld>
+    <p:spTree>
+      <p:nvGrpSpPr>
+        <p:cNvPr id="1" name="Shape 235"/>
+        <p:cNvGrpSpPr/>
+        <p:nvPr/>
+      </p:nvGrpSpPr>
+      <p:grpSpPr>
+        <a:xfrm>
+          <a:off x="0" y="0"/>
+          <a:ext cx="0" cy="0"/>
+          <a:chOff x="0" y="0"/>
+          <a:chExt cx="0" cy="0"/>
+        </a:xfrm>
+      </p:grpSpPr>
+      <p:sp>
+        <p:nvSpPr>
+          <p:cNvPr id="236" name="Google Shape;236;p37"/>
+          <p:cNvSpPr txBox="1">
+            <a:spLocks noGrp="1"/>
+          </p:cNvSpPr>
+          <p:nvPr>
+            <p:ph type="title"/>
+          </p:nvPr>
+        </p:nvSpPr>
+        <p:spPr>
+          <a:xfrm>
+            <a:off x="457200" y="205978"/>
+            <a:ext cx="8229600" cy="857400"/>
+          </a:xfrm>
+          <a:prstGeom prst="rect">
+            <a:avLst/>
+          </a:prstGeom>
+        </p:spPr>
+        <p:txBody>
+          <a:bodyPr spcFirstLastPara="1" wrap="square" lIns="91425" tIns="91425" rIns="91425" bIns="91425" anchor="b" anchorCtr="0">
+            <a:noAutofit/>
+          </a:bodyPr>
+          <a:lstStyle/>
+          <a:p>
+            <a:pPr marL="0" lvl="0" indent="0" algn="l" rtl="0">
+              <a:spcBef>
+                <a:spcPts val="0"/>
+              </a:spcBef>
+              <a:spcAft>
+                <a:spcPts val="0"/>
+              </a:spcAft>
+              <a:buNone/>
+            </a:pPr>
+            <a:r>
+              <a:rPr lang="en"/>
+              <a:t>Making movies</a:t>
+            </a:r>
+            <a:endParaRPr/>
+          </a:p>
+        </p:txBody>
+      </p:sp>
+      <p:sp>
+        <p:nvSpPr>
+          <p:cNvPr id="237" name="Google Shape;237;p37"/>
+          <p:cNvSpPr txBox="1">
+            <a:spLocks noGrp="1"/>
+          </p:cNvSpPr>
+          <p:nvPr>
+            <p:ph type="body" idx="1"/>
+          </p:nvPr>
+        </p:nvSpPr>
+        <p:spPr>
+          <a:xfrm>
+            <a:off x="457200" y="1200150"/>
+            <a:ext cx="8229600" cy="3725700"/>
+          </a:xfrm>
+          <a:prstGeom prst="rect">
+            <a:avLst/>
+          </a:prstGeom>
+        </p:spPr>
+        <p:txBody>
+          <a:bodyPr spcFirstLastPara="1" wrap="square" lIns="91425" tIns="91425" rIns="91425" bIns="91425" anchor="t" anchorCtr="0">
+            <a:noAutofit/>
+          </a:bodyPr>
+          <a:lstStyle/>
+          <a:p>
+            <a:pPr marL="0" lvl="0" indent="0" algn="l" rtl="0">
+              <a:spcBef>
+                <a:spcPts val="600"/>
+              </a:spcBef>
+              <a:spcAft>
+                <a:spcPts val="0"/>
+              </a:spcAft>
+              <a:buNone/>
+            </a:pPr>
+            <a:r>
+              <a:rPr lang="en"/>
+              <a:t>Save as mpeg is not the best option.</a:t>
+            </a:r>
+            <a:endParaRPr/>
+          </a:p>
+          <a:p>
+            <a:pPr marL="0" lvl="0" indent="0" algn="l" rtl="0">
+              <a:spcBef>
+                <a:spcPts val="600"/>
+              </a:spcBef>
+              <a:spcAft>
+                <a:spcPts val="0"/>
+              </a:spcAft>
+              <a:buNone/>
+            </a:pPr>
+            <a:r>
+              <a:rPr lang="en"/>
+              <a:t>You can save movie, “new simple movie”, then select .PNG or .jpeg and it will save a set of images.</a:t>
+            </a:r>
+            <a:endParaRPr/>
+          </a:p>
+          <a:p>
+            <a:pPr marL="0" lvl="0" indent="0" algn="l" rtl="0">
+              <a:spcBef>
+                <a:spcPts val="600"/>
+              </a:spcBef>
+              <a:spcAft>
+                <a:spcPts val="0"/>
+              </a:spcAft>
+              <a:buNone/>
+            </a:pPr>
+            <a:r>
+              <a:rPr lang="en"/>
+              <a:t>Put the set of images back together as a movie using VirtualDub (free for PC) or Quicktime Pro.</a:t>
+            </a:r>
+            <a:endParaRPr/>
+          </a:p>
+        </p:txBody>
+      </p:sp>
+    </p:spTree>
+  </p:cSld>
+  <p:clrMapOvr>
+    <a:masterClrMapping/>
+  </p:clrMapOvr>
+</p:sld>
+</file>
+
+<file path=ppt/slides/slide4.xml><?xml version="1.0" encoding="utf-8"?>
+<p:sld xmlns:a="http://schemas.openxmlformats.org/drawingml/2006/main" xmlns:r="http://schemas.openxmlformats.org/officeDocument/2006/relationships" xmlns:p="http://schemas.openxmlformats.org/presentationml/2006/main">
+  <p:cSld>
+    <p:spTree>
+      <p:nvGrpSpPr>
+        <p:cNvPr id="1" name="Shape 38"/>
+        <p:cNvGrpSpPr/>
+        <p:nvPr/>
+      </p:nvGrpSpPr>
+      <p:grpSpPr>
+        <a:xfrm>
+          <a:off x="0" y="0"/>
+          <a:ext cx="0" cy="0"/>
+          <a:chOff x="0" y="0"/>
+          <a:chExt cx="0" cy="0"/>
+        </a:xfrm>
+      </p:grpSpPr>
+      <p:sp>
+        <p:nvSpPr>
+          <p:cNvPr id="39" name="Google Shape;39;p10"/>
+          <p:cNvSpPr txBox="1">
+            <a:spLocks noGrp="1"/>
+          </p:cNvSpPr>
+          <p:nvPr>
+            <p:ph type="title" idx="4294967295"/>
+          </p:nvPr>
+        </p:nvSpPr>
+        <p:spPr>
+          <a:xfrm>
+            <a:off x="457200" y="205978"/>
+            <a:ext cx="8229600" cy="857400"/>
+          </a:xfrm>
+          <a:prstGeom prst="rect">
+            <a:avLst/>
+          </a:prstGeom>
+        </p:spPr>
+        <p:txBody>
+          <a:bodyPr spcFirstLastPara="1" wrap="square" lIns="91425" tIns="91425" rIns="91425" bIns="91425" anchor="b" anchorCtr="0">
+            <a:noAutofit/>
+          </a:bodyPr>
+          <a:lstStyle/>
+          <a:p>
+            <a:pPr marL="0" lvl="0" indent="0" algn="l" rtl="0">
               <a:spcBef>
                 <a:spcPts val="0"/>
               </a:spcBef>
@@ -10583,12 +11237,12 @@
           </a:ln>
         </p:spPr>
         <p:txBody>
-          <a:bodyPr anchorCtr="0" anchor="t" bIns="91425" lIns="91425" spcFirstLastPara="1" rIns="91425" wrap="square" tIns="91425">
+          <a:bodyPr spcFirstLastPara="1" wrap="square" lIns="91425" tIns="91425" rIns="91425" bIns="91425" anchor="t" anchorCtr="0">
             <a:noAutofit/>
           </a:bodyPr>
           <a:lstStyle/>
           <a:p>
-            <a:pPr indent="0" lvl="0" marL="0" rtl="0" algn="l">
+            <a:pPr marL="0" lvl="0" indent="0" algn="l" rtl="0">
               <a:spcBef>
                 <a:spcPts val="0"/>
               </a:spcBef>
@@ -10606,7 +11260,7 @@
               <a:t>Next click on the </a:t>
             </a:r>
             <a:r>
-              <a:rPr i="1" lang="en" sz="1600">
+              <a:rPr lang="en" sz="1600" i="1">
                 <a:solidFill>
                   <a:schemeClr val="dk1"/>
                 </a:solidFill>
@@ -10622,7 +11276,7 @@
               <a:t> next to </a:t>
             </a:r>
             <a:r>
-              <a:rPr i="1" lang="en" sz="1600">
+              <a:rPr lang="en" sz="1600" i="1">
                 <a:solidFill>
                   <a:schemeClr val="dk1"/>
                 </a:solidFill>
@@ -10638,7 +11292,7 @@
               <a:t> and click on </a:t>
             </a:r>
             <a:r>
-              <a:rPr i="1" lang="en" sz="1600">
+              <a:rPr lang="en" sz="1600" i="1">
                 <a:solidFill>
                   <a:schemeClr val="dk1"/>
                 </a:solidFill>
@@ -10654,7 +11308,7 @@
               <a:t>and then UNCHECK the box that reads </a:t>
             </a:r>
             <a:r>
-              <a:rPr i="1" lang="en" sz="1600">
+              <a:rPr lang="en" sz="1600" i="1">
                 <a:solidFill>
                   <a:schemeClr val="dk1"/>
                 </a:solidFill>
@@ -10713,12 +11367,12 @@
 </p:sld>
 </file>
 
-<file path=ppt/slides/slide30.xml><?xml version="1.0" encoding="utf-8"?>
-<p:sld xmlns:a="http://schemas.openxmlformats.org/drawingml/2006/main" xmlns:r="http://schemas.openxmlformats.org/officeDocument/2006/relationships" xmlns:mc="http://schemas.openxmlformats.org/markup-compatibility/2006" xmlns:mv="urn:schemas-microsoft-com:mac:vml" xmlns:p="http://schemas.openxmlformats.org/presentationml/2006/main" xmlns:c="http://schemas.openxmlformats.org/drawingml/2006/chart" xmlns:dgm="http://schemas.openxmlformats.org/drawingml/2006/diagram" xmlns:o="urn:schemas-microsoft-com:office:office" xmlns:v="urn:schemas-microsoft-com:vml" xmlns:pvml="urn:schemas-microsoft-com:office:powerpoint" xmlns:com="http://schemas.openxmlformats.org/drawingml/2006/compatibility" xmlns:p14="http://schemas.microsoft.com/office/powerpoint/2010/main" xmlns:p15="http://schemas.microsoft.com/office/powerpoint/2012/main">
+<file path=ppt/slides/slide5.xml><?xml version="1.0" encoding="utf-8"?>
+<p:sld xmlns:a="http://schemas.openxmlformats.org/drawingml/2006/main" xmlns:r="http://schemas.openxmlformats.org/officeDocument/2006/relationships" xmlns:p="http://schemas.openxmlformats.org/presentationml/2006/main">
   <p:cSld>
     <p:spTree>
       <p:nvGrpSpPr>
-        <p:cNvPr id="235" name="Shape 235"/>
+        <p:cNvPr id="1" name="Shape 45"/>
         <p:cNvGrpSpPr/>
         <p:nvPr/>
       </p:nvGrpSpPr>
@@ -10732,143 +11386,6 @@
       </p:grpSpPr>
       <p:sp>
         <p:nvSpPr>
-          <p:cNvPr id="236" name="Google Shape;236;p37"/>
-          <p:cNvSpPr txBox="1"/>
-          <p:nvPr>
-            <p:ph type="title"/>
-          </p:nvPr>
-        </p:nvSpPr>
-        <p:spPr>
-          <a:xfrm>
-            <a:off x="457200" y="205978"/>
-            <a:ext cx="8229600" cy="857400"/>
-          </a:xfrm>
-          <a:prstGeom prst="rect">
-            <a:avLst/>
-          </a:prstGeom>
-        </p:spPr>
-        <p:txBody>
-          <a:bodyPr anchorCtr="0" anchor="b" bIns="91425" lIns="91425" spcFirstLastPara="1" rIns="91425" wrap="square" tIns="91425">
-            <a:noAutofit/>
-          </a:bodyPr>
-          <a:lstStyle/>
-          <a:p>
-            <a:pPr indent="0" lvl="0" marL="0" rtl="0" algn="l">
-              <a:spcBef>
-                <a:spcPts val="0"/>
-              </a:spcBef>
-              <a:spcAft>
-                <a:spcPts val="0"/>
-              </a:spcAft>
-              <a:buNone/>
-            </a:pPr>
-            <a:r>
-              <a:rPr lang="en"/>
-              <a:t>Making movies</a:t>
-            </a:r>
-            <a:endParaRPr/>
-          </a:p>
-        </p:txBody>
-      </p:sp>
-      <p:sp>
-        <p:nvSpPr>
-          <p:cNvPr id="237" name="Google Shape;237;p37"/>
-          <p:cNvSpPr txBox="1"/>
-          <p:nvPr>
-            <p:ph idx="1" type="body"/>
-          </p:nvPr>
-        </p:nvSpPr>
-        <p:spPr>
-          <a:xfrm>
-            <a:off x="457200" y="1200150"/>
-            <a:ext cx="8229600" cy="3725700"/>
-          </a:xfrm>
-          <a:prstGeom prst="rect">
-            <a:avLst/>
-          </a:prstGeom>
-        </p:spPr>
-        <p:txBody>
-          <a:bodyPr anchorCtr="0" anchor="t" bIns="91425" lIns="91425" spcFirstLastPara="1" rIns="91425" wrap="square" tIns="91425">
-            <a:noAutofit/>
-          </a:bodyPr>
-          <a:lstStyle/>
-          <a:p>
-            <a:pPr indent="0" lvl="0" marL="0" rtl="0" algn="l">
-              <a:spcBef>
-                <a:spcPts val="600"/>
-              </a:spcBef>
-              <a:spcAft>
-                <a:spcPts val="0"/>
-              </a:spcAft>
-              <a:buNone/>
-            </a:pPr>
-            <a:r>
-              <a:rPr lang="en"/>
-              <a:t>Save as mpeg is not the best option.</a:t>
-            </a:r>
-            <a:endParaRPr/>
-          </a:p>
-          <a:p>
-            <a:pPr indent="0" lvl="0" marL="0" rtl="0" algn="l">
-              <a:spcBef>
-                <a:spcPts val="600"/>
-              </a:spcBef>
-              <a:spcAft>
-                <a:spcPts val="0"/>
-              </a:spcAft>
-              <a:buNone/>
-            </a:pPr>
-            <a:r>
-              <a:rPr lang="en"/>
-              <a:t>You can save movie, “new simple movie”, then select .PNG or .jpeg and it will save a set of images.</a:t>
-            </a:r>
-            <a:endParaRPr/>
-          </a:p>
-          <a:p>
-            <a:pPr indent="0" lvl="0" marL="0" rtl="0" algn="l">
-              <a:spcBef>
-                <a:spcPts val="600"/>
-              </a:spcBef>
-              <a:spcAft>
-                <a:spcPts val="0"/>
-              </a:spcAft>
-              <a:buNone/>
-            </a:pPr>
-            <a:r>
-              <a:rPr lang="en"/>
-              <a:t>Put the set of images back together as a movie using VirtualDub (free for PC) or Quicktime Pro.</a:t>
-            </a:r>
-            <a:endParaRPr/>
-          </a:p>
-        </p:txBody>
-      </p:sp>
-    </p:spTree>
-  </p:cSld>
-  <p:clrMapOvr>
-    <a:masterClrMapping/>
-  </p:clrMapOvr>
-</p:sld>
-</file>
-
-<file path=ppt/slides/slide4.xml><?xml version="1.0" encoding="utf-8"?>
-<p:sld xmlns:a="http://schemas.openxmlformats.org/drawingml/2006/main" xmlns:r="http://schemas.openxmlformats.org/officeDocument/2006/relationships" xmlns:mc="http://schemas.openxmlformats.org/markup-compatibility/2006" xmlns:mv="urn:schemas-microsoft-com:mac:vml" xmlns:p="http://schemas.openxmlformats.org/presentationml/2006/main" xmlns:c="http://schemas.openxmlformats.org/drawingml/2006/chart" xmlns:dgm="http://schemas.openxmlformats.org/drawingml/2006/diagram" xmlns:o="urn:schemas-microsoft-com:office:office" xmlns:v="urn:schemas-microsoft-com:vml" xmlns:pvml="urn:schemas-microsoft-com:office:powerpoint" xmlns:com="http://schemas.openxmlformats.org/drawingml/2006/compatibility" xmlns:p14="http://schemas.microsoft.com/office/powerpoint/2010/main" xmlns:p15="http://schemas.microsoft.com/office/powerpoint/2012/main">
-  <p:cSld>
-    <p:spTree>
-      <p:nvGrpSpPr>
-        <p:cNvPr id="45" name="Shape 45"/>
-        <p:cNvGrpSpPr/>
-        <p:nvPr/>
-      </p:nvGrpSpPr>
-      <p:grpSpPr>
-        <a:xfrm>
-          <a:off x="0" y="0"/>
-          <a:ext cx="0" cy="0"/>
-          <a:chOff x="0" y="0"/>
-          <a:chExt cx="0" cy="0"/>
-        </a:xfrm>
-      </p:grpSpPr>
-      <p:sp>
-        <p:nvSpPr>
           <p:cNvPr id="46" name="Google Shape;46;p11"/>
           <p:cNvSpPr txBox="1"/>
           <p:nvPr/>
@@ -10887,12 +11404,12 @@
           </a:ln>
         </p:spPr>
         <p:txBody>
-          <a:bodyPr anchorCtr="0" anchor="t" bIns="91425" lIns="91425" spcFirstLastPara="1" rIns="91425" wrap="square" tIns="91425">
+          <a:bodyPr spcFirstLastPara="1" wrap="square" lIns="91425" tIns="91425" rIns="91425" bIns="91425" anchor="t" anchorCtr="0">
             <a:noAutofit/>
           </a:bodyPr>
           <a:lstStyle/>
           <a:p>
-            <a:pPr indent="0" lvl="0" marL="0" rtl="0" algn="l">
+            <a:pPr marL="0" lvl="0" indent="0" algn="l" rtl="0">
               <a:spcBef>
                 <a:spcPts val="0"/>
               </a:spcBef>
@@ -10910,7 +11427,7 @@
               <a:t>Now let’s begin throwing in our data! The first thing we need do open is the geometry files, i.e., the </a:t>
             </a:r>
             <a:r>
-              <a:rPr i="1" lang="en" sz="1600">
+              <a:rPr lang="en" sz="1600" i="1">
                 <a:solidFill>
                   <a:schemeClr val="dk1"/>
                 </a:solidFill>
@@ -10936,9 +11453,11 @@
       <p:sp>
         <p:nvSpPr>
           <p:cNvPr id="47" name="Google Shape;47;p11"/>
-          <p:cNvSpPr txBox="1"/>
+          <p:cNvSpPr txBox="1">
+            <a:spLocks noGrp="1"/>
+          </p:cNvSpPr>
           <p:nvPr>
-            <p:ph idx="4294967295" type="title"/>
+            <p:ph type="title" idx="4294967295"/>
           </p:nvPr>
         </p:nvSpPr>
         <p:spPr>
@@ -10951,12 +11470,12 @@
           </a:prstGeom>
         </p:spPr>
         <p:txBody>
-          <a:bodyPr anchorCtr="0" anchor="b" bIns="91425" lIns="91425" spcFirstLastPara="1" rIns="91425" wrap="square" tIns="91425">
+          <a:bodyPr spcFirstLastPara="1" wrap="square" lIns="91425" tIns="91425" rIns="91425" bIns="91425" anchor="b" anchorCtr="0">
             <a:noAutofit/>
           </a:bodyPr>
           <a:lstStyle/>
           <a:p>
-            <a:pPr indent="0" lvl="0" marL="0" rtl="0" algn="l">
+            <a:pPr marL="0" lvl="0" indent="0" algn="l" rtl="0">
               <a:spcBef>
                 <a:spcPts val="0"/>
               </a:spcBef>
@@ -11036,7 +11555,7 @@
           <p:nvPr/>
         </p:nvCxnSpPr>
         <p:spPr>
-          <a:xfrm flipH="1" rot="10800000">
+          <a:xfrm rot="10800000" flipH="1">
             <a:off x="595975" y="2617075"/>
             <a:ext cx="777300" cy="479400"/>
           </a:xfrm>
@@ -11044,14 +11563,14 @@
             <a:avLst/>
           </a:prstGeom>
           <a:noFill/>
-          <a:ln cap="flat" cmpd="sng" w="28575">
+          <a:ln w="28575" cap="flat" cmpd="sng">
             <a:solidFill>
               <a:srgbClr val="FF0000"/>
             </a:solidFill>
             <a:prstDash val="solid"/>
             <a:round/>
-            <a:headEnd len="med" w="med" type="none"/>
-            <a:tailEnd len="med" w="med" type="triangle"/>
+            <a:headEnd type="none" w="med" len="med"/>
+            <a:tailEnd type="triangle" w="med" len="med"/>
           </a:ln>
         </p:spPr>
       </p:cxnSp>
@@ -11063,12 +11582,12 @@
 </p:sld>
 </file>
 
-<file path=ppt/slides/slide5.xml><?xml version="1.0" encoding="utf-8"?>
-<p:sld xmlns:a="http://schemas.openxmlformats.org/drawingml/2006/main" xmlns:r="http://schemas.openxmlformats.org/officeDocument/2006/relationships" xmlns:mc="http://schemas.openxmlformats.org/markup-compatibility/2006" xmlns:mv="urn:schemas-microsoft-com:mac:vml" xmlns:p="http://schemas.openxmlformats.org/presentationml/2006/main" xmlns:c="http://schemas.openxmlformats.org/drawingml/2006/chart" xmlns:dgm="http://schemas.openxmlformats.org/drawingml/2006/diagram" xmlns:o="urn:schemas-microsoft-com:office:office" xmlns:v="urn:schemas-microsoft-com:vml" xmlns:pvml="urn:schemas-microsoft-com:office:powerpoint" xmlns:com="http://schemas.openxmlformats.org/drawingml/2006/compatibility" xmlns:p14="http://schemas.microsoft.com/office/powerpoint/2010/main" xmlns:p15="http://schemas.microsoft.com/office/powerpoint/2012/main">
+<file path=ppt/slides/slide6.xml><?xml version="1.0" encoding="utf-8"?>
+<p:sld xmlns:a="http://schemas.openxmlformats.org/drawingml/2006/main" xmlns:r="http://schemas.openxmlformats.org/officeDocument/2006/relationships" xmlns:p="http://schemas.openxmlformats.org/presentationml/2006/main">
   <p:cSld>
     <p:spTree>
       <p:nvGrpSpPr>
-        <p:cNvPr id="54" name="Shape 54"/>
+        <p:cNvPr id="1" name="Shape 54"/>
         <p:cNvGrpSpPr/>
         <p:nvPr/>
       </p:nvGrpSpPr>
@@ -11100,12 +11619,12 @@
           </a:ln>
         </p:spPr>
         <p:txBody>
-          <a:bodyPr anchorCtr="0" anchor="t" bIns="91425" lIns="91425" spcFirstLastPara="1" rIns="91425" wrap="square" tIns="91425">
+          <a:bodyPr spcFirstLastPara="1" wrap="square" lIns="91425" tIns="91425" rIns="91425" bIns="91425" anchor="t" anchorCtr="0">
             <a:noAutofit/>
           </a:bodyPr>
           <a:lstStyle/>
           <a:p>
-            <a:pPr indent="0" lvl="0" marL="0" rtl="0" algn="l">
+            <a:pPr marL="0" lvl="0" indent="0" algn="l" rtl="0">
               <a:spcBef>
                 <a:spcPts val="0"/>
               </a:spcBef>
@@ -11123,7 +11642,7 @@
               <a:t>Once you click </a:t>
             </a:r>
             <a:r>
-              <a:rPr i="1" lang="en" sz="1600">
+              <a:rPr lang="en" sz="1600" i="1">
                 <a:solidFill>
                   <a:schemeClr val="dk1"/>
                 </a:solidFill>
@@ -11145,7 +11664,7 @@
             </a:endParaRPr>
           </a:p>
           <a:p>
-            <a:pPr indent="0" lvl="0" marL="0" rtl="0" algn="l">
+            <a:pPr marL="0" lvl="0" indent="0" algn="l" rtl="0">
               <a:spcBef>
                 <a:spcPts val="0"/>
               </a:spcBef>
@@ -11169,7 +11688,7 @@
             </a:endParaRPr>
           </a:p>
           <a:p>
-            <a:pPr indent="0" lvl="0" marL="0" rtl="0" algn="l">
+            <a:pPr marL="0" lvl="0" indent="0" algn="l" rtl="0">
               <a:spcBef>
                 <a:spcPts val="0"/>
               </a:spcBef>
@@ -11187,7 +11706,7 @@
               <a:t>To do this first click the </a:t>
             </a:r>
             <a:r>
-              <a:rPr i="1" lang="en" sz="1600">
+              <a:rPr lang="en" sz="1600" i="1">
                 <a:solidFill>
                   <a:schemeClr val="dk1"/>
                 </a:solidFill>
@@ -11203,7 +11722,7 @@
               <a:t> button and then click on </a:t>
             </a:r>
             <a:r>
-              <a:rPr i="1" lang="en" sz="1600">
+              <a:rPr lang="en" sz="1600" i="1">
                 <a:solidFill>
                   <a:schemeClr val="dk1"/>
                 </a:solidFill>
@@ -11219,7 +11738,7 @@
               <a:t>under the </a:t>
             </a:r>
             <a:r>
-              <a:rPr i="1" lang="en" sz="1600">
+              <a:rPr lang="en" sz="1600" i="1">
                 <a:solidFill>
                   <a:schemeClr val="dk1"/>
                 </a:solidFill>
@@ -11235,7 +11754,7 @@
               <a:t>option. (Note that this file was called </a:t>
             </a:r>
             <a:r>
-              <a:rPr i="1" lang="en" sz="1600">
+              <a:rPr lang="en" sz="1600" i="1">
                 <a:solidFill>
                   <a:schemeClr val="dk1"/>
                 </a:solidFill>
@@ -11301,23 +11820,25 @@
             <a:avLst/>
           </a:prstGeom>
           <a:noFill/>
-          <a:ln cap="flat" cmpd="sng" w="28575">
+          <a:ln w="28575" cap="flat" cmpd="sng">
             <a:solidFill>
               <a:srgbClr val="FF0000"/>
             </a:solidFill>
             <a:prstDash val="solid"/>
             <a:round/>
-            <a:headEnd len="med" w="med" type="none"/>
-            <a:tailEnd len="med" w="med" type="triangle"/>
+            <a:headEnd type="none" w="med" len="med"/>
+            <a:tailEnd type="triangle" w="med" len="med"/>
           </a:ln>
         </p:spPr>
       </p:cxnSp>
       <p:sp>
         <p:nvSpPr>
           <p:cNvPr id="58" name="Google Shape;58;p12"/>
-          <p:cNvSpPr txBox="1"/>
+          <p:cNvSpPr txBox="1">
+            <a:spLocks noGrp="1"/>
+          </p:cNvSpPr>
           <p:nvPr>
-            <p:ph idx="4294967295" type="title"/>
+            <p:ph type="title" idx="4294967295"/>
           </p:nvPr>
         </p:nvSpPr>
         <p:spPr>
@@ -11330,12 +11851,12 @@
           </a:prstGeom>
         </p:spPr>
         <p:txBody>
-          <a:bodyPr anchorCtr="0" anchor="b" bIns="91425" lIns="91425" spcFirstLastPara="1" rIns="91425" wrap="square" tIns="91425">
+          <a:bodyPr spcFirstLastPara="1" wrap="square" lIns="91425" tIns="91425" rIns="91425" bIns="91425" anchor="b" anchorCtr="0">
             <a:noAutofit/>
           </a:bodyPr>
           <a:lstStyle/>
           <a:p>
-            <a:pPr indent="0" lvl="0" marL="0" rtl="0" algn="l">
+            <a:pPr marL="0" lvl="0" indent="0" algn="l" rtl="0">
               <a:spcBef>
                 <a:spcPts val="0"/>
               </a:spcBef>
@@ -11360,12 +11881,12 @@
 </p:sld>
 </file>
 
-<file path=ppt/slides/slide6.xml><?xml version="1.0" encoding="utf-8"?>
-<p:sld xmlns:a="http://schemas.openxmlformats.org/drawingml/2006/main" xmlns:r="http://schemas.openxmlformats.org/officeDocument/2006/relationships" xmlns:mc="http://schemas.openxmlformats.org/markup-compatibility/2006" xmlns:mv="urn:schemas-microsoft-com:mac:vml" xmlns:p="http://schemas.openxmlformats.org/presentationml/2006/main" xmlns:c="http://schemas.openxmlformats.org/drawingml/2006/chart" xmlns:dgm="http://schemas.openxmlformats.org/drawingml/2006/diagram" xmlns:o="urn:schemas-microsoft-com:office:office" xmlns:v="urn:schemas-microsoft-com:vml" xmlns:pvml="urn:schemas-microsoft-com:office:powerpoint" xmlns:com="http://schemas.openxmlformats.org/drawingml/2006/compatibility" xmlns:p14="http://schemas.microsoft.com/office/powerpoint/2010/main" xmlns:p15="http://schemas.microsoft.com/office/powerpoint/2012/main">
+<file path=ppt/slides/slide7.xml><?xml version="1.0" encoding="utf-8"?>
+<p:sld xmlns:a="http://schemas.openxmlformats.org/drawingml/2006/main" xmlns:r="http://schemas.openxmlformats.org/officeDocument/2006/relationships" xmlns:p="http://schemas.openxmlformats.org/presentationml/2006/main">
   <p:cSld>
     <p:spTree>
       <p:nvGrpSpPr>
-        <p:cNvPr id="62" name="Shape 62"/>
+        <p:cNvPr id="1" name="Shape 62"/>
         <p:cNvGrpSpPr/>
         <p:nvPr/>
       </p:nvGrpSpPr>
@@ -11380,7 +11901,9 @@
       <p:sp>
         <p:nvSpPr>
           <p:cNvPr id="63" name="Google Shape;63;p13"/>
-          <p:cNvSpPr txBox="1"/>
+          <p:cNvSpPr txBox="1">
+            <a:spLocks noGrp="1"/>
+          </p:cNvSpPr>
           <p:nvPr>
             <p:ph type="title"/>
           </p:nvPr>
@@ -11395,12 +11918,12 @@
           </a:prstGeom>
         </p:spPr>
         <p:txBody>
-          <a:bodyPr anchorCtr="0" anchor="b" bIns="91425" lIns="91425" spcFirstLastPara="1" rIns="91425" wrap="square" tIns="91425">
+          <a:bodyPr spcFirstLastPara="1" wrap="square" lIns="91425" tIns="91425" rIns="91425" bIns="91425" anchor="b" anchorCtr="0">
             <a:noAutofit/>
           </a:bodyPr>
           <a:lstStyle/>
           <a:p>
-            <a:pPr indent="0" lvl="0" marL="0" rtl="0" algn="l">
+            <a:pPr marL="0" lvl="0" indent="0" algn="l" rtl="0">
               <a:spcBef>
                 <a:spcPts val="0"/>
               </a:spcBef>
@@ -11437,12 +11960,12 @@
           </a:ln>
         </p:spPr>
         <p:txBody>
-          <a:bodyPr anchorCtr="0" anchor="t" bIns="91425" lIns="91425" spcFirstLastPara="1" rIns="91425" wrap="square" tIns="91425">
+          <a:bodyPr spcFirstLastPara="1" wrap="square" lIns="91425" tIns="91425" rIns="91425" bIns="91425" anchor="t" anchorCtr="0">
             <a:noAutofit/>
           </a:bodyPr>
           <a:lstStyle/>
           <a:p>
-            <a:pPr indent="0" lvl="0" marL="0" rtl="0" algn="l">
+            <a:pPr marL="0" lvl="0" indent="0" algn="l" rtl="0">
               <a:spcBef>
                 <a:spcPts val="0"/>
               </a:spcBef>
@@ -11460,7 +11983,7 @@
               <a:t> You will probably also notice that even though we opened the Lagrangian point file and added the </a:t>
             </a:r>
             <a:r>
-              <a:rPr i="1" lang="en" sz="1600">
+              <a:rPr lang="en" sz="1600" i="1">
                 <a:solidFill>
                   <a:schemeClr val="dk1"/>
                 </a:solidFill>
@@ -11476,7 +11999,7 @@
               <a:t> in Visit, nothing has shown up. Well now we will finally draw the geometry.  To do this, just click on the </a:t>
             </a:r>
             <a:r>
-              <a:rPr i="1" lang="en" sz="1600">
+              <a:rPr lang="en" sz="1600" i="1">
                 <a:solidFill>
                   <a:schemeClr val="dk1"/>
                 </a:solidFill>
@@ -11492,7 +12015,7 @@
               <a:t>-</a:t>
             </a:r>
             <a:r>
-              <a:rPr i="1" lang="en" sz="1600">
+              <a:rPr lang="en" sz="1600" i="1">
                 <a:solidFill>
                   <a:schemeClr val="dk1"/>
                 </a:solidFill>
@@ -11508,14 +12031,14 @@
               <a:t>part and click on </a:t>
             </a:r>
             <a:r>
-              <a:rPr i="1" lang="en" sz="1600">
+              <a:rPr lang="en" sz="1600" i="1">
                 <a:solidFill>
                   <a:schemeClr val="dk1"/>
                 </a:solidFill>
               </a:rPr>
               <a:t>Draw.</a:t>
             </a:r>
-            <a:endParaRPr i="1" sz="1600">
+            <a:endParaRPr sz="1600" i="1">
               <a:solidFill>
                 <a:schemeClr val="dk1"/>
               </a:solidFill>
@@ -11559,12 +12082,12 @@
 </p:sld>
 </file>
 
-<file path=ppt/slides/slide7.xml><?xml version="1.0" encoding="utf-8"?>
-<p:sld xmlns:a="http://schemas.openxmlformats.org/drawingml/2006/main" xmlns:r="http://schemas.openxmlformats.org/officeDocument/2006/relationships" xmlns:mc="http://schemas.openxmlformats.org/markup-compatibility/2006" xmlns:mv="urn:schemas-microsoft-com:mac:vml" xmlns:p="http://schemas.openxmlformats.org/presentationml/2006/main" xmlns:c="http://schemas.openxmlformats.org/drawingml/2006/chart" xmlns:dgm="http://schemas.openxmlformats.org/drawingml/2006/diagram" xmlns:o="urn:schemas-microsoft-com:office:office" xmlns:v="urn:schemas-microsoft-com:vml" xmlns:pvml="urn:schemas-microsoft-com:office:powerpoint" xmlns:com="http://schemas.openxmlformats.org/drawingml/2006/compatibility" xmlns:p14="http://schemas.microsoft.com/office/powerpoint/2010/main" xmlns:p15="http://schemas.microsoft.com/office/powerpoint/2012/main">
+<file path=ppt/slides/slide8.xml><?xml version="1.0" encoding="utf-8"?>
+<p:sld xmlns:a="http://schemas.openxmlformats.org/drawingml/2006/main" xmlns:r="http://schemas.openxmlformats.org/officeDocument/2006/relationships" xmlns:p="http://schemas.openxmlformats.org/presentationml/2006/main">
   <p:cSld>
     <p:spTree>
       <p:nvGrpSpPr>
-        <p:cNvPr id="69" name="Shape 69"/>
+        <p:cNvPr id="1" name="Shape 69"/>
         <p:cNvGrpSpPr/>
         <p:nvPr/>
       </p:nvGrpSpPr>
@@ -11579,7 +12102,9 @@
       <p:sp>
         <p:nvSpPr>
           <p:cNvPr id="70" name="Google Shape;70;p14"/>
-          <p:cNvSpPr txBox="1"/>
+          <p:cNvSpPr txBox="1">
+            <a:spLocks noGrp="1"/>
+          </p:cNvSpPr>
           <p:nvPr>
             <p:ph type="title"/>
           </p:nvPr>
@@ -11594,12 +12119,12 @@
           </a:prstGeom>
         </p:spPr>
         <p:txBody>
-          <a:bodyPr anchorCtr="0" anchor="b" bIns="91425" lIns="91425" spcFirstLastPara="1" rIns="91425" wrap="square" tIns="91425">
+          <a:bodyPr spcFirstLastPara="1" wrap="square" lIns="91425" tIns="91425" rIns="91425" bIns="91425" anchor="b" anchorCtr="0">
             <a:noAutofit/>
           </a:bodyPr>
           <a:lstStyle/>
           <a:p>
-            <a:pPr indent="0" lvl="0" marL="0" rtl="0" algn="l">
+            <a:pPr marL="0" lvl="0" indent="0" algn="l" rtl="0">
               <a:spcBef>
                 <a:spcPts val="0"/>
               </a:spcBef>
@@ -11652,12 +12177,12 @@
 </p:sld>
 </file>
 
-<file path=ppt/slides/slide8.xml><?xml version="1.0" encoding="utf-8"?>
-<p:sld xmlns:a="http://schemas.openxmlformats.org/drawingml/2006/main" xmlns:r="http://schemas.openxmlformats.org/officeDocument/2006/relationships" xmlns:mc="http://schemas.openxmlformats.org/markup-compatibility/2006" xmlns:mv="urn:schemas-microsoft-com:mac:vml" xmlns:p="http://schemas.openxmlformats.org/presentationml/2006/main" xmlns:c="http://schemas.openxmlformats.org/drawingml/2006/chart" xmlns:dgm="http://schemas.openxmlformats.org/drawingml/2006/diagram" xmlns:o="urn:schemas-microsoft-com:office:office" xmlns:v="urn:schemas-microsoft-com:vml" xmlns:pvml="urn:schemas-microsoft-com:office:powerpoint" xmlns:com="http://schemas.openxmlformats.org/drawingml/2006/compatibility" xmlns:p14="http://schemas.microsoft.com/office/powerpoint/2010/main" xmlns:p15="http://schemas.microsoft.com/office/powerpoint/2012/main">
+<file path=ppt/slides/slide9.xml><?xml version="1.0" encoding="utf-8"?>
+<p:sld xmlns:a="http://schemas.openxmlformats.org/drawingml/2006/main" xmlns:r="http://schemas.openxmlformats.org/officeDocument/2006/relationships" xmlns:p="http://schemas.openxmlformats.org/presentationml/2006/main">
   <p:cSld>
     <p:spTree>
       <p:nvGrpSpPr>
-        <p:cNvPr id="75" name="Shape 75"/>
+        <p:cNvPr id="1" name="Shape 75"/>
         <p:cNvGrpSpPr/>
         <p:nvPr/>
       </p:nvGrpSpPr>
@@ -11672,7 +12197,9 @@
       <p:sp>
         <p:nvSpPr>
           <p:cNvPr id="76" name="Google Shape;76;p15"/>
-          <p:cNvSpPr txBox="1"/>
+          <p:cNvSpPr txBox="1">
+            <a:spLocks noGrp="1"/>
+          </p:cNvSpPr>
           <p:nvPr>
             <p:ph type="title"/>
           </p:nvPr>
@@ -11687,12 +12214,12 @@
           </a:prstGeom>
         </p:spPr>
         <p:txBody>
-          <a:bodyPr anchorCtr="0" anchor="b" bIns="91425" lIns="91425" spcFirstLastPara="1" rIns="91425" wrap="square" tIns="91425">
+          <a:bodyPr spcFirstLastPara="1" wrap="square" lIns="91425" tIns="91425" rIns="91425" bIns="91425" anchor="b" anchorCtr="0">
             <a:noAutofit/>
           </a:bodyPr>
           <a:lstStyle/>
           <a:p>
-            <a:pPr indent="0" lvl="0" marL="0" rtl="0" algn="l">
+            <a:pPr marL="0" lvl="0" indent="0" algn="l" rtl="0">
               <a:spcBef>
                 <a:spcPts val="0"/>
               </a:spcBef>
@@ -11729,12 +12256,12 @@
           </a:ln>
         </p:spPr>
         <p:txBody>
-          <a:bodyPr anchorCtr="0" anchor="t" bIns="91425" lIns="91425" spcFirstLastPara="1" rIns="91425" wrap="square" tIns="91425">
+          <a:bodyPr spcFirstLastPara="1" wrap="square" lIns="91425" tIns="91425" rIns="91425" bIns="91425" anchor="t" anchorCtr="0">
             <a:noAutofit/>
           </a:bodyPr>
           <a:lstStyle/>
           <a:p>
-            <a:pPr indent="0" lvl="0" marL="0" rtl="0" algn="l">
+            <a:pPr marL="0" lvl="0" indent="0" algn="l" rtl="0">
               <a:spcBef>
                 <a:spcPts val="0"/>
               </a:spcBef>
@@ -11752,7 +12279,7 @@
               <a:t>First we need to open the data file called </a:t>
             </a:r>
             <a:r>
-              <a:rPr i="1" lang="en" sz="1600">
+              <a:rPr lang="en" sz="1600" i="1">
                 <a:solidFill>
                   <a:schemeClr val="dk1"/>
                 </a:solidFill>
@@ -11768,7 +12295,7 @@
               <a:t>, which contains all dynamical information from the simulation. We open this file in a similar manner to how we opened the </a:t>
             </a:r>
             <a:r>
-              <a:rPr i="1" lang="en" sz="1600">
+              <a:rPr lang="en" sz="1600" i="1">
                 <a:solidFill>
                   <a:schemeClr val="dk1"/>
                 </a:solidFill>
@@ -11784,7 +12311,7 @@
               <a:t> file earlier. Click the open tab, and then click the </a:t>
             </a:r>
             <a:r>
-              <a:rPr i="1" lang="en" sz="1600">
+              <a:rPr lang="en" sz="1600" i="1">
                 <a:solidFill>
                   <a:schemeClr val="dk1"/>
                 </a:solidFill>
@@ -11800,7 +12327,7 @@
               <a:t> file and </a:t>
             </a:r>
             <a:r>
-              <a:rPr i="1" lang="en" sz="1600">
+              <a:rPr lang="en" sz="1600" i="1">
                 <a:solidFill>
                   <a:schemeClr val="dk1"/>
                 </a:solidFill>
@@ -11859,183 +12386,8 @@
 </p:sld>
 </file>
 
-<file path=ppt/slides/slide9.xml><?xml version="1.0" encoding="utf-8"?>
-<p:sld xmlns:a="http://schemas.openxmlformats.org/drawingml/2006/main" xmlns:r="http://schemas.openxmlformats.org/officeDocument/2006/relationships" xmlns:mc="http://schemas.openxmlformats.org/markup-compatibility/2006" xmlns:mv="urn:schemas-microsoft-com:mac:vml" xmlns:p="http://schemas.openxmlformats.org/presentationml/2006/main" xmlns:c="http://schemas.openxmlformats.org/drawingml/2006/chart" xmlns:dgm="http://schemas.openxmlformats.org/drawingml/2006/diagram" xmlns:o="urn:schemas-microsoft-com:office:office" xmlns:v="urn:schemas-microsoft-com:vml" xmlns:pvml="urn:schemas-microsoft-com:office:powerpoint" xmlns:com="http://schemas.openxmlformats.org/drawingml/2006/compatibility" xmlns:p14="http://schemas.microsoft.com/office/powerpoint/2010/main" xmlns:p15="http://schemas.microsoft.com/office/powerpoint/2012/main">
-  <p:cSld>
-    <p:spTree>
-      <p:nvGrpSpPr>
-        <p:cNvPr id="82" name="Shape 82"/>
-        <p:cNvGrpSpPr/>
-        <p:nvPr/>
-      </p:nvGrpSpPr>
-      <p:grpSpPr>
-        <a:xfrm>
-          <a:off x="0" y="0"/>
-          <a:ext cx="0" cy="0"/>
-          <a:chOff x="0" y="0"/>
-          <a:chExt cx="0" cy="0"/>
-        </a:xfrm>
-      </p:grpSpPr>
-      <p:sp>
-        <p:nvSpPr>
-          <p:cNvPr id="83" name="Google Shape;83;p16"/>
-          <p:cNvSpPr txBox="1"/>
-          <p:nvPr>
-            <p:ph type="title"/>
-          </p:nvPr>
-        </p:nvSpPr>
-        <p:spPr>
-          <a:xfrm>
-            <a:off x="457200" y="3"/>
-            <a:ext cx="8229600" cy="857400"/>
-          </a:xfrm>
-          <a:prstGeom prst="rect">
-            <a:avLst/>
-          </a:prstGeom>
-        </p:spPr>
-        <p:txBody>
-          <a:bodyPr anchorCtr="0" anchor="b" bIns="91425" lIns="91425" spcFirstLastPara="1" rIns="91425" wrap="square" tIns="91425">
-            <a:noAutofit/>
-          </a:bodyPr>
-          <a:lstStyle/>
-          <a:p>
-            <a:pPr indent="0" lvl="0" marL="0" rtl="0" algn="l">
-              <a:spcBef>
-                <a:spcPts val="0"/>
-              </a:spcBef>
-              <a:spcAft>
-                <a:spcPts val="0"/>
-              </a:spcAft>
-              <a:buNone/>
-            </a:pPr>
-            <a:r>
-              <a:rPr lang="en"/>
-              <a:t>You should see the following</a:t>
-            </a:r>
-            <a:endParaRPr/>
-          </a:p>
-        </p:txBody>
-      </p:sp>
-      <p:pic>
-        <p:nvPicPr>
-          <p:cNvPr id="84" name="Google Shape;84;p16"/>
-          <p:cNvPicPr preferRelativeResize="0"/>
-          <p:nvPr/>
-        </p:nvPicPr>
-        <p:blipFill>
-          <a:blip r:embed="rId3">
-            <a:alphaModFix/>
-          </a:blip>
-          <a:stretch>
-            <a:fillRect/>
-          </a:stretch>
-        </p:blipFill>
-        <p:spPr>
-          <a:xfrm>
-            <a:off x="2283800" y="2139725"/>
-            <a:ext cx="4453275" cy="2870325"/>
-          </a:xfrm>
-          <a:prstGeom prst="rect">
-            <a:avLst/>
-          </a:prstGeom>
-          <a:noFill/>
-          <a:ln>
-            <a:noFill/>
-          </a:ln>
-        </p:spPr>
-      </p:pic>
-      <p:sp>
-        <p:nvSpPr>
-          <p:cNvPr id="85" name="Google Shape;85;p16"/>
-          <p:cNvSpPr txBox="1"/>
-          <p:nvPr/>
-        </p:nvSpPr>
-        <p:spPr>
-          <a:xfrm>
-            <a:off x="509025" y="752425"/>
-            <a:ext cx="8229600" cy="3000000"/>
-          </a:xfrm>
-          <a:prstGeom prst="rect">
-            <a:avLst/>
-          </a:prstGeom>
-          <a:noFill/>
-          <a:ln>
-            <a:noFill/>
-          </a:ln>
-        </p:spPr>
-        <p:txBody>
-          <a:bodyPr anchorCtr="0" anchor="t" bIns="91425" lIns="91425" spcFirstLastPara="1" rIns="91425" wrap="square" tIns="91425">
-            <a:noAutofit/>
-          </a:bodyPr>
-          <a:lstStyle/>
-          <a:p>
-            <a:pPr indent="0" lvl="0" marL="0" rtl="0" algn="l">
-              <a:spcBef>
-                <a:spcPts val="0"/>
-              </a:spcBef>
-              <a:spcAft>
-                <a:spcPts val="0"/>
-              </a:spcAft>
-              <a:buNone/>
-            </a:pPr>
-            <a:r>
-              <a:rPr lang="en">
-                <a:solidFill>
-                  <a:schemeClr val="dk1"/>
-                </a:solidFill>
-              </a:rPr>
-              <a:t>You will now see colored boxes that show up are large regions that involve different levels of the adaptive mesh. If you </a:t>
-            </a:r>
-            <a:r>
-              <a:rPr i="1" lang="en">
-                <a:solidFill>
-                  <a:schemeClr val="dk1"/>
-                </a:solidFill>
-              </a:rPr>
-              <a:t>play</a:t>
-            </a:r>
-            <a:r>
-              <a:rPr lang="en">
-                <a:solidFill>
-                  <a:schemeClr val="dk1"/>
-                </a:solidFill>
-              </a:rPr>
-              <a:t> the simulation now, you still won’t see any interesting dynamics, but you can see how different levels of the adaptive mesh refinement change to capture better resolution during the course of the simulation in certain areas. However, these boxes will get in the way of seeing a lot of the dynamics, so click of the </a:t>
-            </a:r>
-            <a:r>
-              <a:rPr i="1" lang="en">
-                <a:solidFill>
-                  <a:schemeClr val="dk1"/>
-                </a:solidFill>
-              </a:rPr>
-              <a:t>Hide/Show</a:t>
-            </a:r>
-            <a:r>
-              <a:rPr lang="en">
-                <a:solidFill>
-                  <a:schemeClr val="dk1"/>
-                </a:solidFill>
-              </a:rPr>
-              <a:t> button to hide them.</a:t>
-            </a:r>
-            <a:endParaRPr>
-              <a:solidFill>
-                <a:schemeClr val="dk1"/>
-              </a:solidFill>
-            </a:endParaRPr>
-          </a:p>
-        </p:txBody>
-      </p:sp>
-    </p:spTree>
-  </p:cSld>
-  <p:clrMapOvr>
-    <a:masterClrMapping/>
-  </p:clrMapOvr>
-</p:sld>
-</file>
-
 <file path=ppt/theme/theme1.xml><?xml version="1.0" encoding="utf-8"?>
-<a:theme xmlns:a="http://schemas.openxmlformats.org/drawingml/2006/main" xmlns:r="http://schemas.openxmlformats.org/officeDocument/2006/relationships" name="Simple Light">
+<a:theme xmlns:a="http://schemas.openxmlformats.org/drawingml/2006/main" name="Simple Light">
   <a:themeElements>
     <a:clrScheme name="Custom 347">
       <a:dk1>
@@ -12310,11 +12662,13 @@
       </a:bgFillStyleLst>
     </a:fmtScheme>
   </a:themeElements>
+  <a:objectDefaults/>
+  <a:extraClrSchemeLst/>
 </a:theme>
 </file>
 
 <file path=ppt/theme/theme2.xml><?xml version="1.0" encoding="utf-8"?>
-<a:theme xmlns:a="http://schemas.openxmlformats.org/drawingml/2006/main" xmlns:r="http://schemas.openxmlformats.org/officeDocument/2006/relationships">
+<a:theme xmlns:a="http://schemas.openxmlformats.org/drawingml/2006/main">
   <a:themeElements>
     <a:clrScheme name="Default">
       <a:dk1>
@@ -12589,5 +12943,7 @@
       </a:bgFillStyleLst>
     </a:fmtScheme>
   </a:themeElements>
+  <a:objectDefaults/>
+  <a:extraClrSchemeLst/>
 </a:theme>
 </file>